--- a/20230623pre.pptx
+++ b/20230623pre.pptx
@@ -8,26 +8,25 @@
     <p:sldId id="256" r:id="rId2"/>
     <p:sldId id="257" r:id="rId3"/>
     <p:sldId id="258" r:id="rId4"/>
-    <p:sldId id="259" r:id="rId5"/>
-    <p:sldId id="260" r:id="rId6"/>
-    <p:sldId id="262" r:id="rId7"/>
+    <p:sldId id="260" r:id="rId5"/>
+    <p:sldId id="262" r:id="rId6"/>
+    <p:sldId id="282" r:id="rId7"/>
     <p:sldId id="263" r:id="rId8"/>
-    <p:sldId id="278" r:id="rId9"/>
+    <p:sldId id="279" r:id="rId9"/>
     <p:sldId id="264" r:id="rId10"/>
     <p:sldId id="265" r:id="rId11"/>
     <p:sldId id="261" r:id="rId12"/>
     <p:sldId id="266" r:id="rId13"/>
     <p:sldId id="268" r:id="rId14"/>
-    <p:sldId id="269" r:id="rId15"/>
-    <p:sldId id="270" r:id="rId16"/>
-    <p:sldId id="271" r:id="rId17"/>
-    <p:sldId id="272" r:id="rId18"/>
-    <p:sldId id="267" r:id="rId19"/>
-    <p:sldId id="273" r:id="rId20"/>
-    <p:sldId id="274" r:id="rId21"/>
-    <p:sldId id="275" r:id="rId22"/>
-    <p:sldId id="276" r:id="rId23"/>
-    <p:sldId id="277" r:id="rId24"/>
+    <p:sldId id="281" r:id="rId15"/>
+    <p:sldId id="269" r:id="rId16"/>
+    <p:sldId id="270" r:id="rId17"/>
+    <p:sldId id="271" r:id="rId18"/>
+    <p:sldId id="272" r:id="rId19"/>
+    <p:sldId id="267" r:id="rId20"/>
+    <p:sldId id="273" r:id="rId21"/>
+    <p:sldId id="274" r:id="rId22"/>
+    <p:sldId id="275" r:id="rId23"/>
   </p:sldIdLst>
   <p:sldSz cx="12192000" cy="6858000"/>
   <p:notesSz cx="6858000" cy="9144000"/>
@@ -126,7 +125,1483 @@
       </a:defRPr>
     </a:lvl9pPr>
   </p:defaultTextStyle>
+  <p:extLst>
+    <p:ext uri="{EFAFB233-063F-42B5-8137-9DF3F51BA10A}">
+      <p15:sldGuideLst xmlns:p15="http://schemas.microsoft.com/office/powerpoint/2012/main"/>
+    </p:ext>
+  </p:extLst>
 </p:presentation>
+</file>
+
+<file path=ppt/changesInfos/changesInfo1.xml><?xml version="1.0" encoding="utf-8"?>
+<pc:chgInfo xmlns:a="http://schemas.openxmlformats.org/drawingml/2006/main" xmlns:r="http://schemas.openxmlformats.org/officeDocument/2006/relationships" xmlns:ac="http://schemas.microsoft.com/office/drawing/2013/main/command" xmlns:pc="http://schemas.microsoft.com/office/powerpoint/2013/main/command">
+  <pc:docChgLst>
+    <pc:chgData name="明阳 阮" userId="a4dcf2889a22c6f9" providerId="LiveId" clId="{A86D5202-7040-4BE9-A259-0D0906DA0EEF}"/>
+    <pc:docChg chg="undo redo custSel addSld delSld modSld sldOrd">
+      <pc:chgData name="明阳 阮" userId="a4dcf2889a22c6f9" providerId="LiveId" clId="{A86D5202-7040-4BE9-A259-0D0906DA0EEF}" dt="2023-06-27T07:32:23.384" v="3569"/>
+      <pc:docMkLst>
+        <pc:docMk/>
+      </pc:docMkLst>
+      <pc:sldChg chg="delSp modSp mod">
+        <pc:chgData name="明阳 阮" userId="a4dcf2889a22c6f9" providerId="LiveId" clId="{A86D5202-7040-4BE9-A259-0D0906DA0EEF}" dt="2023-06-27T04:26:27.752" v="2034" actId="27636"/>
+        <pc:sldMkLst>
+          <pc:docMk/>
+          <pc:sldMk cId="3425265946" sldId="256"/>
+        </pc:sldMkLst>
+        <pc:spChg chg="mod">
+          <ac:chgData name="明阳 阮" userId="a4dcf2889a22c6f9" providerId="LiveId" clId="{A86D5202-7040-4BE9-A259-0D0906DA0EEF}" dt="2023-06-27T04:26:27.752" v="2034" actId="27636"/>
+          <ac:spMkLst>
+            <pc:docMk/>
+            <pc:sldMk cId="3425265946" sldId="256"/>
+            <ac:spMk id="2" creationId="{32239A00-9CB7-30DE-BC5C-0305485D571E}"/>
+          </ac:spMkLst>
+        </pc:spChg>
+        <pc:spChg chg="del">
+          <ac:chgData name="明阳 阮" userId="a4dcf2889a22c6f9" providerId="LiveId" clId="{A86D5202-7040-4BE9-A259-0D0906DA0EEF}" dt="2023-06-26T09:00:06.486" v="1776" actId="478"/>
+          <ac:spMkLst>
+            <pc:docMk/>
+            <pc:sldMk cId="3425265946" sldId="256"/>
+            <ac:spMk id="3" creationId="{EC1CEA3E-F89F-B9B7-44B1-C73D4BBC55DE}"/>
+          </ac:spMkLst>
+        </pc:spChg>
+      </pc:sldChg>
+      <pc:sldChg chg="addSp delSp modSp mod">
+        <pc:chgData name="明阳 阮" userId="a4dcf2889a22c6f9" providerId="LiveId" clId="{A86D5202-7040-4BE9-A259-0D0906DA0EEF}" dt="2023-06-27T06:31:11.392" v="3121" actId="20577"/>
+        <pc:sldMkLst>
+          <pc:docMk/>
+          <pc:sldMk cId="3061888568" sldId="257"/>
+        </pc:sldMkLst>
+        <pc:spChg chg="mod">
+          <ac:chgData name="明阳 阮" userId="a4dcf2889a22c6f9" providerId="LiveId" clId="{A86D5202-7040-4BE9-A259-0D0906DA0EEF}" dt="2023-06-27T06:31:11.392" v="3121" actId="20577"/>
+          <ac:spMkLst>
+            <pc:docMk/>
+            <pc:sldMk cId="3061888568" sldId="257"/>
+            <ac:spMk id="3" creationId="{0D23EB82-F72D-EE43-70D3-C80CFA2C215B}"/>
+          </ac:spMkLst>
+        </pc:spChg>
+        <pc:spChg chg="add mod">
+          <ac:chgData name="明阳 阮" userId="a4dcf2889a22c6f9" providerId="LiveId" clId="{A86D5202-7040-4BE9-A259-0D0906DA0EEF}" dt="2023-06-27T05:14:13.413" v="2450" actId="20577"/>
+          <ac:spMkLst>
+            <pc:docMk/>
+            <pc:sldMk cId="3061888568" sldId="257"/>
+            <ac:spMk id="4" creationId="{197C09E7-C388-EA25-94B7-BFA161D9BE14}"/>
+          </ac:spMkLst>
+        </pc:spChg>
+        <pc:graphicFrameChg chg="add del mod modGraphic">
+          <ac:chgData name="明阳 阮" userId="a4dcf2889a22c6f9" providerId="LiveId" clId="{A86D5202-7040-4BE9-A259-0D0906DA0EEF}" dt="2023-06-26T08:56:46.770" v="1683" actId="3680"/>
+          <ac:graphicFrameMkLst>
+            <pc:docMk/>
+            <pc:sldMk cId="3061888568" sldId="257"/>
+            <ac:graphicFrameMk id="4" creationId="{AC729A08-2BDA-27A8-ACAD-025EE39624C8}"/>
+          </ac:graphicFrameMkLst>
+        </pc:graphicFrameChg>
+        <pc:graphicFrameChg chg="add mod modGraphic">
+          <ac:chgData name="明阳 阮" userId="a4dcf2889a22c6f9" providerId="LiveId" clId="{A86D5202-7040-4BE9-A259-0D0906DA0EEF}" dt="2023-06-27T05:06:58.758" v="2348" actId="20577"/>
+          <ac:graphicFrameMkLst>
+            <pc:docMk/>
+            <pc:sldMk cId="3061888568" sldId="257"/>
+            <ac:graphicFrameMk id="5" creationId="{BBF840AF-B0AB-57A6-BD72-846CFBC526D9}"/>
+          </ac:graphicFrameMkLst>
+        </pc:graphicFrameChg>
+      </pc:sldChg>
+      <pc:sldChg chg="addSp modSp mod">
+        <pc:chgData name="明阳 阮" userId="a4dcf2889a22c6f9" providerId="LiveId" clId="{A86D5202-7040-4BE9-A259-0D0906DA0EEF}" dt="2023-06-27T06:24:42.704" v="3051" actId="20577"/>
+        <pc:sldMkLst>
+          <pc:docMk/>
+          <pc:sldMk cId="2472593964" sldId="258"/>
+        </pc:sldMkLst>
+        <pc:spChg chg="mod">
+          <ac:chgData name="明阳 阮" userId="a4dcf2889a22c6f9" providerId="LiveId" clId="{A86D5202-7040-4BE9-A259-0D0906DA0EEF}" dt="2023-06-26T09:00:18.217" v="1777" actId="20577"/>
+          <ac:spMkLst>
+            <pc:docMk/>
+            <pc:sldMk cId="2472593964" sldId="258"/>
+            <ac:spMk id="2" creationId="{865230BE-9D1C-663C-41F2-E37E11AD0DA5}"/>
+          </ac:spMkLst>
+        </pc:spChg>
+        <pc:spChg chg="mod">
+          <ac:chgData name="明阳 阮" userId="a4dcf2889a22c6f9" providerId="LiveId" clId="{A86D5202-7040-4BE9-A259-0D0906DA0EEF}" dt="2023-06-27T06:24:29.845" v="3048" actId="20577"/>
+          <ac:spMkLst>
+            <pc:docMk/>
+            <pc:sldMk cId="2472593964" sldId="258"/>
+            <ac:spMk id="3" creationId="{B3FDFA76-8941-06B7-43D4-52D99E4A290A}"/>
+          </ac:spMkLst>
+        </pc:spChg>
+        <pc:spChg chg="add mod">
+          <ac:chgData name="明阳 阮" userId="a4dcf2889a22c6f9" providerId="LiveId" clId="{A86D5202-7040-4BE9-A259-0D0906DA0EEF}" dt="2023-06-27T05:18:57.556" v="2597" actId="1076"/>
+          <ac:spMkLst>
+            <pc:docMk/>
+            <pc:sldMk cId="2472593964" sldId="258"/>
+            <ac:spMk id="4" creationId="{E0E831FE-0707-F00E-996E-EA15BA62D9CF}"/>
+          </ac:spMkLst>
+        </pc:spChg>
+        <pc:spChg chg="add mod">
+          <ac:chgData name="明阳 阮" userId="a4dcf2889a22c6f9" providerId="LiveId" clId="{A86D5202-7040-4BE9-A259-0D0906DA0EEF}" dt="2023-06-27T05:18:57.556" v="2597" actId="1076"/>
+          <ac:spMkLst>
+            <pc:docMk/>
+            <pc:sldMk cId="2472593964" sldId="258"/>
+            <ac:spMk id="5" creationId="{454908D4-A28D-A701-3741-6F8EE418E62D}"/>
+          </ac:spMkLst>
+        </pc:spChg>
+        <pc:spChg chg="add mod">
+          <ac:chgData name="明阳 阮" userId="a4dcf2889a22c6f9" providerId="LiveId" clId="{A86D5202-7040-4BE9-A259-0D0906DA0EEF}" dt="2023-06-27T05:18:57.556" v="2597" actId="1076"/>
+          <ac:spMkLst>
+            <pc:docMk/>
+            <pc:sldMk cId="2472593964" sldId="258"/>
+            <ac:spMk id="6" creationId="{9597092E-6A75-6429-CB5D-F95DC16510AB}"/>
+          </ac:spMkLst>
+        </pc:spChg>
+        <pc:spChg chg="add mod">
+          <ac:chgData name="明阳 阮" userId="a4dcf2889a22c6f9" providerId="LiveId" clId="{A86D5202-7040-4BE9-A259-0D0906DA0EEF}" dt="2023-06-27T05:18:57.556" v="2597" actId="1076"/>
+          <ac:spMkLst>
+            <pc:docMk/>
+            <pc:sldMk cId="2472593964" sldId="258"/>
+            <ac:spMk id="7" creationId="{65E48EC6-710E-F311-81A6-95EEF3002395}"/>
+          </ac:spMkLst>
+        </pc:spChg>
+        <pc:spChg chg="add mod">
+          <ac:chgData name="明阳 阮" userId="a4dcf2889a22c6f9" providerId="LiveId" clId="{A86D5202-7040-4BE9-A259-0D0906DA0EEF}" dt="2023-06-27T05:19:01.826" v="2598" actId="1076"/>
+          <ac:spMkLst>
+            <pc:docMk/>
+            <pc:sldMk cId="2472593964" sldId="258"/>
+            <ac:spMk id="8" creationId="{F122784F-2579-4FE2-BBF7-8D709FF2D794}"/>
+          </ac:spMkLst>
+        </pc:spChg>
+        <pc:spChg chg="add mod">
+          <ac:chgData name="明阳 阮" userId="a4dcf2889a22c6f9" providerId="LiveId" clId="{A86D5202-7040-4BE9-A259-0D0906DA0EEF}" dt="2023-06-27T05:20:08.390" v="2687" actId="20577"/>
+          <ac:spMkLst>
+            <pc:docMk/>
+            <pc:sldMk cId="2472593964" sldId="258"/>
+            <ac:spMk id="9" creationId="{4BD7BE36-50C8-AC21-BA93-2B5711149D05}"/>
+          </ac:spMkLst>
+        </pc:spChg>
+        <pc:spChg chg="add mod">
+          <ac:chgData name="明阳 阮" userId="a4dcf2889a22c6f9" providerId="LiveId" clId="{A86D5202-7040-4BE9-A259-0D0906DA0EEF}" dt="2023-06-27T05:19:11.606" v="2608" actId="1076"/>
+          <ac:spMkLst>
+            <pc:docMk/>
+            <pc:sldMk cId="2472593964" sldId="258"/>
+            <ac:spMk id="10" creationId="{C1BD8B8E-31E9-76AF-57D8-C3E1352A9E74}"/>
+          </ac:spMkLst>
+        </pc:spChg>
+        <pc:spChg chg="add mod">
+          <ac:chgData name="明阳 阮" userId="a4dcf2889a22c6f9" providerId="LiveId" clId="{A86D5202-7040-4BE9-A259-0D0906DA0EEF}" dt="2023-06-27T06:24:42.704" v="3051" actId="20577"/>
+          <ac:spMkLst>
+            <pc:docMk/>
+            <pc:sldMk cId="2472593964" sldId="258"/>
+            <ac:spMk id="11" creationId="{B915D0F1-9E2D-88C2-CB36-E2B8A60B98D5}"/>
+          </ac:spMkLst>
+        </pc:spChg>
+      </pc:sldChg>
+      <pc:sldChg chg="modSp add del mod">
+        <pc:chgData name="明阳 阮" userId="a4dcf2889a22c6f9" providerId="LiveId" clId="{A86D5202-7040-4BE9-A259-0D0906DA0EEF}" dt="2023-06-27T06:25:00.226" v="3052" actId="47"/>
+        <pc:sldMkLst>
+          <pc:docMk/>
+          <pc:sldMk cId="3324333323" sldId="259"/>
+        </pc:sldMkLst>
+        <pc:spChg chg="mod">
+          <ac:chgData name="明阳 阮" userId="a4dcf2889a22c6f9" providerId="LiveId" clId="{A86D5202-7040-4BE9-A259-0D0906DA0EEF}" dt="2023-06-26T09:00:23.750" v="1778" actId="20577"/>
+          <ac:spMkLst>
+            <pc:docMk/>
+            <pc:sldMk cId="3324333323" sldId="259"/>
+            <ac:spMk id="2" creationId="{813EA518-1F7E-D2C2-643C-BF3A1044B6C4}"/>
+          </ac:spMkLst>
+        </pc:spChg>
+        <pc:spChg chg="mod">
+          <ac:chgData name="明阳 阮" userId="a4dcf2889a22c6f9" providerId="LiveId" clId="{A86D5202-7040-4BE9-A259-0D0906DA0EEF}" dt="2023-06-26T08:01:15.230" v="668" actId="20577"/>
+          <ac:spMkLst>
+            <pc:docMk/>
+            <pc:sldMk cId="3324333323" sldId="259"/>
+            <ac:spMk id="3" creationId="{F99B529B-B61F-9989-A2CF-91E9B5074EC5}"/>
+          </ac:spMkLst>
+        </pc:spChg>
+      </pc:sldChg>
+      <pc:sldChg chg="modSp mod">
+        <pc:chgData name="明阳 阮" userId="a4dcf2889a22c6f9" providerId="LiveId" clId="{A86D5202-7040-4BE9-A259-0D0906DA0EEF}" dt="2023-06-27T06:26:31.775" v="3097" actId="20577"/>
+        <pc:sldMkLst>
+          <pc:docMk/>
+          <pc:sldMk cId="1930887149" sldId="260"/>
+        </pc:sldMkLst>
+        <pc:spChg chg="mod">
+          <ac:chgData name="明阳 阮" userId="a4dcf2889a22c6f9" providerId="LiveId" clId="{A86D5202-7040-4BE9-A259-0D0906DA0EEF}" dt="2023-06-26T08:02:56.964" v="701" actId="20577"/>
+          <ac:spMkLst>
+            <pc:docMk/>
+            <pc:sldMk cId="1930887149" sldId="260"/>
+            <ac:spMk id="2" creationId="{AB087581-4BFF-E93F-C7F6-3C05B7F3BEFC}"/>
+          </ac:spMkLst>
+        </pc:spChg>
+        <pc:spChg chg="mod">
+          <ac:chgData name="明阳 阮" userId="a4dcf2889a22c6f9" providerId="LiveId" clId="{A86D5202-7040-4BE9-A259-0D0906DA0EEF}" dt="2023-06-27T06:26:31.775" v="3097" actId="20577"/>
+          <ac:spMkLst>
+            <pc:docMk/>
+            <pc:sldMk cId="1930887149" sldId="260"/>
+            <ac:spMk id="3" creationId="{9A7AA8B3-0F8F-80EE-902C-8BD5326720BA}"/>
+          </ac:spMkLst>
+        </pc:spChg>
+      </pc:sldChg>
+      <pc:sldChg chg="addSp modSp mod">
+        <pc:chgData name="明阳 阮" userId="a4dcf2889a22c6f9" providerId="LiveId" clId="{A86D5202-7040-4BE9-A259-0D0906DA0EEF}" dt="2023-06-27T07:05:48.553" v="3244"/>
+        <pc:sldMkLst>
+          <pc:docMk/>
+          <pc:sldMk cId="2467188600" sldId="261"/>
+        </pc:sldMkLst>
+        <pc:spChg chg="mod">
+          <ac:chgData name="明阳 阮" userId="a4dcf2889a22c6f9" providerId="LiveId" clId="{A86D5202-7040-4BE9-A259-0D0906DA0EEF}" dt="2023-06-27T07:05:48.553" v="3244"/>
+          <ac:spMkLst>
+            <pc:docMk/>
+            <pc:sldMk cId="2467188600" sldId="261"/>
+            <ac:spMk id="3" creationId="{4312C6ED-C84F-0BDC-6EF1-F6BE364980F6}"/>
+          </ac:spMkLst>
+        </pc:spChg>
+        <pc:picChg chg="add mod">
+          <ac:chgData name="明阳 阮" userId="a4dcf2889a22c6f9" providerId="LiveId" clId="{A86D5202-7040-4BE9-A259-0D0906DA0EEF}" dt="2023-06-26T07:39:30.176" v="304" actId="1076"/>
+          <ac:picMkLst>
+            <pc:docMk/>
+            <pc:sldMk cId="2467188600" sldId="261"/>
+            <ac:picMk id="5" creationId="{F64158F0-6654-9ED6-7A68-15F7240A14A6}"/>
+          </ac:picMkLst>
+        </pc:picChg>
+      </pc:sldChg>
+      <pc:sldChg chg="addSp modSp mod">
+        <pc:chgData name="明阳 阮" userId="a4dcf2889a22c6f9" providerId="LiveId" clId="{A86D5202-7040-4BE9-A259-0D0906DA0EEF}" dt="2023-06-27T06:27:08.397" v="3109" actId="20577"/>
+        <pc:sldMkLst>
+          <pc:docMk/>
+          <pc:sldMk cId="1908442246" sldId="262"/>
+        </pc:sldMkLst>
+        <pc:spChg chg="mod">
+          <ac:chgData name="明阳 阮" userId="a4dcf2889a22c6f9" providerId="LiveId" clId="{A86D5202-7040-4BE9-A259-0D0906DA0EEF}" dt="2023-06-27T04:21:51.162" v="2026" actId="20577"/>
+          <ac:spMkLst>
+            <pc:docMk/>
+            <pc:sldMk cId="1908442246" sldId="262"/>
+            <ac:spMk id="3" creationId="{BA3E6F09-6B5C-BDB3-4DFE-DF08428EE88F}"/>
+          </ac:spMkLst>
+        </pc:spChg>
+        <pc:spChg chg="add mod">
+          <ac:chgData name="明阳 阮" userId="a4dcf2889a22c6f9" providerId="LiveId" clId="{A86D5202-7040-4BE9-A259-0D0906DA0EEF}" dt="2023-06-27T06:27:08.397" v="3109" actId="20577"/>
+          <ac:spMkLst>
+            <pc:docMk/>
+            <pc:sldMk cId="1908442246" sldId="262"/>
+            <ac:spMk id="4" creationId="{9241C5BE-5598-7680-55F7-63025F72ADDE}"/>
+          </ac:spMkLst>
+        </pc:spChg>
+      </pc:sldChg>
+      <pc:sldChg chg="addSp delSp modSp mod">
+        <pc:chgData name="明阳 阮" userId="a4dcf2889a22c6f9" providerId="LiveId" clId="{A86D5202-7040-4BE9-A259-0D0906DA0EEF}" dt="2023-06-27T06:52:27.170" v="3229" actId="5793"/>
+        <pc:sldMkLst>
+          <pc:docMk/>
+          <pc:sldMk cId="3475427041" sldId="263"/>
+        </pc:sldMkLst>
+        <pc:spChg chg="mod">
+          <ac:chgData name="明阳 阮" userId="a4dcf2889a22c6f9" providerId="LiveId" clId="{A86D5202-7040-4BE9-A259-0D0906DA0EEF}" dt="2023-06-27T06:52:27.170" v="3229" actId="5793"/>
+          <ac:spMkLst>
+            <pc:docMk/>
+            <pc:sldMk cId="3475427041" sldId="263"/>
+            <ac:spMk id="3" creationId="{1040150C-AD0A-2E35-D8EC-E7C2727D7B7B}"/>
+          </ac:spMkLst>
+        </pc:spChg>
+        <pc:spChg chg="add del">
+          <ac:chgData name="明阳 阮" userId="a4dcf2889a22c6f9" providerId="LiveId" clId="{A86D5202-7040-4BE9-A259-0D0906DA0EEF}" dt="2023-06-26T07:03:30.062" v="3"/>
+          <ac:spMkLst>
+            <pc:docMk/>
+            <pc:sldMk cId="3475427041" sldId="263"/>
+            <ac:spMk id="4" creationId="{76D55282-0C3D-2876-1E74-196835C750A4}"/>
+          </ac:spMkLst>
+        </pc:spChg>
+        <pc:spChg chg="add del mod">
+          <ac:chgData name="明阳 阮" userId="a4dcf2889a22c6f9" providerId="LiveId" clId="{A86D5202-7040-4BE9-A259-0D0906DA0EEF}" dt="2023-06-26T07:03:29.852" v="2"/>
+          <ac:spMkLst>
+            <pc:docMk/>
+            <pc:sldMk cId="3475427041" sldId="263"/>
+            <ac:spMk id="5" creationId="{07E8F1EF-AB46-5AEE-04DC-F3475362F9C2}"/>
+          </ac:spMkLst>
+        </pc:spChg>
+        <pc:spChg chg="add del">
+          <ac:chgData name="明阳 阮" userId="a4dcf2889a22c6f9" providerId="LiveId" clId="{A86D5202-7040-4BE9-A259-0D0906DA0EEF}" dt="2023-06-26T07:03:59.453" v="7" actId="478"/>
+          <ac:spMkLst>
+            <pc:docMk/>
+            <pc:sldMk cId="3475427041" sldId="263"/>
+            <ac:spMk id="6" creationId="{06175BF4-AD4D-EBF7-3968-6AD47277620B}"/>
+          </ac:spMkLst>
+        </pc:spChg>
+        <pc:picChg chg="add mod">
+          <ac:chgData name="明阳 阮" userId="a4dcf2889a22c6f9" providerId="LiveId" clId="{A86D5202-7040-4BE9-A259-0D0906DA0EEF}" dt="2023-06-26T07:37:58.811" v="290" actId="1076"/>
+          <ac:picMkLst>
+            <pc:docMk/>
+            <pc:sldMk cId="3475427041" sldId="263"/>
+            <ac:picMk id="8" creationId="{599B7D8C-DA32-DB2D-684E-9FD21C294CAB}"/>
+          </ac:picMkLst>
+        </pc:picChg>
+        <pc:picChg chg="add mod">
+          <ac:chgData name="明阳 阮" userId="a4dcf2889a22c6f9" providerId="LiveId" clId="{A86D5202-7040-4BE9-A259-0D0906DA0EEF}" dt="2023-06-26T07:38:10.113" v="292" actId="1076"/>
+          <ac:picMkLst>
+            <pc:docMk/>
+            <pc:sldMk cId="3475427041" sldId="263"/>
+            <ac:picMk id="10" creationId="{1E1652F0-D844-A4BF-4FCE-E7FBF39C4A73}"/>
+          </ac:picMkLst>
+        </pc:picChg>
+      </pc:sldChg>
+      <pc:sldChg chg="addSp modSp mod">
+        <pc:chgData name="明阳 阮" userId="a4dcf2889a22c6f9" providerId="LiveId" clId="{A86D5202-7040-4BE9-A259-0D0906DA0EEF}" dt="2023-06-27T07:05:21.217" v="3242" actId="20577"/>
+        <pc:sldMkLst>
+          <pc:docMk/>
+          <pc:sldMk cId="2790205121" sldId="264"/>
+        </pc:sldMkLst>
+        <pc:spChg chg="mod">
+          <ac:chgData name="明阳 阮" userId="a4dcf2889a22c6f9" providerId="LiveId" clId="{A86D5202-7040-4BE9-A259-0D0906DA0EEF}" dt="2023-06-26T07:08:27.050" v="120" actId="20577"/>
+          <ac:spMkLst>
+            <pc:docMk/>
+            <pc:sldMk cId="2790205121" sldId="264"/>
+            <ac:spMk id="2" creationId="{4DEB3A35-9740-5EBF-073F-6681F2480BB4}"/>
+          </ac:spMkLst>
+        </pc:spChg>
+        <pc:spChg chg="mod">
+          <ac:chgData name="明阳 阮" userId="a4dcf2889a22c6f9" providerId="LiveId" clId="{A86D5202-7040-4BE9-A259-0D0906DA0EEF}" dt="2023-06-27T07:05:21.217" v="3242" actId="20577"/>
+          <ac:spMkLst>
+            <pc:docMk/>
+            <pc:sldMk cId="2790205121" sldId="264"/>
+            <ac:spMk id="3" creationId="{EE12A1E4-E327-8FB7-19BD-9AED920AF450}"/>
+          </ac:spMkLst>
+        </pc:spChg>
+        <pc:picChg chg="add mod">
+          <ac:chgData name="明阳 阮" userId="a4dcf2889a22c6f9" providerId="LiveId" clId="{A86D5202-7040-4BE9-A259-0D0906DA0EEF}" dt="2023-06-27T06:28:36.975" v="3119" actId="1076"/>
+          <ac:picMkLst>
+            <pc:docMk/>
+            <pc:sldMk cId="2790205121" sldId="264"/>
+            <ac:picMk id="5" creationId="{1F8C46FA-55A7-AE46-BA2C-0D02F00DFC1F}"/>
+          </ac:picMkLst>
+        </pc:picChg>
+      </pc:sldChg>
+      <pc:sldChg chg="addSp delSp modSp mod ord">
+        <pc:chgData name="明阳 阮" userId="a4dcf2889a22c6f9" providerId="LiveId" clId="{A86D5202-7040-4BE9-A259-0D0906DA0EEF}" dt="2023-06-27T07:32:23.384" v="3569"/>
+        <pc:sldMkLst>
+          <pc:docMk/>
+          <pc:sldMk cId="1224054341" sldId="265"/>
+        </pc:sldMkLst>
+        <pc:spChg chg="mod">
+          <ac:chgData name="明阳 阮" userId="a4dcf2889a22c6f9" providerId="LiveId" clId="{A86D5202-7040-4BE9-A259-0D0906DA0EEF}" dt="2023-06-27T07:05:42.958" v="3243"/>
+          <ac:spMkLst>
+            <pc:docMk/>
+            <pc:sldMk cId="1224054341" sldId="265"/>
+            <ac:spMk id="3" creationId="{0ED86653-D48C-6F98-6B6E-6C8A5F1CEE50}"/>
+          </ac:spMkLst>
+        </pc:spChg>
+        <pc:spChg chg="add del">
+          <ac:chgData name="明阳 阮" userId="a4dcf2889a22c6f9" providerId="LiveId" clId="{A86D5202-7040-4BE9-A259-0D0906DA0EEF}" dt="2023-06-26T07:10:51.788" v="125"/>
+          <ac:spMkLst>
+            <pc:docMk/>
+            <pc:sldMk cId="1224054341" sldId="265"/>
+            <ac:spMk id="4" creationId="{072E5D95-6B72-86C4-A4EF-BBF5CD5628F2}"/>
+          </ac:spMkLst>
+        </pc:spChg>
+        <pc:picChg chg="add mod">
+          <ac:chgData name="明阳 阮" userId="a4dcf2889a22c6f9" providerId="LiveId" clId="{A86D5202-7040-4BE9-A259-0D0906DA0EEF}" dt="2023-06-26T07:39:11.936" v="301" actId="1076"/>
+          <ac:picMkLst>
+            <pc:docMk/>
+            <pc:sldMk cId="1224054341" sldId="265"/>
+            <ac:picMk id="6" creationId="{0823549B-D552-246A-0194-FE1DBFEA8F1B}"/>
+          </ac:picMkLst>
+        </pc:picChg>
+      </pc:sldChg>
+      <pc:sldChg chg="addSp modSp mod">
+        <pc:chgData name="明阳 阮" userId="a4dcf2889a22c6f9" providerId="LiveId" clId="{A86D5202-7040-4BE9-A259-0D0906DA0EEF}" dt="2023-06-26T07:40:11.192" v="309" actId="1076"/>
+        <pc:sldMkLst>
+          <pc:docMk/>
+          <pc:sldMk cId="2808903295" sldId="266"/>
+        </pc:sldMkLst>
+        <pc:picChg chg="add mod">
+          <ac:chgData name="明阳 阮" userId="a4dcf2889a22c6f9" providerId="LiveId" clId="{A86D5202-7040-4BE9-A259-0D0906DA0EEF}" dt="2023-06-26T07:40:11.192" v="309" actId="1076"/>
+          <ac:picMkLst>
+            <pc:docMk/>
+            <pc:sldMk cId="2808903295" sldId="266"/>
+            <ac:picMk id="5" creationId="{A78A5A0E-DF31-3815-D41A-31FD6C4C42E3}"/>
+          </ac:picMkLst>
+        </pc:picChg>
+      </pc:sldChg>
+      <pc:sldChg chg="addSp delSp modSp mod">
+        <pc:chgData name="明阳 阮" userId="a4dcf2889a22c6f9" providerId="LiveId" clId="{A86D5202-7040-4BE9-A259-0D0906DA0EEF}" dt="2023-06-27T04:34:14.809" v="2158"/>
+        <pc:sldMkLst>
+          <pc:docMk/>
+          <pc:sldMk cId="2102756352" sldId="267"/>
+        </pc:sldMkLst>
+        <pc:spChg chg="del">
+          <ac:chgData name="明阳 阮" userId="a4dcf2889a22c6f9" providerId="LiveId" clId="{A86D5202-7040-4BE9-A259-0D0906DA0EEF}" dt="2023-06-27T04:31:02.891" v="2081" actId="478"/>
+          <ac:spMkLst>
+            <pc:docMk/>
+            <pc:sldMk cId="2102756352" sldId="267"/>
+            <ac:spMk id="3" creationId="{EC81FEE1-7DEE-766E-8400-60E5A4675741}"/>
+          </ac:spMkLst>
+        </pc:spChg>
+        <pc:spChg chg="add mod">
+          <ac:chgData name="明阳 阮" userId="a4dcf2889a22c6f9" providerId="LiveId" clId="{A86D5202-7040-4BE9-A259-0D0906DA0EEF}" dt="2023-06-27T04:33:45.287" v="2150" actId="1076"/>
+          <ac:spMkLst>
+            <pc:docMk/>
+            <pc:sldMk cId="2102756352" sldId="267"/>
+            <ac:spMk id="6" creationId="{34145FB9-F1D6-F189-B991-F6CC6B3F07D7}"/>
+          </ac:spMkLst>
+        </pc:spChg>
+        <pc:spChg chg="add del mod">
+          <ac:chgData name="明阳 阮" userId="a4dcf2889a22c6f9" providerId="LiveId" clId="{A86D5202-7040-4BE9-A259-0D0906DA0EEF}" dt="2023-06-27T04:33:49.589" v="2151" actId="478"/>
+          <ac:spMkLst>
+            <pc:docMk/>
+            <pc:sldMk cId="2102756352" sldId="267"/>
+            <ac:spMk id="7" creationId="{6B2CF049-CAFC-ED79-1F0D-67DDC8F516DF}"/>
+          </ac:spMkLst>
+        </pc:spChg>
+        <pc:spChg chg="add mod">
+          <ac:chgData name="明阳 阮" userId="a4dcf2889a22c6f9" providerId="LiveId" clId="{A86D5202-7040-4BE9-A259-0D0906DA0EEF}" dt="2023-06-27T04:34:14.809" v="2158"/>
+          <ac:spMkLst>
+            <pc:docMk/>
+            <pc:sldMk cId="2102756352" sldId="267"/>
+            <ac:spMk id="8" creationId="{B09FCC98-7641-7DB3-3F1D-D60FCD077062}"/>
+          </ac:spMkLst>
+        </pc:spChg>
+        <pc:picChg chg="add mod">
+          <ac:chgData name="明阳 阮" userId="a4dcf2889a22c6f9" providerId="LiveId" clId="{A86D5202-7040-4BE9-A259-0D0906DA0EEF}" dt="2023-06-27T04:31:29.564" v="2086" actId="1076"/>
+          <ac:picMkLst>
+            <pc:docMk/>
+            <pc:sldMk cId="2102756352" sldId="267"/>
+            <ac:picMk id="4" creationId="{3BCCA86F-B6DB-12A7-31EE-8AD650394852}"/>
+          </ac:picMkLst>
+        </pc:picChg>
+        <pc:picChg chg="add mod">
+          <ac:chgData name="明阳 阮" userId="a4dcf2889a22c6f9" providerId="LiveId" clId="{A86D5202-7040-4BE9-A259-0D0906DA0EEF}" dt="2023-06-27T04:33:16.680" v="2147" actId="1076"/>
+          <ac:picMkLst>
+            <pc:docMk/>
+            <pc:sldMk cId="2102756352" sldId="267"/>
+            <ac:picMk id="5" creationId="{63E94D76-82A6-41FE-5D1E-0FFBA0B3D7A9}"/>
+          </ac:picMkLst>
+        </pc:picChg>
+      </pc:sldChg>
+      <pc:sldChg chg="delSp modSp mod">
+        <pc:chgData name="明阳 阮" userId="a4dcf2889a22c6f9" providerId="LiveId" clId="{A86D5202-7040-4BE9-A259-0D0906DA0EEF}" dt="2023-06-27T06:33:35.248" v="3140" actId="478"/>
+        <pc:sldMkLst>
+          <pc:docMk/>
+          <pc:sldMk cId="4215523441" sldId="268"/>
+        </pc:sldMkLst>
+        <pc:spChg chg="mod">
+          <ac:chgData name="明阳 阮" userId="a4dcf2889a22c6f9" providerId="LiveId" clId="{A86D5202-7040-4BE9-A259-0D0906DA0EEF}" dt="2023-06-26T07:46:18.325" v="492" actId="20577"/>
+          <ac:spMkLst>
+            <pc:docMk/>
+            <pc:sldMk cId="4215523441" sldId="268"/>
+            <ac:spMk id="2" creationId="{75C03D9F-388A-1023-ECCF-C47D49FADE7F}"/>
+          </ac:spMkLst>
+        </pc:spChg>
+        <pc:spChg chg="del">
+          <ac:chgData name="明阳 阮" userId="a4dcf2889a22c6f9" providerId="LiveId" clId="{A86D5202-7040-4BE9-A259-0D0906DA0EEF}" dt="2023-06-27T06:33:35.248" v="3140" actId="478"/>
+          <ac:spMkLst>
+            <pc:docMk/>
+            <pc:sldMk cId="4215523441" sldId="268"/>
+            <ac:spMk id="3" creationId="{86859322-CAD8-CB71-0D2E-5994538D9A5F}"/>
+          </ac:spMkLst>
+        </pc:spChg>
+      </pc:sldChg>
+      <pc:sldChg chg="addSp delSp modSp mod">
+        <pc:chgData name="明阳 阮" userId="a4dcf2889a22c6f9" providerId="LiveId" clId="{A86D5202-7040-4BE9-A259-0D0906DA0EEF}" dt="2023-06-26T07:46:34.822" v="501" actId="20577"/>
+        <pc:sldMkLst>
+          <pc:docMk/>
+          <pc:sldMk cId="288243852" sldId="269"/>
+        </pc:sldMkLst>
+        <pc:spChg chg="mod">
+          <ac:chgData name="明阳 阮" userId="a4dcf2889a22c6f9" providerId="LiveId" clId="{A86D5202-7040-4BE9-A259-0D0906DA0EEF}" dt="2023-06-26T07:46:34.822" v="501" actId="20577"/>
+          <ac:spMkLst>
+            <pc:docMk/>
+            <pc:sldMk cId="288243852" sldId="269"/>
+            <ac:spMk id="3" creationId="{2F8D5774-8EED-3F34-27B9-C62B63F3A010}"/>
+          </ac:spMkLst>
+        </pc:spChg>
+        <pc:spChg chg="add del">
+          <ac:chgData name="明阳 阮" userId="a4dcf2889a22c6f9" providerId="LiveId" clId="{A86D5202-7040-4BE9-A259-0D0906DA0EEF}" dt="2023-06-26T07:15:39.461" v="139"/>
+          <ac:spMkLst>
+            <pc:docMk/>
+            <pc:sldMk cId="288243852" sldId="269"/>
+            <ac:spMk id="4" creationId="{B61E1380-EB28-8FD8-BB05-B30EBF1DC057}"/>
+          </ac:spMkLst>
+        </pc:spChg>
+        <pc:picChg chg="add mod">
+          <ac:chgData name="明阳 阮" userId="a4dcf2889a22c6f9" providerId="LiveId" clId="{A86D5202-7040-4BE9-A259-0D0906DA0EEF}" dt="2023-06-26T07:40:50.888" v="313" actId="1076"/>
+          <ac:picMkLst>
+            <pc:docMk/>
+            <pc:sldMk cId="288243852" sldId="269"/>
+            <ac:picMk id="6" creationId="{523470F9-B59D-8C57-AFF5-E532B7DC96B6}"/>
+          </ac:picMkLst>
+        </pc:picChg>
+      </pc:sldChg>
+      <pc:sldChg chg="addSp delSp modSp mod">
+        <pc:chgData name="明阳 阮" userId="a4dcf2889a22c6f9" providerId="LiveId" clId="{A86D5202-7040-4BE9-A259-0D0906DA0EEF}" dt="2023-06-26T07:41:09.987" v="317" actId="1076"/>
+        <pc:sldMkLst>
+          <pc:docMk/>
+          <pc:sldMk cId="3321645347" sldId="270"/>
+        </pc:sldMkLst>
+        <pc:spChg chg="mod">
+          <ac:chgData name="明阳 阮" userId="a4dcf2889a22c6f9" providerId="LiveId" clId="{A86D5202-7040-4BE9-A259-0D0906DA0EEF}" dt="2023-06-26T07:17:08.014" v="161"/>
+          <ac:spMkLst>
+            <pc:docMk/>
+            <pc:sldMk cId="3321645347" sldId="270"/>
+            <ac:spMk id="3" creationId="{FB4B1757-3259-74D2-3F89-218430E72BF1}"/>
+          </ac:spMkLst>
+        </pc:spChg>
+        <pc:spChg chg="add del">
+          <ac:chgData name="明阳 阮" userId="a4dcf2889a22c6f9" providerId="LiveId" clId="{A86D5202-7040-4BE9-A259-0D0906DA0EEF}" dt="2023-06-26T07:17:00.949" v="160"/>
+          <ac:spMkLst>
+            <pc:docMk/>
+            <pc:sldMk cId="3321645347" sldId="270"/>
+            <ac:spMk id="4" creationId="{A88E08C8-DAC3-85FE-ACFB-D95FDB3E298B}"/>
+          </ac:spMkLst>
+        </pc:spChg>
+        <pc:picChg chg="add mod">
+          <ac:chgData name="明阳 阮" userId="a4dcf2889a22c6f9" providerId="LiveId" clId="{A86D5202-7040-4BE9-A259-0D0906DA0EEF}" dt="2023-06-26T07:41:09.987" v="317" actId="1076"/>
+          <ac:picMkLst>
+            <pc:docMk/>
+            <pc:sldMk cId="3321645347" sldId="270"/>
+            <ac:picMk id="6" creationId="{C315959D-24AC-948E-46A2-380AC6E4424B}"/>
+          </ac:picMkLst>
+        </pc:picChg>
+      </pc:sldChg>
+      <pc:sldChg chg="addSp modSp mod">
+        <pc:chgData name="明阳 阮" userId="a4dcf2889a22c6f9" providerId="LiveId" clId="{A86D5202-7040-4BE9-A259-0D0906DA0EEF}" dt="2023-06-26T07:41:30.456" v="320" actId="1076"/>
+        <pc:sldMkLst>
+          <pc:docMk/>
+          <pc:sldMk cId="3359622240" sldId="271"/>
+        </pc:sldMkLst>
+        <pc:spChg chg="mod">
+          <ac:chgData name="明阳 阮" userId="a4dcf2889a22c6f9" providerId="LiveId" clId="{A86D5202-7040-4BE9-A259-0D0906DA0EEF}" dt="2023-06-26T07:18:15.568" v="167"/>
+          <ac:spMkLst>
+            <pc:docMk/>
+            <pc:sldMk cId="3359622240" sldId="271"/>
+            <ac:spMk id="3" creationId="{144F44E0-1461-D9D4-FC47-558BCE47238D}"/>
+          </ac:spMkLst>
+        </pc:spChg>
+        <pc:picChg chg="add mod">
+          <ac:chgData name="明阳 阮" userId="a4dcf2889a22c6f9" providerId="LiveId" clId="{A86D5202-7040-4BE9-A259-0D0906DA0EEF}" dt="2023-06-26T07:41:30.456" v="320" actId="1076"/>
+          <ac:picMkLst>
+            <pc:docMk/>
+            <pc:sldMk cId="3359622240" sldId="271"/>
+            <ac:picMk id="5" creationId="{CB6AD1DB-DC45-9DE7-1E98-C00A63DE9673}"/>
+          </ac:picMkLst>
+        </pc:picChg>
+      </pc:sldChg>
+      <pc:sldChg chg="modSp mod">
+        <pc:chgData name="明阳 阮" userId="a4dcf2889a22c6f9" providerId="LiveId" clId="{A86D5202-7040-4BE9-A259-0D0906DA0EEF}" dt="2023-06-26T07:42:38.385" v="449" actId="20577"/>
+        <pc:sldMkLst>
+          <pc:docMk/>
+          <pc:sldMk cId="2072604732" sldId="272"/>
+        </pc:sldMkLst>
+        <pc:spChg chg="mod">
+          <ac:chgData name="明阳 阮" userId="a4dcf2889a22c6f9" providerId="LiveId" clId="{A86D5202-7040-4BE9-A259-0D0906DA0EEF}" dt="2023-06-26T07:18:24.859" v="178" actId="20577"/>
+          <ac:spMkLst>
+            <pc:docMk/>
+            <pc:sldMk cId="2072604732" sldId="272"/>
+            <ac:spMk id="2" creationId="{FAF98C51-F5B1-910B-370C-399ED69EECE5}"/>
+          </ac:spMkLst>
+        </pc:spChg>
+        <pc:spChg chg="mod">
+          <ac:chgData name="明阳 阮" userId="a4dcf2889a22c6f9" providerId="LiveId" clId="{A86D5202-7040-4BE9-A259-0D0906DA0EEF}" dt="2023-06-26T07:42:38.385" v="449" actId="20577"/>
+          <ac:spMkLst>
+            <pc:docMk/>
+            <pc:sldMk cId="2072604732" sldId="272"/>
+            <ac:spMk id="3" creationId="{028F1D56-394F-91B1-A946-A8D6CBD3F46D}"/>
+          </ac:spMkLst>
+        </pc:spChg>
+      </pc:sldChg>
+      <pc:sldChg chg="addSp modSp mod">
+        <pc:chgData name="明阳 阮" userId="a4dcf2889a22c6f9" providerId="LiveId" clId="{A86D5202-7040-4BE9-A259-0D0906DA0EEF}" dt="2023-06-27T06:34:14.120" v="3150" actId="20577"/>
+        <pc:sldMkLst>
+          <pc:docMk/>
+          <pc:sldMk cId="4148310819" sldId="273"/>
+        </pc:sldMkLst>
+        <pc:spChg chg="mod">
+          <ac:chgData name="明阳 阮" userId="a4dcf2889a22c6f9" providerId="LiveId" clId="{A86D5202-7040-4BE9-A259-0D0906DA0EEF}" dt="2023-06-27T06:34:14.120" v="3150" actId="20577"/>
+          <ac:spMkLst>
+            <pc:docMk/>
+            <pc:sldMk cId="4148310819" sldId="273"/>
+            <ac:spMk id="3" creationId="{05A29F26-0D43-8893-FD5E-119025A816E3}"/>
+          </ac:spMkLst>
+        </pc:spChg>
+        <pc:picChg chg="add mod">
+          <ac:chgData name="明阳 阮" userId="a4dcf2889a22c6f9" providerId="LiveId" clId="{A86D5202-7040-4BE9-A259-0D0906DA0EEF}" dt="2023-06-26T07:43:32.825" v="458" actId="1076"/>
+          <ac:picMkLst>
+            <pc:docMk/>
+            <pc:sldMk cId="4148310819" sldId="273"/>
+            <ac:picMk id="5" creationId="{B946D10C-A0CB-840E-7421-C7D5121EE775}"/>
+          </ac:picMkLst>
+        </pc:picChg>
+      </pc:sldChg>
+      <pc:sldChg chg="addSp delSp modSp mod">
+        <pc:chgData name="明阳 阮" userId="a4dcf2889a22c6f9" providerId="LiveId" clId="{A86D5202-7040-4BE9-A259-0D0906DA0EEF}" dt="2023-06-27T06:34:24.076" v="3153" actId="20577"/>
+        <pc:sldMkLst>
+          <pc:docMk/>
+          <pc:sldMk cId="3049180686" sldId="274"/>
+        </pc:sldMkLst>
+        <pc:spChg chg="mod">
+          <ac:chgData name="明阳 阮" userId="a4dcf2889a22c6f9" providerId="LiveId" clId="{A86D5202-7040-4BE9-A259-0D0906DA0EEF}" dt="2023-06-26T07:19:12.518" v="190" actId="20577"/>
+          <ac:spMkLst>
+            <pc:docMk/>
+            <pc:sldMk cId="3049180686" sldId="274"/>
+            <ac:spMk id="2" creationId="{1405C94F-80EB-2825-1BD0-68F413B3D261}"/>
+          </ac:spMkLst>
+        </pc:spChg>
+        <pc:spChg chg="add del mod">
+          <ac:chgData name="明阳 阮" userId="a4dcf2889a22c6f9" providerId="LiveId" clId="{A86D5202-7040-4BE9-A259-0D0906DA0EEF}" dt="2023-06-27T06:34:24.076" v="3153" actId="20577"/>
+          <ac:spMkLst>
+            <pc:docMk/>
+            <pc:sldMk cId="3049180686" sldId="274"/>
+            <ac:spMk id="3" creationId="{A8456748-3C05-CEE7-6652-1F04BFA9F6A1}"/>
+          </ac:spMkLst>
+        </pc:spChg>
+        <pc:spChg chg="add del mod">
+          <ac:chgData name="明阳 阮" userId="a4dcf2889a22c6f9" providerId="LiveId" clId="{A86D5202-7040-4BE9-A259-0D0906DA0EEF}" dt="2023-06-26T07:19:23.538" v="192"/>
+          <ac:spMkLst>
+            <pc:docMk/>
+            <pc:sldMk cId="3049180686" sldId="274"/>
+            <ac:spMk id="4" creationId="{6D2548E5-7043-72B2-8CA9-A7AA5D4D9FF0}"/>
+          </ac:spMkLst>
+        </pc:spChg>
+        <pc:picChg chg="add mod">
+          <ac:chgData name="明阳 阮" userId="a4dcf2889a22c6f9" providerId="LiveId" clId="{A86D5202-7040-4BE9-A259-0D0906DA0EEF}" dt="2023-06-26T07:43:48.900" v="461" actId="1076"/>
+          <ac:picMkLst>
+            <pc:docMk/>
+            <pc:sldMk cId="3049180686" sldId="274"/>
+            <ac:picMk id="6" creationId="{6126D288-3AE5-133B-81A7-D4526EB55A5E}"/>
+          </ac:picMkLst>
+        </pc:picChg>
+      </pc:sldChg>
+      <pc:sldChg chg="addSp modSp mod">
+        <pc:chgData name="明阳 阮" userId="a4dcf2889a22c6f9" providerId="LiveId" clId="{A86D5202-7040-4BE9-A259-0D0906DA0EEF}" dt="2023-06-26T07:44:14.689" v="465" actId="1076"/>
+        <pc:sldMkLst>
+          <pc:docMk/>
+          <pc:sldMk cId="3146293711" sldId="275"/>
+        </pc:sldMkLst>
+        <pc:spChg chg="mod">
+          <ac:chgData name="明阳 阮" userId="a4dcf2889a22c6f9" providerId="LiveId" clId="{A86D5202-7040-4BE9-A259-0D0906DA0EEF}" dt="2023-06-26T07:20:19.190" v="280" actId="20577"/>
+          <ac:spMkLst>
+            <pc:docMk/>
+            <pc:sldMk cId="3146293711" sldId="275"/>
+            <ac:spMk id="3" creationId="{CB26F3B4-8879-917E-EB6B-C431D79BCD0C}"/>
+          </ac:spMkLst>
+        </pc:spChg>
+        <pc:picChg chg="add mod">
+          <ac:chgData name="明阳 阮" userId="a4dcf2889a22c6f9" providerId="LiveId" clId="{A86D5202-7040-4BE9-A259-0D0906DA0EEF}" dt="2023-06-26T07:44:14.689" v="465" actId="1076"/>
+          <ac:picMkLst>
+            <pc:docMk/>
+            <pc:sldMk cId="3146293711" sldId="275"/>
+            <ac:picMk id="5" creationId="{167E85CE-D65E-61A4-5BB0-46FF3D6A89A6}"/>
+          </ac:picMkLst>
+        </pc:picChg>
+      </pc:sldChg>
+      <pc:sldChg chg="del">
+        <pc:chgData name="明阳 阮" userId="a4dcf2889a22c6f9" providerId="LiveId" clId="{A86D5202-7040-4BE9-A259-0D0906DA0EEF}" dt="2023-06-27T06:34:31.522" v="3154" actId="47"/>
+        <pc:sldMkLst>
+          <pc:docMk/>
+          <pc:sldMk cId="781709301" sldId="276"/>
+        </pc:sldMkLst>
+      </pc:sldChg>
+      <pc:sldChg chg="del">
+        <pc:chgData name="明阳 阮" userId="a4dcf2889a22c6f9" providerId="LiveId" clId="{A86D5202-7040-4BE9-A259-0D0906DA0EEF}" dt="2023-06-27T06:28:56.648" v="3120" actId="47"/>
+        <pc:sldMkLst>
+          <pc:docMk/>
+          <pc:sldMk cId="2080269985" sldId="277"/>
+        </pc:sldMkLst>
+      </pc:sldChg>
+      <pc:sldChg chg="addSp delSp modSp add del mod ord">
+        <pc:chgData name="明阳 阮" userId="a4dcf2889a22c6f9" providerId="LiveId" clId="{A86D5202-7040-4BE9-A259-0D0906DA0EEF}" dt="2023-06-27T05:53:25.434" v="2724" actId="47"/>
+        <pc:sldMkLst>
+          <pc:docMk/>
+          <pc:sldMk cId="1196491698" sldId="278"/>
+        </pc:sldMkLst>
+        <pc:spChg chg="del">
+          <ac:chgData name="明阳 阮" userId="a4dcf2889a22c6f9" providerId="LiveId" clId="{A86D5202-7040-4BE9-A259-0D0906DA0EEF}" dt="2023-06-27T05:53:20.408" v="2722" actId="21"/>
+          <ac:spMkLst>
+            <pc:docMk/>
+            <pc:sldMk cId="1196491698" sldId="278"/>
+            <ac:spMk id="2" creationId="{0C2D62AF-FE75-0944-C913-FB4FCCFD4963}"/>
+          </ac:spMkLst>
+        </pc:spChg>
+        <pc:spChg chg="del mod">
+          <ac:chgData name="明阳 阮" userId="a4dcf2889a22c6f9" providerId="LiveId" clId="{A86D5202-7040-4BE9-A259-0D0906DA0EEF}" dt="2023-06-26T08:40:02.745" v="1320" actId="478"/>
+          <ac:spMkLst>
+            <pc:docMk/>
+            <pc:sldMk cId="1196491698" sldId="278"/>
+            <ac:spMk id="3" creationId="{2B37316B-7C10-44C3-C7CD-2172325781F4}"/>
+          </ac:spMkLst>
+        </pc:spChg>
+        <pc:spChg chg="add del mod">
+          <ac:chgData name="明阳 阮" userId="a4dcf2889a22c6f9" providerId="LiveId" clId="{A86D5202-7040-4BE9-A259-0D0906DA0EEF}" dt="2023-06-27T04:18:59.061" v="1977" actId="478"/>
+          <ac:spMkLst>
+            <pc:docMk/>
+            <pc:sldMk cId="1196491698" sldId="278"/>
+            <ac:spMk id="4" creationId="{9F543AF5-4DB5-5E36-0E47-B026A6F8AB30}"/>
+          </ac:spMkLst>
+        </pc:spChg>
+        <pc:spChg chg="add del mod">
+          <ac:chgData name="明阳 阮" userId="a4dcf2889a22c6f9" providerId="LiveId" clId="{A86D5202-7040-4BE9-A259-0D0906DA0EEF}" dt="2023-06-27T04:19:09.146" v="1980" actId="478"/>
+          <ac:spMkLst>
+            <pc:docMk/>
+            <pc:sldMk cId="1196491698" sldId="278"/>
+            <ac:spMk id="5" creationId="{36757816-6DAD-A5F0-C456-5D76DDA1D64B}"/>
+          </ac:spMkLst>
+        </pc:spChg>
+        <pc:spChg chg="add mod">
+          <ac:chgData name="明阳 阮" userId="a4dcf2889a22c6f9" providerId="LiveId" clId="{A86D5202-7040-4BE9-A259-0D0906DA0EEF}" dt="2023-06-27T04:16:58.324" v="1928" actId="1076"/>
+          <ac:spMkLst>
+            <pc:docMk/>
+            <pc:sldMk cId="1196491698" sldId="278"/>
+            <ac:spMk id="9" creationId="{8690FDCB-2666-BD42-0739-8570FFEB8F5A}"/>
+          </ac:spMkLst>
+        </pc:spChg>
+        <pc:spChg chg="add mod">
+          <ac:chgData name="明阳 阮" userId="a4dcf2889a22c6f9" providerId="LiveId" clId="{A86D5202-7040-4BE9-A259-0D0906DA0EEF}" dt="2023-06-27T04:16:58.324" v="1928" actId="1076"/>
+          <ac:spMkLst>
+            <pc:docMk/>
+            <pc:sldMk cId="1196491698" sldId="278"/>
+            <ac:spMk id="10" creationId="{A64BFD27-DBB1-7B45-C4B7-DC52BF9CCE18}"/>
+          </ac:spMkLst>
+        </pc:spChg>
+        <pc:spChg chg="add mod">
+          <ac:chgData name="明阳 阮" userId="a4dcf2889a22c6f9" providerId="LiveId" clId="{A86D5202-7040-4BE9-A259-0D0906DA0EEF}" dt="2023-06-27T04:16:58.324" v="1928" actId="1076"/>
+          <ac:spMkLst>
+            <pc:docMk/>
+            <pc:sldMk cId="1196491698" sldId="278"/>
+            <ac:spMk id="11" creationId="{AA9A79B8-6133-90F7-03FB-2815F16FDCE7}"/>
+          </ac:spMkLst>
+        </pc:spChg>
+        <pc:spChg chg="add mod">
+          <ac:chgData name="明阳 阮" userId="a4dcf2889a22c6f9" providerId="LiveId" clId="{A86D5202-7040-4BE9-A259-0D0906DA0EEF}" dt="2023-06-27T05:53:20.408" v="2722" actId="21"/>
+          <ac:spMkLst>
+            <pc:docMk/>
+            <pc:sldMk cId="1196491698" sldId="278"/>
+            <ac:spMk id="14" creationId="{9952F160-B273-4039-2899-9D1A616E4155}"/>
+          </ac:spMkLst>
+        </pc:spChg>
+        <pc:graphicFrameChg chg="add del mod modGraphic">
+          <ac:chgData name="明阳 阮" userId="a4dcf2889a22c6f9" providerId="LiveId" clId="{A86D5202-7040-4BE9-A259-0D0906DA0EEF}" dt="2023-06-27T05:49:54.983" v="2693" actId="478"/>
+          <ac:graphicFrameMkLst>
+            <pc:docMk/>
+            <pc:sldMk cId="1196491698" sldId="278"/>
+            <ac:graphicFrameMk id="3" creationId="{7494FE53-6376-ABFA-2A69-8261511475D2}"/>
+          </ac:graphicFrameMkLst>
+        </pc:graphicFrameChg>
+        <pc:graphicFrameChg chg="add del mod modGraphic">
+          <ac:chgData name="明阳 阮" userId="a4dcf2889a22c6f9" providerId="LiveId" clId="{A86D5202-7040-4BE9-A259-0D0906DA0EEF}" dt="2023-06-27T04:17:10.075" v="1932"/>
+          <ac:graphicFrameMkLst>
+            <pc:docMk/>
+            <pc:sldMk cId="1196491698" sldId="278"/>
+            <ac:graphicFrameMk id="6" creationId="{8B708C03-04C8-F62E-1A02-8A432AB6D5F2}"/>
+          </ac:graphicFrameMkLst>
+        </pc:graphicFrameChg>
+        <pc:graphicFrameChg chg="add del mod modGraphic">
+          <ac:chgData name="明阳 阮" userId="a4dcf2889a22c6f9" providerId="LiveId" clId="{A86D5202-7040-4BE9-A259-0D0906DA0EEF}" dt="2023-06-27T04:18:17.441" v="1964"/>
+          <ac:graphicFrameMkLst>
+            <pc:docMk/>
+            <pc:sldMk cId="1196491698" sldId="278"/>
+            <ac:graphicFrameMk id="8" creationId="{2C7EA3A3-9B62-A7DF-86A0-BCFEB329BCC1}"/>
+          </ac:graphicFrameMkLst>
+        </pc:graphicFrameChg>
+        <pc:graphicFrameChg chg="add del mod modGraphic">
+          <ac:chgData name="明阳 阮" userId="a4dcf2889a22c6f9" providerId="LiveId" clId="{A86D5202-7040-4BE9-A259-0D0906DA0EEF}" dt="2023-06-27T05:53:08.155" v="2720" actId="478"/>
+          <ac:graphicFrameMkLst>
+            <pc:docMk/>
+            <pc:sldMk cId="1196491698" sldId="278"/>
+            <ac:graphicFrameMk id="12" creationId="{C1D19E0A-06CF-37CD-FD99-1E5165C7501F}"/>
+          </ac:graphicFrameMkLst>
+        </pc:graphicFrameChg>
+        <pc:cxnChg chg="add mod">
+          <ac:chgData name="明阳 阮" userId="a4dcf2889a22c6f9" providerId="LiveId" clId="{A86D5202-7040-4BE9-A259-0D0906DA0EEF}" dt="2023-06-27T04:16:58.324" v="1928" actId="1076"/>
+          <ac:cxnSpMkLst>
+            <pc:docMk/>
+            <pc:sldMk cId="1196491698" sldId="278"/>
+            <ac:cxnSpMk id="7" creationId="{7276A59D-185E-52A1-CEAD-620774086888}"/>
+          </ac:cxnSpMkLst>
+        </pc:cxnChg>
+      </pc:sldChg>
+      <pc:sldChg chg="addSp delSp modSp new mod">
+        <pc:chgData name="明阳 阮" userId="a4dcf2889a22c6f9" providerId="LiveId" clId="{A86D5202-7040-4BE9-A259-0D0906DA0EEF}" dt="2023-06-26T08:23:03.651" v="1225" actId="20577"/>
+        <pc:sldMkLst>
+          <pc:docMk/>
+          <pc:sldMk cId="3630156678" sldId="279"/>
+        </pc:sldMkLst>
+        <pc:spChg chg="add mod">
+          <ac:chgData name="明阳 阮" userId="a4dcf2889a22c6f9" providerId="LiveId" clId="{A86D5202-7040-4BE9-A259-0D0906DA0EEF}" dt="2023-06-26T08:11:54.013" v="1004" actId="1076"/>
+          <ac:spMkLst>
+            <pc:docMk/>
+            <pc:sldMk cId="3630156678" sldId="279"/>
+            <ac:spMk id="3" creationId="{29D8F624-0657-AFC8-743C-3DC562E5C58A}"/>
+          </ac:spMkLst>
+        </pc:spChg>
+        <pc:spChg chg="add mod">
+          <ac:chgData name="明阳 阮" userId="a4dcf2889a22c6f9" providerId="LiveId" clId="{A86D5202-7040-4BE9-A259-0D0906DA0EEF}" dt="2023-06-26T08:12:03.057" v="1005" actId="12788"/>
+          <ac:spMkLst>
+            <pc:docMk/>
+            <pc:sldMk cId="3630156678" sldId="279"/>
+            <ac:spMk id="5" creationId="{52B62616-7BFA-E61A-1DA2-A2599029271E}"/>
+          </ac:spMkLst>
+        </pc:spChg>
+        <pc:spChg chg="add mod">
+          <ac:chgData name="明阳 阮" userId="a4dcf2889a22c6f9" providerId="LiveId" clId="{A86D5202-7040-4BE9-A259-0D0906DA0EEF}" dt="2023-06-26T08:10:06.149" v="920" actId="1076"/>
+          <ac:spMkLst>
+            <pc:docMk/>
+            <pc:sldMk cId="3630156678" sldId="279"/>
+            <ac:spMk id="7" creationId="{ADC19C2C-D4DB-82F8-DFA5-484858C8B4D3}"/>
+          </ac:spMkLst>
+        </pc:spChg>
+        <pc:spChg chg="add mod">
+          <ac:chgData name="明阳 阮" userId="a4dcf2889a22c6f9" providerId="LiveId" clId="{A86D5202-7040-4BE9-A259-0D0906DA0EEF}" dt="2023-06-26T08:10:37.144" v="965" actId="12788"/>
+          <ac:spMkLst>
+            <pc:docMk/>
+            <pc:sldMk cId="3630156678" sldId="279"/>
+            <ac:spMk id="10" creationId="{F1522C8A-4DFC-0E89-6C00-B29294BE347F}"/>
+          </ac:spMkLst>
+        </pc:spChg>
+        <pc:spChg chg="add mod">
+          <ac:chgData name="明阳 阮" userId="a4dcf2889a22c6f9" providerId="LiveId" clId="{A86D5202-7040-4BE9-A259-0D0906DA0EEF}" dt="2023-06-26T08:19:29.407" v="1174" actId="1076"/>
+          <ac:spMkLst>
+            <pc:docMk/>
+            <pc:sldMk cId="3630156678" sldId="279"/>
+            <ac:spMk id="11" creationId="{4608E99D-3664-3469-8333-B6C49D5B938A}"/>
+          </ac:spMkLst>
+        </pc:spChg>
+        <pc:spChg chg="add mod">
+          <ac:chgData name="明阳 阮" userId="a4dcf2889a22c6f9" providerId="LiveId" clId="{A86D5202-7040-4BE9-A259-0D0906DA0EEF}" dt="2023-06-26T08:19:52.899" v="1180" actId="1076"/>
+          <ac:spMkLst>
+            <pc:docMk/>
+            <pc:sldMk cId="3630156678" sldId="279"/>
+            <ac:spMk id="12" creationId="{749E918D-AD1F-EE73-EED4-B1657AE0893A}"/>
+          </ac:spMkLst>
+        </pc:spChg>
+        <pc:spChg chg="add mod">
+          <ac:chgData name="明阳 阮" userId="a4dcf2889a22c6f9" providerId="LiveId" clId="{A86D5202-7040-4BE9-A259-0D0906DA0EEF}" dt="2023-06-26T08:19:48.097" v="1179" actId="1076"/>
+          <ac:spMkLst>
+            <pc:docMk/>
+            <pc:sldMk cId="3630156678" sldId="279"/>
+            <ac:spMk id="13" creationId="{2C0E6088-E2A8-FE89-D360-2D84F9945BD6}"/>
+          </ac:spMkLst>
+        </pc:spChg>
+        <pc:spChg chg="add mod">
+          <ac:chgData name="明阳 阮" userId="a4dcf2889a22c6f9" providerId="LiveId" clId="{A86D5202-7040-4BE9-A259-0D0906DA0EEF}" dt="2023-06-26T08:19:40.527" v="1178" actId="1076"/>
+          <ac:spMkLst>
+            <pc:docMk/>
+            <pc:sldMk cId="3630156678" sldId="279"/>
+            <ac:spMk id="14" creationId="{2F551651-B256-1C71-DC82-92F6D3E9819C}"/>
+          </ac:spMkLst>
+        </pc:spChg>
+        <pc:spChg chg="add del">
+          <ac:chgData name="明阳 阮" userId="a4dcf2889a22c6f9" providerId="LiveId" clId="{A86D5202-7040-4BE9-A259-0D0906DA0EEF}" dt="2023-06-26T08:20:26.361" v="1182" actId="22"/>
+          <ac:spMkLst>
+            <pc:docMk/>
+            <pc:sldMk cId="3630156678" sldId="279"/>
+            <ac:spMk id="16" creationId="{AF6BF12B-F767-C6E9-C6FC-38EE475E84DC}"/>
+          </ac:spMkLst>
+        </pc:spChg>
+        <pc:spChg chg="add del mod">
+          <ac:chgData name="明阳 阮" userId="a4dcf2889a22c6f9" providerId="LiveId" clId="{A86D5202-7040-4BE9-A259-0D0906DA0EEF}" dt="2023-06-26T08:21:02.857" v="1197"/>
+          <ac:spMkLst>
+            <pc:docMk/>
+            <pc:sldMk cId="3630156678" sldId="279"/>
+            <ac:spMk id="17" creationId="{182F5586-98AA-F5E0-BD79-B02215FA8BC7}"/>
+          </ac:spMkLst>
+        </pc:spChg>
+        <pc:spChg chg="add mod">
+          <ac:chgData name="明阳 阮" userId="a4dcf2889a22c6f9" providerId="LiveId" clId="{A86D5202-7040-4BE9-A259-0D0906DA0EEF}" dt="2023-06-26T08:22:49.053" v="1216" actId="403"/>
+          <ac:spMkLst>
+            <pc:docMk/>
+            <pc:sldMk cId="3630156678" sldId="279"/>
+            <ac:spMk id="18" creationId="{DAAE0944-A7C7-6F0D-3F90-3BA48F952FD6}"/>
+          </ac:spMkLst>
+        </pc:spChg>
+        <pc:spChg chg="add mod">
+          <ac:chgData name="明阳 阮" userId="a4dcf2889a22c6f9" providerId="LiveId" clId="{A86D5202-7040-4BE9-A259-0D0906DA0EEF}" dt="2023-06-26T08:22:57.965" v="1224" actId="403"/>
+          <ac:spMkLst>
+            <pc:docMk/>
+            <pc:sldMk cId="3630156678" sldId="279"/>
+            <ac:spMk id="19" creationId="{5805882C-DEF3-89A6-14B2-1980D9E3C9A4}"/>
+          </ac:spMkLst>
+        </pc:spChg>
+        <pc:spChg chg="add mod">
+          <ac:chgData name="明阳 阮" userId="a4dcf2889a22c6f9" providerId="LiveId" clId="{A86D5202-7040-4BE9-A259-0D0906DA0EEF}" dt="2023-06-26T08:23:03.651" v="1225" actId="20577"/>
+          <ac:spMkLst>
+            <pc:docMk/>
+            <pc:sldMk cId="3630156678" sldId="279"/>
+            <ac:spMk id="20" creationId="{D51074C3-176B-DBD7-55C0-5A3CDAC1A497}"/>
+          </ac:spMkLst>
+        </pc:spChg>
+        <pc:spChg chg="add mod">
+          <ac:chgData name="明阳 阮" userId="a4dcf2889a22c6f9" providerId="LiveId" clId="{A86D5202-7040-4BE9-A259-0D0906DA0EEF}" dt="2023-06-26T08:22:42.697" v="1208" actId="404"/>
+          <ac:spMkLst>
+            <pc:docMk/>
+            <pc:sldMk cId="3630156678" sldId="279"/>
+            <ac:spMk id="21" creationId="{C18ED27C-C207-E602-D62A-D94ECC2C0C78}"/>
+          </ac:spMkLst>
+        </pc:spChg>
+        <pc:picChg chg="add mod">
+          <ac:chgData name="明阳 阮" userId="a4dcf2889a22c6f9" providerId="LiveId" clId="{A86D5202-7040-4BE9-A259-0D0906DA0EEF}" dt="2023-06-26T08:09:59.677" v="918" actId="1076"/>
+          <ac:picMkLst>
+            <pc:docMk/>
+            <pc:sldMk cId="3630156678" sldId="279"/>
+            <ac:picMk id="2" creationId="{2D430440-893E-0322-BA82-E1F564AD2688}"/>
+          </ac:picMkLst>
+        </pc:picChg>
+        <pc:picChg chg="add mod">
+          <ac:chgData name="明阳 阮" userId="a4dcf2889a22c6f9" providerId="LiveId" clId="{A86D5202-7040-4BE9-A259-0D0906DA0EEF}" dt="2023-06-26T08:12:03.057" v="1005" actId="12788"/>
+          <ac:picMkLst>
+            <pc:docMk/>
+            <pc:sldMk cId="3630156678" sldId="279"/>
+            <ac:picMk id="4" creationId="{1658E4FF-DCB3-9F76-99A0-37995380F05C}"/>
+          </ac:picMkLst>
+        </pc:picChg>
+        <pc:picChg chg="add mod">
+          <ac:chgData name="明阳 阮" userId="a4dcf2889a22c6f9" providerId="LiveId" clId="{A86D5202-7040-4BE9-A259-0D0906DA0EEF}" dt="2023-06-26T08:09:59.677" v="918" actId="1076"/>
+          <ac:picMkLst>
+            <pc:docMk/>
+            <pc:sldMk cId="3630156678" sldId="279"/>
+            <ac:picMk id="6" creationId="{B67E2A8A-E14E-C608-45CB-8D60B5B062BF}"/>
+          </ac:picMkLst>
+        </pc:picChg>
+        <pc:picChg chg="add mod">
+          <ac:chgData name="明阳 阮" userId="a4dcf2889a22c6f9" providerId="LiveId" clId="{A86D5202-7040-4BE9-A259-0D0906DA0EEF}" dt="2023-06-26T08:09:59.677" v="918" actId="1076"/>
+          <ac:picMkLst>
+            <pc:docMk/>
+            <pc:sldMk cId="3630156678" sldId="279"/>
+            <ac:picMk id="9" creationId="{62FBF5FC-4A11-9074-E1DA-983FAF581702}"/>
+          </ac:picMkLst>
+        </pc:picChg>
+      </pc:sldChg>
+      <pc:sldChg chg="new del">
+        <pc:chgData name="明阳 阮" userId="a4dcf2889a22c6f9" providerId="LiveId" clId="{A86D5202-7040-4BE9-A259-0D0906DA0EEF}" dt="2023-06-26T08:08:10.939" v="889" actId="680"/>
+        <pc:sldMkLst>
+          <pc:docMk/>
+          <pc:sldMk cId="4205488049" sldId="279"/>
+        </pc:sldMkLst>
+      </pc:sldChg>
+      <pc:sldChg chg="addSp modSp new del mod">
+        <pc:chgData name="明阳 阮" userId="a4dcf2889a22c6f9" providerId="LiveId" clId="{A86D5202-7040-4BE9-A259-0D0906DA0EEF}" dt="2023-06-27T06:27:35.576" v="3112" actId="47"/>
+        <pc:sldMkLst>
+          <pc:docMk/>
+          <pc:sldMk cId="1429138368" sldId="280"/>
+        </pc:sldMkLst>
+        <pc:spChg chg="add mod">
+          <ac:chgData name="明阳 阮" userId="a4dcf2889a22c6f9" providerId="LiveId" clId="{A86D5202-7040-4BE9-A259-0D0906DA0EEF}" dt="2023-06-26T08:11:15.703" v="991" actId="20577"/>
+          <ac:spMkLst>
+            <pc:docMk/>
+            <pc:sldMk cId="1429138368" sldId="280"/>
+            <ac:spMk id="2" creationId="{2B999896-F05C-327F-1684-26B0C4B7B502}"/>
+          </ac:spMkLst>
+        </pc:spChg>
+      </pc:sldChg>
+      <pc:sldChg chg="addSp delSp modSp new mod">
+        <pc:chgData name="明阳 阮" userId="a4dcf2889a22c6f9" providerId="LiveId" clId="{A86D5202-7040-4BE9-A259-0D0906DA0EEF}" dt="2023-06-27T07:30:57.966" v="3565" actId="14100"/>
+        <pc:sldMkLst>
+          <pc:docMk/>
+          <pc:sldMk cId="3420330743" sldId="281"/>
+        </pc:sldMkLst>
+        <pc:spChg chg="add del mod">
+          <ac:chgData name="明阳 阮" userId="a4dcf2889a22c6f9" providerId="LiveId" clId="{A86D5202-7040-4BE9-A259-0D0906DA0EEF}" dt="2023-06-26T08:13:32.053" v="1031"/>
+          <ac:spMkLst>
+            <pc:docMk/>
+            <pc:sldMk cId="3420330743" sldId="281"/>
+            <ac:spMk id="2" creationId="{639A39F9-130A-72AE-4389-F9403AE8E63E}"/>
+          </ac:spMkLst>
+        </pc:spChg>
+        <pc:spChg chg="add mod">
+          <ac:chgData name="明阳 阮" userId="a4dcf2889a22c6f9" providerId="LiveId" clId="{A86D5202-7040-4BE9-A259-0D0906DA0EEF}" dt="2023-06-26T08:13:49.687" v="1056" actId="20577"/>
+          <ac:spMkLst>
+            <pc:docMk/>
+            <pc:sldMk cId="3420330743" sldId="281"/>
+            <ac:spMk id="3" creationId="{9307FC85-CF2F-8947-5995-69D921B11960}"/>
+          </ac:spMkLst>
+        </pc:spChg>
+        <pc:spChg chg="add mod">
+          <ac:chgData name="明阳 阮" userId="a4dcf2889a22c6f9" providerId="LiveId" clId="{A86D5202-7040-4BE9-A259-0D0906DA0EEF}" dt="2023-06-26T08:15:09.635" v="1112" actId="20577"/>
+          <ac:spMkLst>
+            <pc:docMk/>
+            <pc:sldMk cId="3420330743" sldId="281"/>
+            <ac:spMk id="4" creationId="{6DA78750-5D2B-43DA-9E71-76B8C27411AC}"/>
+          </ac:spMkLst>
+        </pc:spChg>
+        <pc:spChg chg="add mod">
+          <ac:chgData name="明阳 阮" userId="a4dcf2889a22c6f9" providerId="LiveId" clId="{A86D5202-7040-4BE9-A259-0D0906DA0EEF}" dt="2023-06-26T08:16:46.668" v="1133" actId="1076"/>
+          <ac:spMkLst>
+            <pc:docMk/>
+            <pc:sldMk cId="3420330743" sldId="281"/>
+            <ac:spMk id="8" creationId="{8C689CFB-30D0-A5B0-6FDD-AD7E6BCEF6E2}"/>
+          </ac:spMkLst>
+        </pc:spChg>
+        <pc:spChg chg="add mod">
+          <ac:chgData name="明阳 阮" userId="a4dcf2889a22c6f9" providerId="LiveId" clId="{A86D5202-7040-4BE9-A259-0D0906DA0EEF}" dt="2023-06-26T08:16:55.049" v="1136" actId="1076"/>
+          <ac:spMkLst>
+            <pc:docMk/>
+            <pc:sldMk cId="3420330743" sldId="281"/>
+            <ac:spMk id="9" creationId="{BB6AB119-35B6-6798-6DC3-461F05F0A2F7}"/>
+          </ac:spMkLst>
+        </pc:spChg>
+        <pc:spChg chg="add mod">
+          <ac:chgData name="明阳 阮" userId="a4dcf2889a22c6f9" providerId="LiveId" clId="{A86D5202-7040-4BE9-A259-0D0906DA0EEF}" dt="2023-06-26T08:16:43.647" v="1132" actId="1076"/>
+          <ac:spMkLst>
+            <pc:docMk/>
+            <pc:sldMk cId="3420330743" sldId="281"/>
+            <ac:spMk id="10" creationId="{BF0ACA40-9B43-D209-CC0E-550672D1B10A}"/>
+          </ac:spMkLst>
+        </pc:spChg>
+        <pc:spChg chg="add mod">
+          <ac:chgData name="明阳 阮" userId="a4dcf2889a22c6f9" providerId="LiveId" clId="{A86D5202-7040-4BE9-A259-0D0906DA0EEF}" dt="2023-06-27T07:30:57.966" v="3565" actId="14100"/>
+          <ac:spMkLst>
+            <pc:docMk/>
+            <pc:sldMk cId="3420330743" sldId="281"/>
+            <ac:spMk id="11" creationId="{8966CE06-D803-159A-041E-2B82C3198EAA}"/>
+          </ac:spMkLst>
+        </pc:spChg>
+        <pc:spChg chg="add mod">
+          <ac:chgData name="明阳 阮" userId="a4dcf2889a22c6f9" providerId="LiveId" clId="{A86D5202-7040-4BE9-A259-0D0906DA0EEF}" dt="2023-06-26T08:19:07.876" v="1171" actId="20577"/>
+          <ac:spMkLst>
+            <pc:docMk/>
+            <pc:sldMk cId="3420330743" sldId="281"/>
+            <ac:spMk id="12" creationId="{2BA74BB8-8B75-6604-8DB8-462C885068FC}"/>
+          </ac:spMkLst>
+        </pc:spChg>
+        <pc:spChg chg="add mod">
+          <ac:chgData name="明阳 阮" userId="a4dcf2889a22c6f9" providerId="LiveId" clId="{A86D5202-7040-4BE9-A259-0D0906DA0EEF}" dt="2023-06-26T08:19:08.864" v="1173" actId="20577"/>
+          <ac:spMkLst>
+            <pc:docMk/>
+            <pc:sldMk cId="3420330743" sldId="281"/>
+            <ac:spMk id="13" creationId="{855B77EB-16F3-6381-054A-21C586161DF2}"/>
+          </ac:spMkLst>
+        </pc:spChg>
+        <pc:picChg chg="add mod">
+          <ac:chgData name="明阳 阮" userId="a4dcf2889a22c6f9" providerId="LiveId" clId="{A86D5202-7040-4BE9-A259-0D0906DA0EEF}" dt="2023-06-26T08:16:50.372" v="1135" actId="1076"/>
+          <ac:picMkLst>
+            <pc:docMk/>
+            <pc:sldMk cId="3420330743" sldId="281"/>
+            <ac:picMk id="5" creationId="{664008E2-6815-B4EB-8647-2894F2EDEF7D}"/>
+          </ac:picMkLst>
+        </pc:picChg>
+        <pc:picChg chg="add mod">
+          <ac:chgData name="明阳 阮" userId="a4dcf2889a22c6f9" providerId="LiveId" clId="{A86D5202-7040-4BE9-A259-0D0906DA0EEF}" dt="2023-06-26T08:16:19.871" v="1127" actId="1076"/>
+          <ac:picMkLst>
+            <pc:docMk/>
+            <pc:sldMk cId="3420330743" sldId="281"/>
+            <ac:picMk id="6" creationId="{789B764F-92D5-04CD-EE3C-63EF17659A80}"/>
+          </ac:picMkLst>
+        </pc:picChg>
+        <pc:picChg chg="add mod">
+          <ac:chgData name="明阳 阮" userId="a4dcf2889a22c6f9" providerId="LiveId" clId="{A86D5202-7040-4BE9-A259-0D0906DA0EEF}" dt="2023-06-26T08:16:09.774" v="1123" actId="14100"/>
+          <ac:picMkLst>
+            <pc:docMk/>
+            <pc:sldMk cId="3420330743" sldId="281"/>
+            <ac:picMk id="7" creationId="{55E4C1B7-4D6F-3F44-0FAE-ED681D105D22}"/>
+          </ac:picMkLst>
+        </pc:picChg>
+      </pc:sldChg>
+      <pc:sldChg chg="addSp delSp modSp new mod">
+        <pc:chgData name="明阳 阮" userId="a4dcf2889a22c6f9" providerId="LiveId" clId="{A86D5202-7040-4BE9-A259-0D0906DA0EEF}" dt="2023-06-27T07:22:18.805" v="3563" actId="1076"/>
+        <pc:sldMkLst>
+          <pc:docMk/>
+          <pc:sldMk cId="2108261950" sldId="282"/>
+        </pc:sldMkLst>
+        <pc:spChg chg="del">
+          <ac:chgData name="明阳 阮" userId="a4dcf2889a22c6f9" providerId="LiveId" clId="{A86D5202-7040-4BE9-A259-0D0906DA0EEF}" dt="2023-06-26T08:45:16.109" v="1473" actId="478"/>
+          <ac:spMkLst>
+            <pc:docMk/>
+            <pc:sldMk cId="2108261950" sldId="282"/>
+            <ac:spMk id="2" creationId="{A2F83FAC-2A07-421F-FC17-D4F9E0603372}"/>
+          </ac:spMkLst>
+        </pc:spChg>
+        <pc:spChg chg="del">
+          <ac:chgData name="明阳 阮" userId="a4dcf2889a22c6f9" providerId="LiveId" clId="{A86D5202-7040-4BE9-A259-0D0906DA0EEF}" dt="2023-06-26T08:45:18.202" v="1474" actId="478"/>
+          <ac:spMkLst>
+            <pc:docMk/>
+            <pc:sldMk cId="2108261950" sldId="282"/>
+            <ac:spMk id="3" creationId="{4BC9DFC8-FB4F-0E44-214A-3E0301E3EDDF}"/>
+          </ac:spMkLst>
+        </pc:spChg>
+        <pc:spChg chg="add del mod">
+          <ac:chgData name="明阳 阮" userId="a4dcf2889a22c6f9" providerId="LiveId" clId="{A86D5202-7040-4BE9-A259-0D0906DA0EEF}" dt="2023-06-27T04:21:18.205" v="2021" actId="478"/>
+          <ac:spMkLst>
+            <pc:docMk/>
+            <pc:sldMk cId="2108261950" sldId="282"/>
+            <ac:spMk id="4" creationId="{2F151F94-4A21-8893-D64E-DEE4F7965BEC}"/>
+          </ac:spMkLst>
+        </pc:spChg>
+        <pc:spChg chg="add del mod">
+          <ac:chgData name="明阳 阮" userId="a4dcf2889a22c6f9" providerId="LiveId" clId="{A86D5202-7040-4BE9-A259-0D0906DA0EEF}" dt="2023-06-27T05:52:59.967" v="2718"/>
+          <ac:spMkLst>
+            <pc:docMk/>
+            <pc:sldMk cId="2108261950" sldId="282"/>
+            <ac:spMk id="5" creationId="{5ADA6252-07CD-F34B-45CD-5D64FC9A7665}"/>
+          </ac:spMkLst>
+        </pc:spChg>
+        <pc:spChg chg="add del mod">
+          <ac:chgData name="明阳 阮" userId="a4dcf2889a22c6f9" providerId="LiveId" clId="{A86D5202-7040-4BE9-A259-0D0906DA0EEF}" dt="2023-06-26T08:46:37.505" v="1501" actId="478"/>
+          <ac:spMkLst>
+            <pc:docMk/>
+            <pc:sldMk cId="2108261950" sldId="282"/>
+            <ac:spMk id="5" creationId="{D556E519-23C3-55AC-28C6-B12503AA9C2F}"/>
+          </ac:spMkLst>
+        </pc:spChg>
+        <pc:spChg chg="add del mod">
+          <ac:chgData name="明阳 阮" userId="a4dcf2889a22c6f9" providerId="LiveId" clId="{A86D5202-7040-4BE9-A259-0D0906DA0EEF}" dt="2023-06-27T04:21:16.107" v="2020" actId="478"/>
+          <ac:spMkLst>
+            <pc:docMk/>
+            <pc:sldMk cId="2108261950" sldId="282"/>
+            <ac:spMk id="6" creationId="{4904AD64-32FA-A3BB-ACEA-F46783CAEC98}"/>
+          </ac:spMkLst>
+        </pc:spChg>
+        <pc:spChg chg="add del mod">
+          <ac:chgData name="明阳 阮" userId="a4dcf2889a22c6f9" providerId="LiveId" clId="{A86D5202-7040-4BE9-A259-0D0906DA0EEF}" dt="2023-06-27T05:53:43.050" v="2726" actId="478"/>
+          <ac:spMkLst>
+            <pc:docMk/>
+            <pc:sldMk cId="2108261950" sldId="282"/>
+            <ac:spMk id="7" creationId="{06A03B9F-0898-BD1D-3644-8BF8FD77DE53}"/>
+          </ac:spMkLst>
+        </pc:spChg>
+        <pc:spChg chg="add del mod">
+          <ac:chgData name="明阳 阮" userId="a4dcf2889a22c6f9" providerId="LiveId" clId="{A86D5202-7040-4BE9-A259-0D0906DA0EEF}" dt="2023-06-27T05:57:47.830" v="2764" actId="478"/>
+          <ac:spMkLst>
+            <pc:docMk/>
+            <pc:sldMk cId="2108261950" sldId="282"/>
+            <ac:spMk id="11" creationId="{290C9B17-A418-DB58-D507-50AAC4D38E8A}"/>
+          </ac:spMkLst>
+        </pc:spChg>
+        <pc:spChg chg="add del mod">
+          <ac:chgData name="明阳 阮" userId="a4dcf2889a22c6f9" providerId="LiveId" clId="{A86D5202-7040-4BE9-A259-0D0906DA0EEF}" dt="2023-06-27T05:57:50.367" v="2765" actId="478"/>
+          <ac:spMkLst>
+            <pc:docMk/>
+            <pc:sldMk cId="2108261950" sldId="282"/>
+            <ac:spMk id="12" creationId="{8AB4F95D-4E95-6390-E246-9EAA37153C4E}"/>
+          </ac:spMkLst>
+        </pc:spChg>
+        <pc:spChg chg="add del mod">
+          <ac:chgData name="明阳 阮" userId="a4dcf2889a22c6f9" providerId="LiveId" clId="{A86D5202-7040-4BE9-A259-0D0906DA0EEF}" dt="2023-06-27T06:03:02.082" v="2792" actId="478"/>
+          <ac:spMkLst>
+            <pc:docMk/>
+            <pc:sldMk cId="2108261950" sldId="282"/>
+            <ac:spMk id="13" creationId="{FFB58F18-6BC2-3D0F-99A2-0FA53889CBA5}"/>
+          </ac:spMkLst>
+        </pc:spChg>
+        <pc:spChg chg="add mod">
+          <ac:chgData name="明阳 阮" userId="a4dcf2889a22c6f9" providerId="LiveId" clId="{A86D5202-7040-4BE9-A259-0D0906DA0EEF}" dt="2023-06-27T05:53:22.992" v="2723"/>
+          <ac:spMkLst>
+            <pc:docMk/>
+            <pc:sldMk cId="2108261950" sldId="282"/>
+            <ac:spMk id="14" creationId="{DF1E5ACE-8259-676A-B176-47D79ED03B13}"/>
+          </ac:spMkLst>
+        </pc:spChg>
+        <pc:spChg chg="add mod">
+          <ac:chgData name="明阳 阮" userId="a4dcf2889a22c6f9" providerId="LiveId" clId="{A86D5202-7040-4BE9-A259-0D0906DA0EEF}" dt="2023-06-27T07:10:10.603" v="3246" actId="1076"/>
+          <ac:spMkLst>
+            <pc:docMk/>
+            <pc:sldMk cId="2108261950" sldId="282"/>
+            <ac:spMk id="27" creationId="{4A8F46EB-8F82-8CCC-BF0B-2A6374E84C0F}"/>
+          </ac:spMkLst>
+        </pc:spChg>
+        <pc:spChg chg="add mod">
+          <ac:chgData name="明阳 阮" userId="a4dcf2889a22c6f9" providerId="LiveId" clId="{A86D5202-7040-4BE9-A259-0D0906DA0EEF}" dt="2023-06-27T07:10:10.603" v="3246" actId="1076"/>
+          <ac:spMkLst>
+            <pc:docMk/>
+            <pc:sldMk cId="2108261950" sldId="282"/>
+            <ac:spMk id="28" creationId="{C2140471-E75F-0445-EEE3-4DE2E80A28FD}"/>
+          </ac:spMkLst>
+        </pc:spChg>
+        <pc:spChg chg="add mod">
+          <ac:chgData name="明阳 阮" userId="a4dcf2889a22c6f9" providerId="LiveId" clId="{A86D5202-7040-4BE9-A259-0D0906DA0EEF}" dt="2023-06-27T06:51:32.071" v="3228" actId="1076"/>
+          <ac:spMkLst>
+            <pc:docMk/>
+            <pc:sldMk cId="2108261950" sldId="282"/>
+            <ac:spMk id="29" creationId="{C807F5C9-2D42-2559-85B2-361481A8EED7}"/>
+          </ac:spMkLst>
+        </pc:spChg>
+        <pc:spChg chg="add mod">
+          <ac:chgData name="明阳 阮" userId="a4dcf2889a22c6f9" providerId="LiveId" clId="{A86D5202-7040-4BE9-A259-0D0906DA0EEF}" dt="2023-06-27T07:13:28.773" v="3291" actId="122"/>
+          <ac:spMkLst>
+            <pc:docMk/>
+            <pc:sldMk cId="2108261950" sldId="282"/>
+            <ac:spMk id="30" creationId="{69E76AD5-AA6E-ABF8-389F-CDB7130B2229}"/>
+          </ac:spMkLst>
+        </pc:spChg>
+        <pc:spChg chg="add mod">
+          <ac:chgData name="明阳 阮" userId="a4dcf2889a22c6f9" providerId="LiveId" clId="{A86D5202-7040-4BE9-A259-0D0906DA0EEF}" dt="2023-06-27T07:13:23.236" v="3290" actId="122"/>
+          <ac:spMkLst>
+            <pc:docMk/>
+            <pc:sldMk cId="2108261950" sldId="282"/>
+            <ac:spMk id="31" creationId="{5F1C4D24-F846-42A4-7CF4-A7E3067486E7}"/>
+          </ac:spMkLst>
+        </pc:spChg>
+        <pc:spChg chg="add mod">
+          <ac:chgData name="明阳 阮" userId="a4dcf2889a22c6f9" providerId="LiveId" clId="{A86D5202-7040-4BE9-A259-0D0906DA0EEF}" dt="2023-06-27T07:13:38.637" v="3294" actId="20577"/>
+          <ac:spMkLst>
+            <pc:docMk/>
+            <pc:sldMk cId="2108261950" sldId="282"/>
+            <ac:spMk id="32" creationId="{9376D56B-8F46-58A0-CEAA-286EF61F5118}"/>
+          </ac:spMkLst>
+        </pc:spChg>
+        <pc:spChg chg="add mod">
+          <ac:chgData name="明阳 阮" userId="a4dcf2889a22c6f9" providerId="LiveId" clId="{A86D5202-7040-4BE9-A259-0D0906DA0EEF}" dt="2023-06-27T07:13:48.025" v="3296" actId="20577"/>
+          <ac:spMkLst>
+            <pc:docMk/>
+            <pc:sldMk cId="2108261950" sldId="282"/>
+            <ac:spMk id="33" creationId="{DABDCF0A-D643-5352-82E8-2C89A746A144}"/>
+          </ac:spMkLst>
+        </pc:spChg>
+        <pc:spChg chg="add mod">
+          <ac:chgData name="明阳 阮" userId="a4dcf2889a22c6f9" providerId="LiveId" clId="{A86D5202-7040-4BE9-A259-0D0906DA0EEF}" dt="2023-06-27T07:14:43.918" v="3313" actId="14861"/>
+          <ac:spMkLst>
+            <pc:docMk/>
+            <pc:sldMk cId="2108261950" sldId="282"/>
+            <ac:spMk id="34" creationId="{D1F4FD17-D196-B0A6-E864-A971DACBB136}"/>
+          </ac:spMkLst>
+        </pc:spChg>
+        <pc:spChg chg="add mod">
+          <ac:chgData name="明阳 阮" userId="a4dcf2889a22c6f9" providerId="LiveId" clId="{A86D5202-7040-4BE9-A259-0D0906DA0EEF}" dt="2023-06-27T07:15:50.108" v="3408" actId="20577"/>
+          <ac:spMkLst>
+            <pc:docMk/>
+            <pc:sldMk cId="2108261950" sldId="282"/>
+            <ac:spMk id="35" creationId="{7954B9EC-061B-8E6F-BE81-B102E422A103}"/>
+          </ac:spMkLst>
+        </pc:spChg>
+        <pc:spChg chg="add mod">
+          <ac:chgData name="明阳 阮" userId="a4dcf2889a22c6f9" providerId="LiveId" clId="{A86D5202-7040-4BE9-A259-0D0906DA0EEF}" dt="2023-06-27T07:21:49.750" v="3555" actId="20577"/>
+          <ac:spMkLst>
+            <pc:docMk/>
+            <pc:sldMk cId="2108261950" sldId="282"/>
+            <ac:spMk id="36" creationId="{387F4446-7C42-D0BE-A32C-ED4B6B51E2D6}"/>
+          </ac:spMkLst>
+        </pc:spChg>
+        <pc:spChg chg="add mod">
+          <ac:chgData name="明阳 阮" userId="a4dcf2889a22c6f9" providerId="LiveId" clId="{A86D5202-7040-4BE9-A259-0D0906DA0EEF}" dt="2023-06-27T07:22:00.862" v="3557" actId="1076"/>
+          <ac:spMkLst>
+            <pc:docMk/>
+            <pc:sldMk cId="2108261950" sldId="282"/>
+            <ac:spMk id="37" creationId="{3CD0D83D-30C9-F940-E4FB-0BEE5FE03A58}"/>
+          </ac:spMkLst>
+        </pc:spChg>
+        <pc:spChg chg="add mod">
+          <ac:chgData name="明阳 阮" userId="a4dcf2889a22c6f9" providerId="LiveId" clId="{A86D5202-7040-4BE9-A259-0D0906DA0EEF}" dt="2023-06-27T07:22:18.805" v="3563" actId="1076"/>
+          <ac:spMkLst>
+            <pc:docMk/>
+            <pc:sldMk cId="2108261950" sldId="282"/>
+            <ac:spMk id="38" creationId="{76BDFCA5-F111-8CA8-A023-D3C852C692C5}"/>
+          </ac:spMkLst>
+        </pc:spChg>
+        <pc:graphicFrameChg chg="add del mod modGraphic">
+          <ac:chgData name="明阳 阮" userId="a4dcf2889a22c6f9" providerId="LiveId" clId="{A86D5202-7040-4BE9-A259-0D0906DA0EEF}" dt="2023-06-27T06:51:11.924" v="3227" actId="478"/>
+          <ac:graphicFrameMkLst>
+            <pc:docMk/>
+            <pc:sldMk cId="2108261950" sldId="282"/>
+            <ac:graphicFrameMk id="2" creationId="{EE50353E-95C2-5269-7A2C-FAB4030EB1C4}"/>
+          </ac:graphicFrameMkLst>
+        </pc:graphicFrameChg>
+        <pc:graphicFrameChg chg="add del mod modGraphic">
+          <ac:chgData name="明阳 阮" userId="a4dcf2889a22c6f9" providerId="LiveId" clId="{A86D5202-7040-4BE9-A259-0D0906DA0EEF}" dt="2023-06-27T05:53:58.716" v="2729" actId="21"/>
+          <ac:graphicFrameMkLst>
+            <pc:docMk/>
+            <pc:sldMk cId="2108261950" sldId="282"/>
+            <ac:graphicFrameMk id="3" creationId="{54967A63-2A89-0A53-7F3E-87511440DBFD}"/>
+          </ac:graphicFrameMkLst>
+        </pc:graphicFrameChg>
+        <pc:picChg chg="add del mod">
+          <ac:chgData name="明阳 阮" userId="a4dcf2889a22c6f9" providerId="LiveId" clId="{A86D5202-7040-4BE9-A259-0D0906DA0EEF}" dt="2023-06-27T05:52:54.263" v="2711" actId="931"/>
+          <ac:picMkLst>
+            <pc:docMk/>
+            <pc:sldMk cId="2108261950" sldId="282"/>
+            <ac:picMk id="9" creationId="{DEDAA625-3A02-932E-90DD-A4326FA8201B}"/>
+          </ac:picMkLst>
+        </pc:picChg>
+        <pc:picChg chg="add del mod">
+          <ac:chgData name="明阳 阮" userId="a4dcf2889a22c6f9" providerId="LiveId" clId="{A86D5202-7040-4BE9-A259-0D0906DA0EEF}" dt="2023-06-27T06:12:44.762" v="2937" actId="478"/>
+          <ac:picMkLst>
+            <pc:docMk/>
+            <pc:sldMk cId="2108261950" sldId="282"/>
+            <ac:picMk id="16" creationId="{4F77A6CF-0C8A-4317-753B-EEEE72B3E8D1}"/>
+          </ac:picMkLst>
+        </pc:picChg>
+        <pc:picChg chg="add mod">
+          <ac:chgData name="明阳 阮" userId="a4dcf2889a22c6f9" providerId="LiveId" clId="{A86D5202-7040-4BE9-A259-0D0906DA0EEF}" dt="2023-06-27T07:10:10.603" v="3246" actId="1076"/>
+          <ac:picMkLst>
+            <pc:docMk/>
+            <pc:sldMk cId="2108261950" sldId="282"/>
+            <ac:picMk id="20" creationId="{71FEBB30-F6F3-BB23-33DF-CB73354FA3C0}"/>
+          </ac:picMkLst>
+        </pc:picChg>
+        <pc:picChg chg="add mod">
+          <ac:chgData name="明阳 阮" userId="a4dcf2889a22c6f9" providerId="LiveId" clId="{A86D5202-7040-4BE9-A259-0D0906DA0EEF}" dt="2023-06-27T07:22:11.189" v="3562" actId="1076"/>
+          <ac:picMkLst>
+            <pc:docMk/>
+            <pc:sldMk cId="2108261950" sldId="282"/>
+            <ac:picMk id="22" creationId="{49F8E560-9612-41DB-9D09-BD56541B8777}"/>
+          </ac:picMkLst>
+        </pc:picChg>
+        <pc:picChg chg="add mod">
+          <ac:chgData name="明阳 阮" userId="a4dcf2889a22c6f9" providerId="LiveId" clId="{A86D5202-7040-4BE9-A259-0D0906DA0EEF}" dt="2023-06-27T07:10:10.603" v="3246" actId="1076"/>
+          <ac:picMkLst>
+            <pc:docMk/>
+            <pc:sldMk cId="2108261950" sldId="282"/>
+            <ac:picMk id="24" creationId="{435902C3-8342-82FF-22DE-36D1E5752A27}"/>
+          </ac:picMkLst>
+        </pc:picChg>
+        <pc:cxnChg chg="add del mod ord">
+          <ac:chgData name="明阳 阮" userId="a4dcf2889a22c6f9" providerId="LiveId" clId="{A86D5202-7040-4BE9-A259-0D0906DA0EEF}" dt="2023-06-27T06:14:57.707" v="3021" actId="478"/>
+          <ac:cxnSpMkLst>
+            <pc:docMk/>
+            <pc:sldMk cId="2108261950" sldId="282"/>
+            <ac:cxnSpMk id="10" creationId="{30303A5B-D590-1DDC-5CEC-725E6FBBB1EA}"/>
+          </ac:cxnSpMkLst>
+        </pc:cxnChg>
+        <pc:cxnChg chg="add mod">
+          <ac:chgData name="明阳 阮" userId="a4dcf2889a22c6f9" providerId="LiveId" clId="{A86D5202-7040-4BE9-A259-0D0906DA0EEF}" dt="2023-06-27T06:51:32.071" v="3228" actId="1076"/>
+          <ac:cxnSpMkLst>
+            <pc:docMk/>
+            <pc:sldMk cId="2108261950" sldId="282"/>
+            <ac:cxnSpMk id="26" creationId="{402C2EEB-9CA7-ADD9-29A8-310BCCA7E71C}"/>
+          </ac:cxnSpMkLst>
+        </pc:cxnChg>
+      </pc:sldChg>
+      <pc:sldChg chg="addSp delSp modSp new del mod">
+        <pc:chgData name="明阳 阮" userId="a4dcf2889a22c6f9" providerId="LiveId" clId="{A86D5202-7040-4BE9-A259-0D0906DA0EEF}" dt="2023-06-27T06:14:55.021" v="3020" actId="47"/>
+        <pc:sldMkLst>
+          <pc:docMk/>
+          <pc:sldMk cId="3100398171" sldId="283"/>
+        </pc:sldMkLst>
+        <pc:spChg chg="add del mod">
+          <ac:chgData name="明阳 阮" userId="a4dcf2889a22c6f9" providerId="LiveId" clId="{A86D5202-7040-4BE9-A259-0D0906DA0EEF}" dt="2023-06-27T06:03:06.377" v="2793" actId="478"/>
+          <ac:spMkLst>
+            <pc:docMk/>
+            <pc:sldMk cId="3100398171" sldId="283"/>
+            <ac:spMk id="4" creationId="{A975DE3F-21E9-23DD-C057-D92BDD82F38C}"/>
+          </ac:spMkLst>
+        </pc:spChg>
+        <pc:graphicFrameChg chg="add mod modGraphic">
+          <ac:chgData name="明阳 阮" userId="a4dcf2889a22c6f9" providerId="LiveId" clId="{A86D5202-7040-4BE9-A259-0D0906DA0EEF}" dt="2023-06-27T06:14:44.361" v="3017" actId="21"/>
+          <ac:graphicFrameMkLst>
+            <pc:docMk/>
+            <pc:sldMk cId="3100398171" sldId="283"/>
+            <ac:graphicFrameMk id="2" creationId="{E86AF06E-CFCF-632F-31C4-F7A3EC7A1657}"/>
+          </ac:graphicFrameMkLst>
+        </pc:graphicFrameChg>
+        <pc:picChg chg="add del mod">
+          <ac:chgData name="明阳 阮" userId="a4dcf2889a22c6f9" providerId="LiveId" clId="{A86D5202-7040-4BE9-A259-0D0906DA0EEF}" dt="2023-06-27T06:12:53.227" v="2941" actId="478"/>
+          <ac:picMkLst>
+            <pc:docMk/>
+            <pc:sldMk cId="3100398171" sldId="283"/>
+            <ac:picMk id="6" creationId="{3652EB6E-297C-3687-09B0-3390409FA95F}"/>
+          </ac:picMkLst>
+        </pc:picChg>
+        <pc:cxnChg chg="add mod ord">
+          <ac:chgData name="明阳 阮" userId="a4dcf2889a22c6f9" providerId="LiveId" clId="{A86D5202-7040-4BE9-A259-0D0906DA0EEF}" dt="2023-06-27T06:04:03.870" v="2802" actId="1076"/>
+          <ac:cxnSpMkLst>
+            <pc:docMk/>
+            <pc:sldMk cId="3100398171" sldId="283"/>
+            <ac:cxnSpMk id="3" creationId="{8E43887C-A395-DEBF-6131-F8B770F351B2}"/>
+          </ac:cxnSpMkLst>
+        </pc:cxnChg>
+      </pc:sldChg>
+      <pc:sldChg chg="addSp delSp modSp add del mod">
+        <pc:chgData name="明阳 阮" userId="a4dcf2889a22c6f9" providerId="LiveId" clId="{A86D5202-7040-4BE9-A259-0D0906DA0EEF}" dt="2023-06-27T06:14:51.229" v="3019" actId="47"/>
+        <pc:sldMkLst>
+          <pc:docMk/>
+          <pc:sldMk cId="1975025375" sldId="284"/>
+        </pc:sldMkLst>
+        <pc:spChg chg="del">
+          <ac:chgData name="明阳 阮" userId="a4dcf2889a22c6f9" providerId="LiveId" clId="{A86D5202-7040-4BE9-A259-0D0906DA0EEF}" dt="2023-06-27T05:57:55.777" v="2766" actId="478"/>
+          <ac:spMkLst>
+            <pc:docMk/>
+            <pc:sldMk cId="1975025375" sldId="284"/>
+            <ac:spMk id="11" creationId="{290C9B17-A418-DB58-D507-50AAC4D38E8A}"/>
+          </ac:spMkLst>
+        </pc:spChg>
+        <pc:spChg chg="del">
+          <ac:chgData name="明阳 阮" userId="a4dcf2889a22c6f9" providerId="LiveId" clId="{A86D5202-7040-4BE9-A259-0D0906DA0EEF}" dt="2023-06-27T05:57:57.239" v="2767" actId="478"/>
+          <ac:spMkLst>
+            <pc:docMk/>
+            <pc:sldMk cId="1975025375" sldId="284"/>
+            <ac:spMk id="12" creationId="{8AB4F95D-4E95-6390-E246-9EAA37153C4E}"/>
+          </ac:spMkLst>
+        </pc:spChg>
+        <pc:spChg chg="del">
+          <ac:chgData name="明阳 阮" userId="a4dcf2889a22c6f9" providerId="LiveId" clId="{A86D5202-7040-4BE9-A259-0D0906DA0EEF}" dt="2023-06-27T05:57:59.806" v="2768" actId="21"/>
+          <ac:spMkLst>
+            <pc:docMk/>
+            <pc:sldMk cId="1975025375" sldId="284"/>
+            <ac:spMk id="13" creationId="{FFB58F18-6BC2-3D0F-99A2-0FA53889CBA5}"/>
+          </ac:spMkLst>
+        </pc:spChg>
+        <pc:spChg chg="del mod">
+          <ac:chgData name="明阳 阮" userId="a4dcf2889a22c6f9" providerId="LiveId" clId="{A86D5202-7040-4BE9-A259-0D0906DA0EEF}" dt="2023-06-27T05:54:43.366" v="2737" actId="478"/>
+          <ac:spMkLst>
+            <pc:docMk/>
+            <pc:sldMk cId="1975025375" sldId="284"/>
+            <ac:spMk id="14" creationId="{DF1E5ACE-8259-676A-B176-47D79ED03B13}"/>
+          </ac:spMkLst>
+        </pc:spChg>
+        <pc:graphicFrameChg chg="del mod modGraphic">
+          <ac:chgData name="明阳 阮" userId="a4dcf2889a22c6f9" providerId="LiveId" clId="{A86D5202-7040-4BE9-A259-0D0906DA0EEF}" dt="2023-06-27T05:55:33.289" v="2749" actId="478"/>
+          <ac:graphicFrameMkLst>
+            <pc:docMk/>
+            <pc:sldMk cId="1975025375" sldId="284"/>
+            <ac:graphicFrameMk id="2" creationId="{EE50353E-95C2-5269-7A2C-FAB4030EB1C4}"/>
+          </ac:graphicFrameMkLst>
+        </pc:graphicFrameChg>
+        <pc:graphicFrameChg chg="add del mod">
+          <ac:chgData name="明阳 阮" userId="a4dcf2889a22c6f9" providerId="LiveId" clId="{A86D5202-7040-4BE9-A259-0D0906DA0EEF}" dt="2023-06-27T05:55:50.586" v="2751" actId="478"/>
+          <ac:graphicFrameMkLst>
+            <pc:docMk/>
+            <pc:sldMk cId="1975025375" sldId="284"/>
+            <ac:graphicFrameMk id="3" creationId="{653D7E4A-C681-202D-9004-CB36CC52E0F4}"/>
+          </ac:graphicFrameMkLst>
+        </pc:graphicFrameChg>
+        <pc:graphicFrameChg chg="add mod modGraphic">
+          <ac:chgData name="明阳 阮" userId="a4dcf2889a22c6f9" providerId="LiveId" clId="{A86D5202-7040-4BE9-A259-0D0906DA0EEF}" dt="2023-06-27T06:14:33.970" v="3015" actId="21"/>
+          <ac:graphicFrameMkLst>
+            <pc:docMk/>
+            <pc:sldMk cId="1975025375" sldId="284"/>
+            <ac:graphicFrameMk id="4" creationId="{A5690D8E-EB3F-F369-2A6C-BF5EAAA35CBB}"/>
+          </ac:graphicFrameMkLst>
+        </pc:graphicFrameChg>
+        <pc:picChg chg="add del mod">
+          <ac:chgData name="明阳 阮" userId="a4dcf2889a22c6f9" providerId="LiveId" clId="{A86D5202-7040-4BE9-A259-0D0906DA0EEF}" dt="2023-06-27T06:12:50.744" v="2940" actId="478"/>
+          <ac:picMkLst>
+            <pc:docMk/>
+            <pc:sldMk cId="1975025375" sldId="284"/>
+            <ac:picMk id="6" creationId="{8640BC8E-BADF-E92E-5622-C3B3FDF93857}"/>
+          </ac:picMkLst>
+        </pc:picChg>
+        <pc:cxnChg chg="del">
+          <ac:chgData name="明阳 阮" userId="a4dcf2889a22c6f9" providerId="LiveId" clId="{A86D5202-7040-4BE9-A259-0D0906DA0EEF}" dt="2023-06-27T05:57:59.806" v="2768" actId="21"/>
+          <ac:cxnSpMkLst>
+            <pc:docMk/>
+            <pc:sldMk cId="1975025375" sldId="284"/>
+            <ac:cxnSpMk id="10" creationId="{30303A5B-D590-1DDC-5CEC-725E6FBBB1EA}"/>
+          </ac:cxnSpMkLst>
+        </pc:cxnChg>
+      </pc:sldChg>
+      <pc:sldChg chg="addSp delSp modSp new del mod">
+        <pc:chgData name="明阳 阮" userId="a4dcf2889a22c6f9" providerId="LiveId" clId="{A86D5202-7040-4BE9-A259-0D0906DA0EEF}" dt="2023-06-27T05:54:23.240" v="2734" actId="47"/>
+        <pc:sldMkLst>
+          <pc:docMk/>
+          <pc:sldMk cId="3191544440" sldId="284"/>
+        </pc:sldMkLst>
+        <pc:spChg chg="del">
+          <ac:chgData name="明阳 阮" userId="a4dcf2889a22c6f9" providerId="LiveId" clId="{A86D5202-7040-4BE9-A259-0D0906DA0EEF}" dt="2023-06-27T05:54:04.197" v="2731" actId="478"/>
+          <ac:spMkLst>
+            <pc:docMk/>
+            <pc:sldMk cId="3191544440" sldId="284"/>
+            <ac:spMk id="2" creationId="{B4FECA2B-FFA5-6846-045C-670C4E40CFCF}"/>
+          </ac:spMkLst>
+        </pc:spChg>
+        <pc:spChg chg="del">
+          <ac:chgData name="明阳 阮" userId="a4dcf2889a22c6f9" providerId="LiveId" clId="{A86D5202-7040-4BE9-A259-0D0906DA0EEF}" dt="2023-06-27T05:54:02.833" v="2730" actId="478"/>
+          <ac:spMkLst>
+            <pc:docMk/>
+            <pc:sldMk cId="3191544440" sldId="284"/>
+            <ac:spMk id="3" creationId="{29048E04-F631-FC14-EF1D-E216792F3248}"/>
+          </ac:spMkLst>
+        </pc:spChg>
+        <pc:graphicFrameChg chg="add mod">
+          <ac:chgData name="明阳 阮" userId="a4dcf2889a22c6f9" providerId="LiveId" clId="{A86D5202-7040-4BE9-A259-0D0906DA0EEF}" dt="2023-06-27T05:54:09.910" v="2733" actId="1076"/>
+          <ac:graphicFrameMkLst>
+            <pc:docMk/>
+            <pc:sldMk cId="3191544440" sldId="284"/>
+            <ac:graphicFrameMk id="4" creationId="{9963AEBF-B87B-2435-2517-5F6B7061AA9F}"/>
+          </ac:graphicFrameMkLst>
+        </pc:graphicFrameChg>
+      </pc:sldChg>
+    </pc:docChg>
+  </pc:docChgLst>
+</pc:chgInfo>
 </file>
 
 <file path=ppt/slideLayouts/slideLayout1.xml><?xml version="1.0" encoding="utf-8"?>
@@ -276,7 +1751,7 @@
           <a:p>
             <a:fld id="{F3F73737-B371-4580-AA45-C2DE1E4C665F}" type="datetimeFigureOut">
               <a:rPr lang="zh-CN" altLang="en-US" smtClean="0"/>
-              <a:t>2023/6/26</a:t>
+              <a:t>2023/6/27</a:t>
             </a:fld>
             <a:endParaRPr lang="zh-CN" altLang="en-US"/>
           </a:p>
@@ -474,7 +1949,7 @@
           <a:p>
             <a:fld id="{F3F73737-B371-4580-AA45-C2DE1E4C665F}" type="datetimeFigureOut">
               <a:rPr lang="zh-CN" altLang="en-US" smtClean="0"/>
-              <a:t>2023/6/26</a:t>
+              <a:t>2023/6/27</a:t>
             </a:fld>
             <a:endParaRPr lang="zh-CN" altLang="en-US"/>
           </a:p>
@@ -682,7 +2157,7 @@
           <a:p>
             <a:fld id="{F3F73737-B371-4580-AA45-C2DE1E4C665F}" type="datetimeFigureOut">
               <a:rPr lang="zh-CN" altLang="en-US" smtClean="0"/>
-              <a:t>2023/6/26</a:t>
+              <a:t>2023/6/27</a:t>
             </a:fld>
             <a:endParaRPr lang="zh-CN" altLang="en-US"/>
           </a:p>
@@ -880,7 +2355,7 @@
           <a:p>
             <a:fld id="{F3F73737-B371-4580-AA45-C2DE1E4C665F}" type="datetimeFigureOut">
               <a:rPr lang="zh-CN" altLang="en-US" smtClean="0"/>
-              <a:t>2023/6/26</a:t>
+              <a:t>2023/6/27</a:t>
             </a:fld>
             <a:endParaRPr lang="zh-CN" altLang="en-US"/>
           </a:p>
@@ -1155,7 +2630,7 @@
           <a:p>
             <a:fld id="{F3F73737-B371-4580-AA45-C2DE1E4C665F}" type="datetimeFigureOut">
               <a:rPr lang="zh-CN" altLang="en-US" smtClean="0"/>
-              <a:t>2023/6/26</a:t>
+              <a:t>2023/6/27</a:t>
             </a:fld>
             <a:endParaRPr lang="zh-CN" altLang="en-US"/>
           </a:p>
@@ -1420,7 +2895,7 @@
           <a:p>
             <a:fld id="{F3F73737-B371-4580-AA45-C2DE1E4C665F}" type="datetimeFigureOut">
               <a:rPr lang="zh-CN" altLang="en-US" smtClean="0"/>
-              <a:t>2023/6/26</a:t>
+              <a:t>2023/6/27</a:t>
             </a:fld>
             <a:endParaRPr lang="zh-CN" altLang="en-US"/>
           </a:p>
@@ -1832,7 +3307,7 @@
           <a:p>
             <a:fld id="{F3F73737-B371-4580-AA45-C2DE1E4C665F}" type="datetimeFigureOut">
               <a:rPr lang="zh-CN" altLang="en-US" smtClean="0"/>
-              <a:t>2023/6/26</a:t>
+              <a:t>2023/6/27</a:t>
             </a:fld>
             <a:endParaRPr lang="zh-CN" altLang="en-US"/>
           </a:p>
@@ -1973,7 +3448,7 @@
           <a:p>
             <a:fld id="{F3F73737-B371-4580-AA45-C2DE1E4C665F}" type="datetimeFigureOut">
               <a:rPr lang="zh-CN" altLang="en-US" smtClean="0"/>
-              <a:t>2023/6/26</a:t>
+              <a:t>2023/6/27</a:t>
             </a:fld>
             <a:endParaRPr lang="zh-CN" altLang="en-US"/>
           </a:p>
@@ -2086,7 +3561,7 @@
           <a:p>
             <a:fld id="{F3F73737-B371-4580-AA45-C2DE1E4C665F}" type="datetimeFigureOut">
               <a:rPr lang="zh-CN" altLang="en-US" smtClean="0"/>
-              <a:t>2023/6/26</a:t>
+              <a:t>2023/6/27</a:t>
             </a:fld>
             <a:endParaRPr lang="zh-CN" altLang="en-US"/>
           </a:p>
@@ -2397,7 +3872,7 @@
           <a:p>
             <a:fld id="{F3F73737-B371-4580-AA45-C2DE1E4C665F}" type="datetimeFigureOut">
               <a:rPr lang="zh-CN" altLang="en-US" smtClean="0"/>
-              <a:t>2023/6/26</a:t>
+              <a:t>2023/6/27</a:t>
             </a:fld>
             <a:endParaRPr lang="zh-CN" altLang="en-US"/>
           </a:p>
@@ -2685,7 +4160,7 @@
           <a:p>
             <a:fld id="{F3F73737-B371-4580-AA45-C2DE1E4C665F}" type="datetimeFigureOut">
               <a:rPr lang="zh-CN" altLang="en-US" smtClean="0"/>
-              <a:t>2023/6/26</a:t>
+              <a:t>2023/6/27</a:t>
             </a:fld>
             <a:endParaRPr lang="zh-CN" altLang="en-US"/>
           </a:p>
@@ -2926,7 +4401,7 @@
           <a:p>
             <a:fld id="{F3F73737-B371-4580-AA45-C2DE1E4C665F}" type="datetimeFigureOut">
               <a:rPr lang="zh-CN" altLang="en-US" smtClean="0"/>
-              <a:t>2023/6/26</a:t>
+              <a:t>2023/6/27</a:t>
             </a:fld>
             <a:endParaRPr lang="zh-CN" altLang="en-US"/>
           </a:p>
@@ -3362,68 +4837,98 @@
         <p:spPr/>
         <p:txBody>
           <a:bodyPr>
-            <a:normAutofit fontScale="90000"/>
+            <a:normAutofit/>
           </a:bodyPr>
           <a:lstStyle/>
           <a:p>
             <a:r>
-              <a:rPr lang="en-US" altLang="zh-CN" dirty="0"/>
+              <a:rPr lang="en-US" altLang="zh-CN" sz="5400" dirty="0">
+                <a:latin typeface="BIZ UDPゴシック" panose="020B0400000000000000" pitchFamily="50" charset="-128"/>
+                <a:ea typeface="BIZ UDPゴシック" panose="020B0400000000000000" pitchFamily="50" charset="-128"/>
+              </a:rPr>
               <a:t>CO</a:t>
             </a:r>
             <a:r>
-              <a:rPr lang="ja-JP" altLang="en-US" dirty="0"/>
+              <a:rPr lang="ja-JP" altLang="en-US" sz="5400" dirty="0">
+                <a:latin typeface="BIZ UDPゴシック" panose="020B0400000000000000" pitchFamily="50" charset="-128"/>
+                <a:ea typeface="BIZ UDPゴシック" panose="020B0400000000000000" pitchFamily="50" charset="-128"/>
+              </a:rPr>
               <a:t>と</a:t>
             </a:r>
             <a:r>
-              <a:rPr lang="en-US" altLang="ja-JP" dirty="0"/>
-              <a:t>H2O</a:t>
-            </a:r>
-            <a:r>
-              <a:rPr lang="ja-JP" altLang="en-US" dirty="0"/>
+              <a:rPr lang="en-US" altLang="ja-JP" sz="5400" kern="100" dirty="0">
+                <a:effectLst/>
+                <a:latin typeface="BIZ UDPゴシック" panose="020B0400000000000000" pitchFamily="50" charset="-128"/>
+                <a:ea typeface="BIZ UDPゴシック" panose="020B0400000000000000" pitchFamily="50" charset="-128"/>
+                <a:cs typeface="Times New Roman" panose="02020603050405020304" pitchFamily="18" charset="0"/>
+              </a:rPr>
+              <a:t>H</a:t>
+            </a:r>
+            <a:r>
+              <a:rPr lang="en-US" altLang="ja-JP" sz="5400" kern="100" baseline="-25000" dirty="0">
+                <a:effectLst/>
+                <a:latin typeface="BIZ UDPゴシック" panose="020B0400000000000000" pitchFamily="50" charset="-128"/>
+                <a:ea typeface="BIZ UDPゴシック" panose="020B0400000000000000" pitchFamily="50" charset="-128"/>
+                <a:cs typeface="Times New Roman" panose="02020603050405020304" pitchFamily="18" charset="0"/>
+              </a:rPr>
+              <a:t>2</a:t>
+            </a:r>
+            <a:r>
+              <a:rPr lang="en-US" altLang="ja-JP" sz="5400" kern="100" dirty="0">
+                <a:effectLst/>
+                <a:latin typeface="BIZ UDPゴシック" panose="020B0400000000000000" pitchFamily="50" charset="-128"/>
+                <a:ea typeface="BIZ UDPゴシック" panose="020B0400000000000000" pitchFamily="50" charset="-128"/>
+                <a:cs typeface="Times New Roman" panose="02020603050405020304" pitchFamily="18" charset="0"/>
+              </a:rPr>
+              <a:t>O</a:t>
+            </a:r>
+            <a:br>
+              <a:rPr lang="ja-JP" altLang="ja-JP" sz="5400" kern="100" dirty="0">
+                <a:effectLst/>
+                <a:latin typeface="BIZ UDPゴシック" panose="020B0400000000000000" pitchFamily="50" charset="-128"/>
+                <a:ea typeface="BIZ UDPゴシック" panose="020B0400000000000000" pitchFamily="50" charset="-128"/>
+                <a:cs typeface="Times New Roman" panose="02020603050405020304" pitchFamily="18" charset="0"/>
+              </a:rPr>
+            </a:br>
+            <a:r>
+              <a:rPr lang="ja-JP" altLang="en-US" sz="5400" dirty="0">
+                <a:latin typeface="BIZ UDPゴシック" panose="020B0400000000000000" pitchFamily="50" charset="-128"/>
+                <a:ea typeface="BIZ UDPゴシック" panose="020B0400000000000000" pitchFamily="50" charset="-128"/>
+              </a:rPr>
               <a:t>分子の吸着エネルギー及び</a:t>
             </a:r>
             <a:r>
-              <a:rPr lang="en-US" altLang="ja-JP" dirty="0"/>
+              <a:rPr lang="en-US" altLang="ja-JP" sz="5400" dirty="0">
+                <a:latin typeface="BIZ UDPゴシック" panose="020B0400000000000000" pitchFamily="50" charset="-128"/>
+                <a:ea typeface="BIZ UDPゴシック" panose="020B0400000000000000" pitchFamily="50" charset="-128"/>
+              </a:rPr>
               <a:t>CO</a:t>
             </a:r>
             <a:r>
-              <a:rPr lang="ja-JP" altLang="en-US" dirty="0"/>
+              <a:rPr lang="ja-JP" altLang="en-US" sz="5400" dirty="0">
+                <a:latin typeface="BIZ UDPゴシック" panose="020B0400000000000000" pitchFamily="50" charset="-128"/>
+                <a:ea typeface="BIZ UDPゴシック" panose="020B0400000000000000" pitchFamily="50" charset="-128"/>
+              </a:rPr>
               <a:t>と</a:t>
             </a:r>
             <a:r>
-              <a:rPr lang="en-US" altLang="ja-JP" dirty="0"/>
+              <a:rPr lang="en-US" altLang="ja-JP" sz="5400" dirty="0">
+                <a:latin typeface="BIZ UDPゴシック" panose="020B0400000000000000" pitchFamily="50" charset="-128"/>
+                <a:ea typeface="BIZ UDPゴシック" panose="020B0400000000000000" pitchFamily="50" charset="-128"/>
+              </a:rPr>
               <a:t>H</a:t>
             </a:r>
             <a:r>
-              <a:rPr lang="ja-JP" altLang="en-US" dirty="0"/>
+              <a:rPr lang="ja-JP" altLang="en-US" sz="5400" dirty="0">
+                <a:latin typeface="BIZ UDPゴシック" panose="020B0400000000000000" pitchFamily="50" charset="-128"/>
+                <a:ea typeface="BIZ UDPゴシック" panose="020B0400000000000000" pitchFamily="50" charset="-128"/>
+              </a:rPr>
               <a:t>分子の遷移状態</a:t>
             </a:r>
-            <a:endParaRPr lang="zh-CN" altLang="en-US" dirty="0"/>
-          </a:p>
-        </p:txBody>
-      </p:sp>
-      <p:sp>
-        <p:nvSpPr>
-          <p:cNvPr id="3" name="副标题 2">
-            <a:extLst>
-              <a:ext uri="{FF2B5EF4-FFF2-40B4-BE49-F238E27FC236}">
-                <a16:creationId xmlns:a16="http://schemas.microsoft.com/office/drawing/2014/main" id="{EC1CEA3E-F89F-B9B7-44B1-C73D4BBC55DE}"/>
-              </a:ext>
-            </a:extLst>
-          </p:cNvPr>
-          <p:cNvSpPr>
-            <a:spLocks noGrp="1"/>
-          </p:cNvSpPr>
-          <p:nvPr>
-            <p:ph type="subTitle" idx="1"/>
-          </p:nvPr>
-        </p:nvSpPr>
-        <p:spPr/>
-        <p:txBody>
-          <a:bodyPr/>
-          <a:lstStyle/>
-          <a:p>
-            <a:endParaRPr lang="zh-CN" altLang="en-US" dirty="0"/>
+            <a:endParaRPr lang="zh-CN" altLang="en-US" sz="5400" dirty="0">
+              <a:latin typeface="BIZ UDPゴシック" panose="020B0400000000000000" pitchFamily="50" charset="-128"/>
+              <a:ea typeface="BIZ UDPゴシック" panose="020B0400000000000000" pitchFamily="50" charset="-128"/>
+            </a:endParaRPr>
           </a:p>
         </p:txBody>
       </p:sp>
@@ -3486,68 +4991,294 @@
           </a:p>
         </p:txBody>
       </p:sp>
-      <p:sp>
-        <p:nvSpPr>
-          <p:cNvPr id="3" name="内容占位符 2">
-            <a:extLst>
-              <a:ext uri="{FF2B5EF4-FFF2-40B4-BE49-F238E27FC236}">
-                <a16:creationId xmlns:a16="http://schemas.microsoft.com/office/drawing/2014/main" id="{0ED86653-D48C-6F98-6B6E-6C8A5F1CEE50}"/>
-              </a:ext>
-            </a:extLst>
-          </p:cNvPr>
-          <p:cNvSpPr>
-            <a:spLocks noGrp="1"/>
-          </p:cNvSpPr>
-          <p:nvPr>
-            <p:ph idx="1"/>
-          </p:nvPr>
-        </p:nvSpPr>
-        <p:spPr/>
-        <p:txBody>
-          <a:bodyPr>
-            <a:normAutofit/>
-          </a:bodyPr>
-          <a:lstStyle/>
-          <a:p>
-            <a:r>
-              <a:rPr lang="en-US" altLang="zh-CN" dirty="0"/>
-              <a:t> E =-189.77746 </a:t>
-            </a:r>
-          </a:p>
-          <a:p>
-            <a:endParaRPr lang="en-US" altLang="zh-CN" dirty="0"/>
-          </a:p>
-          <a:p>
-            <a:r>
-              <a:rPr lang="zh-CN" altLang="en-US" dirty="0"/>
-              <a:t>吸着</a:t>
-            </a:r>
-            <a:r>
-              <a:rPr lang="ja-JP" altLang="en-US" dirty="0"/>
-              <a:t>エネルギー：</a:t>
-            </a:r>
-          </a:p>
-          <a:p>
-            <a:endParaRPr lang="ja-JP" altLang="en-US" dirty="0"/>
-          </a:p>
-          <a:p>
-            <a:r>
-              <a:rPr lang="en-US" altLang="ja-JP" dirty="0"/>
-              <a:t> </a:t>
-            </a:r>
-            <a:r>
-              <a:rPr lang="en-US" altLang="zh-CN" dirty="0"/>
-              <a:t>E_ bonding  =  E -  E_ CO  -  E_ H_2O  =-1.58904   kcal/mol </a:t>
-            </a:r>
-          </a:p>
-          <a:p>
-            <a:endParaRPr lang="en-US" altLang="zh-CN" dirty="0"/>
-          </a:p>
-          <a:p>
-            <a:endParaRPr lang="zh-CN" altLang="en-US" dirty="0"/>
-          </a:p>
-        </p:txBody>
-      </p:sp>
+      <mc:AlternateContent xmlns:mc="http://schemas.openxmlformats.org/markup-compatibility/2006">
+        <mc:Choice xmlns:a14="http://schemas.microsoft.com/office/drawing/2010/main" Requires="a14">
+          <p:sp>
+            <p:nvSpPr>
+              <p:cNvPr id="3" name="内容占位符 2">
+                <a:extLst>
+                  <a:ext uri="{FF2B5EF4-FFF2-40B4-BE49-F238E27FC236}">
+                    <a16:creationId xmlns:a16="http://schemas.microsoft.com/office/drawing/2014/main" id="{0ED86653-D48C-6F98-6B6E-6C8A5F1CEE50}"/>
+                  </a:ext>
+                </a:extLst>
+              </p:cNvPr>
+              <p:cNvSpPr>
+                <a:spLocks noGrp="1"/>
+              </p:cNvSpPr>
+              <p:nvPr>
+                <p:ph idx="1"/>
+              </p:nvPr>
+            </p:nvSpPr>
+            <p:spPr/>
+            <p:txBody>
+              <a:bodyPr>
+                <a:normAutofit/>
+              </a:bodyPr>
+              <a:lstStyle/>
+              <a:p>
+                <a:r>
+                  <a:rPr lang="en-US" altLang="zh-CN" dirty="0"/>
+                  <a:t> E =-189.73139</a:t>
+                </a:r>
+              </a:p>
+              <a:p>
+                <a:endParaRPr lang="en-US" altLang="zh-CN" dirty="0"/>
+              </a:p>
+              <a:p>
+                <a:r>
+                  <a:rPr lang="zh-CN" altLang="en-US" dirty="0"/>
+                  <a:t>吸着</a:t>
+                </a:r>
+                <a:r>
+                  <a:rPr lang="ja-JP" altLang="en-US" dirty="0"/>
+                  <a:t>エネルギー：</a:t>
+                </a:r>
+              </a:p>
+              <a:p>
+                <a:endParaRPr lang="ja-JP" altLang="en-US" dirty="0"/>
+              </a:p>
+              <a:p>
+                <a:r>
+                  <a:rPr lang="en-US" altLang="ja-JP" dirty="0"/>
+                  <a:t> </a:t>
+                </a:r>
+                <a14:m>
+                  <m:oMath xmlns:m="http://schemas.openxmlformats.org/officeDocument/2006/math">
+                    <m:sSub>
+                      <m:sSubPr>
+                        <m:ctrlPr>
+                          <a:rPr lang="en-US" altLang="zh-CN" i="1" dirty="0">
+                            <a:latin typeface="Cambria Math" panose="02040503050406030204" pitchFamily="18" charset="0"/>
+                          </a:rPr>
+                        </m:ctrlPr>
+                      </m:sSubPr>
+                      <m:e>
+                        <m:r>
+                          <m:rPr>
+                            <m:sty m:val="p"/>
+                          </m:rPr>
+                          <a:rPr lang="en-US" altLang="zh-CN" dirty="0">
+                            <a:latin typeface="Cambria Math" panose="02040503050406030204" pitchFamily="18" charset="0"/>
+                          </a:rPr>
+                          <m:t>E</m:t>
+                        </m:r>
+                      </m:e>
+                      <m:sub>
+                        <m:r>
+                          <m:rPr>
+                            <m:sty m:val="p"/>
+                          </m:rPr>
+                          <a:rPr lang="en-US" altLang="zh-CN" dirty="0">
+                            <a:latin typeface="Cambria Math" panose="02040503050406030204" pitchFamily="18" charset="0"/>
+                          </a:rPr>
+                          <m:t>bonding</m:t>
+                        </m:r>
+                      </m:sub>
+                    </m:sSub>
+                  </m:oMath>
+                </a14:m>
+                <a:r>
+                  <a:rPr lang="en-US" altLang="zh-CN" dirty="0"/>
+                  <a:t>=E-</a:t>
+                </a:r>
+                <a14:m>
+                  <m:oMath xmlns:m="http://schemas.openxmlformats.org/officeDocument/2006/math">
+                    <m:sSub>
+                      <m:sSubPr>
+                        <m:ctrlPr>
+                          <a:rPr lang="en-US" altLang="zh-CN" i="1" dirty="0">
+                            <a:latin typeface="Cambria Math" panose="02040503050406030204" pitchFamily="18" charset="0"/>
+                          </a:rPr>
+                        </m:ctrlPr>
+                      </m:sSubPr>
+                      <m:e>
+                        <m:r>
+                          <m:rPr>
+                            <m:sty m:val="p"/>
+                          </m:rPr>
+                          <a:rPr lang="en-US" altLang="zh-CN" dirty="0">
+                            <a:latin typeface="Cambria Math" panose="02040503050406030204" pitchFamily="18" charset="0"/>
+                          </a:rPr>
+                          <m:t>E</m:t>
+                        </m:r>
+                      </m:e>
+                      <m:sub>
+                        <m:r>
+                          <m:rPr>
+                            <m:sty m:val="p"/>
+                          </m:rPr>
+                          <a:rPr lang="en-US" altLang="zh-CN" dirty="0">
+                            <a:latin typeface="Cambria Math" panose="02040503050406030204" pitchFamily="18" charset="0"/>
+                          </a:rPr>
+                          <m:t>CO</m:t>
+                        </m:r>
+                      </m:sub>
+                    </m:sSub>
+                  </m:oMath>
+                </a14:m>
+                <a:r>
+                  <a:rPr lang="en-US" altLang="zh-CN" dirty="0"/>
+                  <a:t>-</a:t>
+                </a:r>
+                <a14:m>
+                  <m:oMath xmlns:m="http://schemas.openxmlformats.org/officeDocument/2006/math">
+                    <m:sSub>
+                      <m:sSubPr>
+                        <m:ctrlPr>
+                          <a:rPr lang="en-US" altLang="zh-CN" i="1" dirty="0">
+                            <a:latin typeface="Cambria Math" panose="02040503050406030204" pitchFamily="18" charset="0"/>
+                          </a:rPr>
+                        </m:ctrlPr>
+                      </m:sSubPr>
+                      <m:e>
+                        <m:r>
+                          <m:rPr>
+                            <m:sty m:val="p"/>
+                          </m:rPr>
+                          <a:rPr lang="en-US" altLang="zh-CN" dirty="0">
+                            <a:latin typeface="Cambria Math" panose="02040503050406030204" pitchFamily="18" charset="0"/>
+                          </a:rPr>
+                          <m:t>E</m:t>
+                        </m:r>
+                      </m:e>
+                      <m:sub>
+                        <m:sSub>
+                          <m:sSubPr>
+                            <m:ctrlPr>
+                              <a:rPr lang="en-US" altLang="ja-JP" i="1" dirty="0">
+                                <a:latin typeface="Cambria Math" panose="02040503050406030204" pitchFamily="18" charset="0"/>
+                              </a:rPr>
+                            </m:ctrlPr>
+                          </m:sSubPr>
+                          <m:e>
+                            <m:r>
+                              <m:rPr>
+                                <m:sty m:val="p"/>
+                              </m:rPr>
+                              <a:rPr lang="en-US" altLang="ja-JP" dirty="0">
+                                <a:latin typeface="Cambria Math" panose="02040503050406030204" pitchFamily="18" charset="0"/>
+                              </a:rPr>
+                              <m:t>H</m:t>
+                            </m:r>
+                          </m:e>
+                          <m:sub>
+                            <m:r>
+                              <a:rPr lang="en-US" altLang="ja-JP" dirty="0">
+                                <a:latin typeface="Cambria Math" panose="02040503050406030204" pitchFamily="18" charset="0"/>
+                              </a:rPr>
+                              <m:t>2</m:t>
+                            </m:r>
+                          </m:sub>
+                        </m:sSub>
+                        <m:r>
+                          <m:rPr>
+                            <m:sty m:val="p"/>
+                          </m:rPr>
+                          <a:rPr lang="en-US" altLang="ja-JP" dirty="0">
+                            <a:latin typeface="Cambria Math" panose="02040503050406030204" pitchFamily="18" charset="0"/>
+                          </a:rPr>
+                          <m:t>O</m:t>
+                        </m:r>
+                      </m:sub>
+                    </m:sSub>
+                    <m:r>
+                      <a:rPr lang="en-US" altLang="ja-JP" i="1" dirty="0">
+                        <a:latin typeface="Cambria Math" panose="02040503050406030204" pitchFamily="18" charset="0"/>
+                      </a:rPr>
+                      <m:t> </m:t>
+                    </m:r>
+                  </m:oMath>
+                </a14:m>
+                <a:r>
+                  <a:rPr lang="en-US" altLang="zh-CN" dirty="0"/>
+                  <a:t>=1.38166kcal/mol </a:t>
+                </a:r>
+              </a:p>
+              <a:p>
+                <a:endParaRPr lang="en-US" altLang="zh-CN" dirty="0"/>
+              </a:p>
+              <a:p>
+                <a:endParaRPr lang="zh-CN" altLang="en-US" dirty="0"/>
+              </a:p>
+            </p:txBody>
+          </p:sp>
+        </mc:Choice>
+        <mc:Fallback>
+          <p:sp>
+            <p:nvSpPr>
+              <p:cNvPr id="3" name="内容占位符 2">
+                <a:extLst>
+                  <a:ext uri="{FF2B5EF4-FFF2-40B4-BE49-F238E27FC236}">
+                    <a16:creationId xmlns:a16="http://schemas.microsoft.com/office/drawing/2014/main" id="{0ED86653-D48C-6F98-6B6E-6C8A5F1CEE50}"/>
+                  </a:ext>
+                </a:extLst>
+              </p:cNvPr>
+              <p:cNvSpPr>
+                <a:spLocks noGrp="1" noRot="1" noChangeAspect="1" noMove="1" noResize="1" noEditPoints="1" noAdjustHandles="1" noChangeArrowheads="1" noChangeShapeType="1" noTextEdit="1"/>
+              </p:cNvSpPr>
+              <p:nvPr>
+                <p:ph idx="1"/>
+              </p:nvPr>
+            </p:nvSpPr>
+            <p:spPr>
+              <a:blipFill>
+                <a:blip r:embed="rId2"/>
+                <a:stretch>
+                  <a:fillRect l="-1043" t="-2521"/>
+                </a:stretch>
+              </a:blipFill>
+            </p:spPr>
+            <p:txBody>
+              <a:bodyPr/>
+              <a:lstStyle/>
+              <a:p>
+                <a:r>
+                  <a:rPr lang="ja-JP" altLang="en-US">
+                    <a:noFill/>
+                  </a:rPr>
+                  <a:t> </a:t>
+                </a:r>
+              </a:p>
+            </p:txBody>
+          </p:sp>
+        </mc:Fallback>
+      </mc:AlternateContent>
+      <p:pic>
+        <p:nvPicPr>
+          <p:cNvPr id="6" name="図 5">
+            <a:extLst>
+              <a:ext uri="{FF2B5EF4-FFF2-40B4-BE49-F238E27FC236}">
+                <a16:creationId xmlns:a16="http://schemas.microsoft.com/office/drawing/2014/main" id="{0823549B-D552-246A-0194-FE1DBFEA8F1B}"/>
+              </a:ext>
+            </a:extLst>
+          </p:cNvPr>
+          <p:cNvPicPr>
+            <a:picLocks noChangeAspect="1"/>
+          </p:cNvPicPr>
+          <p:nvPr/>
+        </p:nvPicPr>
+        <p:blipFill>
+          <a:blip r:embed="rId3">
+            <a:extLst>
+              <a:ext uri="{28A0092B-C50C-407E-A947-70E740481C1C}">
+                <a14:useLocalDpi xmlns:a14="http://schemas.microsoft.com/office/drawing/2010/main" val="0"/>
+              </a:ext>
+            </a:extLst>
+          </a:blip>
+          <a:stretch>
+            <a:fillRect/>
+          </a:stretch>
+        </p:blipFill>
+        <p:spPr>
+          <a:xfrm>
+            <a:off x="6096000" y="1629000"/>
+            <a:ext cx="2061050" cy="1800000"/>
+          </a:xfrm>
+          <a:prstGeom prst="rect">
+            <a:avLst/>
+          </a:prstGeom>
+        </p:spPr>
+      </p:pic>
     </p:spTree>
     <p:extLst>
       <p:ext uri="{BB962C8B-B14F-4D97-AF65-F5344CB8AC3E}">
@@ -3607,63 +5338,289 @@
           </a:p>
         </p:txBody>
       </p:sp>
-      <p:sp>
-        <p:nvSpPr>
-          <p:cNvPr id="3" name="内容占位符 2">
-            <a:extLst>
-              <a:ext uri="{FF2B5EF4-FFF2-40B4-BE49-F238E27FC236}">
-                <a16:creationId xmlns:a16="http://schemas.microsoft.com/office/drawing/2014/main" id="{4312C6ED-C84F-0BDC-6EF1-F6BE364980F6}"/>
-              </a:ext>
-            </a:extLst>
-          </p:cNvPr>
-          <p:cNvSpPr>
-            <a:spLocks noGrp="1"/>
-          </p:cNvSpPr>
-          <p:nvPr>
-            <p:ph idx="1"/>
-          </p:nvPr>
-        </p:nvSpPr>
-        <p:spPr/>
-        <p:txBody>
-          <a:bodyPr/>
-          <a:lstStyle/>
-          <a:p>
-            <a:r>
-              <a:rPr lang="en-US" altLang="zh-CN" dirty="0"/>
-              <a:t> E =-189.77568 </a:t>
-            </a:r>
-          </a:p>
-          <a:p>
-            <a:endParaRPr lang="en-US" altLang="zh-CN" dirty="0"/>
-          </a:p>
-          <a:p>
-            <a:r>
-              <a:rPr lang="zh-CN" altLang="en-US" dirty="0"/>
-              <a:t>吸着</a:t>
-            </a:r>
-            <a:r>
-              <a:rPr lang="ja-JP" altLang="en-US" dirty="0"/>
-              <a:t>エネルギー：</a:t>
-            </a:r>
-          </a:p>
-          <a:p>
-            <a:endParaRPr lang="ja-JP" altLang="en-US" dirty="0"/>
-          </a:p>
-          <a:p>
-            <a:r>
-              <a:rPr lang="en-US" altLang="ja-JP" dirty="0"/>
-              <a:t> </a:t>
-            </a:r>
-            <a:r>
-              <a:rPr lang="en-US" altLang="zh-CN" dirty="0"/>
-              <a:t>E_ bonding  =  E -  E_ CO  -  E_ H_2O  =-0.47700   kcal/mol </a:t>
-            </a:r>
-          </a:p>
-          <a:p>
-            <a:endParaRPr lang="zh-CN" altLang="en-US" dirty="0"/>
-          </a:p>
-        </p:txBody>
-      </p:sp>
+      <mc:AlternateContent xmlns:mc="http://schemas.openxmlformats.org/markup-compatibility/2006">
+        <mc:Choice xmlns:a14="http://schemas.microsoft.com/office/drawing/2010/main" Requires="a14">
+          <p:sp>
+            <p:nvSpPr>
+              <p:cNvPr id="3" name="内容占位符 2">
+                <a:extLst>
+                  <a:ext uri="{FF2B5EF4-FFF2-40B4-BE49-F238E27FC236}">
+                    <a16:creationId xmlns:a16="http://schemas.microsoft.com/office/drawing/2014/main" id="{4312C6ED-C84F-0BDC-6EF1-F6BE364980F6}"/>
+                  </a:ext>
+                </a:extLst>
+              </p:cNvPr>
+              <p:cNvSpPr>
+                <a:spLocks noGrp="1"/>
+              </p:cNvSpPr>
+              <p:nvPr>
+                <p:ph idx="1"/>
+              </p:nvPr>
+            </p:nvSpPr>
+            <p:spPr/>
+            <p:txBody>
+              <a:bodyPr/>
+              <a:lstStyle/>
+              <a:p>
+                <a:r>
+                  <a:rPr lang="en-US" altLang="zh-CN" dirty="0"/>
+                  <a:t> E =-189.73338</a:t>
+                </a:r>
+              </a:p>
+              <a:p>
+                <a:endParaRPr lang="en-US" altLang="zh-CN" dirty="0"/>
+              </a:p>
+              <a:p>
+                <a:r>
+                  <a:rPr lang="zh-CN" altLang="en-US" dirty="0"/>
+                  <a:t>吸着</a:t>
+                </a:r>
+                <a:r>
+                  <a:rPr lang="ja-JP" altLang="en-US" dirty="0"/>
+                  <a:t>エネルギー：</a:t>
+                </a:r>
+              </a:p>
+              <a:p>
+                <a:endParaRPr lang="ja-JP" altLang="en-US" dirty="0"/>
+              </a:p>
+              <a:p>
+                <a:r>
+                  <a:rPr lang="en-US" altLang="ja-JP" dirty="0"/>
+                  <a:t> </a:t>
+                </a:r>
+                <a14:m>
+                  <m:oMath xmlns:m="http://schemas.openxmlformats.org/officeDocument/2006/math">
+                    <m:sSub>
+                      <m:sSubPr>
+                        <m:ctrlPr>
+                          <a:rPr lang="en-US" altLang="zh-CN" i="1" dirty="0">
+                            <a:latin typeface="Cambria Math" panose="02040503050406030204" pitchFamily="18" charset="0"/>
+                          </a:rPr>
+                        </m:ctrlPr>
+                      </m:sSubPr>
+                      <m:e>
+                        <m:r>
+                          <m:rPr>
+                            <m:sty m:val="p"/>
+                          </m:rPr>
+                          <a:rPr lang="en-US" altLang="zh-CN" dirty="0">
+                            <a:latin typeface="Cambria Math" panose="02040503050406030204" pitchFamily="18" charset="0"/>
+                          </a:rPr>
+                          <m:t>E</m:t>
+                        </m:r>
+                      </m:e>
+                      <m:sub>
+                        <m:r>
+                          <m:rPr>
+                            <m:sty m:val="p"/>
+                          </m:rPr>
+                          <a:rPr lang="en-US" altLang="zh-CN" dirty="0">
+                            <a:latin typeface="Cambria Math" panose="02040503050406030204" pitchFamily="18" charset="0"/>
+                          </a:rPr>
+                          <m:t>bonding</m:t>
+                        </m:r>
+                      </m:sub>
+                    </m:sSub>
+                  </m:oMath>
+                </a14:m>
+                <a:r>
+                  <a:rPr lang="en-US" altLang="zh-CN" dirty="0"/>
+                  <a:t>=E-</a:t>
+                </a:r>
+                <a14:m>
+                  <m:oMath xmlns:m="http://schemas.openxmlformats.org/officeDocument/2006/math">
+                    <m:sSub>
+                      <m:sSubPr>
+                        <m:ctrlPr>
+                          <a:rPr lang="en-US" altLang="zh-CN" i="1" dirty="0">
+                            <a:latin typeface="Cambria Math" panose="02040503050406030204" pitchFamily="18" charset="0"/>
+                          </a:rPr>
+                        </m:ctrlPr>
+                      </m:sSubPr>
+                      <m:e>
+                        <m:r>
+                          <m:rPr>
+                            <m:sty m:val="p"/>
+                          </m:rPr>
+                          <a:rPr lang="en-US" altLang="zh-CN" dirty="0">
+                            <a:latin typeface="Cambria Math" panose="02040503050406030204" pitchFamily="18" charset="0"/>
+                          </a:rPr>
+                          <m:t>E</m:t>
+                        </m:r>
+                      </m:e>
+                      <m:sub>
+                        <m:r>
+                          <m:rPr>
+                            <m:sty m:val="p"/>
+                          </m:rPr>
+                          <a:rPr lang="en-US" altLang="zh-CN" dirty="0">
+                            <a:latin typeface="Cambria Math" panose="02040503050406030204" pitchFamily="18" charset="0"/>
+                          </a:rPr>
+                          <m:t>CO</m:t>
+                        </m:r>
+                      </m:sub>
+                    </m:sSub>
+                  </m:oMath>
+                </a14:m>
+                <a:r>
+                  <a:rPr lang="en-US" altLang="zh-CN" dirty="0"/>
+                  <a:t>-</a:t>
+                </a:r>
+                <a14:m>
+                  <m:oMath xmlns:m="http://schemas.openxmlformats.org/officeDocument/2006/math">
+                    <m:sSub>
+                      <m:sSubPr>
+                        <m:ctrlPr>
+                          <a:rPr lang="en-US" altLang="zh-CN" i="1" dirty="0">
+                            <a:latin typeface="Cambria Math" panose="02040503050406030204" pitchFamily="18" charset="0"/>
+                          </a:rPr>
+                        </m:ctrlPr>
+                      </m:sSubPr>
+                      <m:e>
+                        <m:r>
+                          <m:rPr>
+                            <m:sty m:val="p"/>
+                          </m:rPr>
+                          <a:rPr lang="en-US" altLang="zh-CN" dirty="0">
+                            <a:latin typeface="Cambria Math" panose="02040503050406030204" pitchFamily="18" charset="0"/>
+                          </a:rPr>
+                          <m:t>E</m:t>
+                        </m:r>
+                      </m:e>
+                      <m:sub>
+                        <m:sSub>
+                          <m:sSubPr>
+                            <m:ctrlPr>
+                              <a:rPr lang="en-US" altLang="ja-JP" i="1" dirty="0">
+                                <a:latin typeface="Cambria Math" panose="02040503050406030204" pitchFamily="18" charset="0"/>
+                              </a:rPr>
+                            </m:ctrlPr>
+                          </m:sSubPr>
+                          <m:e>
+                            <m:r>
+                              <m:rPr>
+                                <m:sty m:val="p"/>
+                              </m:rPr>
+                              <a:rPr lang="en-US" altLang="ja-JP" dirty="0">
+                                <a:latin typeface="Cambria Math" panose="02040503050406030204" pitchFamily="18" charset="0"/>
+                              </a:rPr>
+                              <m:t>H</m:t>
+                            </m:r>
+                          </m:e>
+                          <m:sub>
+                            <m:r>
+                              <a:rPr lang="en-US" altLang="ja-JP" dirty="0">
+                                <a:latin typeface="Cambria Math" panose="02040503050406030204" pitchFamily="18" charset="0"/>
+                              </a:rPr>
+                              <m:t>2</m:t>
+                            </m:r>
+                          </m:sub>
+                        </m:sSub>
+                        <m:r>
+                          <m:rPr>
+                            <m:sty m:val="p"/>
+                          </m:rPr>
+                          <a:rPr lang="en-US" altLang="ja-JP" dirty="0">
+                            <a:latin typeface="Cambria Math" panose="02040503050406030204" pitchFamily="18" charset="0"/>
+                          </a:rPr>
+                          <m:t>O</m:t>
+                        </m:r>
+                      </m:sub>
+                    </m:sSub>
+                    <m:r>
+                      <a:rPr lang="en-US" altLang="ja-JP" i="1" dirty="0">
+                        <a:latin typeface="Cambria Math" panose="02040503050406030204" pitchFamily="18" charset="0"/>
+                      </a:rPr>
+                      <m:t> </m:t>
+                    </m:r>
+                  </m:oMath>
+                </a14:m>
+                <a:r>
+                  <a:rPr lang="en-US" altLang="zh-CN" dirty="0"/>
+                  <a:t>=2.62645kcal/mol </a:t>
+                </a:r>
+              </a:p>
+              <a:p>
+                <a:endParaRPr lang="zh-CN" altLang="en-US" dirty="0"/>
+              </a:p>
+            </p:txBody>
+          </p:sp>
+        </mc:Choice>
+        <mc:Fallback>
+          <p:sp>
+            <p:nvSpPr>
+              <p:cNvPr id="3" name="内容占位符 2">
+                <a:extLst>
+                  <a:ext uri="{FF2B5EF4-FFF2-40B4-BE49-F238E27FC236}">
+                    <a16:creationId xmlns:a16="http://schemas.microsoft.com/office/drawing/2014/main" id="{4312C6ED-C84F-0BDC-6EF1-F6BE364980F6}"/>
+                  </a:ext>
+                </a:extLst>
+              </p:cNvPr>
+              <p:cNvSpPr>
+                <a:spLocks noGrp="1" noRot="1" noChangeAspect="1" noMove="1" noResize="1" noEditPoints="1" noAdjustHandles="1" noChangeArrowheads="1" noChangeShapeType="1" noTextEdit="1"/>
+              </p:cNvSpPr>
+              <p:nvPr>
+                <p:ph idx="1"/>
+              </p:nvPr>
+            </p:nvSpPr>
+            <p:spPr>
+              <a:blipFill>
+                <a:blip r:embed="rId2"/>
+                <a:stretch>
+                  <a:fillRect l="-1043" t="-2521"/>
+                </a:stretch>
+              </a:blipFill>
+            </p:spPr>
+            <p:txBody>
+              <a:bodyPr/>
+              <a:lstStyle/>
+              <a:p>
+                <a:r>
+                  <a:rPr lang="ja-JP" altLang="en-US">
+                    <a:noFill/>
+                  </a:rPr>
+                  <a:t> </a:t>
+                </a:r>
+              </a:p>
+            </p:txBody>
+          </p:sp>
+        </mc:Fallback>
+      </mc:AlternateContent>
+      <p:pic>
+        <p:nvPicPr>
+          <p:cNvPr id="5" name="図 4">
+            <a:extLst>
+              <a:ext uri="{FF2B5EF4-FFF2-40B4-BE49-F238E27FC236}">
+                <a16:creationId xmlns:a16="http://schemas.microsoft.com/office/drawing/2014/main" id="{F64158F0-6654-9ED6-7A68-15F7240A14A6}"/>
+              </a:ext>
+            </a:extLst>
+          </p:cNvPr>
+          <p:cNvPicPr>
+            <a:picLocks noChangeAspect="1"/>
+          </p:cNvPicPr>
+          <p:nvPr/>
+        </p:nvPicPr>
+        <p:blipFill>
+          <a:blip r:embed="rId3">
+            <a:extLst>
+              <a:ext uri="{28A0092B-C50C-407E-A947-70E740481C1C}">
+                <a14:useLocalDpi xmlns:a14="http://schemas.microsoft.com/office/drawing/2010/main" val="0"/>
+              </a:ext>
+            </a:extLst>
+          </a:blip>
+          <a:stretch>
+            <a:fillRect/>
+          </a:stretch>
+        </p:blipFill>
+        <p:spPr>
+          <a:xfrm>
+            <a:off x="6096000" y="1629000"/>
+            <a:ext cx="2061050" cy="1800000"/>
+          </a:xfrm>
+          <a:prstGeom prst="rect">
+            <a:avLst/>
+          </a:prstGeom>
+        </p:spPr>
+      </p:pic>
     </p:spTree>
     <p:extLst>
       <p:ext uri="{BB962C8B-B14F-4D97-AF65-F5344CB8AC3E}">
@@ -3768,6 +5725,42 @@
           </a:p>
         </p:txBody>
       </p:sp>
+      <p:pic>
+        <p:nvPicPr>
+          <p:cNvPr id="5" name="図 4">
+            <a:extLst>
+              <a:ext uri="{FF2B5EF4-FFF2-40B4-BE49-F238E27FC236}">
+                <a16:creationId xmlns:a16="http://schemas.microsoft.com/office/drawing/2014/main" id="{A78A5A0E-DF31-3815-D41A-31FD6C4C42E3}"/>
+              </a:ext>
+            </a:extLst>
+          </p:cNvPr>
+          <p:cNvPicPr>
+            <a:picLocks noChangeAspect="1"/>
+          </p:cNvPicPr>
+          <p:nvPr/>
+        </p:nvPicPr>
+        <p:blipFill>
+          <a:blip r:embed="rId2">
+            <a:extLst>
+              <a:ext uri="{28A0092B-C50C-407E-A947-70E740481C1C}">
+                <a14:useLocalDpi xmlns:a14="http://schemas.microsoft.com/office/drawing/2010/main" val="0"/>
+              </a:ext>
+            </a:extLst>
+          </a:blip>
+          <a:stretch>
+            <a:fillRect/>
+          </a:stretch>
+        </p:blipFill>
+        <p:spPr>
+          <a:xfrm>
+            <a:off x="4034950" y="2576963"/>
+            <a:ext cx="4122100" cy="3600000"/>
+          </a:xfrm>
+          <a:prstGeom prst="rect">
+            <a:avLst/>
+          </a:prstGeom>
+        </p:spPr>
+      </p:pic>
     </p:spTree>
     <p:extLst>
       <p:ext uri="{BB962C8B-B14F-4D97-AF65-F5344CB8AC3E}">
@@ -3843,33 +5836,6 @@
           </a:p>
         </p:txBody>
       </p:sp>
-      <p:sp>
-        <p:nvSpPr>
-          <p:cNvPr id="3" name="内容占位符 2">
-            <a:extLst>
-              <a:ext uri="{FF2B5EF4-FFF2-40B4-BE49-F238E27FC236}">
-                <a16:creationId xmlns:a16="http://schemas.microsoft.com/office/drawing/2014/main" id="{86859322-CAD8-CB71-0D2E-5994538D9A5F}"/>
-              </a:ext>
-            </a:extLst>
-          </p:cNvPr>
-          <p:cNvSpPr>
-            <a:spLocks noGrp="1"/>
-          </p:cNvSpPr>
-          <p:nvPr>
-            <p:ph idx="1"/>
-          </p:nvPr>
-        </p:nvSpPr>
-        <p:spPr/>
-        <p:txBody>
-          <a:bodyPr>
-            <a:normAutofit/>
-          </a:bodyPr>
-          <a:lstStyle/>
-          <a:p>
-            <a:endParaRPr lang="zh-CN" altLang="en-US" dirty="0"/>
-          </a:p>
-        </p:txBody>
-      </p:sp>
     </p:spTree>
     <p:extLst>
       <p:ext uri="{BB962C8B-B14F-4D97-AF65-F5344CB8AC3E}">
@@ -3902,115 +5868,413 @@
       </p:grpSpPr>
       <p:sp>
         <p:nvSpPr>
-          <p:cNvPr id="2" name="标题 1">
-            <a:extLst>
-              <a:ext uri="{FF2B5EF4-FFF2-40B4-BE49-F238E27FC236}">
-                <a16:creationId xmlns:a16="http://schemas.microsoft.com/office/drawing/2014/main" id="{BECBE33F-E259-EB52-7F5C-496B626F592E}"/>
-              </a:ext>
-            </a:extLst>
-          </p:cNvPr>
-          <p:cNvSpPr>
-            <a:spLocks noGrp="1"/>
-          </p:cNvSpPr>
-          <p:nvPr>
-            <p:ph type="title"/>
-          </p:nvPr>
-        </p:nvSpPr>
-        <p:spPr/>
-        <p:txBody>
-          <a:bodyPr/>
-          <a:lstStyle/>
-          <a:p>
-            <a:r>
-              <a:rPr lang="ja-JP" altLang="en-US" dirty="0"/>
-              <a:t>構造１</a:t>
-            </a:r>
-            <a:endParaRPr lang="zh-CN" altLang="en-US" dirty="0"/>
-          </a:p>
-        </p:txBody>
-      </p:sp>
-      <p:sp>
-        <p:nvSpPr>
-          <p:cNvPr id="3" name="内容占位符 2">
-            <a:extLst>
-              <a:ext uri="{FF2B5EF4-FFF2-40B4-BE49-F238E27FC236}">
-                <a16:creationId xmlns:a16="http://schemas.microsoft.com/office/drawing/2014/main" id="{2F8D5774-8EED-3F34-27B9-C62B63F3A010}"/>
-              </a:ext>
-            </a:extLst>
-          </p:cNvPr>
-          <p:cNvSpPr>
-            <a:spLocks noGrp="1"/>
-          </p:cNvSpPr>
-          <p:nvPr>
-            <p:ph idx="1"/>
-          </p:nvPr>
-        </p:nvSpPr>
-        <p:spPr/>
-        <p:txBody>
-          <a:bodyPr>
-            <a:normAutofit fontScale="85000" lnSpcReduction="20000"/>
+          <p:cNvPr id="3" name="テキスト ボックス 2">
+            <a:extLst>
+              <a:ext uri="{FF2B5EF4-FFF2-40B4-BE49-F238E27FC236}">
+                <a16:creationId xmlns:a16="http://schemas.microsoft.com/office/drawing/2014/main" id="{9307FC85-CF2F-8947-5995-69D921B11960}"/>
+              </a:ext>
+            </a:extLst>
+          </p:cNvPr>
+          <p:cNvSpPr txBox="1"/>
+          <p:nvPr/>
+        </p:nvSpPr>
+        <p:spPr>
+          <a:xfrm>
+            <a:off x="4772562" y="335500"/>
+            <a:ext cx="2646878" cy="584775"/>
+          </a:xfrm>
+          <a:prstGeom prst="rect">
+            <a:avLst/>
+          </a:prstGeom>
+          <a:noFill/>
+        </p:spPr>
+        <p:txBody>
+          <a:bodyPr wrap="none" rtlCol="0">
+            <a:spAutoFit/>
           </a:bodyPr>
           <a:lstStyle/>
           <a:p>
-            <a:r>
-              <a:rPr lang="ja-JP" altLang="en-US" dirty="0"/>
-              <a:t>反応物の総合エネルギー</a:t>
-            </a:r>
-          </a:p>
-          <a:p>
-            <a:endParaRPr lang="ja-JP" altLang="en-US" dirty="0"/>
-          </a:p>
-          <a:p>
-            <a:r>
-              <a:rPr lang="en-US" altLang="ja-JP" dirty="0"/>
-              <a:t> E_ tot  =-113.75951 ( Hartree )</a:t>
-            </a:r>
-          </a:p>
-          <a:p>
-            <a:endParaRPr lang="en-US" altLang="ja-JP" dirty="0"/>
-          </a:p>
-          <a:p>
-            <a:r>
-              <a:rPr lang="ja-JP" altLang="en-US" dirty="0"/>
-              <a:t>遷移状態のエネルギー</a:t>
-            </a:r>
-          </a:p>
-          <a:p>
-            <a:endParaRPr lang="ja-JP" altLang="en-US" dirty="0"/>
-          </a:p>
-          <a:p>
-            <a:r>
-              <a:rPr lang="en-US" altLang="ja-JP" dirty="0"/>
-              <a:t> E_ TS  =-113.72689 ( Hartree )</a:t>
-            </a:r>
-          </a:p>
-          <a:p>
-            <a:endParaRPr lang="en-US" altLang="ja-JP" dirty="0"/>
-          </a:p>
-          <a:p>
-            <a:r>
-              <a:rPr lang="ja-JP" altLang="en-US" dirty="0"/>
-              <a:t>遷移状態になる為に必要なエネルギー</a:t>
-            </a:r>
-          </a:p>
-          <a:p>
-            <a:endParaRPr lang="ja-JP" altLang="en-US" dirty="0"/>
-          </a:p>
-          <a:p>
-            <a:r>
-              <a:rPr lang="en-US" altLang="ja-JP" dirty="0"/>
-              <a:t> E =20.47777 ( kcal/mol )</a:t>
-            </a:r>
-          </a:p>
-          <a:p>
-            <a:endParaRPr lang="zh-CN" altLang="en-US" dirty="0"/>
+            <a:pPr algn="ctr"/>
+            <a:r>
+              <a:rPr kumimoji="1" lang="ja-JP" altLang="en-US" sz="3200" b="1" dirty="0"/>
+              <a:t>遷移状態探索</a:t>
+            </a:r>
+          </a:p>
+        </p:txBody>
+      </p:sp>
+      <p:sp>
+        <p:nvSpPr>
+          <p:cNvPr id="4" name="テキスト ボックス 3">
+            <a:extLst>
+              <a:ext uri="{FF2B5EF4-FFF2-40B4-BE49-F238E27FC236}">
+                <a16:creationId xmlns:a16="http://schemas.microsoft.com/office/drawing/2014/main" id="{6DA78750-5D2B-43DA-9E71-76B8C27411AC}"/>
+              </a:ext>
+            </a:extLst>
+          </p:cNvPr>
+          <p:cNvSpPr txBox="1"/>
+          <p:nvPr/>
+        </p:nvSpPr>
+        <p:spPr>
+          <a:xfrm>
+            <a:off x="939510" y="1269635"/>
+            <a:ext cx="5745484" cy="461665"/>
+          </a:xfrm>
+          <a:prstGeom prst="rect">
+            <a:avLst/>
+          </a:prstGeom>
+          <a:noFill/>
+        </p:spPr>
+        <p:txBody>
+          <a:bodyPr wrap="none" rtlCol="0">
+            <a:spAutoFit/>
+          </a:bodyPr>
+          <a:lstStyle/>
+          <a:p>
+            <a:r>
+              <a:rPr kumimoji="1" lang="ja-JP" altLang="en-US" sz="2400" dirty="0"/>
+              <a:t>まずは反応物である</a:t>
+            </a:r>
+            <a:r>
+              <a:rPr kumimoji="1" lang="en-US" altLang="ja-JP" sz="2400" dirty="0"/>
+              <a:t>H</a:t>
+            </a:r>
+            <a:r>
+              <a:rPr kumimoji="1" lang="ja-JP" altLang="en-US" sz="2400" dirty="0"/>
+              <a:t>と</a:t>
+            </a:r>
+            <a:r>
+              <a:rPr kumimoji="1" lang="en-US" altLang="ja-JP" sz="2400" dirty="0"/>
+              <a:t>CO</a:t>
+            </a:r>
+            <a:r>
+              <a:rPr kumimoji="1" lang="ja-JP" altLang="en-US" sz="2400" dirty="0"/>
+              <a:t>の構造最適化</a:t>
+            </a:r>
+          </a:p>
+        </p:txBody>
+      </p:sp>
+      <p:pic>
+        <p:nvPicPr>
+          <p:cNvPr id="5" name="図 4">
+            <a:extLst>
+              <a:ext uri="{FF2B5EF4-FFF2-40B4-BE49-F238E27FC236}">
+                <a16:creationId xmlns:a16="http://schemas.microsoft.com/office/drawing/2014/main" id="{664008E2-6815-B4EB-8647-2894F2EDEF7D}"/>
+              </a:ext>
+            </a:extLst>
+          </p:cNvPr>
+          <p:cNvPicPr>
+            <a:picLocks noChangeAspect="1"/>
+          </p:cNvPicPr>
+          <p:nvPr/>
+        </p:nvPicPr>
+        <p:blipFill>
+          <a:blip r:embed="rId2">
+            <a:extLst>
+              <a:ext uri="{28A0092B-C50C-407E-A947-70E740481C1C}">
+                <a14:useLocalDpi xmlns:a14="http://schemas.microsoft.com/office/drawing/2010/main" val="0"/>
+              </a:ext>
+            </a:extLst>
+          </a:blip>
+          <a:stretch>
+            <a:fillRect/>
+          </a:stretch>
+        </p:blipFill>
+        <p:spPr>
+          <a:xfrm>
+            <a:off x="327717" y="2080660"/>
+            <a:ext cx="3297680" cy="2880000"/>
+          </a:xfrm>
+          <a:prstGeom prst="rect">
+            <a:avLst/>
+          </a:prstGeom>
+        </p:spPr>
+      </p:pic>
+      <p:pic>
+        <p:nvPicPr>
+          <p:cNvPr id="6" name="図 5">
+            <a:extLst>
+              <a:ext uri="{FF2B5EF4-FFF2-40B4-BE49-F238E27FC236}">
+                <a16:creationId xmlns:a16="http://schemas.microsoft.com/office/drawing/2014/main" id="{789B764F-92D5-04CD-EE3C-63EF17659A80}"/>
+              </a:ext>
+            </a:extLst>
+          </p:cNvPr>
+          <p:cNvPicPr>
+            <a:picLocks noChangeAspect="1"/>
+          </p:cNvPicPr>
+          <p:nvPr/>
+        </p:nvPicPr>
+        <p:blipFill>
+          <a:blip r:embed="rId3">
+            <a:extLst>
+              <a:ext uri="{28A0092B-C50C-407E-A947-70E740481C1C}">
+                <a14:useLocalDpi xmlns:a14="http://schemas.microsoft.com/office/drawing/2010/main" val="0"/>
+              </a:ext>
+            </a:extLst>
+          </a:blip>
+          <a:stretch>
+            <a:fillRect/>
+          </a:stretch>
+        </p:blipFill>
+        <p:spPr>
+          <a:xfrm>
+            <a:off x="4372949" y="2080660"/>
+            <a:ext cx="3297680" cy="2880000"/>
+          </a:xfrm>
+          <a:prstGeom prst="rect">
+            <a:avLst/>
+          </a:prstGeom>
+        </p:spPr>
+      </p:pic>
+      <p:pic>
+        <p:nvPicPr>
+          <p:cNvPr id="7" name="図 6">
+            <a:extLst>
+              <a:ext uri="{FF2B5EF4-FFF2-40B4-BE49-F238E27FC236}">
+                <a16:creationId xmlns:a16="http://schemas.microsoft.com/office/drawing/2014/main" id="{55E4C1B7-4D6F-3F44-0FAE-ED681D105D22}"/>
+              </a:ext>
+            </a:extLst>
+          </p:cNvPr>
+          <p:cNvPicPr>
+            <a:picLocks noChangeAspect="1"/>
+          </p:cNvPicPr>
+          <p:nvPr/>
+        </p:nvPicPr>
+        <p:blipFill>
+          <a:blip r:embed="rId4">
+            <a:extLst>
+              <a:ext uri="{28A0092B-C50C-407E-A947-70E740481C1C}">
+                <a14:useLocalDpi xmlns:a14="http://schemas.microsoft.com/office/drawing/2010/main" val="0"/>
+              </a:ext>
+            </a:extLst>
+          </a:blip>
+          <a:stretch>
+            <a:fillRect/>
+          </a:stretch>
+        </p:blipFill>
+        <p:spPr>
+          <a:xfrm>
+            <a:off x="8418182" y="2080660"/>
+            <a:ext cx="3297680" cy="2880000"/>
+          </a:xfrm>
+          <a:prstGeom prst="rect">
+            <a:avLst/>
+          </a:prstGeom>
+        </p:spPr>
+      </p:pic>
+      <p:sp>
+        <p:nvSpPr>
+          <p:cNvPr id="8" name="テキスト ボックス 7">
+            <a:extLst>
+              <a:ext uri="{FF2B5EF4-FFF2-40B4-BE49-F238E27FC236}">
+                <a16:creationId xmlns:a16="http://schemas.microsoft.com/office/drawing/2014/main" id="{8C689CFB-30D0-A5B0-6FDD-AD7E6BCEF6E2}"/>
+              </a:ext>
+            </a:extLst>
+          </p:cNvPr>
+          <p:cNvSpPr txBox="1"/>
+          <p:nvPr/>
+        </p:nvSpPr>
+        <p:spPr>
+          <a:xfrm>
+            <a:off x="1114782" y="5310019"/>
+            <a:ext cx="1723549" cy="461665"/>
+          </a:xfrm>
+          <a:prstGeom prst="rect">
+            <a:avLst/>
+          </a:prstGeom>
+          <a:noFill/>
+        </p:spPr>
+        <p:txBody>
+          <a:bodyPr wrap="none" rtlCol="0">
+            <a:spAutoFit/>
+          </a:bodyPr>
+          <a:lstStyle/>
+          <a:p>
+            <a:r>
+              <a:rPr kumimoji="1" lang="ja-JP" altLang="en-US" sz="2400" dirty="0"/>
+              <a:t>エネルギー</a:t>
+            </a:r>
+          </a:p>
+        </p:txBody>
+      </p:sp>
+      <p:sp>
+        <p:nvSpPr>
+          <p:cNvPr id="9" name="テキスト ボックス 8">
+            <a:extLst>
+              <a:ext uri="{FF2B5EF4-FFF2-40B4-BE49-F238E27FC236}">
+                <a16:creationId xmlns:a16="http://schemas.microsoft.com/office/drawing/2014/main" id="{BB6AB119-35B6-6798-6DC3-461F05F0A2F7}"/>
+              </a:ext>
+            </a:extLst>
+          </p:cNvPr>
+          <p:cNvSpPr txBox="1"/>
+          <p:nvPr/>
+        </p:nvSpPr>
+        <p:spPr>
+          <a:xfrm>
+            <a:off x="9205247" y="5310019"/>
+            <a:ext cx="1723549" cy="461665"/>
+          </a:xfrm>
+          <a:prstGeom prst="rect">
+            <a:avLst/>
+          </a:prstGeom>
+          <a:noFill/>
+        </p:spPr>
+        <p:txBody>
+          <a:bodyPr wrap="none" rtlCol="0">
+            <a:spAutoFit/>
+          </a:bodyPr>
+          <a:lstStyle/>
+          <a:p>
+            <a:r>
+              <a:rPr kumimoji="1" lang="ja-JP" altLang="en-US" sz="2400" dirty="0"/>
+              <a:t>エネルギー</a:t>
+            </a:r>
+          </a:p>
+        </p:txBody>
+      </p:sp>
+      <p:sp>
+        <p:nvSpPr>
+          <p:cNvPr id="10" name="テキスト ボックス 9">
+            <a:extLst>
+              <a:ext uri="{FF2B5EF4-FFF2-40B4-BE49-F238E27FC236}">
+                <a16:creationId xmlns:a16="http://schemas.microsoft.com/office/drawing/2014/main" id="{BF0ACA40-9B43-D209-CC0E-550672D1B10A}"/>
+              </a:ext>
+            </a:extLst>
+          </p:cNvPr>
+          <p:cNvSpPr txBox="1"/>
+          <p:nvPr/>
+        </p:nvSpPr>
+        <p:spPr>
+          <a:xfrm>
+            <a:off x="5234225" y="5310020"/>
+            <a:ext cx="1723549" cy="461665"/>
+          </a:xfrm>
+          <a:prstGeom prst="rect">
+            <a:avLst/>
+          </a:prstGeom>
+          <a:noFill/>
+        </p:spPr>
+        <p:txBody>
+          <a:bodyPr wrap="none" rtlCol="0">
+            <a:spAutoFit/>
+          </a:bodyPr>
+          <a:lstStyle/>
+          <a:p>
+            <a:r>
+              <a:rPr kumimoji="1" lang="ja-JP" altLang="en-US" sz="2400" dirty="0"/>
+              <a:t>エネルギー</a:t>
+            </a:r>
+          </a:p>
+        </p:txBody>
+      </p:sp>
+      <p:sp>
+        <p:nvSpPr>
+          <p:cNvPr id="11" name="テキスト ボックス 10">
+            <a:extLst>
+              <a:ext uri="{FF2B5EF4-FFF2-40B4-BE49-F238E27FC236}">
+                <a16:creationId xmlns:a16="http://schemas.microsoft.com/office/drawing/2014/main" id="{8966CE06-D803-159A-041E-2B82C3198EAA}"/>
+              </a:ext>
+            </a:extLst>
+          </p:cNvPr>
+          <p:cNvSpPr txBox="1"/>
+          <p:nvPr/>
+        </p:nvSpPr>
+        <p:spPr>
+          <a:xfrm>
+            <a:off x="1114782" y="5890210"/>
+            <a:ext cx="2284599" cy="400110"/>
+          </a:xfrm>
+          <a:prstGeom prst="rect">
+            <a:avLst/>
+          </a:prstGeom>
+          <a:noFill/>
+        </p:spPr>
+        <p:txBody>
+          <a:bodyPr wrap="square" rtlCol="0">
+            <a:spAutoFit/>
+          </a:bodyPr>
+          <a:lstStyle/>
+          <a:p>
+            <a:r>
+              <a:rPr lang="en-US" altLang="zh-CN" sz="2000" dirty="0"/>
+              <a:t>E=-113.8099984</a:t>
+            </a:r>
+          </a:p>
+        </p:txBody>
+      </p:sp>
+      <p:sp>
+        <p:nvSpPr>
+          <p:cNvPr id="12" name="テキスト ボックス 11">
+            <a:extLst>
+              <a:ext uri="{FF2B5EF4-FFF2-40B4-BE49-F238E27FC236}">
+                <a16:creationId xmlns:a16="http://schemas.microsoft.com/office/drawing/2014/main" id="{2BA74BB8-8B75-6604-8DB8-462C885068FC}"/>
+              </a:ext>
+            </a:extLst>
+          </p:cNvPr>
+          <p:cNvSpPr txBox="1"/>
+          <p:nvPr/>
+        </p:nvSpPr>
+        <p:spPr>
+          <a:xfrm>
+            <a:off x="5234225" y="5890210"/>
+            <a:ext cx="2284600" cy="400110"/>
+          </a:xfrm>
+          <a:prstGeom prst="rect">
+            <a:avLst/>
+          </a:prstGeom>
+          <a:noFill/>
+        </p:spPr>
+        <p:txBody>
+          <a:bodyPr wrap="none" rtlCol="0">
+            <a:spAutoFit/>
+          </a:bodyPr>
+          <a:lstStyle/>
+          <a:p>
+            <a:r>
+              <a:rPr lang="en-US" altLang="zh-CN" sz="2000" dirty="0"/>
+              <a:t>E=-113.809838116</a:t>
+            </a:r>
+          </a:p>
+        </p:txBody>
+      </p:sp>
+      <p:sp>
+        <p:nvSpPr>
+          <p:cNvPr id="13" name="テキスト ボックス 12">
+            <a:extLst>
+              <a:ext uri="{FF2B5EF4-FFF2-40B4-BE49-F238E27FC236}">
+                <a16:creationId xmlns:a16="http://schemas.microsoft.com/office/drawing/2014/main" id="{855B77EB-16F3-6381-054A-21C586161DF2}"/>
+              </a:ext>
+            </a:extLst>
+          </p:cNvPr>
+          <p:cNvSpPr txBox="1"/>
+          <p:nvPr/>
+        </p:nvSpPr>
+        <p:spPr>
+          <a:xfrm>
+            <a:off x="9205247" y="5890209"/>
+            <a:ext cx="2284600" cy="400110"/>
+          </a:xfrm>
+          <a:prstGeom prst="rect">
+            <a:avLst/>
+          </a:prstGeom>
+          <a:noFill/>
+        </p:spPr>
+        <p:txBody>
+          <a:bodyPr wrap="none" rtlCol="0">
+            <a:spAutoFit/>
+          </a:bodyPr>
+          <a:lstStyle/>
+          <a:p>
+            <a:r>
+              <a:rPr lang="en-US" altLang="zh-CN" sz="2000" dirty="0"/>
+              <a:t>E=-113.809809188</a:t>
+            </a:r>
           </a:p>
         </p:txBody>
       </p:sp>
     </p:spTree>
     <p:extLst>
       <p:ext uri="{BB962C8B-B14F-4D97-AF65-F5344CB8AC3E}">
-        <p14:creationId xmlns:p14="http://schemas.microsoft.com/office/powerpoint/2010/main" val="288243852"/>
+        <p14:creationId xmlns:p14="http://schemas.microsoft.com/office/powerpoint/2010/main" val="3420330743"/>
       </p:ext>
     </p:extLst>
   </p:cSld>
@@ -4042,7 +6306,7 @@
           <p:cNvPr id="2" name="标题 1">
             <a:extLst>
               <a:ext uri="{FF2B5EF4-FFF2-40B4-BE49-F238E27FC236}">
-                <a16:creationId xmlns:a16="http://schemas.microsoft.com/office/drawing/2014/main" id="{E5BAAF2D-B587-F6DD-EE55-C25868829F72}"/>
+                <a16:creationId xmlns:a16="http://schemas.microsoft.com/office/drawing/2014/main" id="{BECBE33F-E259-EB52-7F5C-496B626F592E}"/>
               </a:ext>
             </a:extLst>
           </p:cNvPr>
@@ -4060,7 +6324,7 @@
           <a:p>
             <a:r>
               <a:rPr lang="ja-JP" altLang="en-US" dirty="0"/>
-              <a:t>構造２</a:t>
+              <a:t>構造１</a:t>
             </a:r>
             <a:endParaRPr lang="zh-CN" altLang="en-US" dirty="0"/>
           </a:p>
@@ -4071,7 +6335,7 @@
           <p:cNvPr id="3" name="内容占位符 2">
             <a:extLst>
               <a:ext uri="{FF2B5EF4-FFF2-40B4-BE49-F238E27FC236}">
-                <a16:creationId xmlns:a16="http://schemas.microsoft.com/office/drawing/2014/main" id="{FB4B1757-3259-74D2-3F89-218430E72BF1}"/>
+                <a16:creationId xmlns:a16="http://schemas.microsoft.com/office/drawing/2014/main" id="{2F8D5774-8EED-3F34-27B9-C62B63F3A010}"/>
               </a:ext>
             </a:extLst>
           </p:cNvPr>
@@ -4084,17 +6348,78 @@
         </p:nvSpPr>
         <p:spPr/>
         <p:txBody>
-          <a:bodyPr/>
+          <a:bodyPr>
+            <a:normAutofit/>
+          </a:bodyPr>
           <a:lstStyle/>
           <a:p>
-            <a:endParaRPr lang="zh-CN" altLang="en-US"/>
-          </a:p>
-        </p:txBody>
-      </p:sp>
+            <a:r>
+              <a:rPr lang="en-US" altLang="zh-CN" dirty="0"/>
+              <a:t>E=-113.8099984</a:t>
+            </a:r>
+          </a:p>
+          <a:p>
+            <a:endParaRPr lang="en-US" altLang="zh-CN" dirty="0"/>
+          </a:p>
+          <a:p>
+            <a:r>
+              <a:rPr lang="en-US" altLang="zh-CN" dirty="0"/>
+              <a:t>(</a:t>
+            </a:r>
+            <a:r>
+              <a:rPr lang="zh-CN" altLang="en-US" dirty="0"/>
+              <a:t>単位</a:t>
+            </a:r>
+            <a:r>
+              <a:rPr lang="en-US" altLang="zh-CN" dirty="0"/>
+              <a:t>:Hartree)</a:t>
+            </a:r>
+          </a:p>
+          <a:p>
+            <a:endParaRPr lang="zh-CN" altLang="en-US" dirty="0"/>
+          </a:p>
+        </p:txBody>
+      </p:sp>
+      <p:pic>
+        <p:nvPicPr>
+          <p:cNvPr id="6" name="図 5">
+            <a:extLst>
+              <a:ext uri="{FF2B5EF4-FFF2-40B4-BE49-F238E27FC236}">
+                <a16:creationId xmlns:a16="http://schemas.microsoft.com/office/drawing/2014/main" id="{523470F9-B59D-8C57-AFF5-E532B7DC96B6}"/>
+              </a:ext>
+            </a:extLst>
+          </p:cNvPr>
+          <p:cNvPicPr>
+            <a:picLocks noChangeAspect="1"/>
+          </p:cNvPicPr>
+          <p:nvPr/>
+        </p:nvPicPr>
+        <p:blipFill>
+          <a:blip r:embed="rId2">
+            <a:extLst>
+              <a:ext uri="{28A0092B-C50C-407E-A947-70E740481C1C}">
+                <a14:useLocalDpi xmlns:a14="http://schemas.microsoft.com/office/drawing/2010/main" val="0"/>
+              </a:ext>
+            </a:extLst>
+          </a:blip>
+          <a:stretch>
+            <a:fillRect/>
+          </a:stretch>
+        </p:blipFill>
+        <p:spPr>
+          <a:xfrm>
+            <a:off x="6096000" y="1825625"/>
+            <a:ext cx="4122100" cy="3600000"/>
+          </a:xfrm>
+          <a:prstGeom prst="rect">
+            <a:avLst/>
+          </a:prstGeom>
+        </p:spPr>
+      </p:pic>
     </p:spTree>
     <p:extLst>
       <p:ext uri="{BB962C8B-B14F-4D97-AF65-F5344CB8AC3E}">
-        <p14:creationId xmlns:p14="http://schemas.microsoft.com/office/powerpoint/2010/main" val="3321645347"/>
+        <p14:creationId xmlns:p14="http://schemas.microsoft.com/office/powerpoint/2010/main" val="288243852"/>
       </p:ext>
     </p:extLst>
   </p:cSld>
@@ -4126,7 +6451,7 @@
           <p:cNvPr id="2" name="标题 1">
             <a:extLst>
               <a:ext uri="{FF2B5EF4-FFF2-40B4-BE49-F238E27FC236}">
-                <a16:creationId xmlns:a16="http://schemas.microsoft.com/office/drawing/2014/main" id="{7BAB392F-CCE7-0729-3B80-F6E23A66D0BC}"/>
+                <a16:creationId xmlns:a16="http://schemas.microsoft.com/office/drawing/2014/main" id="{E5BAAF2D-B587-F6DD-EE55-C25868829F72}"/>
               </a:ext>
             </a:extLst>
           </p:cNvPr>
@@ -4144,7 +6469,7 @@
           <a:p>
             <a:r>
               <a:rPr lang="ja-JP" altLang="en-US" dirty="0"/>
-              <a:t>構造３</a:t>
+              <a:t>構造２</a:t>
             </a:r>
             <a:endParaRPr lang="zh-CN" altLang="en-US" dirty="0"/>
           </a:p>
@@ -4155,7 +6480,7 @@
           <p:cNvPr id="3" name="内容占位符 2">
             <a:extLst>
               <a:ext uri="{FF2B5EF4-FFF2-40B4-BE49-F238E27FC236}">
-                <a16:creationId xmlns:a16="http://schemas.microsoft.com/office/drawing/2014/main" id="{144F44E0-1461-D9D4-FC47-558BCE47238D}"/>
+                <a16:creationId xmlns:a16="http://schemas.microsoft.com/office/drawing/2014/main" id="{FB4B1757-3259-74D2-3F89-218430E72BF1}"/>
               </a:ext>
             </a:extLst>
           </p:cNvPr>
@@ -4171,14 +6496,73 @@
           <a:bodyPr/>
           <a:lstStyle/>
           <a:p>
+            <a:r>
+              <a:rPr lang="en-US" altLang="zh-CN" dirty="0"/>
+              <a:t>E=-113.809838116</a:t>
+            </a:r>
+          </a:p>
+          <a:p>
+            <a:endParaRPr lang="en-US" altLang="zh-CN" dirty="0"/>
+          </a:p>
+          <a:p>
+            <a:r>
+              <a:rPr lang="en-US" altLang="zh-CN" dirty="0"/>
+              <a:t>(</a:t>
+            </a:r>
+            <a:r>
+              <a:rPr lang="zh-CN" altLang="en-US" dirty="0"/>
+              <a:t>単位</a:t>
+            </a:r>
+            <a:r>
+              <a:rPr lang="en-US" altLang="zh-CN" dirty="0"/>
+              <a:t>:Hartree)</a:t>
+            </a:r>
+          </a:p>
+          <a:p>
             <a:endParaRPr lang="zh-CN" altLang="en-US" dirty="0"/>
           </a:p>
         </p:txBody>
       </p:sp>
+      <p:pic>
+        <p:nvPicPr>
+          <p:cNvPr id="6" name="図 5">
+            <a:extLst>
+              <a:ext uri="{FF2B5EF4-FFF2-40B4-BE49-F238E27FC236}">
+                <a16:creationId xmlns:a16="http://schemas.microsoft.com/office/drawing/2014/main" id="{C315959D-24AC-948E-46A2-380AC6E4424B}"/>
+              </a:ext>
+            </a:extLst>
+          </p:cNvPr>
+          <p:cNvPicPr>
+            <a:picLocks noChangeAspect="1"/>
+          </p:cNvPicPr>
+          <p:nvPr/>
+        </p:nvPicPr>
+        <p:blipFill>
+          <a:blip r:embed="rId2">
+            <a:extLst>
+              <a:ext uri="{28A0092B-C50C-407E-A947-70E740481C1C}">
+                <a14:useLocalDpi xmlns:a14="http://schemas.microsoft.com/office/drawing/2010/main" val="0"/>
+              </a:ext>
+            </a:extLst>
+          </a:blip>
+          <a:stretch>
+            <a:fillRect/>
+          </a:stretch>
+        </p:blipFill>
+        <p:spPr>
+          <a:xfrm>
+            <a:off x="6096000" y="1825625"/>
+            <a:ext cx="4122099" cy="3600000"/>
+          </a:xfrm>
+          <a:prstGeom prst="rect">
+            <a:avLst/>
+          </a:prstGeom>
+        </p:spPr>
+      </p:pic>
     </p:spTree>
     <p:extLst>
       <p:ext uri="{BB962C8B-B14F-4D97-AF65-F5344CB8AC3E}">
-        <p14:creationId xmlns:p14="http://schemas.microsoft.com/office/powerpoint/2010/main" val="3359622240"/>
+        <p14:creationId xmlns:p14="http://schemas.microsoft.com/office/powerpoint/2010/main" val="3321645347"/>
       </p:ext>
     </p:extLst>
   </p:cSld>
@@ -4210,7 +6594,7 @@
           <p:cNvPr id="2" name="标题 1">
             <a:extLst>
               <a:ext uri="{FF2B5EF4-FFF2-40B4-BE49-F238E27FC236}">
-                <a16:creationId xmlns:a16="http://schemas.microsoft.com/office/drawing/2014/main" id="{FAF98C51-F5B1-910B-370C-399ED69EECE5}"/>
+                <a16:creationId xmlns:a16="http://schemas.microsoft.com/office/drawing/2014/main" id="{7BAB392F-CCE7-0729-3B80-F6E23A66D0BC}"/>
               </a:ext>
             </a:extLst>
           </p:cNvPr>
@@ -4226,7 +6610,11 @@
           <a:bodyPr/>
           <a:lstStyle/>
           <a:p>
-            <a:endParaRPr lang="zh-CN" altLang="en-US"/>
+            <a:r>
+              <a:rPr lang="ja-JP" altLang="en-US" dirty="0"/>
+              <a:t>構造３</a:t>
+            </a:r>
+            <a:endParaRPr lang="zh-CN" altLang="en-US" dirty="0"/>
           </a:p>
         </p:txBody>
       </p:sp>
@@ -4235,7 +6623,7 @@
           <p:cNvPr id="3" name="内容占位符 2">
             <a:extLst>
               <a:ext uri="{FF2B5EF4-FFF2-40B4-BE49-F238E27FC236}">
-                <a16:creationId xmlns:a16="http://schemas.microsoft.com/office/drawing/2014/main" id="{028F1D56-394F-91B1-A946-A8D6CBD3F46D}"/>
+                <a16:creationId xmlns:a16="http://schemas.microsoft.com/office/drawing/2014/main" id="{144F44E0-1461-D9D4-FC47-558BCE47238D}"/>
               </a:ext>
             </a:extLst>
           </p:cNvPr>
@@ -4251,14 +6639,73 @@
           <a:bodyPr/>
           <a:lstStyle/>
           <a:p>
-            <a:endParaRPr lang="zh-CN" altLang="en-US"/>
-          </a:p>
-        </p:txBody>
-      </p:sp>
+            <a:r>
+              <a:rPr lang="en-US" altLang="zh-CN" dirty="0"/>
+              <a:t>E=-113.809809188</a:t>
+            </a:r>
+          </a:p>
+          <a:p>
+            <a:endParaRPr lang="en-US" altLang="zh-CN" dirty="0"/>
+          </a:p>
+          <a:p>
+            <a:r>
+              <a:rPr lang="en-US" altLang="zh-CN" dirty="0"/>
+              <a:t>(</a:t>
+            </a:r>
+            <a:r>
+              <a:rPr lang="zh-CN" altLang="en-US" dirty="0"/>
+              <a:t>単位</a:t>
+            </a:r>
+            <a:r>
+              <a:rPr lang="en-US" altLang="zh-CN" dirty="0"/>
+              <a:t>:Hartree)</a:t>
+            </a:r>
+          </a:p>
+          <a:p>
+            <a:endParaRPr lang="zh-CN" altLang="en-US" dirty="0"/>
+          </a:p>
+        </p:txBody>
+      </p:sp>
+      <p:pic>
+        <p:nvPicPr>
+          <p:cNvPr id="5" name="図 4">
+            <a:extLst>
+              <a:ext uri="{FF2B5EF4-FFF2-40B4-BE49-F238E27FC236}">
+                <a16:creationId xmlns:a16="http://schemas.microsoft.com/office/drawing/2014/main" id="{CB6AD1DB-DC45-9DE7-1E98-C00A63DE9673}"/>
+              </a:ext>
+            </a:extLst>
+          </p:cNvPr>
+          <p:cNvPicPr>
+            <a:picLocks noChangeAspect="1"/>
+          </p:cNvPicPr>
+          <p:nvPr/>
+        </p:nvPicPr>
+        <p:blipFill>
+          <a:blip r:embed="rId2">
+            <a:extLst>
+              <a:ext uri="{28A0092B-C50C-407E-A947-70E740481C1C}">
+                <a14:useLocalDpi xmlns:a14="http://schemas.microsoft.com/office/drawing/2010/main" val="0"/>
+              </a:ext>
+            </a:extLst>
+          </a:blip>
+          <a:stretch>
+            <a:fillRect/>
+          </a:stretch>
+        </p:blipFill>
+        <p:spPr>
+          <a:xfrm>
+            <a:off x="6096000" y="1825625"/>
+            <a:ext cx="4122100" cy="3600000"/>
+          </a:xfrm>
+          <a:prstGeom prst="rect">
+            <a:avLst/>
+          </a:prstGeom>
+        </p:spPr>
+      </p:pic>
     </p:spTree>
     <p:extLst>
       <p:ext uri="{BB962C8B-B14F-4D97-AF65-F5344CB8AC3E}">
-        <p14:creationId xmlns:p14="http://schemas.microsoft.com/office/powerpoint/2010/main" val="2072604732"/>
+        <p14:creationId xmlns:p14="http://schemas.microsoft.com/office/powerpoint/2010/main" val="3359622240"/>
       </p:ext>
     </p:extLst>
   </p:cSld>
@@ -4290,7 +6737,7 @@
           <p:cNvPr id="2" name="标题 1">
             <a:extLst>
               <a:ext uri="{FF2B5EF4-FFF2-40B4-BE49-F238E27FC236}">
-                <a16:creationId xmlns:a16="http://schemas.microsoft.com/office/drawing/2014/main" id="{B7FC212C-DEE4-59D4-DD5E-FC2AC5D210AE}"/>
+                <a16:creationId xmlns:a16="http://schemas.microsoft.com/office/drawing/2014/main" id="{FAF98C51-F5B1-910B-370C-399ED69EECE5}"/>
               </a:ext>
             </a:extLst>
           </p:cNvPr>
@@ -4308,23 +6755,7 @@
           <a:p>
             <a:r>
               <a:rPr lang="ja-JP" altLang="en-US" dirty="0"/>
-              <a:t>４</a:t>
-            </a:r>
-            <a:r>
-              <a:rPr lang="en-US" altLang="ja-JP" dirty="0"/>
-              <a:t> CO </a:t>
-            </a:r>
-            <a:r>
-              <a:rPr lang="ja-JP" altLang="en-US" dirty="0"/>
-              <a:t>分子と</a:t>
-            </a:r>
-            <a:r>
-              <a:rPr lang="en-US" altLang="ja-JP" dirty="0"/>
-              <a:t> H </a:t>
-            </a:r>
-            <a:r>
-              <a:rPr lang="ja-JP" altLang="en-US" dirty="0"/>
-              <a:t>原子の反応中の遷移状態</a:t>
+              <a:t>結論</a:t>
             </a:r>
             <a:endParaRPr lang="zh-CN" altLang="en-US" dirty="0"/>
           </a:p>
@@ -4335,7 +6766,7 @@
           <p:cNvPr id="3" name="内容占位符 2">
             <a:extLst>
               <a:ext uri="{FF2B5EF4-FFF2-40B4-BE49-F238E27FC236}">
-                <a16:creationId xmlns:a16="http://schemas.microsoft.com/office/drawing/2014/main" id="{EC81FEE1-7DEE-766E-8400-60E5A4675741}"/>
+                <a16:creationId xmlns:a16="http://schemas.microsoft.com/office/drawing/2014/main" id="{028F1D56-394F-91B1-A946-A8D6CBD3F46D}"/>
               </a:ext>
             </a:extLst>
           </p:cNvPr>
@@ -4351,6 +6782,10 @@
           <a:bodyPr/>
           <a:lstStyle/>
           <a:p>
+            <a:r>
+              <a:rPr lang="ja-JP" altLang="en-US" dirty="0"/>
+              <a:t>構造１のエネルギーが比較的に低いため構造１は安定である。</a:t>
+            </a:r>
             <a:endParaRPr lang="zh-CN" altLang="en-US" dirty="0"/>
           </a:p>
         </p:txBody>
@@ -4358,7 +6793,7 @@
     </p:spTree>
     <p:extLst>
       <p:ext uri="{BB962C8B-B14F-4D97-AF65-F5344CB8AC3E}">
-        <p14:creationId xmlns:p14="http://schemas.microsoft.com/office/powerpoint/2010/main" val="2102756352"/>
+        <p14:creationId xmlns:p14="http://schemas.microsoft.com/office/powerpoint/2010/main" val="2072604732"/>
       </p:ext>
     </p:extLst>
   </p:cSld>
@@ -4390,7 +6825,7 @@
           <p:cNvPr id="2" name="标题 1">
             <a:extLst>
               <a:ext uri="{FF2B5EF4-FFF2-40B4-BE49-F238E27FC236}">
-                <a16:creationId xmlns:a16="http://schemas.microsoft.com/office/drawing/2014/main" id="{F14FC3CD-42D5-A01F-57DE-A4BEB271E480}"/>
+                <a16:creationId xmlns:a16="http://schemas.microsoft.com/office/drawing/2014/main" id="{B7FC212C-DEE4-59D4-DD5E-FC2AC5D210AE}"/>
               </a:ext>
             </a:extLst>
           </p:cNvPr>
@@ -4408,41 +6843,174 @@
           <a:p>
             <a:r>
               <a:rPr lang="ja-JP" altLang="en-US" dirty="0"/>
+              <a:t>４</a:t>
+            </a:r>
+            <a:r>
+              <a:rPr lang="en-US" altLang="ja-JP" dirty="0"/>
+              <a:t> CO </a:t>
+            </a:r>
+            <a:r>
+              <a:rPr lang="ja-JP" altLang="en-US" dirty="0"/>
+              <a:t>分子と</a:t>
+            </a:r>
+            <a:r>
+              <a:rPr lang="en-US" altLang="ja-JP" dirty="0"/>
+              <a:t> H </a:t>
+            </a:r>
+            <a:r>
+              <a:rPr lang="ja-JP" altLang="en-US" dirty="0"/>
+              <a:t>原子の反応中の遷移状態</a:t>
+            </a:r>
+            <a:endParaRPr lang="zh-CN" altLang="en-US" dirty="0"/>
+          </a:p>
+        </p:txBody>
+      </p:sp>
+      <p:pic>
+        <p:nvPicPr>
+          <p:cNvPr id="4" name="図 3">
+            <a:extLst>
+              <a:ext uri="{FF2B5EF4-FFF2-40B4-BE49-F238E27FC236}">
+                <a16:creationId xmlns:a16="http://schemas.microsoft.com/office/drawing/2014/main" id="{3BCCA86F-B6DB-12A7-31EE-8AD650394852}"/>
+              </a:ext>
+            </a:extLst>
+          </p:cNvPr>
+          <p:cNvPicPr>
+            <a:picLocks noChangeAspect="1"/>
+          </p:cNvPicPr>
+          <p:nvPr/>
+        </p:nvPicPr>
+        <p:blipFill>
+          <a:blip r:embed="rId2">
+            <a:extLst>
+              <a:ext uri="{28A0092B-C50C-407E-A947-70E740481C1C}">
+                <a14:useLocalDpi xmlns:a14="http://schemas.microsoft.com/office/drawing/2010/main" val="0"/>
+              </a:ext>
+            </a:extLst>
+          </a:blip>
+          <a:stretch>
+            <a:fillRect/>
+          </a:stretch>
+        </p:blipFill>
+        <p:spPr>
+          <a:xfrm>
+            <a:off x="838200" y="1690688"/>
+            <a:ext cx="4122100" cy="3600000"/>
+          </a:xfrm>
+          <a:prstGeom prst="rect">
+            <a:avLst/>
+          </a:prstGeom>
+        </p:spPr>
+      </p:pic>
+      <p:pic>
+        <p:nvPicPr>
+          <p:cNvPr id="5" name="図 4">
+            <a:extLst>
+              <a:ext uri="{FF2B5EF4-FFF2-40B4-BE49-F238E27FC236}">
+                <a16:creationId xmlns:a16="http://schemas.microsoft.com/office/drawing/2014/main" id="{63E94D76-82A6-41FE-5D1E-0FFBA0B3D7A9}"/>
+              </a:ext>
+            </a:extLst>
+          </p:cNvPr>
+          <p:cNvPicPr>
+            <a:picLocks noChangeAspect="1"/>
+          </p:cNvPicPr>
+          <p:nvPr/>
+        </p:nvPicPr>
+        <p:blipFill>
+          <a:blip r:embed="rId3">
+            <a:extLst>
+              <a:ext uri="{28A0092B-C50C-407E-A947-70E740481C1C}">
+                <a14:useLocalDpi xmlns:a14="http://schemas.microsoft.com/office/drawing/2010/main" val="0"/>
+              </a:ext>
+            </a:extLst>
+          </a:blip>
+          <a:stretch>
+            <a:fillRect/>
+          </a:stretch>
+        </p:blipFill>
+        <p:spPr>
+          <a:xfrm>
+            <a:off x="6960342" y="1690688"/>
+            <a:ext cx="4122100" cy="3600000"/>
+          </a:xfrm>
+          <a:prstGeom prst="rect">
+            <a:avLst/>
+          </a:prstGeom>
+        </p:spPr>
+      </p:pic>
+      <p:sp>
+        <p:nvSpPr>
+          <p:cNvPr id="6" name="テキスト ボックス 5">
+            <a:extLst>
+              <a:ext uri="{FF2B5EF4-FFF2-40B4-BE49-F238E27FC236}">
+                <a16:creationId xmlns:a16="http://schemas.microsoft.com/office/drawing/2014/main" id="{34145FB9-F1D6-F189-B991-F6CC6B3F07D7}"/>
+              </a:ext>
+            </a:extLst>
+          </p:cNvPr>
+          <p:cNvSpPr txBox="1"/>
+          <p:nvPr/>
+        </p:nvSpPr>
+        <p:spPr>
+          <a:xfrm>
+            <a:off x="2091657" y="5467839"/>
+            <a:ext cx="1615186" cy="369332"/>
+          </a:xfrm>
+          <a:prstGeom prst="rect">
+            <a:avLst/>
+          </a:prstGeom>
+          <a:noFill/>
+        </p:spPr>
+        <p:txBody>
+          <a:bodyPr wrap="square" rtlCol="0">
+            <a:spAutoFit/>
+          </a:bodyPr>
+          <a:lstStyle/>
+          <a:p>
+            <a:r>
+              <a:rPr kumimoji="1" lang="ja-JP" altLang="en-US" dirty="0"/>
               <a:t>遷移状態１</a:t>
             </a:r>
-            <a:endParaRPr lang="zh-CN" altLang="en-US" dirty="0"/>
-          </a:p>
-        </p:txBody>
-      </p:sp>
-      <p:sp>
-        <p:nvSpPr>
-          <p:cNvPr id="3" name="内容占位符 2">
-            <a:extLst>
-              <a:ext uri="{FF2B5EF4-FFF2-40B4-BE49-F238E27FC236}">
-                <a16:creationId xmlns:a16="http://schemas.microsoft.com/office/drawing/2014/main" id="{05A29F26-0D43-8893-FD5E-119025A816E3}"/>
-              </a:ext>
-            </a:extLst>
-          </p:cNvPr>
-          <p:cNvSpPr>
-            <a:spLocks noGrp="1"/>
-          </p:cNvSpPr>
-          <p:nvPr>
-            <p:ph idx="1"/>
-          </p:nvPr>
-        </p:nvSpPr>
-        <p:spPr/>
-        <p:txBody>
-          <a:bodyPr/>
+          </a:p>
+        </p:txBody>
+      </p:sp>
+      <p:sp>
+        <p:nvSpPr>
+          <p:cNvPr id="8" name="テキスト ボックス 7">
+            <a:extLst>
+              <a:ext uri="{FF2B5EF4-FFF2-40B4-BE49-F238E27FC236}">
+                <a16:creationId xmlns:a16="http://schemas.microsoft.com/office/drawing/2014/main" id="{B09FCC98-7641-7DB3-3F1D-D60FCD077062}"/>
+              </a:ext>
+            </a:extLst>
+          </p:cNvPr>
+          <p:cNvSpPr txBox="1"/>
+          <p:nvPr/>
+        </p:nvSpPr>
+        <p:spPr>
+          <a:xfrm>
+            <a:off x="8213799" y="5467839"/>
+            <a:ext cx="1615186" cy="369332"/>
+          </a:xfrm>
+          <a:prstGeom prst="rect">
+            <a:avLst/>
+          </a:prstGeom>
+          <a:noFill/>
+        </p:spPr>
+        <p:txBody>
+          <a:bodyPr wrap="square" rtlCol="0">
+            <a:spAutoFit/>
+          </a:bodyPr>
           <a:lstStyle/>
           <a:p>
-            <a:endParaRPr lang="zh-CN" altLang="en-US"/>
+            <a:r>
+              <a:rPr kumimoji="1" lang="ja-JP" altLang="en-US" dirty="0"/>
+              <a:t>遷移状態３</a:t>
+            </a:r>
           </a:p>
         </p:txBody>
       </p:sp>
     </p:spTree>
     <p:extLst>
       <p:ext uri="{BB962C8B-B14F-4D97-AF65-F5344CB8AC3E}">
-        <p14:creationId xmlns:p14="http://schemas.microsoft.com/office/powerpoint/2010/main" val="4148310819"/>
+        <p14:creationId xmlns:p14="http://schemas.microsoft.com/office/powerpoint/2010/main" val="2102756352"/>
       </p:ext>
     </p:extLst>
   </p:cSld>
@@ -4498,122 +7066,719 @@
           </a:p>
         </p:txBody>
       </p:sp>
-      <p:sp>
-        <p:nvSpPr>
-          <p:cNvPr id="3" name="内容占位符 2">
-            <a:extLst>
-              <a:ext uri="{FF2B5EF4-FFF2-40B4-BE49-F238E27FC236}">
-                <a16:creationId xmlns:a16="http://schemas.microsoft.com/office/drawing/2014/main" id="{0D23EB82-F72D-EE43-70D3-C80CFA2C215B}"/>
-              </a:ext>
-            </a:extLst>
-          </p:cNvPr>
-          <p:cNvSpPr>
-            <a:spLocks noGrp="1"/>
-          </p:cNvSpPr>
-          <p:nvPr>
-            <p:ph idx="1"/>
-          </p:nvPr>
-        </p:nvSpPr>
-        <p:spPr/>
-        <p:txBody>
-          <a:bodyPr/>
+      <mc:AlternateContent xmlns:mc="http://schemas.openxmlformats.org/markup-compatibility/2006">
+        <mc:Choice xmlns:a14="http://schemas.microsoft.com/office/drawing/2010/main" Requires="a14">
+          <p:sp>
+            <p:nvSpPr>
+              <p:cNvPr id="3" name="内容占位符 2">
+                <a:extLst>
+                  <a:ext uri="{FF2B5EF4-FFF2-40B4-BE49-F238E27FC236}">
+                    <a16:creationId xmlns:a16="http://schemas.microsoft.com/office/drawing/2014/main" id="{0D23EB82-F72D-EE43-70D3-C80CFA2C215B}"/>
+                  </a:ext>
+                </a:extLst>
+              </p:cNvPr>
+              <p:cNvSpPr>
+                <a:spLocks noGrp="1"/>
+              </p:cNvSpPr>
+              <p:nvPr>
+                <p:ph idx="1"/>
+              </p:nvPr>
+            </p:nvSpPr>
+            <p:spPr/>
+            <p:txBody>
+              <a:bodyPr/>
+              <a:lstStyle/>
+              <a:p>
+                <a:r>
+                  <a:rPr lang="ja-JP" altLang="en-US" dirty="0"/>
+                  <a:t>星・惑星系を生成する分子雲では星間塵が存在する。</a:t>
+                </a:r>
+              </a:p>
+              <a:p>
+                <a:r>
+                  <a:rPr lang="en-US" altLang="ja-JP" dirty="0"/>
+                  <a:t>D</a:t>
+                </a:r>
+                <a:r>
+                  <a:rPr lang="ja-JP" altLang="en-US" dirty="0"/>
+                  <a:t>原子</a:t>
+                </a:r>
+                <a:r>
+                  <a:rPr lang="en-US" altLang="ja-JP" dirty="0"/>
+                  <a:t>/H</a:t>
+                </a:r>
+                <a:r>
+                  <a:rPr lang="ja-JP" altLang="en-US" dirty="0"/>
+                  <a:t>原子の宇宙存在度比は</a:t>
+                </a:r>
+                <a:r>
+                  <a:rPr lang="en-US" altLang="ja-JP" dirty="0"/>
+                  <a:t> </a:t>
+                </a:r>
+                <a14:m>
+                  <m:oMath xmlns:m="http://schemas.openxmlformats.org/officeDocument/2006/math">
+                    <m:sSup>
+                      <m:sSupPr>
+                        <m:ctrlPr>
+                          <a:rPr lang="en-US" altLang="ja-JP" b="0" i="1" dirty="0" smtClean="0">
+                            <a:latin typeface="Cambria Math" panose="02040503050406030204" pitchFamily="18" charset="0"/>
+                          </a:rPr>
+                        </m:ctrlPr>
+                      </m:sSupPr>
+                      <m:e>
+                        <m:r>
+                          <a:rPr lang="en-US" altLang="ja-JP" i="1" dirty="0" smtClean="0">
+                            <a:latin typeface="Cambria Math" panose="02040503050406030204" pitchFamily="18" charset="0"/>
+                          </a:rPr>
+                          <m:t>10</m:t>
+                        </m:r>
+                      </m:e>
+                      <m:sup>
+                        <m:r>
+                          <a:rPr lang="en-US" altLang="ja-JP" b="0" i="1" dirty="0" smtClean="0">
+                            <a:latin typeface="Cambria Math" panose="02040503050406030204" pitchFamily="18" charset="0"/>
+                          </a:rPr>
+                          <m:t>−5</m:t>
+                        </m:r>
+                      </m:sup>
+                    </m:sSup>
+                    <m:r>
+                      <a:rPr lang="en-US" altLang="ja-JP" i="1" dirty="0" smtClean="0">
+                        <a:latin typeface="Cambria Math" panose="02040503050406030204" pitchFamily="18" charset="0"/>
+                      </a:rPr>
+                      <m:t> </m:t>
+                    </m:r>
+                  </m:oMath>
+                </a14:m>
+                <a:r>
+                  <a:rPr lang="ja-JP" altLang="en-US" dirty="0"/>
+                  <a:t>である。しかし重水素を含む分子の比率が高くなっている</a:t>
+                </a:r>
+                <a:r>
+                  <a:rPr lang="en-US" altLang="ja-JP" baseline="30000" dirty="0"/>
+                  <a:t>[1]</a:t>
+                </a:r>
+                <a14:m>
+                  <m:oMath xmlns:m="http://schemas.openxmlformats.org/officeDocument/2006/math">
+                    <m:r>
+                      <a:rPr lang="en-US" altLang="ja-JP" b="0" i="1" dirty="0" smtClean="0">
+                        <a:latin typeface="Cambria Math" panose="02040503050406030204" pitchFamily="18" charset="0"/>
+                      </a:rPr>
+                      <m:t> </m:t>
+                    </m:r>
+                  </m:oMath>
+                </a14:m>
+                <a:r>
+                  <a:rPr lang="ja-JP" altLang="en-US" dirty="0"/>
+                  <a:t>、これを重水素濃縮という</a:t>
+                </a:r>
+                <a:endParaRPr lang="zh-CN" altLang="en-US" dirty="0"/>
+              </a:p>
+            </p:txBody>
+          </p:sp>
+        </mc:Choice>
+        <mc:Fallback>
+          <p:sp>
+            <p:nvSpPr>
+              <p:cNvPr id="3" name="内容占位符 2">
+                <a:extLst>
+                  <a:ext uri="{FF2B5EF4-FFF2-40B4-BE49-F238E27FC236}">
+                    <a16:creationId xmlns:a16="http://schemas.microsoft.com/office/drawing/2014/main" id="{0D23EB82-F72D-EE43-70D3-C80CFA2C215B}"/>
+                  </a:ext>
+                </a:extLst>
+              </p:cNvPr>
+              <p:cNvSpPr>
+                <a:spLocks noGrp="1" noRot="1" noChangeAspect="1" noMove="1" noResize="1" noEditPoints="1" noAdjustHandles="1" noChangeArrowheads="1" noChangeShapeType="1" noTextEdit="1"/>
+              </p:cNvSpPr>
+              <p:nvPr>
+                <p:ph idx="1"/>
+              </p:nvPr>
+            </p:nvSpPr>
+            <p:spPr>
+              <a:blipFill>
+                <a:blip r:embed="rId2"/>
+                <a:stretch>
+                  <a:fillRect l="-1043" t="-2241" r="-696"/>
+                </a:stretch>
+              </a:blipFill>
+            </p:spPr>
+            <p:txBody>
+              <a:bodyPr/>
+              <a:lstStyle/>
+              <a:p>
+                <a:r>
+                  <a:rPr lang="ja-JP" altLang="en-US">
+                    <a:noFill/>
+                  </a:rPr>
+                  <a:t> </a:t>
+                </a:r>
+              </a:p>
+            </p:txBody>
+          </p:sp>
+        </mc:Fallback>
+      </mc:AlternateContent>
+      <mc:AlternateContent xmlns:mc="http://schemas.openxmlformats.org/markup-compatibility/2006">
+        <mc:Choice xmlns:a14="http://schemas.microsoft.com/office/drawing/2010/main" Requires="a14">
+          <p:graphicFrame>
+            <p:nvGraphicFramePr>
+              <p:cNvPr id="5" name="表 5">
+                <a:extLst>
+                  <a:ext uri="{FF2B5EF4-FFF2-40B4-BE49-F238E27FC236}">
+                    <a16:creationId xmlns:a16="http://schemas.microsoft.com/office/drawing/2014/main" id="{BBF840AF-B0AB-57A6-BD72-846CFBC526D9}"/>
+                  </a:ext>
+                </a:extLst>
+              </p:cNvPr>
+              <p:cNvGraphicFramePr>
+                <a:graphicFrameLocks noGrp="1"/>
+              </p:cNvGraphicFramePr>
+              <p:nvPr>
+                <p:extLst>
+                  <p:ext uri="{D42A27DB-BD31-4B8C-83A1-F6EECF244321}">
+                    <p14:modId xmlns:p14="http://schemas.microsoft.com/office/powerpoint/2010/main" val="3332306522"/>
+                  </p:ext>
+                </p:extLst>
+              </p:nvPr>
+            </p:nvGraphicFramePr>
+            <p:xfrm>
+              <a:off x="2032000" y="4414178"/>
+              <a:ext cx="8128000" cy="1478280"/>
+            </p:xfrm>
+            <a:graphic>
+              <a:graphicData uri="http://schemas.openxmlformats.org/drawingml/2006/table">
+                <a:tbl>
+                  <a:tblPr firstRow="1" bandRow="1">
+                    <a:tableStyleId>{5C22544A-7EE6-4342-B048-85BDC9FD1C3A}</a:tableStyleId>
+                  </a:tblPr>
+                  <a:tblGrid>
+                    <a:gridCol w="4064000">
+                      <a:extLst>
+                        <a:ext uri="{9D8B030D-6E8A-4147-A177-3AD203B41FA5}">
+                          <a16:colId xmlns:a16="http://schemas.microsoft.com/office/drawing/2014/main" val="1766718447"/>
+                        </a:ext>
+                      </a:extLst>
+                    </a:gridCol>
+                    <a:gridCol w="4064000">
+                      <a:extLst>
+                        <a:ext uri="{9D8B030D-6E8A-4147-A177-3AD203B41FA5}">
+                          <a16:colId xmlns:a16="http://schemas.microsoft.com/office/drawing/2014/main" val="839373916"/>
+                        </a:ext>
+                      </a:extLst>
+                    </a:gridCol>
+                  </a:tblGrid>
+                  <a:tr h="0">
+                    <a:tc>
+                      <a:txBody>
+                        <a:bodyPr/>
+                        <a:lstStyle/>
+                        <a:p>
+                          <a:r>
+                            <a:rPr kumimoji="1" lang="ja-JP" altLang="en-US" dirty="0"/>
+                            <a:t>物質</a:t>
+                          </a:r>
+                        </a:p>
+                      </a:txBody>
+                      <a:tcPr/>
+                    </a:tc>
+                    <a:tc>
+                      <a:txBody>
+                        <a:bodyPr/>
+                        <a:lstStyle/>
+                        <a:p>
+                          <a:r>
+                            <a:rPr kumimoji="1" lang="ja-JP" altLang="en-US" dirty="0"/>
+                            <a:t>存在比</a:t>
+                          </a:r>
+                        </a:p>
+                      </a:txBody>
+                      <a:tcPr/>
+                    </a:tc>
+                    <a:extLst>
+                      <a:ext uri="{0D108BD9-81ED-4DB2-BD59-A6C34878D82A}">
+                        <a16:rowId xmlns:a16="http://schemas.microsoft.com/office/drawing/2014/main" val="3765099780"/>
+                      </a:ext>
+                    </a:extLst>
+                  </a:tr>
+                  <a:tr h="370840">
+                    <a:tc>
+                      <a:txBody>
+                        <a:bodyPr/>
+                        <a:lstStyle/>
+                        <a:p>
+                          <a:r>
+                            <a:rPr kumimoji="1" lang="en-US" altLang="ja-JP" dirty="0"/>
+                            <a:t>H:D</a:t>
+                          </a:r>
+                          <a:endParaRPr kumimoji="1" lang="ja-JP" altLang="en-US" dirty="0"/>
+                        </a:p>
+                      </a:txBody>
+                      <a:tcPr/>
+                    </a:tc>
+                    <a:tc>
+                      <a:txBody>
+                        <a:bodyPr/>
+                        <a:lstStyle/>
+                        <a:p>
+                          <a:r>
+                            <a:rPr kumimoji="1" lang="en-US" altLang="ja-JP" dirty="0"/>
+                            <a:t>1:</a:t>
+                          </a:r>
+                          <a14:m>
+                            <m:oMath xmlns:m="http://schemas.openxmlformats.org/officeDocument/2006/math">
+                              <m:sSup>
+                                <m:sSupPr>
+                                  <m:ctrlPr>
+                                    <a:rPr lang="en-US" altLang="ja-JP" b="0" i="1" dirty="0" smtClean="0">
+                                      <a:latin typeface="Cambria Math" panose="02040503050406030204" pitchFamily="18" charset="0"/>
+                                    </a:rPr>
+                                  </m:ctrlPr>
+                                </m:sSupPr>
+                                <m:e>
+                                  <m:r>
+                                    <a:rPr lang="en-US" altLang="ja-JP" i="1" dirty="0" smtClean="0">
+                                      <a:latin typeface="Cambria Math" panose="02040503050406030204" pitchFamily="18" charset="0"/>
+                                    </a:rPr>
+                                    <m:t>10</m:t>
+                                  </m:r>
+                                </m:e>
+                                <m:sup>
+                                  <m:r>
+                                    <a:rPr lang="en-US" altLang="ja-JP" b="0" i="1" dirty="0" smtClean="0">
+                                      <a:latin typeface="Cambria Math" panose="02040503050406030204" pitchFamily="18" charset="0"/>
+                                    </a:rPr>
+                                    <m:t>−5</m:t>
+                                  </m:r>
+                                </m:sup>
+                              </m:sSup>
+                              <m:r>
+                                <a:rPr lang="en-US" altLang="ja-JP" i="1" dirty="0" smtClean="0">
+                                  <a:latin typeface="Cambria Math" panose="02040503050406030204" pitchFamily="18" charset="0"/>
+                                </a:rPr>
+                                <m:t> </m:t>
+                              </m:r>
+                            </m:oMath>
+                          </a14:m>
+                          <a:endParaRPr kumimoji="1" lang="ja-JP" altLang="en-US" dirty="0"/>
+                        </a:p>
+                      </a:txBody>
+                      <a:tcPr/>
+                    </a:tc>
+                    <a:extLst>
+                      <a:ext uri="{0D108BD9-81ED-4DB2-BD59-A6C34878D82A}">
+                        <a16:rowId xmlns:a16="http://schemas.microsoft.com/office/drawing/2014/main" val="3688964792"/>
+                      </a:ext>
+                    </a:extLst>
+                  </a:tr>
+                  <a:tr h="370840">
+                    <a:tc>
+                      <a:txBody>
+                        <a:bodyPr/>
+                        <a:lstStyle/>
+                        <a:p>
+                          <a:r>
+                            <a:rPr kumimoji="1" lang="en-US" altLang="ja-JP" dirty="0"/>
+                            <a:t>H2CO:HDCO</a:t>
+                          </a:r>
+                          <a:endParaRPr kumimoji="1" lang="ja-JP" altLang="en-US" dirty="0"/>
+                        </a:p>
+                      </a:txBody>
+                      <a:tcPr/>
+                    </a:tc>
+                    <a:tc>
+                      <a:txBody>
+                        <a:bodyPr/>
+                        <a:lstStyle/>
+                        <a:p>
+                          <a:r>
+                            <a:rPr kumimoji="1" lang="en-US" altLang="ja-JP" dirty="0"/>
+                            <a:t>1:</a:t>
+                          </a:r>
+                          <a14:m>
+                            <m:oMath xmlns:m="http://schemas.openxmlformats.org/officeDocument/2006/math">
+                              <m:sSup>
+                                <m:sSupPr>
+                                  <m:ctrlPr>
+                                    <a:rPr lang="en-US" altLang="ja-JP" i="1" dirty="0" smtClean="0">
+                                      <a:latin typeface="Cambria Math" panose="02040503050406030204" pitchFamily="18" charset="0"/>
+                                    </a:rPr>
+                                  </m:ctrlPr>
+                                </m:sSupPr>
+                                <m:e>
+                                  <m:r>
+                                    <a:rPr lang="en-US" altLang="ja-JP" i="1" dirty="0">
+                                      <a:latin typeface="Cambria Math" panose="02040503050406030204" pitchFamily="18" charset="0"/>
+                                    </a:rPr>
+                                    <m:t>10</m:t>
+                                  </m:r>
+                                </m:e>
+                                <m:sup>
+                                  <m:r>
+                                    <a:rPr lang="en-US" altLang="ja-JP" i="1" dirty="0">
+                                      <a:latin typeface="Cambria Math" panose="02040503050406030204" pitchFamily="18" charset="0"/>
+                                    </a:rPr>
+                                    <m:t>−</m:t>
+                                  </m:r>
+                                  <m:r>
+                                    <a:rPr lang="en-US" altLang="ja-JP" b="0" i="1" dirty="0" smtClean="0">
+                                      <a:latin typeface="Cambria Math" panose="02040503050406030204" pitchFamily="18" charset="0"/>
+                                    </a:rPr>
+                                    <m:t>1</m:t>
+                                  </m:r>
+                                </m:sup>
+                              </m:sSup>
+                            </m:oMath>
+                          </a14:m>
+                          <a:r>
+                            <a:rPr lang="en-US" altLang="ja-JP" dirty="0"/>
+                            <a:t> </a:t>
+                          </a:r>
+                          <a:endParaRPr kumimoji="1" lang="ja-JP" altLang="en-US" dirty="0"/>
+                        </a:p>
+                      </a:txBody>
+                      <a:tcPr/>
+                    </a:tc>
+                    <a:extLst>
+                      <a:ext uri="{0D108BD9-81ED-4DB2-BD59-A6C34878D82A}">
+                        <a16:rowId xmlns:a16="http://schemas.microsoft.com/office/drawing/2014/main" val="686021250"/>
+                      </a:ext>
+                    </a:extLst>
+                  </a:tr>
+                  <a:tr h="370840">
+                    <a:tc>
+                      <a:txBody>
+                        <a:bodyPr/>
+                        <a:lstStyle/>
+                        <a:p>
+                          <a:r>
+                            <a:rPr kumimoji="1" lang="en-US" altLang="ja-JP" dirty="0"/>
+                            <a:t>CH3OH:CH2DOH</a:t>
+                          </a:r>
+                          <a:endParaRPr kumimoji="1" lang="ja-JP" altLang="en-US" dirty="0"/>
+                        </a:p>
+                      </a:txBody>
+                      <a:tcPr/>
+                    </a:tc>
+                    <a:tc>
+                      <a:txBody>
+                        <a:bodyPr/>
+                        <a:lstStyle/>
+                        <a:p>
+                          <a:pPr marL="0" marR="0" lvl="0" indent="0" algn="l" defTabSz="914400" rtl="0" eaLnBrk="1" fontAlgn="auto" latinLnBrk="0" hangingPunct="1">
+                            <a:lnSpc>
+                              <a:spcPct val="100000"/>
+                            </a:lnSpc>
+                            <a:spcBef>
+                              <a:spcPts val="0"/>
+                            </a:spcBef>
+                            <a:spcAft>
+                              <a:spcPts val="0"/>
+                            </a:spcAft>
+                            <a:buClrTx/>
+                            <a:buSzTx/>
+                            <a:buFontTx/>
+                            <a:buNone/>
+                            <a:tabLst/>
+                            <a:defRPr/>
+                          </a:pPr>
+                          <a:r>
+                            <a:rPr kumimoji="1" lang="en-US" altLang="ja-JP" dirty="0"/>
+                            <a:t>1:</a:t>
+                          </a:r>
+                          <a14:m>
+                            <m:oMath xmlns:m="http://schemas.openxmlformats.org/officeDocument/2006/math">
+                              <m:sSup>
+                                <m:sSupPr>
+                                  <m:ctrlPr>
+                                    <a:rPr lang="en-US" altLang="ja-JP" i="1" dirty="0" smtClean="0">
+                                      <a:latin typeface="Cambria Math" panose="02040503050406030204" pitchFamily="18" charset="0"/>
+                                    </a:rPr>
+                                  </m:ctrlPr>
+                                </m:sSupPr>
+                                <m:e>
+                                  <m:r>
+                                    <a:rPr lang="en-US" altLang="ja-JP" i="1" dirty="0">
+                                      <a:latin typeface="Cambria Math" panose="02040503050406030204" pitchFamily="18" charset="0"/>
+                                    </a:rPr>
+                                    <m:t>10</m:t>
+                                  </m:r>
+                                </m:e>
+                                <m:sup>
+                                  <m:r>
+                                    <a:rPr lang="en-US" altLang="ja-JP" i="1" dirty="0">
+                                      <a:latin typeface="Cambria Math" panose="02040503050406030204" pitchFamily="18" charset="0"/>
+                                    </a:rPr>
+                                    <m:t>−</m:t>
+                                  </m:r>
+                                  <m:r>
+                                    <a:rPr lang="en-US" altLang="ja-JP" b="0" i="1" dirty="0" smtClean="0">
+                                      <a:latin typeface="Cambria Math" panose="02040503050406030204" pitchFamily="18" charset="0"/>
+                                    </a:rPr>
+                                    <m:t>1</m:t>
+                                  </m:r>
+                                </m:sup>
+                              </m:sSup>
+                            </m:oMath>
+                          </a14:m>
+                          <a:r>
+                            <a:rPr lang="en-US" altLang="ja-JP" dirty="0"/>
+                            <a:t> </a:t>
+                          </a:r>
+                          <a:endParaRPr kumimoji="1" lang="ja-JP" altLang="en-US" dirty="0"/>
+                        </a:p>
+                      </a:txBody>
+                      <a:tcPr/>
+                    </a:tc>
+                    <a:extLst>
+                      <a:ext uri="{0D108BD9-81ED-4DB2-BD59-A6C34878D82A}">
+                        <a16:rowId xmlns:a16="http://schemas.microsoft.com/office/drawing/2014/main" val="2835013881"/>
+                      </a:ext>
+                    </a:extLst>
+                  </a:tr>
+                </a:tbl>
+              </a:graphicData>
+            </a:graphic>
+          </p:graphicFrame>
+        </mc:Choice>
+        <mc:Fallback>
+          <p:graphicFrame>
+            <p:nvGraphicFramePr>
+              <p:cNvPr id="5" name="表 5">
+                <a:extLst>
+                  <a:ext uri="{FF2B5EF4-FFF2-40B4-BE49-F238E27FC236}">
+                    <a16:creationId xmlns:a16="http://schemas.microsoft.com/office/drawing/2014/main" id="{BBF840AF-B0AB-57A6-BD72-846CFBC526D9}"/>
+                  </a:ext>
+                </a:extLst>
+              </p:cNvPr>
+              <p:cNvGraphicFramePr>
+                <a:graphicFrameLocks noGrp="1"/>
+              </p:cNvGraphicFramePr>
+              <p:nvPr>
+                <p:extLst>
+                  <p:ext uri="{D42A27DB-BD31-4B8C-83A1-F6EECF244321}">
+                    <p14:modId xmlns:p14="http://schemas.microsoft.com/office/powerpoint/2010/main" val="3332306522"/>
+                  </p:ext>
+                </p:extLst>
+              </p:nvPr>
+            </p:nvGraphicFramePr>
+            <p:xfrm>
+              <a:off x="2032000" y="4414178"/>
+              <a:ext cx="8128000" cy="1478280"/>
+            </p:xfrm>
+            <a:graphic>
+              <a:graphicData uri="http://schemas.openxmlformats.org/drawingml/2006/table">
+                <a:tbl>
+                  <a:tblPr firstRow="1" bandRow="1">
+                    <a:tableStyleId>{5C22544A-7EE6-4342-B048-85BDC9FD1C3A}</a:tableStyleId>
+                  </a:tblPr>
+                  <a:tblGrid>
+                    <a:gridCol w="4064000">
+                      <a:extLst>
+                        <a:ext uri="{9D8B030D-6E8A-4147-A177-3AD203B41FA5}">
+                          <a16:colId xmlns:a16="http://schemas.microsoft.com/office/drawing/2014/main" val="1766718447"/>
+                        </a:ext>
+                      </a:extLst>
+                    </a:gridCol>
+                    <a:gridCol w="4064000">
+                      <a:extLst>
+                        <a:ext uri="{9D8B030D-6E8A-4147-A177-3AD203B41FA5}">
+                          <a16:colId xmlns:a16="http://schemas.microsoft.com/office/drawing/2014/main" val="839373916"/>
+                        </a:ext>
+                      </a:extLst>
+                    </a:gridCol>
+                  </a:tblGrid>
+                  <a:tr h="365760">
+                    <a:tc>
+                      <a:txBody>
+                        <a:bodyPr/>
+                        <a:lstStyle/>
+                        <a:p>
+                          <a:r>
+                            <a:rPr kumimoji="1" lang="ja-JP" altLang="en-US" dirty="0"/>
+                            <a:t>物質</a:t>
+                          </a:r>
+                        </a:p>
+                      </a:txBody>
+                      <a:tcPr/>
+                    </a:tc>
+                    <a:tc>
+                      <a:txBody>
+                        <a:bodyPr/>
+                        <a:lstStyle/>
+                        <a:p>
+                          <a:r>
+                            <a:rPr kumimoji="1" lang="ja-JP" altLang="en-US" dirty="0"/>
+                            <a:t>存在比</a:t>
+                          </a:r>
+                        </a:p>
+                      </a:txBody>
+                      <a:tcPr/>
+                    </a:tc>
+                    <a:extLst>
+                      <a:ext uri="{0D108BD9-81ED-4DB2-BD59-A6C34878D82A}">
+                        <a16:rowId xmlns:a16="http://schemas.microsoft.com/office/drawing/2014/main" val="3765099780"/>
+                      </a:ext>
+                    </a:extLst>
+                  </a:tr>
+                  <a:tr h="370840">
+                    <a:tc>
+                      <a:txBody>
+                        <a:bodyPr/>
+                        <a:lstStyle/>
+                        <a:p>
+                          <a:r>
+                            <a:rPr kumimoji="1" lang="en-US" altLang="ja-JP" dirty="0"/>
+                            <a:t>H:D</a:t>
+                          </a:r>
+                          <a:endParaRPr kumimoji="1" lang="ja-JP" altLang="en-US" dirty="0"/>
+                        </a:p>
+                      </a:txBody>
+                      <a:tcPr/>
+                    </a:tc>
+                    <a:tc>
+                      <a:txBody>
+                        <a:bodyPr/>
+                        <a:lstStyle/>
+                        <a:p>
+                          <a:endParaRPr lang="ja-JP"/>
+                        </a:p>
+                      </a:txBody>
+                      <a:tcPr>
+                        <a:blipFill>
+                          <a:blip r:embed="rId3"/>
+                          <a:stretch>
+                            <a:fillRect l="-100150" t="-106557" r="-600" b="-224590"/>
+                          </a:stretch>
+                        </a:blipFill>
+                      </a:tcPr>
+                    </a:tc>
+                    <a:extLst>
+                      <a:ext uri="{0D108BD9-81ED-4DB2-BD59-A6C34878D82A}">
+                        <a16:rowId xmlns:a16="http://schemas.microsoft.com/office/drawing/2014/main" val="3688964792"/>
+                      </a:ext>
+                    </a:extLst>
+                  </a:tr>
+                  <a:tr h="370840">
+                    <a:tc>
+                      <a:txBody>
+                        <a:bodyPr/>
+                        <a:lstStyle/>
+                        <a:p>
+                          <a:r>
+                            <a:rPr kumimoji="1" lang="en-US" altLang="ja-JP" dirty="0"/>
+                            <a:t>H2CO:HDCO</a:t>
+                          </a:r>
+                          <a:endParaRPr kumimoji="1" lang="ja-JP" altLang="en-US" dirty="0"/>
+                        </a:p>
+                      </a:txBody>
+                      <a:tcPr/>
+                    </a:tc>
+                    <a:tc>
+                      <a:txBody>
+                        <a:bodyPr/>
+                        <a:lstStyle/>
+                        <a:p>
+                          <a:endParaRPr lang="ja-JP"/>
+                        </a:p>
+                      </a:txBody>
+                      <a:tcPr>
+                        <a:blipFill>
+                          <a:blip r:embed="rId3"/>
+                          <a:stretch>
+                            <a:fillRect l="-100150" t="-206557" r="-600" b="-124590"/>
+                          </a:stretch>
+                        </a:blipFill>
+                      </a:tcPr>
+                    </a:tc>
+                    <a:extLst>
+                      <a:ext uri="{0D108BD9-81ED-4DB2-BD59-A6C34878D82A}">
+                        <a16:rowId xmlns:a16="http://schemas.microsoft.com/office/drawing/2014/main" val="686021250"/>
+                      </a:ext>
+                    </a:extLst>
+                  </a:tr>
+                  <a:tr h="370840">
+                    <a:tc>
+                      <a:txBody>
+                        <a:bodyPr/>
+                        <a:lstStyle/>
+                        <a:p>
+                          <a:r>
+                            <a:rPr kumimoji="1" lang="en-US" altLang="ja-JP" dirty="0"/>
+                            <a:t>CH3OH:CH2DOH</a:t>
+                          </a:r>
+                          <a:endParaRPr kumimoji="1" lang="ja-JP" altLang="en-US" dirty="0"/>
+                        </a:p>
+                      </a:txBody>
+                      <a:tcPr/>
+                    </a:tc>
+                    <a:tc>
+                      <a:txBody>
+                        <a:bodyPr/>
+                        <a:lstStyle/>
+                        <a:p>
+                          <a:endParaRPr lang="ja-JP"/>
+                        </a:p>
+                      </a:txBody>
+                      <a:tcPr>
+                        <a:blipFill>
+                          <a:blip r:embed="rId3"/>
+                          <a:stretch>
+                            <a:fillRect l="-100150" t="-306557" r="-600" b="-24590"/>
+                          </a:stretch>
+                        </a:blipFill>
+                      </a:tcPr>
+                    </a:tc>
+                    <a:extLst>
+                      <a:ext uri="{0D108BD9-81ED-4DB2-BD59-A6C34878D82A}">
+                        <a16:rowId xmlns:a16="http://schemas.microsoft.com/office/drawing/2014/main" val="2835013881"/>
+                      </a:ext>
+                    </a:extLst>
+                  </a:tr>
+                </a:tbl>
+              </a:graphicData>
+            </a:graphic>
+          </p:graphicFrame>
+        </mc:Fallback>
+      </mc:AlternateContent>
+      <p:sp>
+        <p:nvSpPr>
+          <p:cNvPr id="4" name="テキスト ボックス 3">
+            <a:extLst>
+              <a:ext uri="{FF2B5EF4-FFF2-40B4-BE49-F238E27FC236}">
+                <a16:creationId xmlns:a16="http://schemas.microsoft.com/office/drawing/2014/main" id="{197C09E7-C388-EA25-94B7-BFA161D9BE14}"/>
+              </a:ext>
+            </a:extLst>
+          </p:cNvPr>
+          <p:cNvSpPr txBox="1"/>
+          <p:nvPr/>
+        </p:nvSpPr>
+        <p:spPr>
+          <a:xfrm>
+            <a:off x="1217007" y="6374486"/>
+            <a:ext cx="4219425" cy="369332"/>
+          </a:xfrm>
+          <a:prstGeom prst="rect">
+            <a:avLst/>
+          </a:prstGeom>
+          <a:noFill/>
+        </p:spPr>
+        <p:txBody>
+          <a:bodyPr wrap="none" rtlCol="0">
+            <a:spAutoFit/>
+          </a:bodyPr>
           <a:lstStyle/>
           <a:p>
             <a:r>
-              <a:rPr lang="ja-JP" altLang="en-US" dirty="0"/>
-              <a:t>星・惑星系を生成する分子雲では星間塵が存在する。</a:t>
-            </a:r>
-          </a:p>
-          <a:p>
-            <a:r>
-              <a:rPr lang="en-US" altLang="ja-JP" dirty="0"/>
-              <a:t>D</a:t>
-            </a:r>
-            <a:r>
-              <a:rPr lang="ja-JP" altLang="en-US" dirty="0"/>
-              <a:t>原子</a:t>
-            </a:r>
-            <a:r>
-              <a:rPr lang="en-US" altLang="ja-JP" dirty="0"/>
-              <a:t>/H</a:t>
-            </a:r>
-            <a:r>
-              <a:rPr lang="ja-JP" altLang="en-US" dirty="0"/>
-              <a:t>原子の宇宙存在度比は</a:t>
-            </a:r>
-            <a:r>
-              <a:rPr lang="en-US" altLang="ja-JP" dirty="0"/>
-              <a:t> 10^ -5  </a:t>
-            </a:r>
-            <a:r>
-              <a:rPr lang="ja-JP" altLang="en-US" dirty="0"/>
-              <a:t>である。しかし塵に</a:t>
-            </a:r>
-            <a:r>
-              <a:rPr lang="en-US" altLang="ja-JP" dirty="0"/>
-              <a:t> 10^ -1  </a:t>
-            </a:r>
-            <a:r>
-              <a:rPr lang="ja-JP" altLang="en-US" dirty="0"/>
-              <a:t>の比で</a:t>
-            </a:r>
-            <a:r>
-              <a:rPr lang="en-US" altLang="ja-JP" dirty="0"/>
-              <a:t>D</a:t>
-            </a:r>
-            <a:r>
-              <a:rPr lang="ja-JP" altLang="en-US" dirty="0"/>
-              <a:t>及び</a:t>
-            </a:r>
-            <a:r>
-              <a:rPr lang="en-US" altLang="ja-JP" dirty="0"/>
-              <a:t>H</a:t>
-            </a:r>
-            <a:r>
-              <a:rPr lang="ja-JP" altLang="en-US" dirty="0"/>
-              <a:t>原子が吸着し、</a:t>
-            </a:r>
-            <a:r>
-              <a:rPr lang="en-US" altLang="ja-JP" dirty="0"/>
-              <a:t>CO</a:t>
-            </a:r>
-            <a:r>
-              <a:rPr lang="ja-JP" altLang="en-US" dirty="0"/>
-              <a:t>分子に逐次に付加することによって、</a:t>
-            </a:r>
-            <a:r>
-              <a:rPr lang="en-US" altLang="ja-JP" dirty="0"/>
-              <a:t>   H_2CO  </a:t>
-            </a:r>
-            <a:r>
-              <a:rPr lang="ja-JP" altLang="en-US" dirty="0"/>
-              <a:t>や</a:t>
-            </a:r>
-            <a:r>
-              <a:rPr lang="en-US" altLang="ja-JP" dirty="0"/>
-              <a:t>   CH_3OH  </a:t>
-            </a:r>
-            <a:r>
-              <a:rPr lang="ja-JP" altLang="en-US" dirty="0"/>
-              <a:t>と同様、</a:t>
-            </a:r>
-            <a:r>
-              <a:rPr lang="en-US" altLang="ja-JP" dirty="0"/>
-              <a:t>   HDCO  </a:t>
-            </a:r>
-            <a:r>
-              <a:rPr lang="ja-JP" altLang="en-US" dirty="0"/>
-              <a:t>や</a:t>
-            </a:r>
-            <a:r>
-              <a:rPr lang="en-US" altLang="ja-JP" dirty="0"/>
-              <a:t>   CH_2DOH  </a:t>
-            </a:r>
-            <a:r>
-              <a:rPr lang="ja-JP" altLang="en-US" dirty="0"/>
-              <a:t>といった重水素体が生成されている。</a:t>
-            </a:r>
-            <a:endParaRPr lang="zh-CN" altLang="en-US" dirty="0"/>
+              <a:rPr kumimoji="1" lang="en-US" altLang="ja-JP" dirty="0"/>
+              <a:t>[1]N. Watanabe et al., </a:t>
+            </a:r>
+            <a:r>
+              <a:rPr kumimoji="1" lang="en-US" altLang="ja-JP" dirty="0" err="1"/>
+              <a:t>Astrophys</a:t>
+            </a:r>
+            <a:r>
+              <a:rPr kumimoji="1" lang="en-US" altLang="ja-JP" dirty="0"/>
+              <a:t>. J., 571  </a:t>
+            </a:r>
+            <a:endParaRPr kumimoji="1" lang="ja-JP" altLang="en-US" dirty="0"/>
           </a:p>
         </p:txBody>
       </p:sp>
@@ -4652,7 +7817,7 @@
           <p:cNvPr id="2" name="标题 1">
             <a:extLst>
               <a:ext uri="{FF2B5EF4-FFF2-40B4-BE49-F238E27FC236}">
-                <a16:creationId xmlns:a16="http://schemas.microsoft.com/office/drawing/2014/main" id="{1405C94F-80EB-2825-1BD0-68F413B3D261}"/>
+                <a16:creationId xmlns:a16="http://schemas.microsoft.com/office/drawing/2014/main" id="{F14FC3CD-42D5-A01F-57DE-A4BEB271E480}"/>
               </a:ext>
             </a:extLst>
           </p:cNvPr>
@@ -4670,41 +7835,156 @@
           <a:p>
             <a:r>
               <a:rPr lang="ja-JP" altLang="en-US" dirty="0"/>
-              <a:t>遷移状態２</a:t>
+              <a:t>遷移状態１</a:t>
             </a:r>
             <a:endParaRPr lang="zh-CN" altLang="en-US" dirty="0"/>
           </a:p>
         </p:txBody>
       </p:sp>
-      <p:sp>
-        <p:nvSpPr>
-          <p:cNvPr id="3" name="内容占位符 2">
-            <a:extLst>
-              <a:ext uri="{FF2B5EF4-FFF2-40B4-BE49-F238E27FC236}">
-                <a16:creationId xmlns:a16="http://schemas.microsoft.com/office/drawing/2014/main" id="{A8456748-3C05-CEE7-6652-1F04BFA9F6A1}"/>
-              </a:ext>
-            </a:extLst>
-          </p:cNvPr>
-          <p:cNvSpPr>
-            <a:spLocks noGrp="1"/>
-          </p:cNvSpPr>
-          <p:nvPr>
-            <p:ph idx="1"/>
-          </p:nvPr>
-        </p:nvSpPr>
-        <p:spPr/>
-        <p:txBody>
-          <a:bodyPr/>
-          <a:lstStyle/>
-          <a:p>
-            <a:endParaRPr lang="zh-CN" altLang="en-US"/>
-          </a:p>
-        </p:txBody>
-      </p:sp>
+      <mc:AlternateContent xmlns:mc="http://schemas.openxmlformats.org/markup-compatibility/2006">
+        <mc:Choice xmlns:a14="http://schemas.microsoft.com/office/drawing/2010/main" Requires="a14">
+          <p:sp>
+            <p:nvSpPr>
+              <p:cNvPr id="3" name="内容占位符 2">
+                <a:extLst>
+                  <a:ext uri="{FF2B5EF4-FFF2-40B4-BE49-F238E27FC236}">
+                    <a16:creationId xmlns:a16="http://schemas.microsoft.com/office/drawing/2014/main" id="{05A29F26-0D43-8893-FD5E-119025A816E3}"/>
+                  </a:ext>
+                </a:extLst>
+              </p:cNvPr>
+              <p:cNvSpPr>
+                <a:spLocks noGrp="1"/>
+              </p:cNvSpPr>
+              <p:nvPr>
+                <p:ph idx="1"/>
+              </p:nvPr>
+            </p:nvSpPr>
+            <p:spPr/>
+            <p:txBody>
+              <a:bodyPr/>
+              <a:lstStyle/>
+              <a:p>
+                <a14:m>
+                  <m:oMath xmlns:m="http://schemas.openxmlformats.org/officeDocument/2006/math">
+                    <m:sSub>
+                      <m:sSubPr>
+                        <m:ctrlPr>
+                          <a:rPr lang="en-US" altLang="ja-JP" i="0" dirty="0" smtClean="0">
+                            <a:latin typeface="Cambria Math" panose="02040503050406030204" pitchFamily="18" charset="0"/>
+                          </a:rPr>
+                        </m:ctrlPr>
+                      </m:sSubPr>
+                      <m:e>
+                        <m:r>
+                          <m:rPr>
+                            <m:sty m:val="p"/>
+                          </m:rPr>
+                          <a:rPr lang="en-US" altLang="ja-JP" i="0" dirty="0" smtClean="0">
+                            <a:latin typeface="Cambria Math" panose="02040503050406030204" pitchFamily="18" charset="0"/>
+                          </a:rPr>
+                          <m:t>E</m:t>
+                        </m:r>
+                      </m:e>
+                      <m:sub>
+                        <m:r>
+                          <a:rPr lang="en-US" altLang="ja-JP" i="0" dirty="0" smtClean="0">
+                            <a:latin typeface="Cambria Math" panose="02040503050406030204" pitchFamily="18" charset="0"/>
+                          </a:rPr>
+                          <m:t>1</m:t>
+                        </m:r>
+                      </m:sub>
+                    </m:sSub>
+                  </m:oMath>
+                </a14:m>
+                <a:r>
+                  <a:rPr lang="en-US" altLang="ja-JP" dirty="0"/>
+                  <a:t>=13.29389 kcal/mol</a:t>
+                </a:r>
+                <a:endParaRPr lang="zh-CN" altLang="en-US" dirty="0"/>
+              </a:p>
+            </p:txBody>
+          </p:sp>
+        </mc:Choice>
+        <mc:Fallback>
+          <p:sp>
+            <p:nvSpPr>
+              <p:cNvPr id="3" name="内容占位符 2">
+                <a:extLst>
+                  <a:ext uri="{FF2B5EF4-FFF2-40B4-BE49-F238E27FC236}">
+                    <a16:creationId xmlns:a16="http://schemas.microsoft.com/office/drawing/2014/main" id="{05A29F26-0D43-8893-FD5E-119025A816E3}"/>
+                  </a:ext>
+                </a:extLst>
+              </p:cNvPr>
+              <p:cNvSpPr>
+                <a:spLocks noGrp="1" noRot="1" noChangeAspect="1" noMove="1" noResize="1" noEditPoints="1" noAdjustHandles="1" noChangeArrowheads="1" noChangeShapeType="1" noTextEdit="1"/>
+              </p:cNvSpPr>
+              <p:nvPr>
+                <p:ph idx="1"/>
+              </p:nvPr>
+            </p:nvSpPr>
+            <p:spPr>
+              <a:blipFill>
+                <a:blip r:embed="rId2"/>
+                <a:stretch>
+                  <a:fillRect t="-2381"/>
+                </a:stretch>
+              </a:blipFill>
+            </p:spPr>
+            <p:txBody>
+              <a:bodyPr/>
+              <a:lstStyle/>
+              <a:p>
+                <a:r>
+                  <a:rPr lang="ja-JP" altLang="en-US">
+                    <a:noFill/>
+                  </a:rPr>
+                  <a:t> </a:t>
+                </a:r>
+              </a:p>
+            </p:txBody>
+          </p:sp>
+        </mc:Fallback>
+      </mc:AlternateContent>
+      <p:pic>
+        <p:nvPicPr>
+          <p:cNvPr id="5" name="図 4">
+            <a:extLst>
+              <a:ext uri="{FF2B5EF4-FFF2-40B4-BE49-F238E27FC236}">
+                <a16:creationId xmlns:a16="http://schemas.microsoft.com/office/drawing/2014/main" id="{B946D10C-A0CB-840E-7421-C7D5121EE775}"/>
+              </a:ext>
+            </a:extLst>
+          </p:cNvPr>
+          <p:cNvPicPr>
+            <a:picLocks noChangeAspect="1"/>
+          </p:cNvPicPr>
+          <p:nvPr/>
+        </p:nvPicPr>
+        <p:blipFill>
+          <a:blip r:embed="rId3">
+            <a:extLst>
+              <a:ext uri="{28A0092B-C50C-407E-A947-70E740481C1C}">
+                <a14:useLocalDpi xmlns:a14="http://schemas.microsoft.com/office/drawing/2010/main" val="0"/>
+              </a:ext>
+            </a:extLst>
+          </a:blip>
+          <a:stretch>
+            <a:fillRect/>
+          </a:stretch>
+        </p:blipFill>
+        <p:spPr>
+          <a:xfrm>
+            <a:off x="6096000" y="1690688"/>
+            <a:ext cx="4122100" cy="3600000"/>
+          </a:xfrm>
+          <a:prstGeom prst="rect">
+            <a:avLst/>
+          </a:prstGeom>
+        </p:spPr>
+      </p:pic>
     </p:spTree>
     <p:extLst>
       <p:ext uri="{BB962C8B-B14F-4D97-AF65-F5344CB8AC3E}">
-        <p14:creationId xmlns:p14="http://schemas.microsoft.com/office/powerpoint/2010/main" val="3049180686"/>
+        <p14:creationId xmlns:p14="http://schemas.microsoft.com/office/powerpoint/2010/main" val="4148310819"/>
       </p:ext>
     </p:extLst>
   </p:cSld>
@@ -4736,7 +8016,7 @@
           <p:cNvPr id="2" name="标题 1">
             <a:extLst>
               <a:ext uri="{FF2B5EF4-FFF2-40B4-BE49-F238E27FC236}">
-                <a16:creationId xmlns:a16="http://schemas.microsoft.com/office/drawing/2014/main" id="{02D01CB1-8432-3CA4-59C5-462217F5740B}"/>
+                <a16:creationId xmlns:a16="http://schemas.microsoft.com/office/drawing/2014/main" id="{1405C94F-80EB-2825-1BD0-68F413B3D261}"/>
               </a:ext>
             </a:extLst>
           </p:cNvPr>
@@ -4754,41 +8034,160 @@
           <a:p>
             <a:r>
               <a:rPr lang="ja-JP" altLang="en-US" dirty="0"/>
-              <a:t>結論</a:t>
+              <a:t>遷移状態</a:t>
+            </a:r>
+            <a:r>
+              <a:rPr lang="en-US" altLang="ja-JP" dirty="0"/>
+              <a:t>3</a:t>
             </a:r>
             <a:endParaRPr lang="zh-CN" altLang="en-US" dirty="0"/>
           </a:p>
         </p:txBody>
       </p:sp>
-      <p:sp>
-        <p:nvSpPr>
-          <p:cNvPr id="3" name="内容占位符 2">
-            <a:extLst>
-              <a:ext uri="{FF2B5EF4-FFF2-40B4-BE49-F238E27FC236}">
-                <a16:creationId xmlns:a16="http://schemas.microsoft.com/office/drawing/2014/main" id="{CB26F3B4-8879-917E-EB6B-C431D79BCD0C}"/>
-              </a:ext>
-            </a:extLst>
-          </p:cNvPr>
-          <p:cNvSpPr>
-            <a:spLocks noGrp="1"/>
-          </p:cNvSpPr>
-          <p:nvPr>
-            <p:ph idx="1"/>
-          </p:nvPr>
-        </p:nvSpPr>
-        <p:spPr/>
-        <p:txBody>
-          <a:bodyPr/>
-          <a:lstStyle/>
-          <a:p>
-            <a:endParaRPr lang="zh-CN" altLang="en-US" dirty="0"/>
-          </a:p>
-        </p:txBody>
-      </p:sp>
+      <mc:AlternateContent xmlns:mc="http://schemas.openxmlformats.org/markup-compatibility/2006">
+        <mc:Choice xmlns:a14="http://schemas.microsoft.com/office/drawing/2010/main" Requires="a14">
+          <p:sp>
+            <p:nvSpPr>
+              <p:cNvPr id="3" name="内容占位符 2">
+                <a:extLst>
+                  <a:ext uri="{FF2B5EF4-FFF2-40B4-BE49-F238E27FC236}">
+                    <a16:creationId xmlns:a16="http://schemas.microsoft.com/office/drawing/2014/main" id="{A8456748-3C05-CEE7-6652-1F04BFA9F6A1}"/>
+                  </a:ext>
+                </a:extLst>
+              </p:cNvPr>
+              <p:cNvSpPr>
+                <a:spLocks noGrp="1"/>
+              </p:cNvSpPr>
+              <p:nvPr>
+                <p:ph idx="1"/>
+              </p:nvPr>
+            </p:nvSpPr>
+            <p:spPr/>
+            <p:txBody>
+              <a:bodyPr/>
+              <a:lstStyle/>
+              <a:p>
+                <a14:m>
+                  <m:oMath xmlns:m="http://schemas.openxmlformats.org/officeDocument/2006/math">
+                    <m:sSub>
+                      <m:sSubPr>
+                        <m:ctrlPr>
+                          <a:rPr lang="en-US" altLang="zh-CN" i="0" dirty="0" smtClean="0">
+                            <a:latin typeface="Cambria Math" panose="02040503050406030204" pitchFamily="18" charset="0"/>
+                          </a:rPr>
+                        </m:ctrlPr>
+                      </m:sSubPr>
+                      <m:e>
+                        <m:r>
+                          <m:rPr>
+                            <m:sty m:val="p"/>
+                          </m:rPr>
+                          <a:rPr lang="en-US" altLang="zh-CN" i="0" dirty="0" smtClean="0">
+                            <a:latin typeface="Cambria Math" panose="02040503050406030204" pitchFamily="18" charset="0"/>
+                          </a:rPr>
+                          <m:t>E</m:t>
+                        </m:r>
+                      </m:e>
+                      <m:sub>
+                        <m:r>
+                          <a:rPr lang="en-US" altLang="zh-CN" i="0" dirty="0" smtClean="0">
+                            <a:latin typeface="Cambria Math" panose="02040503050406030204" pitchFamily="18" charset="0"/>
+                          </a:rPr>
+                          <m:t>2</m:t>
+                        </m:r>
+                      </m:sub>
+                    </m:sSub>
+                  </m:oMath>
+                </a14:m>
+                <a:r>
+                  <a:rPr lang="en-US" altLang="zh-CN" dirty="0"/>
+                  <a:t>=23.14387 kcal/mol</a:t>
+                </a:r>
+                <a:endParaRPr lang="zh-CN" altLang="en-US" dirty="0"/>
+              </a:p>
+            </p:txBody>
+          </p:sp>
+        </mc:Choice>
+        <mc:Fallback>
+          <p:sp>
+            <p:nvSpPr>
+              <p:cNvPr id="3" name="内容占位符 2">
+                <a:extLst>
+                  <a:ext uri="{FF2B5EF4-FFF2-40B4-BE49-F238E27FC236}">
+                    <a16:creationId xmlns:a16="http://schemas.microsoft.com/office/drawing/2014/main" id="{A8456748-3C05-CEE7-6652-1F04BFA9F6A1}"/>
+                  </a:ext>
+                </a:extLst>
+              </p:cNvPr>
+              <p:cNvSpPr>
+                <a:spLocks noGrp="1" noRot="1" noChangeAspect="1" noMove="1" noResize="1" noEditPoints="1" noAdjustHandles="1" noChangeArrowheads="1" noChangeShapeType="1" noTextEdit="1"/>
+              </p:cNvSpPr>
+              <p:nvPr>
+                <p:ph idx="1"/>
+              </p:nvPr>
+            </p:nvSpPr>
+            <p:spPr>
+              <a:blipFill>
+                <a:blip r:embed="rId2"/>
+                <a:stretch>
+                  <a:fillRect t="-2381"/>
+                </a:stretch>
+              </a:blipFill>
+            </p:spPr>
+            <p:txBody>
+              <a:bodyPr/>
+              <a:lstStyle/>
+              <a:p>
+                <a:r>
+                  <a:rPr lang="ja-JP" altLang="en-US">
+                    <a:noFill/>
+                  </a:rPr>
+                  <a:t> </a:t>
+                </a:r>
+              </a:p>
+            </p:txBody>
+          </p:sp>
+        </mc:Fallback>
+      </mc:AlternateContent>
+      <p:pic>
+        <p:nvPicPr>
+          <p:cNvPr id="6" name="図 5">
+            <a:extLst>
+              <a:ext uri="{FF2B5EF4-FFF2-40B4-BE49-F238E27FC236}">
+                <a16:creationId xmlns:a16="http://schemas.microsoft.com/office/drawing/2014/main" id="{6126D288-3AE5-133B-81A7-D4526EB55A5E}"/>
+              </a:ext>
+            </a:extLst>
+          </p:cNvPr>
+          <p:cNvPicPr>
+            <a:picLocks noChangeAspect="1"/>
+          </p:cNvPicPr>
+          <p:nvPr/>
+        </p:nvPicPr>
+        <p:blipFill>
+          <a:blip r:embed="rId3">
+            <a:extLst>
+              <a:ext uri="{28A0092B-C50C-407E-A947-70E740481C1C}">
+                <a14:useLocalDpi xmlns:a14="http://schemas.microsoft.com/office/drawing/2010/main" val="0"/>
+              </a:ext>
+            </a:extLst>
+          </a:blip>
+          <a:stretch>
+            <a:fillRect/>
+          </a:stretch>
+        </p:blipFill>
+        <p:spPr>
+          <a:xfrm>
+            <a:off x="6096000" y="1825625"/>
+            <a:ext cx="4122100" cy="3600000"/>
+          </a:xfrm>
+          <a:prstGeom prst="rect">
+            <a:avLst/>
+          </a:prstGeom>
+        </p:spPr>
+      </p:pic>
     </p:spTree>
     <p:extLst>
       <p:ext uri="{BB962C8B-B14F-4D97-AF65-F5344CB8AC3E}">
-        <p14:creationId xmlns:p14="http://schemas.microsoft.com/office/powerpoint/2010/main" val="3146293711"/>
+        <p14:creationId xmlns:p14="http://schemas.microsoft.com/office/powerpoint/2010/main" val="3049180686"/>
       </p:ext>
     </p:extLst>
   </p:cSld>
@@ -4820,7 +8219,7 @@
           <p:cNvPr id="2" name="标题 1">
             <a:extLst>
               <a:ext uri="{FF2B5EF4-FFF2-40B4-BE49-F238E27FC236}">
-                <a16:creationId xmlns:a16="http://schemas.microsoft.com/office/drawing/2014/main" id="{2A837BD9-C1B0-1081-24A4-AFBC7729B7F7}"/>
+                <a16:creationId xmlns:a16="http://schemas.microsoft.com/office/drawing/2014/main" id="{02D01CB1-8432-3CA4-59C5-462217F5740B}"/>
               </a:ext>
             </a:extLst>
           </p:cNvPr>
@@ -4836,7 +8235,11 @@
           <a:bodyPr/>
           <a:lstStyle/>
           <a:p>
-            <a:endParaRPr lang="zh-CN" altLang="en-US"/>
+            <a:r>
+              <a:rPr lang="ja-JP" altLang="en-US" dirty="0"/>
+              <a:t>結論</a:t>
+            </a:r>
+            <a:endParaRPr lang="zh-CN" altLang="en-US" dirty="0"/>
           </a:p>
         </p:txBody>
       </p:sp>
@@ -4845,7 +8248,7 @@
           <p:cNvPr id="3" name="内容占位符 2">
             <a:extLst>
               <a:ext uri="{FF2B5EF4-FFF2-40B4-BE49-F238E27FC236}">
-                <a16:creationId xmlns:a16="http://schemas.microsoft.com/office/drawing/2014/main" id="{215CD649-E001-7773-241E-1245444379A3}"/>
+                <a16:creationId xmlns:a16="http://schemas.microsoft.com/office/drawing/2014/main" id="{CB26F3B4-8879-917E-EB6B-C431D79BCD0C}"/>
               </a:ext>
             </a:extLst>
           </p:cNvPr>
@@ -4861,94 +8264,70 @@
           <a:bodyPr/>
           <a:lstStyle/>
           <a:p>
-            <a:endParaRPr lang="zh-CN" altLang="en-US"/>
-          </a:p>
-        </p:txBody>
-      </p:sp>
+            <a:r>
+              <a:rPr lang="ja-JP" altLang="en-US" dirty="0"/>
+              <a:t>遷移状態</a:t>
+            </a:r>
+            <a:r>
+              <a:rPr lang="en-US" altLang="ja-JP" dirty="0"/>
+              <a:t>1</a:t>
+            </a:r>
+            <a:r>
+              <a:rPr lang="ja-JP" altLang="en-US" dirty="0"/>
+              <a:t>のエネルギーが比較的に低いから、遷移状態</a:t>
+            </a:r>
+            <a:r>
+              <a:rPr lang="en-US" altLang="ja-JP" dirty="0"/>
+              <a:t>1</a:t>
+            </a:r>
+            <a:r>
+              <a:rPr lang="ja-JP" altLang="en-US" dirty="0"/>
+              <a:t>になりやすい</a:t>
+            </a:r>
+            <a:endParaRPr lang="zh-CN" altLang="en-US" dirty="0"/>
+          </a:p>
+        </p:txBody>
+      </p:sp>
+      <p:pic>
+        <p:nvPicPr>
+          <p:cNvPr id="5" name="図 4">
+            <a:extLst>
+              <a:ext uri="{FF2B5EF4-FFF2-40B4-BE49-F238E27FC236}">
+                <a16:creationId xmlns:a16="http://schemas.microsoft.com/office/drawing/2014/main" id="{167E85CE-D65E-61A4-5BB0-46FF3D6A89A6}"/>
+              </a:ext>
+            </a:extLst>
+          </p:cNvPr>
+          <p:cNvPicPr>
+            <a:picLocks noChangeAspect="1"/>
+          </p:cNvPicPr>
+          <p:nvPr/>
+        </p:nvPicPr>
+        <p:blipFill>
+          <a:blip r:embed="rId2">
+            <a:extLst>
+              <a:ext uri="{28A0092B-C50C-407E-A947-70E740481C1C}">
+                <a14:useLocalDpi xmlns:a14="http://schemas.microsoft.com/office/drawing/2010/main" val="0"/>
+              </a:ext>
+            </a:extLst>
+          </a:blip>
+          <a:stretch>
+            <a:fillRect/>
+          </a:stretch>
+        </p:blipFill>
+        <p:spPr>
+          <a:xfrm>
+            <a:off x="4034950" y="2576963"/>
+            <a:ext cx="4122100" cy="3600000"/>
+          </a:xfrm>
+          <a:prstGeom prst="rect">
+            <a:avLst/>
+          </a:prstGeom>
+        </p:spPr>
+      </p:pic>
     </p:spTree>
     <p:extLst>
       <p:ext uri="{BB962C8B-B14F-4D97-AF65-F5344CB8AC3E}">
-        <p14:creationId xmlns:p14="http://schemas.microsoft.com/office/powerpoint/2010/main" val="781709301"/>
-      </p:ext>
-    </p:extLst>
-  </p:cSld>
-  <p:clrMapOvr>
-    <a:masterClrMapping/>
-  </p:clrMapOvr>
-</p:sld>
-</file>
-
-<file path=ppt/slides/slide23.xml><?xml version="1.0" encoding="utf-8"?>
-<p:sld xmlns:a="http://schemas.openxmlformats.org/drawingml/2006/main" xmlns:r="http://schemas.openxmlformats.org/officeDocument/2006/relationships" xmlns:p="http://schemas.openxmlformats.org/presentationml/2006/main">
-  <p:cSld>
-    <p:spTree>
-      <p:nvGrpSpPr>
-        <p:cNvPr id="1" name=""/>
-        <p:cNvGrpSpPr/>
-        <p:nvPr/>
-      </p:nvGrpSpPr>
-      <p:grpSpPr>
-        <a:xfrm>
-          <a:off x="0" y="0"/>
-          <a:ext cx="0" cy="0"/>
-          <a:chOff x="0" y="0"/>
-          <a:chExt cx="0" cy="0"/>
-        </a:xfrm>
-      </p:grpSpPr>
-      <p:sp>
-        <p:nvSpPr>
-          <p:cNvPr id="2" name="标题 1">
-            <a:extLst>
-              <a:ext uri="{FF2B5EF4-FFF2-40B4-BE49-F238E27FC236}">
-                <a16:creationId xmlns:a16="http://schemas.microsoft.com/office/drawing/2014/main" id="{D9A247E1-9F71-1957-EF0B-41B33ABC211C}"/>
-              </a:ext>
-            </a:extLst>
-          </p:cNvPr>
-          <p:cNvSpPr>
-            <a:spLocks noGrp="1"/>
-          </p:cNvSpPr>
-          <p:nvPr>
-            <p:ph type="title"/>
-          </p:nvPr>
-        </p:nvSpPr>
-        <p:spPr/>
-        <p:txBody>
-          <a:bodyPr/>
-          <a:lstStyle/>
-          <a:p>
-            <a:endParaRPr lang="zh-CN" altLang="en-US"/>
-          </a:p>
-        </p:txBody>
-      </p:sp>
-      <p:sp>
-        <p:nvSpPr>
-          <p:cNvPr id="3" name="内容占位符 2">
-            <a:extLst>
-              <a:ext uri="{FF2B5EF4-FFF2-40B4-BE49-F238E27FC236}">
-                <a16:creationId xmlns:a16="http://schemas.microsoft.com/office/drawing/2014/main" id="{0488CDA9-9B65-1520-2D2B-CCB8AB19B03C}"/>
-              </a:ext>
-            </a:extLst>
-          </p:cNvPr>
-          <p:cNvSpPr>
-            <a:spLocks noGrp="1"/>
-          </p:cNvSpPr>
-          <p:nvPr>
-            <p:ph idx="1"/>
-          </p:nvPr>
-        </p:nvSpPr>
-        <p:spPr/>
-        <p:txBody>
-          <a:bodyPr/>
-          <a:lstStyle/>
-          <a:p>
-            <a:endParaRPr lang="zh-CN" altLang="en-US"/>
-          </a:p>
-        </p:txBody>
-      </p:sp>
-    </p:spTree>
-    <p:extLst>
-      <p:ext uri="{BB962C8B-B14F-4D97-AF65-F5344CB8AC3E}">
-        <p14:creationId xmlns:p14="http://schemas.microsoft.com/office/powerpoint/2010/main" val="2080269985"/>
+        <p14:creationId xmlns:p14="http://schemas.microsoft.com/office/powerpoint/2010/main" val="3146293711"/>
       </p:ext>
     </p:extLst>
   </p:cSld>
@@ -4996,67 +8375,1210 @@
           <a:bodyPr/>
           <a:lstStyle/>
           <a:p>
+            <a:r>
+              <a:rPr lang="ja-JP" altLang="en-US" dirty="0"/>
+              <a:t>　</a:t>
+            </a:r>
             <a:endParaRPr lang="zh-CN" altLang="en-US" dirty="0"/>
           </a:p>
         </p:txBody>
       </p:sp>
-      <p:sp>
-        <p:nvSpPr>
-          <p:cNvPr id="3" name="内容占位符 2">
-            <a:extLst>
-              <a:ext uri="{FF2B5EF4-FFF2-40B4-BE49-F238E27FC236}">
-                <a16:creationId xmlns:a16="http://schemas.microsoft.com/office/drawing/2014/main" id="{B3FDFA76-8941-06B7-43D4-52D99E4A290A}"/>
-              </a:ext>
-            </a:extLst>
-          </p:cNvPr>
-          <p:cNvSpPr>
-            <a:spLocks noGrp="1"/>
-          </p:cNvSpPr>
-          <p:nvPr>
-            <p:ph idx="1"/>
-          </p:nvPr>
-        </p:nvSpPr>
-        <p:spPr/>
-        <p:txBody>
-          <a:bodyPr/>
+      <mc:AlternateContent xmlns:mc="http://schemas.openxmlformats.org/markup-compatibility/2006">
+        <mc:Choice xmlns:a14="http://schemas.microsoft.com/office/drawing/2010/main" Requires="a14">
+          <p:sp>
+            <p:nvSpPr>
+              <p:cNvPr id="3" name="内容占位符 2">
+                <a:extLst>
+                  <a:ext uri="{FF2B5EF4-FFF2-40B4-BE49-F238E27FC236}">
+                    <a16:creationId xmlns:a16="http://schemas.microsoft.com/office/drawing/2014/main" id="{B3FDFA76-8941-06B7-43D4-52D99E4A290A}"/>
+                  </a:ext>
+                </a:extLst>
+              </p:cNvPr>
+              <p:cNvSpPr>
+                <a:spLocks noGrp="1"/>
+              </p:cNvSpPr>
+              <p:nvPr>
+                <p:ph idx="1"/>
+              </p:nvPr>
+            </p:nvSpPr>
+            <p:spPr>
+              <a:xfrm>
+                <a:off x="838200" y="1158473"/>
+                <a:ext cx="10515600" cy="4351338"/>
+              </a:xfrm>
+            </p:spPr>
+            <p:txBody>
+              <a:bodyPr/>
+              <a:lstStyle/>
+              <a:p>
+                <a:r>
+                  <a:rPr lang="en-US" altLang="ja-JP" dirty="0"/>
+                  <a:t> </a:t>
+                </a:r>
+                <a14:m>
+                  <m:oMath xmlns:m="http://schemas.openxmlformats.org/officeDocument/2006/math">
+                    <m:sSub>
+                      <m:sSubPr>
+                        <m:ctrlPr>
+                          <a:rPr lang="en-US" altLang="ja-JP" i="0" dirty="0" smtClean="0">
+                            <a:latin typeface="Cambria Math" panose="02040503050406030204" pitchFamily="18" charset="0"/>
+                          </a:rPr>
+                        </m:ctrlPr>
+                      </m:sSubPr>
+                      <m:e>
+                        <m:r>
+                          <m:rPr>
+                            <m:sty m:val="p"/>
+                          </m:rPr>
+                          <a:rPr lang="en-US" altLang="ja-JP" i="0" dirty="0" smtClean="0">
+                            <a:latin typeface="Cambria Math" panose="02040503050406030204" pitchFamily="18" charset="0"/>
+                          </a:rPr>
+                          <m:t>H</m:t>
+                        </m:r>
+                      </m:e>
+                      <m:sub>
+                        <m:r>
+                          <a:rPr lang="en-US" altLang="ja-JP" i="0" dirty="0" smtClean="0">
+                            <a:latin typeface="Cambria Math" panose="02040503050406030204" pitchFamily="18" charset="0"/>
+                          </a:rPr>
+                          <m:t>2</m:t>
+                        </m:r>
+                      </m:sub>
+                    </m:sSub>
+                    <m:r>
+                      <m:rPr>
+                        <m:sty m:val="p"/>
+                      </m:rPr>
+                      <a:rPr lang="en-US" altLang="ja-JP" i="0" dirty="0" smtClean="0">
+                        <a:latin typeface="Cambria Math" panose="02040503050406030204" pitchFamily="18" charset="0"/>
+                      </a:rPr>
+                      <m:t>CO</m:t>
+                    </m:r>
+                    <m:r>
+                      <a:rPr lang="en-US" altLang="ja-JP" i="0" dirty="0" smtClean="0">
+                        <a:latin typeface="Cambria Math" panose="02040503050406030204" pitchFamily="18" charset="0"/>
+                      </a:rPr>
+                      <m:t> </m:t>
+                    </m:r>
+                  </m:oMath>
+                </a14:m>
+                <a:r>
+                  <a:rPr lang="ja-JP" altLang="en-US" dirty="0"/>
+                  <a:t>及び</a:t>
+                </a:r>
+                <a:r>
+                  <a:rPr lang="en-US" altLang="ja-JP" dirty="0"/>
+                  <a:t> </a:t>
+                </a:r>
+                <a14:m>
+                  <m:oMath xmlns:m="http://schemas.openxmlformats.org/officeDocument/2006/math">
+                    <m:sSub>
+                      <m:sSubPr>
+                        <m:ctrlPr>
+                          <a:rPr lang="en-US" altLang="ja-JP" i="0" dirty="0" smtClean="0">
+                            <a:latin typeface="Cambria Math" panose="02040503050406030204" pitchFamily="18" charset="0"/>
+                          </a:rPr>
+                        </m:ctrlPr>
+                      </m:sSubPr>
+                      <m:e>
+                        <m:r>
+                          <m:rPr>
+                            <m:sty m:val="p"/>
+                          </m:rPr>
+                          <a:rPr lang="en-US" altLang="ja-JP" i="0" dirty="0" smtClean="0">
+                            <a:latin typeface="Cambria Math" panose="02040503050406030204" pitchFamily="18" charset="0"/>
+                          </a:rPr>
+                          <m:t>CH</m:t>
+                        </m:r>
+                      </m:e>
+                      <m:sub>
+                        <m:r>
+                          <a:rPr lang="en-US" altLang="ja-JP" i="0" dirty="0" smtClean="0">
+                            <a:latin typeface="Cambria Math" panose="02040503050406030204" pitchFamily="18" charset="0"/>
+                          </a:rPr>
+                          <m:t>3</m:t>
+                        </m:r>
+                      </m:sub>
+                    </m:sSub>
+                    <m:r>
+                      <m:rPr>
+                        <m:sty m:val="p"/>
+                      </m:rPr>
+                      <a:rPr lang="en-US" altLang="ja-JP" i="0" dirty="0" smtClean="0">
+                        <a:latin typeface="Cambria Math" panose="02040503050406030204" pitchFamily="18" charset="0"/>
+                      </a:rPr>
+                      <m:t>OH</m:t>
+                    </m:r>
+                    <m:r>
+                      <a:rPr lang="en-US" altLang="ja-JP" i="0" dirty="0" smtClean="0">
+                        <a:latin typeface="Cambria Math" panose="02040503050406030204" pitchFamily="18" charset="0"/>
+                      </a:rPr>
+                      <m:t> </m:t>
+                    </m:r>
+                  </m:oMath>
+                </a14:m>
+                <a:r>
+                  <a:rPr lang="ja-JP" altLang="en-US" dirty="0"/>
+                  <a:t>の生成機構は星間塵表面に吸着した</a:t>
+                </a:r>
+                <a:r>
+                  <a:rPr lang="en-US" altLang="ja-JP" dirty="0"/>
+                  <a:t>CO</a:t>
+                </a:r>
+                <a:r>
+                  <a:rPr lang="ja-JP" altLang="en-US" dirty="0"/>
+                  <a:t>分子への</a:t>
+                </a:r>
+                <a:r>
+                  <a:rPr lang="en-US" altLang="ja-JP" dirty="0"/>
+                  <a:t>H</a:t>
+                </a:r>
+                <a:r>
+                  <a:rPr lang="ja-JP" altLang="en-US" dirty="0"/>
+                  <a:t>原子付加反応である。反応式は</a:t>
+                </a:r>
+                <a:endParaRPr lang="zh-CN" altLang="en-US" dirty="0"/>
+              </a:p>
+            </p:txBody>
+          </p:sp>
+        </mc:Choice>
+        <mc:Fallback>
+          <p:sp>
+            <p:nvSpPr>
+              <p:cNvPr id="3" name="内容占位符 2">
+                <a:extLst>
+                  <a:ext uri="{FF2B5EF4-FFF2-40B4-BE49-F238E27FC236}">
+                    <a16:creationId xmlns:a16="http://schemas.microsoft.com/office/drawing/2014/main" id="{B3FDFA76-8941-06B7-43D4-52D99E4A290A}"/>
+                  </a:ext>
+                </a:extLst>
+              </p:cNvPr>
+              <p:cNvSpPr>
+                <a:spLocks noGrp="1" noRot="1" noChangeAspect="1" noMove="1" noResize="1" noEditPoints="1" noAdjustHandles="1" noChangeArrowheads="1" noChangeShapeType="1" noTextEdit="1"/>
+              </p:cNvSpPr>
+              <p:nvPr>
+                <p:ph idx="1"/>
+              </p:nvPr>
+            </p:nvSpPr>
+            <p:spPr>
+              <a:xfrm>
+                <a:off x="838200" y="1158473"/>
+                <a:ext cx="10515600" cy="4351338"/>
+              </a:xfrm>
+              <a:blipFill>
+                <a:blip r:embed="rId2"/>
+                <a:stretch>
+                  <a:fillRect l="-1043" t="-2521"/>
+                </a:stretch>
+              </a:blipFill>
+            </p:spPr>
+            <p:txBody>
+              <a:bodyPr/>
+              <a:lstStyle/>
+              <a:p>
+                <a:r>
+                  <a:rPr lang="ja-JP" altLang="en-US">
+                    <a:noFill/>
+                  </a:rPr>
+                  <a:t> </a:t>
+                </a:r>
+              </a:p>
+            </p:txBody>
+          </p:sp>
+        </mc:Fallback>
+      </mc:AlternateContent>
+      <mc:AlternateContent xmlns:mc="http://schemas.openxmlformats.org/markup-compatibility/2006">
+        <mc:Choice xmlns:a14="http://schemas.microsoft.com/office/drawing/2010/main" Requires="a14">
+          <p:sp>
+            <p:nvSpPr>
+              <p:cNvPr id="4" name="テキスト ボックス 3">
+                <a:extLst>
+                  <a:ext uri="{FF2B5EF4-FFF2-40B4-BE49-F238E27FC236}">
+                    <a16:creationId xmlns:a16="http://schemas.microsoft.com/office/drawing/2014/main" id="{E0E831FE-0707-F00E-996E-EA15BA62D9CF}"/>
+                  </a:ext>
+                </a:extLst>
+              </p:cNvPr>
+              <p:cNvSpPr txBox="1"/>
+              <p:nvPr/>
+            </p:nvSpPr>
+            <p:spPr>
+              <a:xfrm>
+                <a:off x="3885199" y="2059394"/>
+                <a:ext cx="2531462" cy="523220"/>
+              </a:xfrm>
+              <a:prstGeom prst="rect">
+                <a:avLst/>
+              </a:prstGeom>
+              <a:noFill/>
+            </p:spPr>
+            <p:txBody>
+              <a:bodyPr wrap="none" rtlCol="0">
+                <a:spAutoFit/>
+              </a:bodyPr>
+              <a:lstStyle/>
+              <a:p>
+                <a:pPr/>
+                <a14:m>
+                  <m:oMathPara xmlns:m="http://schemas.openxmlformats.org/officeDocument/2006/math">
+                    <m:oMathParaPr>
+                      <m:jc m:val="centerGroup"/>
+                    </m:oMathParaPr>
+                    <m:oMath xmlns:m="http://schemas.openxmlformats.org/officeDocument/2006/math">
+                      <m:r>
+                        <m:rPr>
+                          <m:nor/>
+                        </m:rPr>
+                        <a:rPr kumimoji="1" lang="en-US" altLang="ja-JP" sz="2800" i="0" dirty="0" smtClean="0">
+                          <a:latin typeface="Cambria Math" panose="02040503050406030204" pitchFamily="18" charset="0"/>
+                        </a:rPr>
+                        <m:t>H</m:t>
+                      </m:r>
+                      <m:r>
+                        <m:rPr>
+                          <m:nor/>
+                        </m:rPr>
+                        <a:rPr kumimoji="1" lang="en-US" altLang="ja-JP" sz="2800" i="0" dirty="0" smtClean="0">
+                          <a:latin typeface="Cambria Math" panose="02040503050406030204" pitchFamily="18" charset="0"/>
+                        </a:rPr>
+                        <m:t> + </m:t>
+                      </m:r>
+                      <m:r>
+                        <m:rPr>
+                          <m:nor/>
+                        </m:rPr>
+                        <a:rPr kumimoji="1" lang="en-US" altLang="ja-JP" sz="2800" i="0" dirty="0" smtClean="0">
+                          <a:latin typeface="Cambria Math" panose="02040503050406030204" pitchFamily="18" charset="0"/>
+                        </a:rPr>
+                        <m:t>CO</m:t>
+                      </m:r>
+                      <m:r>
+                        <m:rPr>
+                          <m:nor/>
+                        </m:rPr>
+                        <a:rPr kumimoji="1" lang="en-US" altLang="ja-JP" sz="2800" i="0" dirty="0" smtClean="0">
+                          <a:latin typeface="Cambria Math" panose="02040503050406030204" pitchFamily="18" charset="0"/>
+                        </a:rPr>
+                        <m:t> </m:t>
+                      </m:r>
+                      <m:r>
+                        <m:rPr>
+                          <m:nor/>
+                        </m:rPr>
+                        <a:rPr kumimoji="1" lang="ja-JP" altLang="en-US" sz="2800" i="0" dirty="0" smtClean="0">
+                          <a:latin typeface="Cambria Math" panose="02040503050406030204" pitchFamily="18" charset="0"/>
+                        </a:rPr>
+                        <m:t>→ </m:t>
+                      </m:r>
+                      <m:r>
+                        <m:rPr>
+                          <m:nor/>
+                        </m:rPr>
+                        <a:rPr kumimoji="1" lang="en-US" altLang="ja-JP" sz="2800" i="0" dirty="0" smtClean="0">
+                          <a:latin typeface="Cambria Math" panose="02040503050406030204" pitchFamily="18" charset="0"/>
+                        </a:rPr>
+                        <m:t>HCO</m:t>
+                      </m:r>
+                    </m:oMath>
+                  </m:oMathPara>
+                </a14:m>
+                <a:endParaRPr kumimoji="1" lang="ja-JP" altLang="en-US" sz="2800" dirty="0"/>
+              </a:p>
+            </p:txBody>
+          </p:sp>
+        </mc:Choice>
+        <mc:Fallback>
+          <p:sp>
+            <p:nvSpPr>
+              <p:cNvPr id="4" name="テキスト ボックス 3">
+                <a:extLst>
+                  <a:ext uri="{FF2B5EF4-FFF2-40B4-BE49-F238E27FC236}">
+                    <a16:creationId xmlns:a16="http://schemas.microsoft.com/office/drawing/2014/main" id="{E0E831FE-0707-F00E-996E-EA15BA62D9CF}"/>
+                  </a:ext>
+                </a:extLst>
+              </p:cNvPr>
+              <p:cNvSpPr txBox="1">
+                <a:spLocks noRot="1" noChangeAspect="1" noMove="1" noResize="1" noEditPoints="1" noAdjustHandles="1" noChangeArrowheads="1" noChangeShapeType="1" noTextEdit="1"/>
+              </p:cNvSpPr>
+              <p:nvPr/>
+            </p:nvSpPr>
+            <p:spPr>
+              <a:xfrm>
+                <a:off x="3885199" y="2059394"/>
+                <a:ext cx="2531462" cy="523220"/>
+              </a:xfrm>
+              <a:prstGeom prst="rect">
+                <a:avLst/>
+              </a:prstGeom>
+              <a:blipFill>
+                <a:blip r:embed="rId3"/>
+                <a:stretch>
+                  <a:fillRect/>
+                </a:stretch>
+              </a:blipFill>
+            </p:spPr>
+            <p:txBody>
+              <a:bodyPr/>
+              <a:lstStyle/>
+              <a:p>
+                <a:r>
+                  <a:rPr lang="ja-JP" altLang="en-US">
+                    <a:noFill/>
+                  </a:rPr>
+                  <a:t> </a:t>
+                </a:r>
+              </a:p>
+            </p:txBody>
+          </p:sp>
+        </mc:Fallback>
+      </mc:AlternateContent>
+      <mc:AlternateContent xmlns:mc="http://schemas.openxmlformats.org/markup-compatibility/2006">
+        <mc:Choice xmlns:a14="http://schemas.microsoft.com/office/drawing/2010/main" Requires="a14">
+          <p:sp>
+            <p:nvSpPr>
+              <p:cNvPr id="5" name="テキスト ボックス 4">
+                <a:extLst>
+                  <a:ext uri="{FF2B5EF4-FFF2-40B4-BE49-F238E27FC236}">
+                    <a16:creationId xmlns:a16="http://schemas.microsoft.com/office/drawing/2014/main" id="{454908D4-A28D-A701-3741-6F8EE418E62D}"/>
+                  </a:ext>
+                </a:extLst>
+              </p:cNvPr>
+              <p:cNvSpPr txBox="1"/>
+              <p:nvPr/>
+            </p:nvSpPr>
+            <p:spPr>
+              <a:xfrm>
+                <a:off x="3885199" y="2428932"/>
+                <a:ext cx="3304559" cy="523220"/>
+              </a:xfrm>
+              <a:prstGeom prst="rect">
+                <a:avLst/>
+              </a:prstGeom>
+              <a:noFill/>
+            </p:spPr>
+            <p:txBody>
+              <a:bodyPr wrap="none" rtlCol="0">
+                <a:spAutoFit/>
+              </a:bodyPr>
+              <a:lstStyle/>
+              <a:p>
+                <a:pPr/>
+                <a14:m>
+                  <m:oMathPara xmlns:m="http://schemas.openxmlformats.org/officeDocument/2006/math">
+                    <m:oMathParaPr>
+                      <m:jc m:val="centerGroup"/>
+                    </m:oMathParaPr>
+                    <m:oMath xmlns:m="http://schemas.openxmlformats.org/officeDocument/2006/math">
+                      <m:r>
+                        <m:rPr>
+                          <m:sty m:val="p"/>
+                        </m:rPr>
+                        <a:rPr kumimoji="1" lang="en-US" altLang="ja-JP" sz="2800" i="0" dirty="0" smtClean="0">
+                          <a:latin typeface="Cambria Math" panose="02040503050406030204" pitchFamily="18" charset="0"/>
+                        </a:rPr>
+                        <m:t>H</m:t>
+                      </m:r>
+                      <m:r>
+                        <a:rPr kumimoji="1" lang="en-US" altLang="ja-JP" sz="2800" i="0" dirty="0">
+                          <a:latin typeface="Cambria Math" panose="02040503050406030204" pitchFamily="18" charset="0"/>
+                        </a:rPr>
+                        <m:t> </m:t>
+                      </m:r>
+                      <m:r>
+                        <a:rPr kumimoji="1" lang="en-US" altLang="ja-JP" sz="2800" i="0" dirty="0" smtClean="0">
+                          <a:latin typeface="Cambria Math" panose="02040503050406030204" pitchFamily="18" charset="0"/>
+                        </a:rPr>
+                        <m:t>+</m:t>
+                      </m:r>
+                      <m:r>
+                        <a:rPr kumimoji="1" lang="en-US" altLang="ja-JP" sz="2800" i="0" dirty="0">
+                          <a:latin typeface="Cambria Math" panose="02040503050406030204" pitchFamily="18" charset="0"/>
+                        </a:rPr>
+                        <m:t> </m:t>
+                      </m:r>
+                      <m:r>
+                        <m:rPr>
+                          <m:sty m:val="p"/>
+                        </m:rPr>
+                        <a:rPr kumimoji="1" lang="en-US" altLang="ja-JP" sz="2800" i="0" dirty="0" smtClean="0">
+                          <a:latin typeface="Cambria Math" panose="02040503050406030204" pitchFamily="18" charset="0"/>
+                        </a:rPr>
+                        <m:t>HCO</m:t>
+                      </m:r>
+                      <m:r>
+                        <a:rPr kumimoji="1" lang="en-US" altLang="ja-JP" sz="2800" i="0" dirty="0" smtClean="0">
+                          <a:latin typeface="Cambria Math" panose="02040503050406030204" pitchFamily="18" charset="0"/>
+                        </a:rPr>
+                        <m:t> → </m:t>
+                      </m:r>
+                      <m:sSub>
+                        <m:sSubPr>
+                          <m:ctrlPr>
+                            <a:rPr kumimoji="1" lang="en-US" altLang="ja-JP" sz="2800" b="0" i="1" dirty="0" smtClean="0">
+                              <a:latin typeface="Cambria Math" panose="02040503050406030204" pitchFamily="18" charset="0"/>
+                            </a:rPr>
+                          </m:ctrlPr>
+                        </m:sSubPr>
+                        <m:e>
+                          <m:r>
+                            <m:rPr>
+                              <m:sty m:val="p"/>
+                            </m:rPr>
+                            <a:rPr kumimoji="1" lang="en-US" altLang="ja-JP" sz="2800" i="0" dirty="0" smtClean="0">
+                              <a:latin typeface="Cambria Math" panose="02040503050406030204" pitchFamily="18" charset="0"/>
+                            </a:rPr>
+                            <m:t>H</m:t>
+                          </m:r>
+                        </m:e>
+                        <m:sub>
+                          <m:r>
+                            <a:rPr kumimoji="1" lang="en-US" altLang="ja-JP" sz="2800" b="0" i="0" dirty="0" smtClean="0">
+                              <a:latin typeface="Cambria Math" panose="02040503050406030204" pitchFamily="18" charset="0"/>
+                            </a:rPr>
+                            <m:t>2</m:t>
+                          </m:r>
+                        </m:sub>
+                      </m:sSub>
+                      <m:r>
+                        <m:rPr>
+                          <m:sty m:val="p"/>
+                        </m:rPr>
+                        <a:rPr kumimoji="1" lang="en-US" altLang="ja-JP" sz="2800" i="0" dirty="0" smtClean="0">
+                          <a:latin typeface="Cambria Math" panose="02040503050406030204" pitchFamily="18" charset="0"/>
+                        </a:rPr>
+                        <m:t>CO</m:t>
+                      </m:r>
+                    </m:oMath>
+                  </m:oMathPara>
+                </a14:m>
+                <a:endParaRPr kumimoji="1" lang="ja-JP" altLang="en-US" sz="2800" dirty="0"/>
+              </a:p>
+            </p:txBody>
+          </p:sp>
+        </mc:Choice>
+        <mc:Fallback>
+          <p:sp>
+            <p:nvSpPr>
+              <p:cNvPr id="5" name="テキスト ボックス 4">
+                <a:extLst>
+                  <a:ext uri="{FF2B5EF4-FFF2-40B4-BE49-F238E27FC236}">
+                    <a16:creationId xmlns:a16="http://schemas.microsoft.com/office/drawing/2014/main" id="{454908D4-A28D-A701-3741-6F8EE418E62D}"/>
+                  </a:ext>
+                </a:extLst>
+              </p:cNvPr>
+              <p:cNvSpPr txBox="1">
+                <a:spLocks noRot="1" noChangeAspect="1" noMove="1" noResize="1" noEditPoints="1" noAdjustHandles="1" noChangeArrowheads="1" noChangeShapeType="1" noTextEdit="1"/>
+              </p:cNvSpPr>
+              <p:nvPr/>
+            </p:nvSpPr>
+            <p:spPr>
+              <a:xfrm>
+                <a:off x="3885199" y="2428932"/>
+                <a:ext cx="3304559" cy="523220"/>
+              </a:xfrm>
+              <a:prstGeom prst="rect">
+                <a:avLst/>
+              </a:prstGeom>
+              <a:blipFill>
+                <a:blip r:embed="rId4"/>
+                <a:stretch>
+                  <a:fillRect/>
+                </a:stretch>
+              </a:blipFill>
+            </p:spPr>
+            <p:txBody>
+              <a:bodyPr/>
+              <a:lstStyle/>
+              <a:p>
+                <a:r>
+                  <a:rPr lang="ja-JP" altLang="en-US">
+                    <a:noFill/>
+                  </a:rPr>
+                  <a:t> </a:t>
+                </a:r>
+              </a:p>
+            </p:txBody>
+          </p:sp>
+        </mc:Fallback>
+      </mc:AlternateContent>
+      <mc:AlternateContent xmlns:mc="http://schemas.openxmlformats.org/markup-compatibility/2006">
+        <mc:Choice xmlns:a14="http://schemas.microsoft.com/office/drawing/2010/main" Requires="a14">
+          <p:sp>
+            <p:nvSpPr>
+              <p:cNvPr id="6" name="テキスト ボックス 5">
+                <a:extLst>
+                  <a:ext uri="{FF2B5EF4-FFF2-40B4-BE49-F238E27FC236}">
+                    <a16:creationId xmlns:a16="http://schemas.microsoft.com/office/drawing/2014/main" id="{9597092E-6A75-6429-CB5D-F95DC16510AB}"/>
+                  </a:ext>
+                </a:extLst>
+              </p:cNvPr>
+              <p:cNvSpPr txBox="1"/>
+              <p:nvPr/>
+            </p:nvSpPr>
+            <p:spPr>
+              <a:xfrm>
+                <a:off x="3885199" y="2798058"/>
+                <a:ext cx="3471720" cy="523220"/>
+              </a:xfrm>
+              <a:prstGeom prst="rect">
+                <a:avLst/>
+              </a:prstGeom>
+              <a:noFill/>
+            </p:spPr>
+            <p:txBody>
+              <a:bodyPr wrap="none" rtlCol="0">
+                <a:spAutoFit/>
+              </a:bodyPr>
+              <a:lstStyle/>
+              <a:p>
+                <a:pPr/>
+                <a14:m>
+                  <m:oMathPara xmlns:m="http://schemas.openxmlformats.org/officeDocument/2006/math">
+                    <m:oMathParaPr>
+                      <m:jc m:val="centerGroup"/>
+                    </m:oMathParaPr>
+                    <m:oMath xmlns:m="http://schemas.openxmlformats.org/officeDocument/2006/math">
+                      <m:r>
+                        <m:rPr>
+                          <m:sty m:val="p"/>
+                        </m:rPr>
+                        <a:rPr kumimoji="1" lang="en-US" altLang="ja-JP" sz="2800" i="0" dirty="0" smtClean="0">
+                          <a:latin typeface="Cambria Math" panose="02040503050406030204" pitchFamily="18" charset="0"/>
+                        </a:rPr>
+                        <m:t>H</m:t>
+                      </m:r>
+                      <m:r>
+                        <a:rPr kumimoji="1" lang="en-US" altLang="ja-JP" sz="2800" i="0" dirty="0">
+                          <a:latin typeface="Cambria Math" panose="02040503050406030204" pitchFamily="18" charset="0"/>
+                        </a:rPr>
+                        <m:t> </m:t>
+                      </m:r>
+                      <m:r>
+                        <a:rPr kumimoji="1" lang="en-US" altLang="ja-JP" sz="2800" i="0" dirty="0" smtClean="0">
+                          <a:latin typeface="Cambria Math" panose="02040503050406030204" pitchFamily="18" charset="0"/>
+                        </a:rPr>
+                        <m:t>+</m:t>
+                      </m:r>
+                      <m:r>
+                        <a:rPr kumimoji="1" lang="en-US" altLang="ja-JP" sz="2800" i="0" dirty="0">
+                          <a:latin typeface="Cambria Math" panose="02040503050406030204" pitchFamily="18" charset="0"/>
+                        </a:rPr>
+                        <m:t> </m:t>
+                      </m:r>
+                      <m:sSub>
+                        <m:sSubPr>
+                          <m:ctrlPr>
+                            <a:rPr kumimoji="1" lang="en-US" altLang="ja-JP" sz="2800" b="0" i="1" dirty="0" smtClean="0">
+                              <a:latin typeface="Cambria Math" panose="02040503050406030204" pitchFamily="18" charset="0"/>
+                            </a:rPr>
+                          </m:ctrlPr>
+                        </m:sSubPr>
+                        <m:e>
+                          <m:r>
+                            <m:rPr>
+                              <m:sty m:val="p"/>
+                            </m:rPr>
+                            <a:rPr kumimoji="1" lang="en-US" altLang="ja-JP" sz="2800" i="0" dirty="0" smtClean="0">
+                              <a:latin typeface="Cambria Math" panose="02040503050406030204" pitchFamily="18" charset="0"/>
+                            </a:rPr>
+                            <m:t>H</m:t>
+                          </m:r>
+                        </m:e>
+                        <m:sub>
+                          <m:r>
+                            <a:rPr kumimoji="1" lang="en-US" altLang="ja-JP" sz="2800" b="0" i="0" dirty="0" smtClean="0">
+                              <a:latin typeface="Cambria Math" panose="02040503050406030204" pitchFamily="18" charset="0"/>
+                            </a:rPr>
+                            <m:t>2</m:t>
+                          </m:r>
+                        </m:sub>
+                      </m:sSub>
+                      <m:r>
+                        <m:rPr>
+                          <m:sty m:val="p"/>
+                        </m:rPr>
+                        <a:rPr kumimoji="1" lang="en-US" altLang="ja-JP" sz="2800" i="0" dirty="0" smtClean="0">
+                          <a:latin typeface="Cambria Math" panose="02040503050406030204" pitchFamily="18" charset="0"/>
+                        </a:rPr>
+                        <m:t>CO</m:t>
+                      </m:r>
+                      <m:r>
+                        <a:rPr kumimoji="1" lang="en-US" altLang="ja-JP" sz="2800" i="0" dirty="0" smtClean="0">
+                          <a:latin typeface="Cambria Math" panose="02040503050406030204" pitchFamily="18" charset="0"/>
+                        </a:rPr>
+                        <m:t> → </m:t>
+                      </m:r>
+                      <m:r>
+                        <m:rPr>
+                          <m:sty m:val="p"/>
+                        </m:rPr>
+                        <a:rPr kumimoji="1" lang="en-US" altLang="ja-JP" sz="2800" i="0" dirty="0" smtClean="0">
+                          <a:latin typeface="Cambria Math" panose="02040503050406030204" pitchFamily="18" charset="0"/>
+                        </a:rPr>
+                        <m:t>C</m:t>
+                      </m:r>
+                      <m:sSub>
+                        <m:sSubPr>
+                          <m:ctrlPr>
+                            <a:rPr kumimoji="1" lang="en-US" altLang="ja-JP" sz="2800" i="1" dirty="0">
+                              <a:latin typeface="Cambria Math" panose="02040503050406030204" pitchFamily="18" charset="0"/>
+                            </a:rPr>
+                          </m:ctrlPr>
+                        </m:sSubPr>
+                        <m:e>
+                          <m:r>
+                            <m:rPr>
+                              <m:sty m:val="p"/>
+                            </m:rPr>
+                            <a:rPr kumimoji="1" lang="en-US" altLang="ja-JP" sz="2800" dirty="0">
+                              <a:latin typeface="Cambria Math" panose="02040503050406030204" pitchFamily="18" charset="0"/>
+                            </a:rPr>
+                            <m:t>H</m:t>
+                          </m:r>
+                        </m:e>
+                        <m:sub>
+                          <m:r>
+                            <a:rPr kumimoji="1" lang="en-US" altLang="ja-JP" sz="2800" dirty="0">
+                              <a:latin typeface="Cambria Math" panose="02040503050406030204" pitchFamily="18" charset="0"/>
+                            </a:rPr>
+                            <m:t>3</m:t>
+                          </m:r>
+                        </m:sub>
+                      </m:sSub>
+                      <m:r>
+                        <m:rPr>
+                          <m:sty m:val="p"/>
+                        </m:rPr>
+                        <a:rPr kumimoji="1" lang="en-US" altLang="ja-JP" sz="2800" i="0" dirty="0" smtClean="0">
+                          <a:latin typeface="Cambria Math" panose="02040503050406030204" pitchFamily="18" charset="0"/>
+                        </a:rPr>
+                        <m:t>O</m:t>
+                      </m:r>
+                    </m:oMath>
+                  </m:oMathPara>
+                </a14:m>
+                <a:endParaRPr kumimoji="1" lang="ja-JP" altLang="en-US" sz="2800" dirty="0"/>
+              </a:p>
+            </p:txBody>
+          </p:sp>
+        </mc:Choice>
+        <mc:Fallback>
+          <p:sp>
+            <p:nvSpPr>
+              <p:cNvPr id="6" name="テキスト ボックス 5">
+                <a:extLst>
+                  <a:ext uri="{FF2B5EF4-FFF2-40B4-BE49-F238E27FC236}">
+                    <a16:creationId xmlns:a16="http://schemas.microsoft.com/office/drawing/2014/main" id="{9597092E-6A75-6429-CB5D-F95DC16510AB}"/>
+                  </a:ext>
+                </a:extLst>
+              </p:cNvPr>
+              <p:cNvSpPr txBox="1">
+                <a:spLocks noRot="1" noChangeAspect="1" noMove="1" noResize="1" noEditPoints="1" noAdjustHandles="1" noChangeArrowheads="1" noChangeShapeType="1" noTextEdit="1"/>
+              </p:cNvSpPr>
+              <p:nvPr/>
+            </p:nvSpPr>
+            <p:spPr>
+              <a:xfrm>
+                <a:off x="3885199" y="2798058"/>
+                <a:ext cx="3471720" cy="523220"/>
+              </a:xfrm>
+              <a:prstGeom prst="rect">
+                <a:avLst/>
+              </a:prstGeom>
+              <a:blipFill>
+                <a:blip r:embed="rId5"/>
+                <a:stretch>
+                  <a:fillRect/>
+                </a:stretch>
+              </a:blipFill>
+            </p:spPr>
+            <p:txBody>
+              <a:bodyPr/>
+              <a:lstStyle/>
+              <a:p>
+                <a:r>
+                  <a:rPr lang="ja-JP" altLang="en-US">
+                    <a:noFill/>
+                  </a:rPr>
+                  <a:t> </a:t>
+                </a:r>
+              </a:p>
+            </p:txBody>
+          </p:sp>
+        </mc:Fallback>
+      </mc:AlternateContent>
+      <mc:AlternateContent xmlns:mc="http://schemas.openxmlformats.org/markup-compatibility/2006">
+        <mc:Choice xmlns:a14="http://schemas.microsoft.com/office/drawing/2010/main" Requires="a14">
+          <p:sp>
+            <p:nvSpPr>
+              <p:cNvPr id="7" name="テキスト ボックス 6">
+                <a:extLst>
+                  <a:ext uri="{FF2B5EF4-FFF2-40B4-BE49-F238E27FC236}">
+                    <a16:creationId xmlns:a16="http://schemas.microsoft.com/office/drawing/2014/main" id="{65E48EC6-710E-F311-81A6-95EEF3002395}"/>
+                  </a:ext>
+                </a:extLst>
+              </p:cNvPr>
+              <p:cNvSpPr txBox="1"/>
+              <p:nvPr/>
+            </p:nvSpPr>
+            <p:spPr>
+              <a:xfrm>
+                <a:off x="3885199" y="3167390"/>
+                <a:ext cx="3471720" cy="523220"/>
+              </a:xfrm>
+              <a:prstGeom prst="rect">
+                <a:avLst/>
+              </a:prstGeom>
+              <a:noFill/>
+            </p:spPr>
+            <p:txBody>
+              <a:bodyPr wrap="none" rtlCol="0">
+                <a:spAutoFit/>
+              </a:bodyPr>
+              <a:lstStyle/>
+              <a:p>
+                <a:pPr/>
+                <a14:m>
+                  <m:oMathPara xmlns:m="http://schemas.openxmlformats.org/officeDocument/2006/math">
+                    <m:oMathParaPr>
+                      <m:jc m:val="centerGroup"/>
+                    </m:oMathParaPr>
+                    <m:oMath xmlns:m="http://schemas.openxmlformats.org/officeDocument/2006/math">
+                      <m:r>
+                        <m:rPr>
+                          <m:sty m:val="p"/>
+                        </m:rPr>
+                        <a:rPr kumimoji="1" lang="en-US" altLang="ja-JP" sz="2800" i="0" dirty="0" smtClean="0">
+                          <a:latin typeface="Cambria Math" panose="02040503050406030204" pitchFamily="18" charset="0"/>
+                        </a:rPr>
+                        <m:t>H</m:t>
+                      </m:r>
+                      <m:r>
+                        <a:rPr kumimoji="1" lang="en-US" altLang="ja-JP" sz="2800" i="0" dirty="0">
+                          <a:latin typeface="Cambria Math" panose="02040503050406030204" pitchFamily="18" charset="0"/>
+                        </a:rPr>
+                        <m:t> </m:t>
+                      </m:r>
+                      <m:r>
+                        <a:rPr kumimoji="1" lang="en-US" altLang="ja-JP" sz="2800" i="0" dirty="0" smtClean="0">
+                          <a:latin typeface="Cambria Math" panose="02040503050406030204" pitchFamily="18" charset="0"/>
+                        </a:rPr>
+                        <m:t>+</m:t>
+                      </m:r>
+                      <m:r>
+                        <a:rPr kumimoji="1" lang="en-US" altLang="ja-JP" sz="2800" i="0" dirty="0">
+                          <a:latin typeface="Cambria Math" panose="02040503050406030204" pitchFamily="18" charset="0"/>
+                        </a:rPr>
+                        <m:t> </m:t>
+                      </m:r>
+                      <m:sSub>
+                        <m:sSubPr>
+                          <m:ctrlPr>
+                            <a:rPr kumimoji="1" lang="en-US" altLang="ja-JP" sz="2800" b="0" i="1" dirty="0" smtClean="0">
+                              <a:latin typeface="Cambria Math" panose="02040503050406030204" pitchFamily="18" charset="0"/>
+                            </a:rPr>
+                          </m:ctrlPr>
+                        </m:sSubPr>
+                        <m:e>
+                          <m:r>
+                            <m:rPr>
+                              <m:sty m:val="p"/>
+                            </m:rPr>
+                            <a:rPr kumimoji="1" lang="en-US" altLang="ja-JP" sz="2800" i="0" dirty="0" smtClean="0">
+                              <a:latin typeface="Cambria Math" panose="02040503050406030204" pitchFamily="18" charset="0"/>
+                            </a:rPr>
+                            <m:t>H</m:t>
+                          </m:r>
+                        </m:e>
+                        <m:sub>
+                          <m:r>
+                            <a:rPr kumimoji="1" lang="en-US" altLang="ja-JP" sz="2800" b="0" i="0" dirty="0" smtClean="0">
+                              <a:latin typeface="Cambria Math" panose="02040503050406030204" pitchFamily="18" charset="0"/>
+                            </a:rPr>
+                            <m:t>3</m:t>
+                          </m:r>
+                        </m:sub>
+                      </m:sSub>
+                      <m:r>
+                        <m:rPr>
+                          <m:sty m:val="p"/>
+                        </m:rPr>
+                        <a:rPr kumimoji="1" lang="en-US" altLang="ja-JP" sz="2800" i="0" dirty="0" smtClean="0">
+                          <a:latin typeface="Cambria Math" panose="02040503050406030204" pitchFamily="18" charset="0"/>
+                        </a:rPr>
+                        <m:t>CO</m:t>
+                      </m:r>
+                      <m:r>
+                        <a:rPr kumimoji="1" lang="en-US" altLang="ja-JP" sz="2800" i="0" dirty="0" smtClean="0">
+                          <a:latin typeface="Cambria Math" panose="02040503050406030204" pitchFamily="18" charset="0"/>
+                        </a:rPr>
+                        <m:t> → </m:t>
+                      </m:r>
+                      <m:r>
+                        <m:rPr>
+                          <m:sty m:val="p"/>
+                        </m:rPr>
+                        <a:rPr kumimoji="1" lang="en-US" altLang="ja-JP" sz="2800" i="0" dirty="0" smtClean="0">
+                          <a:latin typeface="Cambria Math" panose="02040503050406030204" pitchFamily="18" charset="0"/>
+                        </a:rPr>
+                        <m:t>C</m:t>
+                      </m:r>
+                      <m:sSub>
+                        <m:sSubPr>
+                          <m:ctrlPr>
+                            <a:rPr kumimoji="1" lang="en-US" altLang="ja-JP" sz="2800" i="1" dirty="0">
+                              <a:latin typeface="Cambria Math" panose="02040503050406030204" pitchFamily="18" charset="0"/>
+                            </a:rPr>
+                          </m:ctrlPr>
+                        </m:sSubPr>
+                        <m:e>
+                          <m:r>
+                            <m:rPr>
+                              <m:sty m:val="p"/>
+                            </m:rPr>
+                            <a:rPr kumimoji="1" lang="en-US" altLang="ja-JP" sz="2800" dirty="0">
+                              <a:latin typeface="Cambria Math" panose="02040503050406030204" pitchFamily="18" charset="0"/>
+                            </a:rPr>
+                            <m:t>H</m:t>
+                          </m:r>
+                        </m:e>
+                        <m:sub>
+                          <m:r>
+                            <a:rPr kumimoji="1" lang="en-US" altLang="ja-JP" sz="2800" b="0" i="0" dirty="0" smtClean="0">
+                              <a:latin typeface="Cambria Math" panose="02040503050406030204" pitchFamily="18" charset="0"/>
+                            </a:rPr>
+                            <m:t>4</m:t>
+                          </m:r>
+                        </m:sub>
+                      </m:sSub>
+                      <m:r>
+                        <m:rPr>
+                          <m:sty m:val="p"/>
+                        </m:rPr>
+                        <a:rPr kumimoji="1" lang="en-US" altLang="ja-JP" sz="2800" i="0" dirty="0" smtClean="0">
+                          <a:latin typeface="Cambria Math" panose="02040503050406030204" pitchFamily="18" charset="0"/>
+                        </a:rPr>
+                        <m:t>O</m:t>
+                      </m:r>
+                    </m:oMath>
+                  </m:oMathPara>
+                </a14:m>
+                <a:endParaRPr kumimoji="1" lang="ja-JP" altLang="en-US" sz="2400" dirty="0"/>
+              </a:p>
+            </p:txBody>
+          </p:sp>
+        </mc:Choice>
+        <mc:Fallback>
+          <p:sp>
+            <p:nvSpPr>
+              <p:cNvPr id="7" name="テキスト ボックス 6">
+                <a:extLst>
+                  <a:ext uri="{FF2B5EF4-FFF2-40B4-BE49-F238E27FC236}">
+                    <a16:creationId xmlns:a16="http://schemas.microsoft.com/office/drawing/2014/main" id="{65E48EC6-710E-F311-81A6-95EEF3002395}"/>
+                  </a:ext>
+                </a:extLst>
+              </p:cNvPr>
+              <p:cNvSpPr txBox="1">
+                <a:spLocks noRot="1" noChangeAspect="1" noMove="1" noResize="1" noEditPoints="1" noAdjustHandles="1" noChangeArrowheads="1" noChangeShapeType="1" noTextEdit="1"/>
+              </p:cNvSpPr>
+              <p:nvPr/>
+            </p:nvSpPr>
+            <p:spPr>
+              <a:xfrm>
+                <a:off x="3885199" y="3167390"/>
+                <a:ext cx="3471720" cy="523220"/>
+              </a:xfrm>
+              <a:prstGeom prst="rect">
+                <a:avLst/>
+              </a:prstGeom>
+              <a:blipFill>
+                <a:blip r:embed="rId6"/>
+                <a:stretch>
+                  <a:fillRect/>
+                </a:stretch>
+              </a:blipFill>
+            </p:spPr>
+            <p:txBody>
+              <a:bodyPr/>
+              <a:lstStyle/>
+              <a:p>
+                <a:r>
+                  <a:rPr lang="ja-JP" altLang="en-US">
+                    <a:noFill/>
+                  </a:rPr>
+                  <a:t> </a:t>
+                </a:r>
+              </a:p>
+            </p:txBody>
+          </p:sp>
+        </mc:Fallback>
+      </mc:AlternateContent>
+      <p:sp>
+        <p:nvSpPr>
+          <p:cNvPr id="8" name="テキスト ボックス 7">
+            <a:extLst>
+              <a:ext uri="{FF2B5EF4-FFF2-40B4-BE49-F238E27FC236}">
+                <a16:creationId xmlns:a16="http://schemas.microsoft.com/office/drawing/2014/main" id="{F122784F-2579-4FE2-BBF7-8D709FF2D794}"/>
+              </a:ext>
+            </a:extLst>
+          </p:cNvPr>
+          <p:cNvSpPr txBox="1"/>
+          <p:nvPr/>
+        </p:nvSpPr>
+        <p:spPr>
+          <a:xfrm>
+            <a:off x="1186856" y="3732744"/>
+            <a:ext cx="2339102" cy="523220"/>
+          </a:xfrm>
+          <a:prstGeom prst="rect">
+            <a:avLst/>
+          </a:prstGeom>
+          <a:noFill/>
+        </p:spPr>
+        <p:txBody>
+          <a:bodyPr wrap="none" rtlCol="0">
+            <a:spAutoFit/>
+          </a:bodyPr>
           <a:lstStyle/>
           <a:p>
             <a:r>
-              <a:rPr lang="en-US" altLang="ja-JP" dirty="0"/>
-              <a:t> H_2CO </a:t>
-            </a:r>
-            <a:r>
-              <a:rPr lang="ja-JP" altLang="en-US" dirty="0"/>
-              <a:t>及び</a:t>
-            </a:r>
-            <a:r>
-              <a:rPr lang="en-US" altLang="ja-JP" dirty="0"/>
-              <a:t> CH_3OH </a:t>
-            </a:r>
-            <a:r>
-              <a:rPr lang="ja-JP" altLang="en-US" dirty="0"/>
-              <a:t>の生成機構として、分子雲の気相で生成され塵表面に吸着した</a:t>
-            </a:r>
-            <a:r>
-              <a:rPr lang="en-US" altLang="ja-JP" dirty="0"/>
-              <a:t> CO </a:t>
-            </a:r>
-            <a:r>
-              <a:rPr lang="ja-JP" altLang="en-US" dirty="0"/>
-              <a:t>分子に同様に吸着した</a:t>
-            </a:r>
-            <a:r>
-              <a:rPr lang="en-US" altLang="ja-JP" dirty="0"/>
-              <a:t> H </a:t>
-            </a:r>
-            <a:r>
-              <a:rPr lang="ja-JP" altLang="en-US" dirty="0"/>
-              <a:t>原子が逐次に付加する。反応式は</a:t>
-            </a:r>
-            <a:endParaRPr lang="zh-CN" altLang="en-US" dirty="0"/>
-          </a:p>
-        </p:txBody>
-      </p:sp>
+              <a:rPr kumimoji="1" lang="ja-JP" altLang="en-US" sz="2800" dirty="0"/>
+              <a:t>本研究の目的</a:t>
+            </a:r>
+          </a:p>
+        </p:txBody>
+      </p:sp>
+      <p:sp>
+        <p:nvSpPr>
+          <p:cNvPr id="9" name="テキスト ボックス 8">
+            <a:extLst>
+              <a:ext uri="{FF2B5EF4-FFF2-40B4-BE49-F238E27FC236}">
+                <a16:creationId xmlns:a16="http://schemas.microsoft.com/office/drawing/2014/main" id="{4BD7BE36-50C8-AC21-BA93-2B5711149D05}"/>
+              </a:ext>
+            </a:extLst>
+          </p:cNvPr>
+          <p:cNvSpPr txBox="1"/>
+          <p:nvPr/>
+        </p:nvSpPr>
+        <p:spPr>
+          <a:xfrm>
+            <a:off x="1699973" y="4283299"/>
+            <a:ext cx="5109091" cy="461665"/>
+          </a:xfrm>
+          <a:prstGeom prst="rect">
+            <a:avLst/>
+          </a:prstGeom>
+          <a:noFill/>
+        </p:spPr>
+        <p:txBody>
+          <a:bodyPr wrap="none" rtlCol="0">
+            <a:spAutoFit/>
+          </a:bodyPr>
+          <a:lstStyle/>
+          <a:p>
+            <a:r>
+              <a:rPr lang="ja-JP" altLang="en-US" sz="2400" dirty="0"/>
+              <a:t>重水素濃縮のメカニズムを解明する</a:t>
+            </a:r>
+            <a:endParaRPr kumimoji="1" lang="ja-JP" altLang="en-US" sz="1600" dirty="0"/>
+          </a:p>
+        </p:txBody>
+      </p:sp>
+      <p:sp>
+        <p:nvSpPr>
+          <p:cNvPr id="10" name="テキスト ボックス 9">
+            <a:extLst>
+              <a:ext uri="{FF2B5EF4-FFF2-40B4-BE49-F238E27FC236}">
+                <a16:creationId xmlns:a16="http://schemas.microsoft.com/office/drawing/2014/main" id="{C1BD8B8E-31E9-76AF-57D8-C3E1352A9E74}"/>
+              </a:ext>
+            </a:extLst>
+          </p:cNvPr>
+          <p:cNvSpPr txBox="1"/>
+          <p:nvPr/>
+        </p:nvSpPr>
+        <p:spPr>
+          <a:xfrm>
+            <a:off x="1186856" y="5355297"/>
+            <a:ext cx="2339102" cy="523220"/>
+          </a:xfrm>
+          <a:prstGeom prst="rect">
+            <a:avLst/>
+          </a:prstGeom>
+          <a:noFill/>
+        </p:spPr>
+        <p:txBody>
+          <a:bodyPr wrap="none" rtlCol="0">
+            <a:spAutoFit/>
+          </a:bodyPr>
+          <a:lstStyle/>
+          <a:p>
+            <a:r>
+              <a:rPr kumimoji="1" lang="ja-JP" altLang="en-US" sz="2800" dirty="0"/>
+              <a:t>本発表の目的</a:t>
+            </a:r>
+          </a:p>
+        </p:txBody>
+      </p:sp>
+      <mc:AlternateContent xmlns:mc="http://schemas.openxmlformats.org/markup-compatibility/2006">
+        <mc:Choice xmlns:a14="http://schemas.microsoft.com/office/drawing/2010/main" Requires="a14">
+          <p:sp>
+            <p:nvSpPr>
+              <p:cNvPr id="11" name="テキスト ボックス 10">
+                <a:extLst>
+                  <a:ext uri="{FF2B5EF4-FFF2-40B4-BE49-F238E27FC236}">
+                    <a16:creationId xmlns:a16="http://schemas.microsoft.com/office/drawing/2014/main" id="{B915D0F1-9E2D-88C2-CB36-E2B8A60B98D5}"/>
+                  </a:ext>
+                </a:extLst>
+              </p:cNvPr>
+              <p:cNvSpPr txBox="1"/>
+              <p:nvPr/>
+            </p:nvSpPr>
+            <p:spPr>
+              <a:xfrm>
+                <a:off x="1699973" y="5905852"/>
+                <a:ext cx="6300123" cy="830997"/>
+              </a:xfrm>
+              <a:prstGeom prst="rect">
+                <a:avLst/>
+              </a:prstGeom>
+              <a:noFill/>
+            </p:spPr>
+            <p:txBody>
+              <a:bodyPr wrap="none" rtlCol="0">
+                <a:spAutoFit/>
+              </a:bodyPr>
+              <a:lstStyle/>
+              <a:p>
+                <a:r>
+                  <a:rPr lang="en-US" altLang="ja-JP" sz="2400" dirty="0"/>
+                  <a:t> CO </a:t>
+                </a:r>
+                <a:r>
+                  <a:rPr lang="ja-JP" altLang="en-US" sz="2400" dirty="0"/>
+                  <a:t>分子と</a:t>
+                </a:r>
+                <a:r>
+                  <a:rPr lang="en-US" altLang="ja-JP" sz="2400" dirty="0"/>
+                  <a:t> </a:t>
+                </a:r>
+                <a14:m>
+                  <m:oMath xmlns:m="http://schemas.openxmlformats.org/officeDocument/2006/math">
+                    <m:sSub>
+                      <m:sSubPr>
+                        <m:ctrlPr>
+                          <a:rPr lang="en-US" altLang="ja-JP" sz="2400" i="0" dirty="0" smtClean="0">
+                            <a:latin typeface="Cambria Math" panose="02040503050406030204" pitchFamily="18" charset="0"/>
+                          </a:rPr>
+                        </m:ctrlPr>
+                      </m:sSubPr>
+                      <m:e>
+                        <m:r>
+                          <m:rPr>
+                            <m:sty m:val="p"/>
+                          </m:rPr>
+                          <a:rPr lang="en-US" altLang="ja-JP" sz="2400" i="0" dirty="0" smtClean="0">
+                            <a:latin typeface="Cambria Math" panose="02040503050406030204" pitchFamily="18" charset="0"/>
+                          </a:rPr>
+                          <m:t>H</m:t>
+                        </m:r>
+                      </m:e>
+                      <m:sub>
+                        <m:r>
+                          <a:rPr lang="en-US" altLang="ja-JP" sz="2400" i="0" dirty="0" smtClean="0">
+                            <a:latin typeface="Cambria Math" panose="02040503050406030204" pitchFamily="18" charset="0"/>
+                          </a:rPr>
+                          <m:t>2</m:t>
+                        </m:r>
+                      </m:sub>
+                    </m:sSub>
+                    <m:r>
+                      <m:rPr>
+                        <m:sty m:val="p"/>
+                      </m:rPr>
+                      <a:rPr lang="en-US" altLang="ja-JP" sz="2400" i="0" dirty="0" smtClean="0">
+                        <a:latin typeface="Cambria Math" panose="02040503050406030204" pitchFamily="18" charset="0"/>
+                      </a:rPr>
+                      <m:t>O</m:t>
+                    </m:r>
+                    <m:r>
+                      <a:rPr lang="en-US" altLang="ja-JP" sz="2400" i="0" dirty="0" smtClean="0">
+                        <a:latin typeface="Cambria Math" panose="02040503050406030204" pitchFamily="18" charset="0"/>
+                      </a:rPr>
+                      <m:t> </m:t>
+                    </m:r>
+                  </m:oMath>
+                </a14:m>
+                <a:r>
+                  <a:rPr lang="ja-JP" altLang="en-US" sz="2400" dirty="0"/>
+                  <a:t>分子の吸着エネルギー及び</a:t>
+                </a:r>
+                <a:endParaRPr lang="en-US" altLang="ja-JP" sz="2400" dirty="0"/>
+              </a:p>
+              <a:p>
+                <a:r>
+                  <a:rPr lang="en-US" altLang="ja-JP" sz="2400" dirty="0"/>
+                  <a:t> CO </a:t>
+                </a:r>
+                <a:r>
+                  <a:rPr lang="ja-JP" altLang="en-US" sz="2400" dirty="0"/>
+                  <a:t>分子と</a:t>
+                </a:r>
+                <a:r>
+                  <a:rPr lang="en-US" altLang="ja-JP" sz="2400" dirty="0"/>
+                  <a:t> H </a:t>
+                </a:r>
+                <a:r>
+                  <a:rPr lang="ja-JP" altLang="en-US" sz="2400" dirty="0"/>
+                  <a:t>原子の反応を調べる。</a:t>
+                </a:r>
+                <a:endParaRPr kumimoji="1" lang="ja-JP" altLang="en-US" sz="1600" dirty="0"/>
+              </a:p>
+            </p:txBody>
+          </p:sp>
+        </mc:Choice>
+        <mc:Fallback>
+          <p:sp>
+            <p:nvSpPr>
+              <p:cNvPr id="11" name="テキスト ボックス 10">
+                <a:extLst>
+                  <a:ext uri="{FF2B5EF4-FFF2-40B4-BE49-F238E27FC236}">
+                    <a16:creationId xmlns:a16="http://schemas.microsoft.com/office/drawing/2014/main" id="{B915D0F1-9E2D-88C2-CB36-E2B8A60B98D5}"/>
+                  </a:ext>
+                </a:extLst>
+              </p:cNvPr>
+              <p:cNvSpPr txBox="1">
+                <a:spLocks noRot="1" noChangeAspect="1" noMove="1" noResize="1" noEditPoints="1" noAdjustHandles="1" noChangeArrowheads="1" noChangeShapeType="1" noTextEdit="1"/>
+              </p:cNvSpPr>
+              <p:nvPr/>
+            </p:nvSpPr>
+            <p:spPr>
+              <a:xfrm>
+                <a:off x="1699973" y="5905852"/>
+                <a:ext cx="6300123" cy="830997"/>
+              </a:xfrm>
+              <a:prstGeom prst="rect">
+                <a:avLst/>
+              </a:prstGeom>
+              <a:blipFill>
+                <a:blip r:embed="rId7"/>
+                <a:stretch>
+                  <a:fillRect l="-194" t="-5882" b="-16176"/>
+                </a:stretch>
+              </a:blipFill>
+            </p:spPr>
+            <p:txBody>
+              <a:bodyPr/>
+              <a:lstStyle/>
+              <a:p>
+                <a:r>
+                  <a:rPr lang="ja-JP" altLang="en-US">
+                    <a:noFill/>
+                  </a:rPr>
+                  <a:t> </a:t>
+                </a:r>
+              </a:p>
+            </p:txBody>
+          </p:sp>
+        </mc:Fallback>
+      </mc:AlternateContent>
     </p:spTree>
     <p:extLst>
       <p:ext uri="{BB962C8B-B14F-4D97-AF65-F5344CB8AC3E}">
@@ -5092,7 +9614,7 @@
           <p:cNvPr id="2" name="标题 1">
             <a:extLst>
               <a:ext uri="{FF2B5EF4-FFF2-40B4-BE49-F238E27FC236}">
-                <a16:creationId xmlns:a16="http://schemas.microsoft.com/office/drawing/2014/main" id="{813EA518-1F7E-D2C2-643C-BF3A1044B6C4}"/>
+                <a16:creationId xmlns:a16="http://schemas.microsoft.com/office/drawing/2014/main" id="{AB087581-4BFF-E93F-C7F6-3C05B7F3BEFC}"/>
               </a:ext>
             </a:extLst>
           </p:cNvPr>
@@ -5108,77 +9630,179 @@
           <a:bodyPr/>
           <a:lstStyle/>
           <a:p>
-            <a:endParaRPr lang="zh-CN" altLang="en-US"/>
-          </a:p>
-        </p:txBody>
-      </p:sp>
-      <p:sp>
-        <p:nvSpPr>
-          <p:cNvPr id="3" name="内容占位符 2">
-            <a:extLst>
-              <a:ext uri="{FF2B5EF4-FFF2-40B4-BE49-F238E27FC236}">
-                <a16:creationId xmlns:a16="http://schemas.microsoft.com/office/drawing/2014/main" id="{F99B529B-B61F-9989-A2CF-91E9B5074EC5}"/>
-              </a:ext>
-            </a:extLst>
-          </p:cNvPr>
-          <p:cNvSpPr>
-            <a:spLocks noGrp="1"/>
-          </p:cNvSpPr>
-          <p:nvPr>
-            <p:ph idx="1"/>
-          </p:nvPr>
-        </p:nvSpPr>
-        <p:spPr/>
-        <p:txBody>
-          <a:bodyPr/>
-          <a:lstStyle/>
-          <a:p>
             <a:r>
               <a:rPr lang="ja-JP" altLang="en-US" dirty="0"/>
-              <a:t>本実験では、</a:t>
-            </a:r>
-            <a:r>
-              <a:rPr lang="en-US" altLang="ja-JP" dirty="0"/>
-              <a:t> CO </a:t>
-            </a:r>
-            <a:r>
-              <a:rPr lang="ja-JP" altLang="en-US" dirty="0"/>
-              <a:t>分子と</a:t>
-            </a:r>
-            <a:r>
-              <a:rPr lang="en-US" altLang="ja-JP" dirty="0"/>
-              <a:t> H_2O </a:t>
-            </a:r>
-            <a:r>
-              <a:rPr lang="ja-JP" altLang="en-US" dirty="0"/>
-              <a:t>分子の吸着エネルギー及び</a:t>
-            </a:r>
-            <a:r>
-              <a:rPr lang="en-US" altLang="ja-JP" dirty="0"/>
-              <a:t> CO </a:t>
-            </a:r>
-            <a:r>
-              <a:rPr lang="ja-JP" altLang="en-US" dirty="0"/>
-              <a:t>分子と</a:t>
-            </a:r>
-            <a:r>
-              <a:rPr lang="en-US" altLang="ja-JP" dirty="0"/>
-              <a:t> H </a:t>
-            </a:r>
-            <a:r>
-              <a:rPr lang="ja-JP" altLang="en-US" dirty="0"/>
-              <a:t>原子の反応を調べる。</a:t>
-            </a:r>
-          </a:p>
-          <a:p>
+              <a:t>研究内容</a:t>
+            </a:r>
             <a:endParaRPr lang="zh-CN" altLang="en-US" dirty="0"/>
           </a:p>
         </p:txBody>
       </p:sp>
+      <mc:AlternateContent xmlns:mc="http://schemas.openxmlformats.org/markup-compatibility/2006">
+        <mc:Choice xmlns:a14="http://schemas.microsoft.com/office/drawing/2010/main" Requires="a14">
+          <p:sp>
+            <p:nvSpPr>
+              <p:cNvPr id="3" name="内容占位符 2">
+                <a:extLst>
+                  <a:ext uri="{FF2B5EF4-FFF2-40B4-BE49-F238E27FC236}">
+                    <a16:creationId xmlns:a16="http://schemas.microsoft.com/office/drawing/2014/main" id="{9A7AA8B3-0F8F-80EE-902C-8BD5326720BA}"/>
+                  </a:ext>
+                </a:extLst>
+              </p:cNvPr>
+              <p:cNvSpPr>
+                <a:spLocks noGrp="1"/>
+              </p:cNvSpPr>
+              <p:nvPr>
+                <p:ph idx="1"/>
+              </p:nvPr>
+            </p:nvSpPr>
+            <p:spPr/>
+            <p:txBody>
+              <a:bodyPr/>
+              <a:lstStyle/>
+              <a:p>
+                <a:r>
+                  <a:rPr lang="en-US" altLang="ja-JP" dirty="0"/>
+                  <a:t>CO</a:t>
+                </a:r>
+                <a:r>
+                  <a:rPr lang="ja-JP" altLang="en-US" dirty="0"/>
+                  <a:t>分子の分極の計算</a:t>
+                </a:r>
+                <a:endParaRPr lang="en-US" altLang="ja-JP" dirty="0"/>
+              </a:p>
+              <a:p>
+                <a:r>
+                  <a:rPr lang="en-US" altLang="ja-JP" dirty="0"/>
+                  <a:t>CO </a:t>
+                </a:r>
+                <a:r>
+                  <a:rPr lang="ja-JP" altLang="en-US" dirty="0"/>
+                  <a:t>分子と</a:t>
+                </a:r>
+                <a:r>
+                  <a:rPr lang="en-US" altLang="ja-JP" dirty="0"/>
+                  <a:t> </a:t>
+                </a:r>
+                <a14:m>
+                  <m:oMath xmlns:m="http://schemas.openxmlformats.org/officeDocument/2006/math">
+                    <m:sSub>
+                      <m:sSubPr>
+                        <m:ctrlPr>
+                          <a:rPr lang="en-US" altLang="ja-JP" i="0" dirty="0" smtClean="0">
+                            <a:latin typeface="Cambria Math" panose="02040503050406030204" pitchFamily="18" charset="0"/>
+                          </a:rPr>
+                        </m:ctrlPr>
+                      </m:sSubPr>
+                      <m:e>
+                        <m:r>
+                          <m:rPr>
+                            <m:sty m:val="p"/>
+                          </m:rPr>
+                          <a:rPr lang="en-US" altLang="ja-JP" i="0" dirty="0" smtClean="0">
+                            <a:latin typeface="Cambria Math" panose="02040503050406030204" pitchFamily="18" charset="0"/>
+                          </a:rPr>
+                          <m:t>H</m:t>
+                        </m:r>
+                      </m:e>
+                      <m:sub>
+                        <m:r>
+                          <a:rPr lang="en-US" altLang="ja-JP" i="0" dirty="0" smtClean="0">
+                            <a:latin typeface="Cambria Math" panose="02040503050406030204" pitchFamily="18" charset="0"/>
+                          </a:rPr>
+                          <m:t>2</m:t>
+                        </m:r>
+                      </m:sub>
+                    </m:sSub>
+                    <m:r>
+                      <m:rPr>
+                        <m:sty m:val="p"/>
+                      </m:rPr>
+                      <a:rPr lang="en-US" altLang="ja-JP" i="0" dirty="0" smtClean="0">
+                        <a:latin typeface="Cambria Math" panose="02040503050406030204" pitchFamily="18" charset="0"/>
+                      </a:rPr>
+                      <m:t>O</m:t>
+                    </m:r>
+                  </m:oMath>
+                </a14:m>
+                <a:r>
+                  <a:rPr lang="ja-JP" altLang="en-US" dirty="0"/>
+                  <a:t>分子の安定構造を探す</a:t>
+                </a:r>
+                <a:endParaRPr lang="en-US" altLang="ja-JP" dirty="0"/>
+              </a:p>
+              <a:p>
+                <a:r>
+                  <a:rPr lang="ja-JP" altLang="en-US" dirty="0"/>
+                  <a:t>吸着エネルギーを計算する</a:t>
+                </a:r>
+              </a:p>
+              <a:p>
+                <a:r>
+                  <a:rPr lang="en-US" altLang="ja-JP" dirty="0"/>
+                  <a:t> CO </a:t>
+                </a:r>
+                <a:r>
+                  <a:rPr lang="ja-JP" altLang="en-US" dirty="0"/>
+                  <a:t>分子と</a:t>
+                </a:r>
+                <a:r>
+                  <a:rPr lang="en-US" altLang="ja-JP" dirty="0"/>
+                  <a:t> H </a:t>
+                </a:r>
+                <a:r>
+                  <a:rPr lang="ja-JP" altLang="en-US" dirty="0"/>
+                  <a:t>原子の反応の遷移状態を探す</a:t>
+                </a:r>
+                <a:endParaRPr lang="zh-CN" altLang="en-US" dirty="0"/>
+              </a:p>
+            </p:txBody>
+          </p:sp>
+        </mc:Choice>
+        <mc:Fallback>
+          <p:sp>
+            <p:nvSpPr>
+              <p:cNvPr id="3" name="内容占位符 2">
+                <a:extLst>
+                  <a:ext uri="{FF2B5EF4-FFF2-40B4-BE49-F238E27FC236}">
+                    <a16:creationId xmlns:a16="http://schemas.microsoft.com/office/drawing/2014/main" id="{9A7AA8B3-0F8F-80EE-902C-8BD5326720BA}"/>
+                  </a:ext>
+                </a:extLst>
+              </p:cNvPr>
+              <p:cNvSpPr>
+                <a:spLocks noGrp="1" noRot="1" noChangeAspect="1" noMove="1" noResize="1" noEditPoints="1" noAdjustHandles="1" noChangeArrowheads="1" noChangeShapeType="1" noTextEdit="1"/>
+              </p:cNvSpPr>
+              <p:nvPr>
+                <p:ph idx="1"/>
+              </p:nvPr>
+            </p:nvSpPr>
+            <p:spPr>
+              <a:blipFill>
+                <a:blip r:embed="rId2"/>
+                <a:stretch>
+                  <a:fillRect l="-1043" t="-2521"/>
+                </a:stretch>
+              </a:blipFill>
+            </p:spPr>
+            <p:txBody>
+              <a:bodyPr/>
+              <a:lstStyle/>
+              <a:p>
+                <a:r>
+                  <a:rPr lang="ja-JP" altLang="en-US">
+                    <a:noFill/>
+                  </a:rPr>
+                  <a:t> </a:t>
+                </a:r>
+              </a:p>
+            </p:txBody>
+          </p:sp>
+        </mc:Fallback>
+      </mc:AlternateContent>
     </p:spTree>
     <p:extLst>
       <p:ext uri="{BB962C8B-B14F-4D97-AF65-F5344CB8AC3E}">
-        <p14:creationId xmlns:p14="http://schemas.microsoft.com/office/powerpoint/2010/main" val="3324333323"/>
+        <p14:creationId xmlns:p14="http://schemas.microsoft.com/office/powerpoint/2010/main" val="1930887149"/>
       </p:ext>
     </p:extLst>
   </p:cSld>
@@ -5210,7 +9834,7 @@
           <p:cNvPr id="2" name="标题 1">
             <a:extLst>
               <a:ext uri="{FF2B5EF4-FFF2-40B4-BE49-F238E27FC236}">
-                <a16:creationId xmlns:a16="http://schemas.microsoft.com/office/drawing/2014/main" id="{AB087581-4BFF-E93F-C7F6-3C05B7F3BEFC}"/>
+                <a16:creationId xmlns:a16="http://schemas.microsoft.com/office/drawing/2014/main" id="{A303C818-CE85-125A-E0AE-DA81C9E78A9D}"/>
               </a:ext>
             </a:extLst>
           </p:cNvPr>
@@ -5228,7 +9852,7 @@
           <a:p>
             <a:r>
               <a:rPr lang="ja-JP" altLang="en-US" dirty="0"/>
-              <a:t>研究目的</a:t>
+              <a:t>手法</a:t>
             </a:r>
             <a:endParaRPr lang="zh-CN" altLang="en-US" dirty="0"/>
           </a:p>
@@ -5239,7 +9863,7 @@
           <p:cNvPr id="3" name="内容占位符 2">
             <a:extLst>
               <a:ext uri="{FF2B5EF4-FFF2-40B4-BE49-F238E27FC236}">
-                <a16:creationId xmlns:a16="http://schemas.microsoft.com/office/drawing/2014/main" id="{9A7AA8B3-0F8F-80EE-902C-8BD5326720BA}"/>
+                <a16:creationId xmlns:a16="http://schemas.microsoft.com/office/drawing/2014/main" id="{BA3E6F09-6B5C-BDB3-4DFE-DF08428EE88F}"/>
               </a:ext>
             </a:extLst>
           </p:cNvPr>
@@ -5256,53 +9880,116 @@
           <a:lstStyle/>
           <a:p>
             <a:r>
+              <a:rPr lang="en-US" altLang="zh-CN" dirty="0"/>
+              <a:t>DFT</a:t>
+            </a:r>
+            <a:r>
+              <a:rPr lang="zh-CN" altLang="en-US" dirty="0"/>
+              <a:t>法</a:t>
+            </a:r>
+          </a:p>
+          <a:p>
+            <a:r>
+              <a:rPr lang="zh-CN" altLang="en-US" dirty="0"/>
+              <a:t>汎関数</a:t>
+            </a:r>
+            <a:r>
+              <a:rPr lang="en-US" altLang="zh-CN" dirty="0"/>
+              <a:t>:B3LYP </a:t>
+            </a:r>
+          </a:p>
+          <a:p>
+            <a:r>
+              <a:rPr lang="zh-CN" altLang="en-US" dirty="0"/>
+              <a:t>基底関数</a:t>
+            </a:r>
+            <a:r>
+              <a:rPr lang="en-US" altLang="zh-CN" dirty="0"/>
+              <a:t>:6-31G</a:t>
+            </a:r>
+            <a:r>
               <a:rPr lang="ja-JP" altLang="en-US" dirty="0"/>
-              <a:t>吸着エネルギーを計算する</a:t>
-            </a:r>
-          </a:p>
-          <a:p>
+              <a:t> </a:t>
+            </a:r>
             <a:r>
               <a:rPr lang="en-US" altLang="ja-JP" dirty="0"/>
-              <a:t> CO </a:t>
+              <a:t>and</a:t>
             </a:r>
             <a:r>
               <a:rPr lang="ja-JP" altLang="en-US" dirty="0"/>
-              <a:t>分子と</a:t>
-            </a:r>
-            <a:r>
-              <a:rPr lang="en-US" altLang="ja-JP" dirty="0"/>
-              <a:t> H _2  O </a:t>
-            </a:r>
-            <a:r>
-              <a:rPr lang="ja-JP" altLang="en-US" dirty="0"/>
-              <a:t>分子の安定構造を探す</a:t>
-            </a:r>
-          </a:p>
-          <a:p>
-            <a:r>
-              <a:rPr lang="en-US" altLang="ja-JP" dirty="0"/>
-              <a:t> CO </a:t>
-            </a:r>
-            <a:r>
-              <a:rPr lang="ja-JP" altLang="en-US" dirty="0"/>
-              <a:t>分子と</a:t>
-            </a:r>
-            <a:r>
-              <a:rPr lang="en-US" altLang="ja-JP" dirty="0"/>
-              <a:t> H </a:t>
-            </a:r>
-            <a:r>
-              <a:rPr lang="ja-JP" altLang="en-US" dirty="0"/>
-              <a:t>原子の反応の遷移状態を探す</a:t>
+              <a:t> </a:t>
+            </a:r>
+            <a:r>
+              <a:rPr lang="en-US" altLang="zh-CN" dirty="0"/>
+              <a:t>6-31G(d , p)</a:t>
             </a:r>
             <a:endParaRPr lang="zh-CN" altLang="en-US" dirty="0"/>
+          </a:p>
+        </p:txBody>
+      </p:sp>
+      <p:sp>
+        <p:nvSpPr>
+          <p:cNvPr id="4" name="テキスト ボックス 3">
+            <a:extLst>
+              <a:ext uri="{FF2B5EF4-FFF2-40B4-BE49-F238E27FC236}">
+                <a16:creationId xmlns:a16="http://schemas.microsoft.com/office/drawing/2014/main" id="{9241C5BE-5598-7680-55F7-63025F72ADDE}"/>
+              </a:ext>
+            </a:extLst>
+          </p:cNvPr>
+          <p:cNvSpPr txBox="1"/>
+          <p:nvPr/>
+        </p:nvSpPr>
+        <p:spPr>
+          <a:xfrm>
+            <a:off x="1092017" y="3828639"/>
+            <a:ext cx="6117380" cy="830997"/>
+          </a:xfrm>
+          <a:prstGeom prst="rect">
+            <a:avLst/>
+          </a:prstGeom>
+          <a:noFill/>
+        </p:spPr>
+        <p:txBody>
+          <a:bodyPr wrap="none" rtlCol="0">
+            <a:spAutoFit/>
+          </a:bodyPr>
+          <a:lstStyle/>
+          <a:p>
+            <a:r>
+              <a:rPr kumimoji="1" lang="ja-JP" altLang="en-US" sz="2400" dirty="0"/>
+              <a:t>前回は</a:t>
+            </a:r>
+            <a:r>
+              <a:rPr kumimoji="1" lang="en-US" altLang="ja-JP" sz="2400" dirty="0" err="1"/>
+              <a:t>aug</a:t>
+            </a:r>
+            <a:r>
+              <a:rPr kumimoji="1" lang="en-US" altLang="ja-JP" sz="2400" dirty="0"/>
+              <a:t>-cc-</a:t>
+            </a:r>
+            <a:r>
+              <a:rPr kumimoji="1" lang="en-US" altLang="ja-JP" sz="2400" dirty="0" err="1"/>
+              <a:t>pVDZ</a:t>
+            </a:r>
+            <a:r>
+              <a:rPr kumimoji="1" lang="ja-JP" altLang="en-US" sz="2400" dirty="0"/>
+              <a:t>を使った</a:t>
+            </a:r>
+            <a:endParaRPr kumimoji="1" lang="en-US" altLang="ja-JP" sz="2400" dirty="0"/>
+          </a:p>
+          <a:p>
+            <a:r>
+              <a:rPr kumimoji="1" lang="ja-JP" altLang="en-US" sz="2400" dirty="0"/>
+              <a:t>今回はまず一酸化炭素分子の分極を調べた</a:t>
+            </a:r>
+            <a:endParaRPr kumimoji="1" lang="en-US" altLang="ja-JP" sz="2400" dirty="0"/>
           </a:p>
         </p:txBody>
       </p:sp>
     </p:spTree>
     <p:extLst>
       <p:ext uri="{BB962C8B-B14F-4D97-AF65-F5344CB8AC3E}">
-        <p14:creationId xmlns:p14="http://schemas.microsoft.com/office/powerpoint/2010/main" val="1930887149"/>
+        <p14:creationId xmlns:p14="http://schemas.microsoft.com/office/powerpoint/2010/main" val="1908442246"/>
       </p:ext>
     </p:extLst>
   </p:cSld>
@@ -5331,10 +10018,10 @@
       </p:grpSpPr>
       <p:sp>
         <p:nvSpPr>
-          <p:cNvPr id="2" name="标题 1">
-            <a:extLst>
-              <a:ext uri="{FF2B5EF4-FFF2-40B4-BE49-F238E27FC236}">
-                <a16:creationId xmlns:a16="http://schemas.microsoft.com/office/drawing/2014/main" id="{A303C818-CE85-125A-E0AE-DA81C9E78A9D}"/>
+          <p:cNvPr id="14" name="标题 1">
+            <a:extLst>
+              <a:ext uri="{FF2B5EF4-FFF2-40B4-BE49-F238E27FC236}">
+                <a16:creationId xmlns:a16="http://schemas.microsoft.com/office/drawing/2014/main" id="{DF1E5ACE-8259-676A-B176-47D79ED03B13}"/>
               </a:ext>
             </a:extLst>
           </p:cNvPr>
@@ -5345,76 +10032,755 @@
             <p:ph type="title"/>
           </p:nvPr>
         </p:nvSpPr>
-        <p:spPr/>
+        <p:spPr>
+          <a:xfrm>
+            <a:off x="838200" y="365125"/>
+            <a:ext cx="10515600" cy="1325563"/>
+          </a:xfrm>
+        </p:spPr>
         <p:txBody>
           <a:bodyPr/>
           <a:lstStyle/>
           <a:p>
             <a:r>
+              <a:rPr lang="en-US" altLang="ja-JP" dirty="0"/>
+              <a:t>CO</a:t>
+            </a:r>
+            <a:r>
               <a:rPr lang="ja-JP" altLang="en-US" dirty="0"/>
-              <a:t>手法</a:t>
+              <a:t>分子の電荷分布</a:t>
             </a:r>
             <a:endParaRPr lang="zh-CN" altLang="en-US" dirty="0"/>
           </a:p>
         </p:txBody>
       </p:sp>
-      <p:sp>
-        <p:nvSpPr>
-          <p:cNvPr id="3" name="内容占位符 2">
-            <a:extLst>
-              <a:ext uri="{FF2B5EF4-FFF2-40B4-BE49-F238E27FC236}">
-                <a16:creationId xmlns:a16="http://schemas.microsoft.com/office/drawing/2014/main" id="{BA3E6F09-6B5C-BDB3-4DFE-DF08428EE88F}"/>
-              </a:ext>
-            </a:extLst>
-          </p:cNvPr>
-          <p:cNvSpPr>
-            <a:spLocks noGrp="1"/>
-          </p:cNvSpPr>
-          <p:nvPr>
-            <p:ph idx="1"/>
-          </p:nvPr>
-        </p:nvSpPr>
-        <p:spPr/>
-        <p:txBody>
-          <a:bodyPr/>
+      <p:pic>
+        <p:nvPicPr>
+          <p:cNvPr id="20" name="図 19">
+            <a:extLst>
+              <a:ext uri="{FF2B5EF4-FFF2-40B4-BE49-F238E27FC236}">
+                <a16:creationId xmlns:a16="http://schemas.microsoft.com/office/drawing/2014/main" id="{71FEBB30-F6F3-BB23-33DF-CB73354FA3C0}"/>
+              </a:ext>
+            </a:extLst>
+          </p:cNvPr>
+          <p:cNvPicPr>
+            <a:picLocks noChangeAspect="1"/>
+          </p:cNvPicPr>
+          <p:nvPr/>
+        </p:nvPicPr>
+        <p:blipFill>
+          <a:blip r:embed="rId2">
+            <a:extLst>
+              <a:ext uri="{28A0092B-C50C-407E-A947-70E740481C1C}">
+                <a14:useLocalDpi xmlns:a14="http://schemas.microsoft.com/office/drawing/2010/main" val="0"/>
+              </a:ext>
+            </a:extLst>
+          </a:blip>
+          <a:stretch>
+            <a:fillRect/>
+          </a:stretch>
+        </p:blipFill>
+        <p:spPr>
+          <a:xfrm>
+            <a:off x="3848940" y="2394543"/>
+            <a:ext cx="3226378" cy="2880000"/>
+          </a:xfrm>
+          <a:prstGeom prst="rect">
+            <a:avLst/>
+          </a:prstGeom>
+        </p:spPr>
+      </p:pic>
+      <p:pic>
+        <p:nvPicPr>
+          <p:cNvPr id="22" name="図 21">
+            <a:extLst>
+              <a:ext uri="{FF2B5EF4-FFF2-40B4-BE49-F238E27FC236}">
+                <a16:creationId xmlns:a16="http://schemas.microsoft.com/office/drawing/2014/main" id="{49F8E560-9612-41DB-9D09-BD56541B8777}"/>
+              </a:ext>
+            </a:extLst>
+          </p:cNvPr>
+          <p:cNvPicPr>
+            <a:picLocks noChangeAspect="1"/>
+          </p:cNvPicPr>
+          <p:nvPr/>
+        </p:nvPicPr>
+        <p:blipFill>
+          <a:blip r:embed="rId3">
+            <a:extLst>
+              <a:ext uri="{28A0092B-C50C-407E-A947-70E740481C1C}">
+                <a14:useLocalDpi xmlns:a14="http://schemas.microsoft.com/office/drawing/2010/main" val="0"/>
+              </a:ext>
+            </a:extLst>
+          </a:blip>
+          <a:stretch>
+            <a:fillRect/>
+          </a:stretch>
+        </p:blipFill>
+        <p:spPr>
+          <a:xfrm>
+            <a:off x="7819698" y="2394543"/>
+            <a:ext cx="3226378" cy="2880000"/>
+          </a:xfrm>
+          <a:prstGeom prst="rect">
+            <a:avLst/>
+          </a:prstGeom>
+        </p:spPr>
+      </p:pic>
+      <p:pic>
+        <p:nvPicPr>
+          <p:cNvPr id="24" name="図 23">
+            <a:extLst>
+              <a:ext uri="{FF2B5EF4-FFF2-40B4-BE49-F238E27FC236}">
+                <a16:creationId xmlns:a16="http://schemas.microsoft.com/office/drawing/2014/main" id="{435902C3-8342-82FF-22DE-36D1E5752A27}"/>
+              </a:ext>
+            </a:extLst>
+          </p:cNvPr>
+          <p:cNvPicPr>
+            <a:picLocks noChangeAspect="1"/>
+          </p:cNvPicPr>
+          <p:nvPr/>
+        </p:nvPicPr>
+        <p:blipFill>
+          <a:blip r:embed="rId4">
+            <a:extLst>
+              <a:ext uri="{28A0092B-C50C-407E-A947-70E740481C1C}">
+                <a14:useLocalDpi xmlns:a14="http://schemas.microsoft.com/office/drawing/2010/main" val="0"/>
+              </a:ext>
+            </a:extLst>
+          </a:blip>
+          <a:stretch>
+            <a:fillRect/>
+          </a:stretch>
+        </p:blipFill>
+        <p:spPr>
+          <a:xfrm>
+            <a:off x="1040333" y="2394543"/>
+            <a:ext cx="2363881" cy="2880000"/>
+          </a:xfrm>
+          <a:prstGeom prst="rect">
+            <a:avLst/>
+          </a:prstGeom>
+        </p:spPr>
+      </p:pic>
+      <p:cxnSp>
+        <p:nvCxnSpPr>
+          <p:cNvPr id="26" name="直線矢印コネクタ 25">
+            <a:extLst>
+              <a:ext uri="{FF2B5EF4-FFF2-40B4-BE49-F238E27FC236}">
+                <a16:creationId xmlns:a16="http://schemas.microsoft.com/office/drawing/2014/main" id="{402C2EEB-9CA7-ADD9-29A8-310BCCA7E71C}"/>
+              </a:ext>
+            </a:extLst>
+          </p:cNvPr>
+          <p:cNvCxnSpPr/>
+          <p:nvPr/>
+        </p:nvCxnSpPr>
+        <p:spPr>
+          <a:xfrm>
+            <a:off x="9432887" y="3130653"/>
+            <a:ext cx="0" cy="2143890"/>
+          </a:xfrm>
+          <a:prstGeom prst="straightConnector1">
+            <a:avLst/>
+          </a:prstGeom>
+          <a:ln w="76200">
+            <a:solidFill>
+              <a:srgbClr val="002060"/>
+            </a:solidFill>
+            <a:tailEnd type="triangle"/>
+          </a:ln>
+        </p:spPr>
+        <p:style>
+          <a:lnRef idx="1">
+            <a:schemeClr val="accent1"/>
+          </a:lnRef>
+          <a:fillRef idx="0">
+            <a:schemeClr val="accent1"/>
+          </a:fillRef>
+          <a:effectRef idx="0">
+            <a:schemeClr val="accent1"/>
+          </a:effectRef>
+          <a:fontRef idx="minor">
+            <a:schemeClr val="tx1"/>
+          </a:fontRef>
+        </p:style>
+      </p:cxnSp>
+      <p:sp>
+        <p:nvSpPr>
+          <p:cNvPr id="27" name="テキスト ボックス 26">
+            <a:extLst>
+              <a:ext uri="{FF2B5EF4-FFF2-40B4-BE49-F238E27FC236}">
+                <a16:creationId xmlns:a16="http://schemas.microsoft.com/office/drawing/2014/main" id="{4A8F46EB-8F82-8CCC-BF0B-2A6374E84C0F}"/>
+              </a:ext>
+            </a:extLst>
+          </p:cNvPr>
+          <p:cNvSpPr txBox="1"/>
+          <p:nvPr/>
+        </p:nvSpPr>
+        <p:spPr>
+          <a:xfrm>
+            <a:off x="4547729" y="1737865"/>
+            <a:ext cx="1828800" cy="369332"/>
+          </a:xfrm>
+          <a:prstGeom prst="rect">
+            <a:avLst/>
+          </a:prstGeom>
+          <a:noFill/>
+        </p:spPr>
+        <p:txBody>
+          <a:bodyPr wrap="square" rtlCol="0">
+            <a:spAutoFit/>
+          </a:bodyPr>
           <a:lstStyle/>
           <a:p>
             <a:r>
-              <a:rPr lang="en-US" altLang="zh-CN" dirty="0"/>
-              <a:t>DFT</a:t>
-            </a:r>
-            <a:r>
-              <a:rPr lang="zh-CN" altLang="en-US" dirty="0"/>
-              <a:t>法</a:t>
-            </a:r>
-          </a:p>
-          <a:p>
-            <a:r>
-              <a:rPr lang="zh-CN" altLang="en-US" dirty="0"/>
-              <a:t>汎関数</a:t>
-            </a:r>
-            <a:r>
-              <a:rPr lang="en-US" altLang="zh-CN" dirty="0"/>
-              <a:t>:B3LYP </a:t>
-            </a:r>
-          </a:p>
-          <a:p>
-            <a:r>
-              <a:rPr lang="zh-CN" altLang="en-US" dirty="0"/>
-              <a:t>基底関数</a:t>
-            </a:r>
-            <a:r>
-              <a:rPr lang="en-US" altLang="zh-CN" dirty="0"/>
-              <a:t>:6-31G</a:t>
-            </a:r>
-            <a:endParaRPr lang="zh-CN" altLang="en-US" dirty="0"/>
+              <a:rPr kumimoji="1" lang="en-US" altLang="ja-JP" dirty="0"/>
+              <a:t>CO DFT6-31G</a:t>
+            </a:r>
+          </a:p>
+        </p:txBody>
+      </p:sp>
+      <p:sp>
+        <p:nvSpPr>
+          <p:cNvPr id="28" name="テキスト ボックス 27">
+            <a:extLst>
+              <a:ext uri="{FF2B5EF4-FFF2-40B4-BE49-F238E27FC236}">
+                <a16:creationId xmlns:a16="http://schemas.microsoft.com/office/drawing/2014/main" id="{C2140471-E75F-0445-EEE3-4DE2E80A28FD}"/>
+              </a:ext>
+            </a:extLst>
+          </p:cNvPr>
+          <p:cNvSpPr txBox="1"/>
+          <p:nvPr/>
+        </p:nvSpPr>
+        <p:spPr>
+          <a:xfrm>
+            <a:off x="1132447" y="1745147"/>
+            <a:ext cx="2179651" cy="369332"/>
+          </a:xfrm>
+          <a:prstGeom prst="rect">
+            <a:avLst/>
+          </a:prstGeom>
+          <a:noFill/>
+        </p:spPr>
+        <p:txBody>
+          <a:bodyPr wrap="square" rtlCol="0">
+            <a:spAutoFit/>
+          </a:bodyPr>
+          <a:lstStyle/>
+          <a:p>
+            <a:r>
+              <a:rPr kumimoji="1" lang="en-US" altLang="ja-JP" dirty="0"/>
+              <a:t>HF DFT6-31G(d , p)</a:t>
+            </a:r>
+          </a:p>
+        </p:txBody>
+      </p:sp>
+      <p:sp>
+        <p:nvSpPr>
+          <p:cNvPr id="29" name="テキスト ボックス 28">
+            <a:extLst>
+              <a:ext uri="{FF2B5EF4-FFF2-40B4-BE49-F238E27FC236}">
+                <a16:creationId xmlns:a16="http://schemas.microsoft.com/office/drawing/2014/main" id="{C807F5C9-2D42-2559-85B2-361481A8EED7}"/>
+              </a:ext>
+            </a:extLst>
+          </p:cNvPr>
+          <p:cNvSpPr txBox="1"/>
+          <p:nvPr/>
+        </p:nvSpPr>
+        <p:spPr>
+          <a:xfrm>
+            <a:off x="8343061" y="1741154"/>
+            <a:ext cx="2179651" cy="369332"/>
+          </a:xfrm>
+          <a:prstGeom prst="rect">
+            <a:avLst/>
+          </a:prstGeom>
+          <a:noFill/>
+        </p:spPr>
+        <p:txBody>
+          <a:bodyPr wrap="square" rtlCol="0">
+            <a:spAutoFit/>
+          </a:bodyPr>
+          <a:lstStyle/>
+          <a:p>
+            <a:r>
+              <a:rPr kumimoji="1" lang="en-US" altLang="ja-JP" dirty="0"/>
+              <a:t>CO DFT6-31G(d , p)</a:t>
+            </a:r>
+          </a:p>
+        </p:txBody>
+      </p:sp>
+      <p:sp>
+        <p:nvSpPr>
+          <p:cNvPr id="30" name="テキスト ボックス 29">
+            <a:extLst>
+              <a:ext uri="{FF2B5EF4-FFF2-40B4-BE49-F238E27FC236}">
+                <a16:creationId xmlns:a16="http://schemas.microsoft.com/office/drawing/2014/main" id="{69E76AD5-AA6E-ABF8-389F-CDB7130B2229}"/>
+              </a:ext>
+            </a:extLst>
+          </p:cNvPr>
+          <p:cNvSpPr txBox="1"/>
+          <p:nvPr/>
+        </p:nvSpPr>
+        <p:spPr>
+          <a:xfrm>
+            <a:off x="2081639" y="4403680"/>
+            <a:ext cx="352530" cy="523220"/>
+          </a:xfrm>
+          <a:prstGeom prst="rect">
+            <a:avLst/>
+          </a:prstGeom>
+          <a:noFill/>
+        </p:spPr>
+        <p:txBody>
+          <a:bodyPr wrap="square" rtlCol="0">
+            <a:spAutoFit/>
+          </a:bodyPr>
+          <a:lstStyle/>
+          <a:p>
+            <a:pPr algn="ctr"/>
+            <a:r>
+              <a:rPr lang="en-US" altLang="ja-JP" sz="2800" b="1" dirty="0">
+                <a:effectLst>
+                  <a:glow rad="127000">
+                    <a:schemeClr val="bg1"/>
+                  </a:glow>
+                </a:effectLst>
+              </a:rPr>
+              <a:t>F</a:t>
+            </a:r>
+          </a:p>
+        </p:txBody>
+      </p:sp>
+      <p:sp>
+        <p:nvSpPr>
+          <p:cNvPr id="31" name="テキスト ボックス 30">
+            <a:extLst>
+              <a:ext uri="{FF2B5EF4-FFF2-40B4-BE49-F238E27FC236}">
+                <a16:creationId xmlns:a16="http://schemas.microsoft.com/office/drawing/2014/main" id="{5F1C4D24-F846-42A4-7CF4-A7E3067486E7}"/>
+              </a:ext>
+            </a:extLst>
+          </p:cNvPr>
+          <p:cNvSpPr txBox="1"/>
+          <p:nvPr/>
+        </p:nvSpPr>
+        <p:spPr>
+          <a:xfrm>
+            <a:off x="2081639" y="3413080"/>
+            <a:ext cx="352530" cy="523220"/>
+          </a:xfrm>
+          <a:prstGeom prst="rect">
+            <a:avLst/>
+          </a:prstGeom>
+          <a:noFill/>
+        </p:spPr>
+        <p:txBody>
+          <a:bodyPr wrap="square" rtlCol="0">
+            <a:spAutoFit/>
+          </a:bodyPr>
+          <a:lstStyle/>
+          <a:p>
+            <a:pPr algn="ctr"/>
+            <a:r>
+              <a:rPr lang="en-US" altLang="ja-JP" sz="2800" b="1" dirty="0">
+                <a:effectLst>
+                  <a:glow rad="127000">
+                    <a:schemeClr val="bg1"/>
+                  </a:glow>
+                </a:effectLst>
+              </a:rPr>
+              <a:t>H</a:t>
+            </a:r>
+          </a:p>
+        </p:txBody>
+      </p:sp>
+      <p:sp>
+        <p:nvSpPr>
+          <p:cNvPr id="32" name="テキスト ボックス 31">
+            <a:extLst>
+              <a:ext uri="{FF2B5EF4-FFF2-40B4-BE49-F238E27FC236}">
+                <a16:creationId xmlns:a16="http://schemas.microsoft.com/office/drawing/2014/main" id="{9376D56B-8F46-58A0-CEAA-286EF61F5118}"/>
+              </a:ext>
+            </a:extLst>
+          </p:cNvPr>
+          <p:cNvSpPr txBox="1"/>
+          <p:nvPr/>
+        </p:nvSpPr>
+        <p:spPr>
+          <a:xfrm>
+            <a:off x="5285864" y="4142070"/>
+            <a:ext cx="352530" cy="523220"/>
+          </a:xfrm>
+          <a:prstGeom prst="rect">
+            <a:avLst/>
+          </a:prstGeom>
+          <a:noFill/>
+        </p:spPr>
+        <p:txBody>
+          <a:bodyPr wrap="square" rtlCol="0">
+            <a:spAutoFit/>
+          </a:bodyPr>
+          <a:lstStyle/>
+          <a:p>
+            <a:pPr algn="ctr"/>
+            <a:r>
+              <a:rPr lang="en-US" altLang="ja-JP" sz="2800" b="1" dirty="0">
+                <a:effectLst>
+                  <a:glow rad="127000">
+                    <a:schemeClr val="bg1"/>
+                  </a:glow>
+                </a:effectLst>
+              </a:rPr>
+              <a:t>O</a:t>
+            </a:r>
+          </a:p>
+        </p:txBody>
+      </p:sp>
+      <p:sp>
+        <p:nvSpPr>
+          <p:cNvPr id="33" name="テキスト ボックス 32">
+            <a:extLst>
+              <a:ext uri="{FF2B5EF4-FFF2-40B4-BE49-F238E27FC236}">
+                <a16:creationId xmlns:a16="http://schemas.microsoft.com/office/drawing/2014/main" id="{DABDCF0A-D643-5352-82E8-2C89A746A144}"/>
+              </a:ext>
+            </a:extLst>
+          </p:cNvPr>
+          <p:cNvSpPr txBox="1"/>
+          <p:nvPr/>
+        </p:nvSpPr>
+        <p:spPr>
+          <a:xfrm>
+            <a:off x="5285864" y="2869043"/>
+            <a:ext cx="352530" cy="523220"/>
+          </a:xfrm>
+          <a:prstGeom prst="rect">
+            <a:avLst/>
+          </a:prstGeom>
+          <a:noFill/>
+        </p:spPr>
+        <p:txBody>
+          <a:bodyPr wrap="square" rtlCol="0">
+            <a:spAutoFit/>
+          </a:bodyPr>
+          <a:lstStyle/>
+          <a:p>
+            <a:pPr algn="ctr"/>
+            <a:r>
+              <a:rPr lang="en-US" altLang="ja-JP" sz="2800" b="1" dirty="0">
+                <a:effectLst>
+                  <a:glow rad="127000">
+                    <a:schemeClr val="bg1"/>
+                  </a:glow>
+                </a:effectLst>
+              </a:rPr>
+              <a:t>C</a:t>
+            </a:r>
+          </a:p>
+        </p:txBody>
+      </p:sp>
+      <mc:AlternateContent xmlns:mc="http://schemas.openxmlformats.org/markup-compatibility/2006">
+        <mc:Choice xmlns:a14="http://schemas.microsoft.com/office/drawing/2010/main" Requires="a14">
+          <p:sp>
+            <p:nvSpPr>
+              <p:cNvPr id="34" name="テキスト ボックス 33">
+                <a:extLst>
+                  <a:ext uri="{FF2B5EF4-FFF2-40B4-BE49-F238E27FC236}">
+                    <a16:creationId xmlns:a16="http://schemas.microsoft.com/office/drawing/2014/main" id="{D1F4FD17-D196-B0A6-E864-A971DACBB136}"/>
+                  </a:ext>
+                </a:extLst>
+              </p:cNvPr>
+              <p:cNvSpPr txBox="1"/>
+              <p:nvPr/>
+            </p:nvSpPr>
+            <p:spPr>
+              <a:xfrm>
+                <a:off x="2623836" y="4202598"/>
+                <a:ext cx="352530" cy="369332"/>
+              </a:xfrm>
+              <a:prstGeom prst="rect">
+                <a:avLst/>
+              </a:prstGeom>
+              <a:noFill/>
+              <a:effectLst/>
+            </p:spPr>
+            <p:txBody>
+              <a:bodyPr wrap="square" rtlCol="0">
+                <a:spAutoFit/>
+              </a:bodyPr>
+              <a:lstStyle/>
+              <a:p>
+                <a:pPr algn="ctr"/>
+                <a14:m>
+                  <m:oMathPara xmlns:m="http://schemas.openxmlformats.org/officeDocument/2006/math">
+                    <m:oMathParaPr>
+                      <m:jc m:val="centerGroup"/>
+                    </m:oMathParaPr>
+                    <m:oMath xmlns:m="http://schemas.openxmlformats.org/officeDocument/2006/math">
+                      <m:r>
+                        <a:rPr lang="en-US" altLang="ja-JP" b="0" i="1" dirty="0" smtClean="0">
+                          <a:effectLst>
+                            <a:glow rad="127000">
+                              <a:schemeClr val="bg1"/>
+                            </a:glow>
+                          </a:effectLst>
+                          <a:latin typeface="Cambria Math" panose="02040503050406030204" pitchFamily="18" charset="0"/>
+                        </a:rPr>
+                        <m:t>−</m:t>
+                      </m:r>
+                      <m:r>
+                        <a:rPr lang="en-US" altLang="ja-JP" b="0" i="1" dirty="0" smtClean="0">
+                          <a:effectLst>
+                            <a:glow rad="127000">
+                              <a:schemeClr val="bg1"/>
+                            </a:glow>
+                          </a:effectLst>
+                          <a:latin typeface="Cambria Math" panose="02040503050406030204" pitchFamily="18" charset="0"/>
+                        </a:rPr>
+                        <m:t>𝛿</m:t>
+                      </m:r>
+                    </m:oMath>
+                  </m:oMathPara>
+                </a14:m>
+                <a:endParaRPr lang="en-US" altLang="ja-JP" dirty="0">
+                  <a:effectLst>
+                    <a:glow rad="127000">
+                      <a:schemeClr val="bg1"/>
+                    </a:glow>
+                  </a:effectLst>
+                </a:endParaRPr>
+              </a:p>
+            </p:txBody>
+          </p:sp>
+        </mc:Choice>
+        <mc:Fallback>
+          <p:sp>
+            <p:nvSpPr>
+              <p:cNvPr id="34" name="テキスト ボックス 33">
+                <a:extLst>
+                  <a:ext uri="{FF2B5EF4-FFF2-40B4-BE49-F238E27FC236}">
+                    <a16:creationId xmlns:a16="http://schemas.microsoft.com/office/drawing/2014/main" id="{D1F4FD17-D196-B0A6-E864-A971DACBB136}"/>
+                  </a:ext>
+                </a:extLst>
+              </p:cNvPr>
+              <p:cNvSpPr txBox="1">
+                <a:spLocks noRot="1" noChangeAspect="1" noMove="1" noResize="1" noEditPoints="1" noAdjustHandles="1" noChangeArrowheads="1" noChangeShapeType="1" noTextEdit="1"/>
+              </p:cNvSpPr>
+              <p:nvPr/>
+            </p:nvSpPr>
+            <p:spPr>
+              <a:xfrm>
+                <a:off x="2623836" y="4202598"/>
+                <a:ext cx="352530" cy="369332"/>
+              </a:xfrm>
+              <a:prstGeom prst="rect">
+                <a:avLst/>
+              </a:prstGeom>
+              <a:blipFill>
+                <a:blip r:embed="rId5"/>
+                <a:stretch>
+                  <a:fillRect l="-25862" r="-20690" b="-6557"/>
+                </a:stretch>
+              </a:blipFill>
+              <a:effectLst/>
+            </p:spPr>
+            <p:txBody>
+              <a:bodyPr/>
+              <a:lstStyle/>
+              <a:p>
+                <a:r>
+                  <a:rPr lang="ja-JP" altLang="en-US">
+                    <a:noFill/>
+                  </a:rPr>
+                  <a:t> </a:t>
+                </a:r>
+              </a:p>
+            </p:txBody>
+          </p:sp>
+        </mc:Fallback>
+      </mc:AlternateContent>
+      <p:sp>
+        <p:nvSpPr>
+          <p:cNvPr id="35" name="テキスト ボックス 34">
+            <a:extLst>
+              <a:ext uri="{FF2B5EF4-FFF2-40B4-BE49-F238E27FC236}">
+                <a16:creationId xmlns:a16="http://schemas.microsoft.com/office/drawing/2014/main" id="{7954B9EC-061B-8E6F-BE81-B102E422A103}"/>
+              </a:ext>
+            </a:extLst>
+          </p:cNvPr>
+          <p:cNvSpPr txBox="1"/>
+          <p:nvPr/>
+        </p:nvSpPr>
+        <p:spPr>
+          <a:xfrm>
+            <a:off x="838200" y="5741923"/>
+            <a:ext cx="8052707" cy="369332"/>
+          </a:xfrm>
+          <a:prstGeom prst="rect">
+            <a:avLst/>
+          </a:prstGeom>
+          <a:noFill/>
+        </p:spPr>
+        <p:txBody>
+          <a:bodyPr wrap="square" rtlCol="0">
+            <a:spAutoFit/>
+          </a:bodyPr>
+          <a:lstStyle/>
+          <a:p>
+            <a:r>
+              <a:rPr kumimoji="1" lang="en-US" altLang="ja-JP" dirty="0"/>
+              <a:t>HF</a:t>
+            </a:r>
+            <a:r>
+              <a:rPr kumimoji="1" lang="ja-JP" altLang="en-US" dirty="0"/>
+              <a:t>分子より双極子モーメントの向きと分極を確認</a:t>
+            </a:r>
+            <a:endParaRPr kumimoji="1" lang="en-US" altLang="ja-JP" dirty="0"/>
+          </a:p>
+        </p:txBody>
+      </p:sp>
+      <p:sp>
+        <p:nvSpPr>
+          <p:cNvPr id="36" name="テキスト ボックス 35">
+            <a:extLst>
+              <a:ext uri="{FF2B5EF4-FFF2-40B4-BE49-F238E27FC236}">
+                <a16:creationId xmlns:a16="http://schemas.microsoft.com/office/drawing/2014/main" id="{387F4446-7C42-D0BE-A32C-ED4B6B51E2D6}"/>
+              </a:ext>
+            </a:extLst>
+          </p:cNvPr>
+          <p:cNvSpPr txBox="1"/>
+          <p:nvPr/>
+        </p:nvSpPr>
+        <p:spPr>
+          <a:xfrm>
+            <a:off x="838200" y="6195319"/>
+            <a:ext cx="8052707" cy="369332"/>
+          </a:xfrm>
+          <a:prstGeom prst="rect">
+            <a:avLst/>
+          </a:prstGeom>
+          <a:noFill/>
+        </p:spPr>
+        <p:txBody>
+          <a:bodyPr wrap="square" rtlCol="0">
+            <a:spAutoFit/>
+          </a:bodyPr>
+          <a:lstStyle/>
+          <a:p>
+            <a:r>
+              <a:rPr kumimoji="1" lang="en-US" altLang="ja-JP" dirty="0"/>
+              <a:t>6-31G</a:t>
+            </a:r>
+            <a:r>
+              <a:rPr kumimoji="1" lang="ja-JP" altLang="en-US" dirty="0"/>
+              <a:t>は実験と逆、実験値を再現するには</a:t>
+            </a:r>
+            <a:r>
+              <a:rPr kumimoji="1" lang="en-US" altLang="ja-JP" dirty="0"/>
+              <a:t>6-31G(d</a:t>
+            </a:r>
+            <a:r>
+              <a:rPr kumimoji="1" lang="ja-JP" altLang="en-US" dirty="0"/>
+              <a:t> </a:t>
+            </a:r>
+            <a:r>
+              <a:rPr kumimoji="1" lang="en-US" altLang="ja-JP" dirty="0"/>
+              <a:t>, p)</a:t>
+            </a:r>
+            <a:r>
+              <a:rPr kumimoji="1" lang="ja-JP" altLang="en-US" dirty="0"/>
+              <a:t>が必要</a:t>
+            </a:r>
+            <a:endParaRPr kumimoji="1" lang="en-US" altLang="ja-JP" dirty="0"/>
+          </a:p>
+        </p:txBody>
+      </p:sp>
+      <p:sp>
+        <p:nvSpPr>
+          <p:cNvPr id="37" name="テキスト ボックス 36">
+            <a:extLst>
+              <a:ext uri="{FF2B5EF4-FFF2-40B4-BE49-F238E27FC236}">
+                <a16:creationId xmlns:a16="http://schemas.microsoft.com/office/drawing/2014/main" id="{3CD0D83D-30C9-F940-E4FB-0BEE5FE03A58}"/>
+              </a:ext>
+            </a:extLst>
+          </p:cNvPr>
+          <p:cNvSpPr txBox="1"/>
+          <p:nvPr/>
+        </p:nvSpPr>
+        <p:spPr>
+          <a:xfrm>
+            <a:off x="9256621" y="2890517"/>
+            <a:ext cx="352530" cy="523220"/>
+          </a:xfrm>
+          <a:prstGeom prst="rect">
+            <a:avLst/>
+          </a:prstGeom>
+          <a:noFill/>
+        </p:spPr>
+        <p:txBody>
+          <a:bodyPr wrap="square" rtlCol="0">
+            <a:spAutoFit/>
+          </a:bodyPr>
+          <a:lstStyle/>
+          <a:p>
+            <a:pPr algn="ctr"/>
+            <a:r>
+              <a:rPr lang="en-US" altLang="ja-JP" sz="2800" b="1" dirty="0">
+                <a:effectLst>
+                  <a:glow rad="127000">
+                    <a:schemeClr val="bg1"/>
+                  </a:glow>
+                </a:effectLst>
+              </a:rPr>
+              <a:t>C</a:t>
+            </a:r>
+          </a:p>
+        </p:txBody>
+      </p:sp>
+      <p:sp>
+        <p:nvSpPr>
+          <p:cNvPr id="38" name="テキスト ボックス 37">
+            <a:extLst>
+              <a:ext uri="{FF2B5EF4-FFF2-40B4-BE49-F238E27FC236}">
+                <a16:creationId xmlns:a16="http://schemas.microsoft.com/office/drawing/2014/main" id="{76BDFCA5-F111-8CA8-A023-D3C852C692C5}"/>
+              </a:ext>
+            </a:extLst>
+          </p:cNvPr>
+          <p:cNvSpPr txBox="1"/>
+          <p:nvPr/>
+        </p:nvSpPr>
+        <p:spPr>
+          <a:xfrm>
+            <a:off x="9256621" y="4117592"/>
+            <a:ext cx="352530" cy="523220"/>
+          </a:xfrm>
+          <a:prstGeom prst="rect">
+            <a:avLst/>
+          </a:prstGeom>
+          <a:noFill/>
+        </p:spPr>
+        <p:txBody>
+          <a:bodyPr wrap="square" rtlCol="0">
+            <a:spAutoFit/>
+          </a:bodyPr>
+          <a:lstStyle/>
+          <a:p>
+            <a:pPr algn="ctr"/>
+            <a:r>
+              <a:rPr lang="en-US" altLang="ja-JP" sz="2800" b="1" dirty="0">
+                <a:effectLst>
+                  <a:glow rad="127000">
+                    <a:schemeClr val="bg1"/>
+                  </a:glow>
+                </a:effectLst>
+              </a:rPr>
+              <a:t>O</a:t>
+            </a:r>
           </a:p>
         </p:txBody>
       </p:sp>
     </p:spTree>
     <p:extLst>
       <p:ext uri="{BB962C8B-B14F-4D97-AF65-F5344CB8AC3E}">
-        <p14:creationId xmlns:p14="http://schemas.microsoft.com/office/powerpoint/2010/main" val="1908442246"/>
+        <p14:creationId xmlns:p14="http://schemas.microsoft.com/office/powerpoint/2010/main" val="2108261950"/>
       </p:ext>
     </p:extLst>
   </p:cSld>
@@ -5470,114 +10836,383 @@
           </a:p>
         </p:txBody>
       </p:sp>
-      <p:sp>
-        <p:nvSpPr>
-          <p:cNvPr id="3" name="内容占位符 2">
-            <a:extLst>
-              <a:ext uri="{FF2B5EF4-FFF2-40B4-BE49-F238E27FC236}">
-                <a16:creationId xmlns:a16="http://schemas.microsoft.com/office/drawing/2014/main" id="{1040150C-AD0A-2E35-D8EC-E7C2727D7B7B}"/>
-              </a:ext>
-            </a:extLst>
-          </p:cNvPr>
-          <p:cNvSpPr>
-            <a:spLocks noGrp="1"/>
-          </p:cNvSpPr>
-          <p:nvPr>
-            <p:ph idx="1"/>
-          </p:nvPr>
-        </p:nvSpPr>
-        <p:spPr/>
-        <p:txBody>
-          <a:bodyPr/>
-          <a:lstStyle/>
-          <a:p>
-            <a:r>
-              <a:rPr lang="en-US" altLang="zh-CN" dirty="0"/>
-              <a:t>1  CO </a:t>
-            </a:r>
-            <a:r>
-              <a:rPr lang="zh-CN" altLang="en-US" dirty="0"/>
-              <a:t>分子及</a:t>
-            </a:r>
-            <a:r>
-              <a:rPr lang="ja-JP" altLang="en-US" dirty="0"/>
-              <a:t>び</a:t>
-            </a:r>
-            <a:r>
-              <a:rPr lang="en-US" altLang="ja-JP" dirty="0"/>
-              <a:t> </a:t>
-            </a:r>
-            <a:r>
-              <a:rPr lang="en-US" altLang="zh-CN" dirty="0"/>
-              <a:t> H _2 O  </a:t>
-            </a:r>
-            <a:r>
-              <a:rPr lang="zh-CN" altLang="en-US" dirty="0"/>
-              <a:t>分子</a:t>
-            </a:r>
-            <a:r>
-              <a:rPr lang="ja-JP" altLang="en-US" dirty="0"/>
-              <a:t>の</a:t>
-            </a:r>
-            <a:r>
-              <a:rPr lang="zh-CN" altLang="en-US" dirty="0"/>
-              <a:t>全</a:t>
-            </a:r>
-            <a:r>
-              <a:rPr lang="ja-JP" altLang="en-US" dirty="0"/>
-              <a:t>エネルギー</a:t>
-            </a:r>
-          </a:p>
-          <a:p>
-            <a:endParaRPr lang="ja-JP" altLang="en-US" dirty="0"/>
-          </a:p>
-          <a:p>
-            <a:r>
-              <a:rPr lang="en-US" altLang="ja-JP" dirty="0"/>
-              <a:t> </a:t>
-            </a:r>
-            <a:r>
-              <a:rPr lang="en-US" altLang="zh-CN" dirty="0"/>
-              <a:t>E_ CO  =-113.33028 </a:t>
-            </a:r>
-          </a:p>
-          <a:p>
-            <a:r>
-              <a:rPr lang="en-US" altLang="zh-CN" dirty="0"/>
-              <a:t>  E_ H_2O   =-76.44464 </a:t>
-            </a:r>
-          </a:p>
-          <a:p>
-            <a:endParaRPr lang="en-US" altLang="zh-CN" dirty="0"/>
-          </a:p>
-          <a:p>
-            <a:pPr marL="0" indent="0">
-              <a:buNone/>
-            </a:pPr>
-            <a:endParaRPr lang="en-US" altLang="zh-CN" dirty="0"/>
-          </a:p>
-          <a:p>
-            <a:r>
-              <a:rPr lang="en-US" altLang="zh-CN" dirty="0"/>
-              <a:t>(</a:t>
-            </a:r>
-            <a:r>
-              <a:rPr lang="zh-CN" altLang="en-US" dirty="0"/>
-              <a:t>単位</a:t>
-            </a:r>
-            <a:r>
-              <a:rPr lang="en-US" altLang="zh-CN" dirty="0"/>
-              <a:t>:Hartree)</a:t>
-            </a:r>
-          </a:p>
-          <a:p>
-            <a:endParaRPr lang="en-US" altLang="zh-CN" dirty="0"/>
-          </a:p>
-          <a:p>
-            <a:endParaRPr lang="zh-CN" altLang="en-US" dirty="0"/>
-          </a:p>
-        </p:txBody>
-      </p:sp>
+      <mc:AlternateContent xmlns:mc="http://schemas.openxmlformats.org/markup-compatibility/2006">
+        <mc:Choice xmlns:a14="http://schemas.microsoft.com/office/drawing/2010/main" Requires="a14">
+          <p:sp>
+            <p:nvSpPr>
+              <p:cNvPr id="3" name="内容占位符 2">
+                <a:extLst>
+                  <a:ext uri="{FF2B5EF4-FFF2-40B4-BE49-F238E27FC236}">
+                    <a16:creationId xmlns:a16="http://schemas.microsoft.com/office/drawing/2014/main" id="{1040150C-AD0A-2E35-D8EC-E7C2727D7B7B}"/>
+                  </a:ext>
+                </a:extLst>
+              </p:cNvPr>
+              <p:cNvSpPr>
+                <a:spLocks noGrp="1"/>
+              </p:cNvSpPr>
+              <p:nvPr>
+                <p:ph idx="1"/>
+              </p:nvPr>
+            </p:nvSpPr>
+            <p:spPr/>
+            <p:txBody>
+              <a:bodyPr/>
+              <a:lstStyle/>
+              <a:p>
+                <a:r>
+                  <a:rPr lang="en-US" altLang="zh-CN" dirty="0"/>
+                  <a:t>1  CO </a:t>
+                </a:r>
+                <a:r>
+                  <a:rPr lang="zh-CN" altLang="en-US" dirty="0"/>
+                  <a:t>分子及</a:t>
+                </a:r>
+                <a:r>
+                  <a:rPr lang="ja-JP" altLang="en-US" dirty="0"/>
+                  <a:t>び</a:t>
+                </a:r>
+                <a:r>
+                  <a:rPr lang="en-US" altLang="ja-JP" dirty="0"/>
+                  <a:t> </a:t>
+                </a:r>
+                <a14:m>
+                  <m:oMath xmlns:m="http://schemas.openxmlformats.org/officeDocument/2006/math">
+                    <m:sSub>
+                      <m:sSubPr>
+                        <m:ctrlPr>
+                          <a:rPr lang="en-US" altLang="ja-JP" i="1" dirty="0" smtClean="0">
+                            <a:latin typeface="Cambria Math" panose="02040503050406030204" pitchFamily="18" charset="0"/>
+                          </a:rPr>
+                        </m:ctrlPr>
+                      </m:sSubPr>
+                      <m:e>
+                        <m:r>
+                          <m:rPr>
+                            <m:sty m:val="p"/>
+                          </m:rPr>
+                          <a:rPr lang="en-US" altLang="ja-JP" i="0" dirty="0" smtClean="0">
+                            <a:latin typeface="Cambria Math" panose="02040503050406030204" pitchFamily="18" charset="0"/>
+                          </a:rPr>
+                          <m:t>H</m:t>
+                        </m:r>
+                      </m:e>
+                      <m:sub>
+                        <m:r>
+                          <a:rPr lang="en-US" altLang="ja-JP" i="0" dirty="0" smtClean="0">
+                            <a:latin typeface="Cambria Math" panose="02040503050406030204" pitchFamily="18" charset="0"/>
+                          </a:rPr>
+                          <m:t>2</m:t>
+                        </m:r>
+                      </m:sub>
+                    </m:sSub>
+                    <m:r>
+                      <m:rPr>
+                        <m:sty m:val="p"/>
+                      </m:rPr>
+                      <a:rPr lang="en-US" altLang="ja-JP" i="0" dirty="0" smtClean="0">
+                        <a:latin typeface="Cambria Math" panose="02040503050406030204" pitchFamily="18" charset="0"/>
+                      </a:rPr>
+                      <m:t>O</m:t>
+                    </m:r>
+                  </m:oMath>
+                </a14:m>
+                <a:r>
+                  <a:rPr lang="zh-CN" altLang="en-US" dirty="0"/>
+                  <a:t>分子</a:t>
+                </a:r>
+                <a:r>
+                  <a:rPr lang="ja-JP" altLang="en-US" dirty="0"/>
+                  <a:t>の</a:t>
+                </a:r>
+                <a:r>
+                  <a:rPr lang="zh-CN" altLang="en-US" dirty="0"/>
+                  <a:t>全</a:t>
+                </a:r>
+                <a:r>
+                  <a:rPr lang="ja-JP" altLang="en-US" dirty="0"/>
+                  <a:t>エネルギー</a:t>
+                </a:r>
+              </a:p>
+              <a:p>
+                <a:endParaRPr lang="ja-JP" altLang="en-US" dirty="0"/>
+              </a:p>
+              <a:p>
+                <a:r>
+                  <a:rPr lang="en-US" altLang="ja-JP" dirty="0"/>
+                  <a:t> </a:t>
+                </a:r>
+                <a14:m>
+                  <m:oMath xmlns:m="http://schemas.openxmlformats.org/officeDocument/2006/math">
+                    <m:sSub>
+                      <m:sSubPr>
+                        <m:ctrlPr>
+                          <a:rPr lang="en-US" altLang="zh-CN" i="1" dirty="0" smtClean="0">
+                            <a:latin typeface="Cambria Math" panose="02040503050406030204" pitchFamily="18" charset="0"/>
+                          </a:rPr>
+                        </m:ctrlPr>
+                      </m:sSubPr>
+                      <m:e>
+                        <m:r>
+                          <m:rPr>
+                            <m:sty m:val="p"/>
+                          </m:rPr>
+                          <a:rPr lang="en-US" altLang="zh-CN" dirty="0">
+                            <a:latin typeface="Cambria Math" panose="02040503050406030204" pitchFamily="18" charset="0"/>
+                          </a:rPr>
+                          <m:t>E</m:t>
+                        </m:r>
+                      </m:e>
+                      <m:sub>
+                        <m:r>
+                          <m:rPr>
+                            <m:sty m:val="p"/>
+                          </m:rPr>
+                          <a:rPr lang="en-US" altLang="zh-CN" dirty="0">
+                            <a:latin typeface="Cambria Math" panose="02040503050406030204" pitchFamily="18" charset="0"/>
+                          </a:rPr>
+                          <m:t>CO</m:t>
+                        </m:r>
+                      </m:sub>
+                    </m:sSub>
+                    <m:r>
+                      <a:rPr lang="en-US" altLang="zh-CN" dirty="0">
+                        <a:latin typeface="Cambria Math" panose="02040503050406030204" pitchFamily="18" charset="0"/>
+                      </a:rPr>
+                      <m:t> </m:t>
+                    </m:r>
+                  </m:oMath>
+                </a14:m>
+                <a:r>
+                  <a:rPr lang="en-US" altLang="zh-CN" dirty="0"/>
+                  <a:t>=-113.30945</a:t>
+                </a:r>
+              </a:p>
+              <a:p>
+                <a:r>
+                  <a:rPr lang="en-US" altLang="zh-CN" dirty="0"/>
+                  <a:t> </a:t>
+                </a:r>
+                <a14:m>
+                  <m:oMath xmlns:m="http://schemas.openxmlformats.org/officeDocument/2006/math">
+                    <m:sSub>
+                      <m:sSubPr>
+                        <m:ctrlPr>
+                          <a:rPr lang="en-US" altLang="zh-CN" i="1" dirty="0">
+                            <a:latin typeface="Cambria Math" panose="02040503050406030204" pitchFamily="18" charset="0"/>
+                          </a:rPr>
+                        </m:ctrlPr>
+                      </m:sSubPr>
+                      <m:e>
+                        <m:r>
+                          <m:rPr>
+                            <m:sty m:val="p"/>
+                          </m:rPr>
+                          <a:rPr lang="en-US" altLang="zh-CN" dirty="0">
+                            <a:latin typeface="Cambria Math" panose="02040503050406030204" pitchFamily="18" charset="0"/>
+                          </a:rPr>
+                          <m:t>E</m:t>
+                        </m:r>
+                      </m:e>
+                      <m:sub>
+                        <m:sSub>
+                          <m:sSubPr>
+                            <m:ctrlPr>
+                              <a:rPr lang="en-US" altLang="ja-JP" i="1" dirty="0">
+                                <a:latin typeface="Cambria Math" panose="02040503050406030204" pitchFamily="18" charset="0"/>
+                              </a:rPr>
+                            </m:ctrlPr>
+                          </m:sSubPr>
+                          <m:e>
+                            <m:r>
+                              <m:rPr>
+                                <m:sty m:val="p"/>
+                              </m:rPr>
+                              <a:rPr lang="en-US" altLang="ja-JP" dirty="0">
+                                <a:latin typeface="Cambria Math" panose="02040503050406030204" pitchFamily="18" charset="0"/>
+                              </a:rPr>
+                              <m:t>H</m:t>
+                            </m:r>
+                          </m:e>
+                          <m:sub>
+                            <m:r>
+                              <a:rPr lang="en-US" altLang="ja-JP" dirty="0">
+                                <a:latin typeface="Cambria Math" panose="02040503050406030204" pitchFamily="18" charset="0"/>
+                              </a:rPr>
+                              <m:t>2</m:t>
+                            </m:r>
+                          </m:sub>
+                        </m:sSub>
+                        <m:r>
+                          <m:rPr>
+                            <m:sty m:val="p"/>
+                          </m:rPr>
+                          <a:rPr lang="en-US" altLang="ja-JP" dirty="0">
+                            <a:latin typeface="Cambria Math" panose="02040503050406030204" pitchFamily="18" charset="0"/>
+                          </a:rPr>
+                          <m:t>O</m:t>
+                        </m:r>
+                      </m:sub>
+                    </m:sSub>
+                    <m:r>
+                      <a:rPr lang="en-US" altLang="ja-JP" i="1" dirty="0">
+                        <a:latin typeface="Cambria Math" panose="02040503050406030204" pitchFamily="18" charset="0"/>
+                      </a:rPr>
+                      <m:t> </m:t>
+                    </m:r>
+                  </m:oMath>
+                </a14:m>
+                <a:r>
+                  <a:rPr lang="en-US" altLang="zh-CN" dirty="0"/>
+                  <a:t>=-76.41974</a:t>
+                </a:r>
+              </a:p>
+              <a:p>
+                <a:endParaRPr lang="en-US" altLang="zh-CN" dirty="0"/>
+              </a:p>
+              <a:p>
+                <a:pPr marL="0" indent="0">
+                  <a:buNone/>
+                </a:pPr>
+                <a:endParaRPr lang="en-US" altLang="zh-CN" dirty="0"/>
+              </a:p>
+              <a:p>
+                <a:pPr marL="0" indent="0">
+                  <a:buNone/>
+                </a:pPr>
+                <a:r>
+                  <a:rPr lang="en-US" altLang="zh-CN" dirty="0"/>
+                  <a:t>(</a:t>
+                </a:r>
+                <a:r>
+                  <a:rPr lang="zh-CN" altLang="en-US" dirty="0"/>
+                  <a:t>単位</a:t>
+                </a:r>
+                <a:r>
+                  <a:rPr lang="en-US" altLang="zh-CN" dirty="0"/>
+                  <a:t>:Hartree)</a:t>
+                </a:r>
+              </a:p>
+              <a:p>
+                <a:endParaRPr lang="en-US" altLang="zh-CN" dirty="0"/>
+              </a:p>
+              <a:p>
+                <a:endParaRPr lang="zh-CN" altLang="en-US" dirty="0"/>
+              </a:p>
+            </p:txBody>
+          </p:sp>
+        </mc:Choice>
+        <mc:Fallback>
+          <p:sp>
+            <p:nvSpPr>
+              <p:cNvPr id="3" name="内容占位符 2">
+                <a:extLst>
+                  <a:ext uri="{FF2B5EF4-FFF2-40B4-BE49-F238E27FC236}">
+                    <a16:creationId xmlns:a16="http://schemas.microsoft.com/office/drawing/2014/main" id="{1040150C-AD0A-2E35-D8EC-E7C2727D7B7B}"/>
+                  </a:ext>
+                </a:extLst>
+              </p:cNvPr>
+              <p:cNvSpPr>
+                <a:spLocks noGrp="1" noRot="1" noChangeAspect="1" noMove="1" noResize="1" noEditPoints="1" noAdjustHandles="1" noChangeArrowheads="1" noChangeShapeType="1" noTextEdit="1"/>
+              </p:cNvSpPr>
+              <p:nvPr>
+                <p:ph idx="1"/>
+              </p:nvPr>
+            </p:nvSpPr>
+            <p:spPr>
+              <a:blipFill>
+                <a:blip r:embed="rId2"/>
+                <a:stretch>
+                  <a:fillRect l="-1217" t="-2521"/>
+                </a:stretch>
+              </a:blipFill>
+            </p:spPr>
+            <p:txBody>
+              <a:bodyPr/>
+              <a:lstStyle/>
+              <a:p>
+                <a:r>
+                  <a:rPr lang="ja-JP" altLang="en-US">
+                    <a:noFill/>
+                  </a:rPr>
+                  <a:t> </a:t>
+                </a:r>
+              </a:p>
+            </p:txBody>
+          </p:sp>
+        </mc:Fallback>
+      </mc:AlternateContent>
+      <p:pic>
+        <p:nvPicPr>
+          <p:cNvPr id="8" name="図 7">
+            <a:extLst>
+              <a:ext uri="{FF2B5EF4-FFF2-40B4-BE49-F238E27FC236}">
+                <a16:creationId xmlns:a16="http://schemas.microsoft.com/office/drawing/2014/main" id="{599B7D8C-DA32-DB2D-684E-9FD21C294CAB}"/>
+              </a:ext>
+            </a:extLst>
+          </p:cNvPr>
+          <p:cNvPicPr>
+            <a:picLocks noChangeAspect="1"/>
+          </p:cNvPicPr>
+          <p:nvPr/>
+        </p:nvPicPr>
+        <p:blipFill>
+          <a:blip r:embed="rId3">
+            <a:extLst>
+              <a:ext uri="{28A0092B-C50C-407E-A947-70E740481C1C}">
+                <a14:useLocalDpi xmlns:a14="http://schemas.microsoft.com/office/drawing/2010/main" val="0"/>
+              </a:ext>
+            </a:extLst>
+          </a:blip>
+          <a:stretch>
+            <a:fillRect/>
+          </a:stretch>
+        </p:blipFill>
+        <p:spPr>
+          <a:xfrm>
+            <a:off x="6432514" y="2526112"/>
+            <a:ext cx="2061049" cy="1800000"/>
+          </a:xfrm>
+          <a:prstGeom prst="rect">
+            <a:avLst/>
+          </a:prstGeom>
+        </p:spPr>
+      </p:pic>
+      <p:pic>
+        <p:nvPicPr>
+          <p:cNvPr id="10" name="図 9">
+            <a:extLst>
+              <a:ext uri="{FF2B5EF4-FFF2-40B4-BE49-F238E27FC236}">
+                <a16:creationId xmlns:a16="http://schemas.microsoft.com/office/drawing/2014/main" id="{1E1652F0-D844-A4BF-4FCE-E7FBF39C4A73}"/>
+              </a:ext>
+            </a:extLst>
+          </p:cNvPr>
+          <p:cNvPicPr>
+            <a:picLocks noChangeAspect="1"/>
+          </p:cNvPicPr>
+          <p:nvPr/>
+        </p:nvPicPr>
+        <p:blipFill>
+          <a:blip r:embed="rId4">
+            <a:extLst>
+              <a:ext uri="{28A0092B-C50C-407E-A947-70E740481C1C}">
+                <a14:useLocalDpi xmlns:a14="http://schemas.microsoft.com/office/drawing/2010/main" val="0"/>
+              </a:ext>
+            </a:extLst>
+          </a:blip>
+          <a:stretch>
+            <a:fillRect/>
+          </a:stretch>
+        </p:blipFill>
+        <p:spPr>
+          <a:xfrm>
+            <a:off x="9138248" y="2526112"/>
+            <a:ext cx="2061050" cy="1800000"/>
+          </a:xfrm>
+          <a:prstGeom prst="rect">
+            <a:avLst/>
+          </a:prstGeom>
+        </p:spPr>
+      </p:pic>
     </p:spTree>
     <p:extLst>
       <p:ext uri="{BB962C8B-B14F-4D97-AF65-F5344CB8AC3E}">
@@ -5608,68 +11243,592 @@
           <a:chExt cx="0" cy="0"/>
         </a:xfrm>
       </p:grpSpPr>
-      <p:sp>
-        <p:nvSpPr>
-          <p:cNvPr id="2" name="标题 1">
-            <a:extLst>
-              <a:ext uri="{FF2B5EF4-FFF2-40B4-BE49-F238E27FC236}">
-                <a16:creationId xmlns:a16="http://schemas.microsoft.com/office/drawing/2014/main" id="{0C2D62AF-FE75-0944-C913-FB4FCCFD4963}"/>
-              </a:ext>
-            </a:extLst>
-          </p:cNvPr>
-          <p:cNvSpPr>
-            <a:spLocks noGrp="1"/>
-          </p:cNvSpPr>
-          <p:nvPr>
-            <p:ph type="title"/>
-          </p:nvPr>
-        </p:nvSpPr>
-        <p:spPr/>
-        <p:txBody>
-          <a:bodyPr/>
+      <p:pic>
+        <p:nvPicPr>
+          <p:cNvPr id="2" name="図 1">
+            <a:extLst>
+              <a:ext uri="{FF2B5EF4-FFF2-40B4-BE49-F238E27FC236}">
+                <a16:creationId xmlns:a16="http://schemas.microsoft.com/office/drawing/2014/main" id="{2D430440-893E-0322-BA82-E1F564AD2688}"/>
+              </a:ext>
+            </a:extLst>
+          </p:cNvPr>
+          <p:cNvPicPr>
+            <a:picLocks noChangeAspect="1"/>
+          </p:cNvPicPr>
+          <p:nvPr/>
+        </p:nvPicPr>
+        <p:blipFill>
+          <a:blip r:embed="rId2">
+            <a:extLst>
+              <a:ext uri="{28A0092B-C50C-407E-A947-70E740481C1C}">
+                <a14:useLocalDpi xmlns:a14="http://schemas.microsoft.com/office/drawing/2010/main" val="0"/>
+              </a:ext>
+            </a:extLst>
+          </a:blip>
+          <a:stretch>
+            <a:fillRect/>
+          </a:stretch>
+        </p:blipFill>
+        <p:spPr>
+          <a:xfrm>
+            <a:off x="390047" y="1825625"/>
+            <a:ext cx="2061050" cy="1800000"/>
+          </a:xfrm>
+          <a:prstGeom prst="rect">
+            <a:avLst/>
+          </a:prstGeom>
+        </p:spPr>
+      </p:pic>
+      <p:sp>
+        <p:nvSpPr>
+          <p:cNvPr id="3" name="テキスト ボックス 2">
+            <a:extLst>
+              <a:ext uri="{FF2B5EF4-FFF2-40B4-BE49-F238E27FC236}">
+                <a16:creationId xmlns:a16="http://schemas.microsoft.com/office/drawing/2014/main" id="{29D8F624-0657-AFC8-743C-3DC562E5C58A}"/>
+              </a:ext>
+            </a:extLst>
+          </p:cNvPr>
+          <p:cNvSpPr txBox="1"/>
+          <p:nvPr/>
+        </p:nvSpPr>
+        <p:spPr>
+          <a:xfrm>
+            <a:off x="939510" y="1269635"/>
+            <a:ext cx="962123" cy="461665"/>
+          </a:xfrm>
+          <a:prstGeom prst="rect">
+            <a:avLst/>
+          </a:prstGeom>
+          <a:noFill/>
+        </p:spPr>
+        <p:txBody>
+          <a:bodyPr wrap="none" rtlCol="0">
+            <a:spAutoFit/>
+          </a:bodyPr>
           <a:lstStyle/>
           <a:p>
             <a:r>
-              <a:rPr lang="en-US" altLang="ja-JP" dirty="0"/>
-              <a:t>CO</a:t>
-            </a:r>
-            <a:r>
-              <a:rPr lang="ja-JP" altLang="en-US" dirty="0"/>
-              <a:t>分子の電荷分布</a:t>
-            </a:r>
-            <a:endParaRPr lang="zh-CN" altLang="en-US" dirty="0"/>
-          </a:p>
-        </p:txBody>
-      </p:sp>
-      <p:sp>
-        <p:nvSpPr>
-          <p:cNvPr id="3" name="内容占位符 2">
-            <a:extLst>
-              <a:ext uri="{FF2B5EF4-FFF2-40B4-BE49-F238E27FC236}">
-                <a16:creationId xmlns:a16="http://schemas.microsoft.com/office/drawing/2014/main" id="{2B37316B-7C10-44C3-C7CD-2172325781F4}"/>
-              </a:ext>
-            </a:extLst>
-          </p:cNvPr>
-          <p:cNvSpPr>
-            <a:spLocks noGrp="1"/>
-          </p:cNvSpPr>
-          <p:nvPr>
-            <p:ph idx="1"/>
-          </p:nvPr>
-        </p:nvSpPr>
-        <p:spPr/>
-        <p:txBody>
-          <a:bodyPr/>
+              <a:rPr kumimoji="1" lang="ja-JP" altLang="en-US" sz="2400" dirty="0"/>
+              <a:t>構造</a:t>
+            </a:r>
+            <a:r>
+              <a:rPr kumimoji="1" lang="en-US" altLang="ja-JP" sz="2400" dirty="0"/>
+              <a:t>1</a:t>
+            </a:r>
+            <a:endParaRPr kumimoji="1" lang="ja-JP" altLang="en-US" sz="2400" dirty="0"/>
+          </a:p>
+        </p:txBody>
+      </p:sp>
+      <p:pic>
+        <p:nvPicPr>
+          <p:cNvPr id="4" name="図 3">
+            <a:extLst>
+              <a:ext uri="{FF2B5EF4-FFF2-40B4-BE49-F238E27FC236}">
+                <a16:creationId xmlns:a16="http://schemas.microsoft.com/office/drawing/2014/main" id="{1658E4FF-DCB3-9F76-99A0-37995380F05C}"/>
+              </a:ext>
+            </a:extLst>
+          </p:cNvPr>
+          <p:cNvPicPr>
+            <a:picLocks noChangeAspect="1"/>
+          </p:cNvPicPr>
+          <p:nvPr/>
+        </p:nvPicPr>
+        <p:blipFill>
+          <a:blip r:embed="rId3">
+            <a:extLst>
+              <a:ext uri="{28A0092B-C50C-407E-A947-70E740481C1C}">
+                <a14:useLocalDpi xmlns:a14="http://schemas.microsoft.com/office/drawing/2010/main" val="0"/>
+              </a:ext>
+            </a:extLst>
+          </a:blip>
+          <a:stretch>
+            <a:fillRect/>
+          </a:stretch>
+        </p:blipFill>
+        <p:spPr>
+          <a:xfrm>
+            <a:off x="3420843" y="1825625"/>
+            <a:ext cx="2061050" cy="1800000"/>
+          </a:xfrm>
+          <a:prstGeom prst="rect">
+            <a:avLst/>
+          </a:prstGeom>
+        </p:spPr>
+      </p:pic>
+      <p:sp>
+        <p:nvSpPr>
+          <p:cNvPr id="5" name="テキスト ボックス 4">
+            <a:extLst>
+              <a:ext uri="{FF2B5EF4-FFF2-40B4-BE49-F238E27FC236}">
+                <a16:creationId xmlns:a16="http://schemas.microsoft.com/office/drawing/2014/main" id="{52B62616-7BFA-E61A-1DA2-A2599029271E}"/>
+              </a:ext>
+            </a:extLst>
+          </p:cNvPr>
+          <p:cNvSpPr txBox="1"/>
+          <p:nvPr/>
+        </p:nvSpPr>
+        <p:spPr>
+          <a:xfrm>
+            <a:off x="3970307" y="1269635"/>
+            <a:ext cx="962123" cy="461665"/>
+          </a:xfrm>
+          <a:prstGeom prst="rect">
+            <a:avLst/>
+          </a:prstGeom>
+          <a:noFill/>
+        </p:spPr>
+        <p:txBody>
+          <a:bodyPr wrap="none" rtlCol="0">
+            <a:spAutoFit/>
+          </a:bodyPr>
           <a:lstStyle/>
           <a:p>
-            <a:endParaRPr lang="zh-CN" altLang="en-US" dirty="0"/>
+            <a:r>
+              <a:rPr kumimoji="1" lang="ja-JP" altLang="en-US" sz="2400" dirty="0"/>
+              <a:t>構造</a:t>
+            </a:r>
+            <a:r>
+              <a:rPr kumimoji="1" lang="en-US" altLang="ja-JP" sz="2400" dirty="0"/>
+              <a:t>2</a:t>
+            </a:r>
+            <a:endParaRPr kumimoji="1" lang="ja-JP" altLang="en-US" sz="2400" dirty="0"/>
+          </a:p>
+        </p:txBody>
+      </p:sp>
+      <p:pic>
+        <p:nvPicPr>
+          <p:cNvPr id="6" name="図 5">
+            <a:extLst>
+              <a:ext uri="{FF2B5EF4-FFF2-40B4-BE49-F238E27FC236}">
+                <a16:creationId xmlns:a16="http://schemas.microsoft.com/office/drawing/2014/main" id="{B67E2A8A-E14E-C608-45CB-8D60B5B062BF}"/>
+              </a:ext>
+            </a:extLst>
+          </p:cNvPr>
+          <p:cNvPicPr>
+            <a:picLocks noChangeAspect="1"/>
+          </p:cNvPicPr>
+          <p:nvPr/>
+        </p:nvPicPr>
+        <p:blipFill>
+          <a:blip r:embed="rId4">
+            <a:extLst>
+              <a:ext uri="{28A0092B-C50C-407E-A947-70E740481C1C}">
+                <a14:useLocalDpi xmlns:a14="http://schemas.microsoft.com/office/drawing/2010/main" val="0"/>
+              </a:ext>
+            </a:extLst>
+          </a:blip>
+          <a:stretch>
+            <a:fillRect/>
+          </a:stretch>
+        </p:blipFill>
+        <p:spPr>
+          <a:xfrm>
+            <a:off x="6451639" y="1825625"/>
+            <a:ext cx="2061050" cy="1800000"/>
+          </a:xfrm>
+          <a:prstGeom prst="rect">
+            <a:avLst/>
+          </a:prstGeom>
+        </p:spPr>
+      </p:pic>
+      <p:sp>
+        <p:nvSpPr>
+          <p:cNvPr id="7" name="テキスト ボックス 6">
+            <a:extLst>
+              <a:ext uri="{FF2B5EF4-FFF2-40B4-BE49-F238E27FC236}">
+                <a16:creationId xmlns:a16="http://schemas.microsoft.com/office/drawing/2014/main" id="{ADC19C2C-D4DB-82F8-DFA5-484858C8B4D3}"/>
+              </a:ext>
+            </a:extLst>
+          </p:cNvPr>
+          <p:cNvSpPr txBox="1"/>
+          <p:nvPr/>
+        </p:nvSpPr>
+        <p:spPr>
+          <a:xfrm>
+            <a:off x="6863165" y="1269635"/>
+            <a:ext cx="962123" cy="461665"/>
+          </a:xfrm>
+          <a:prstGeom prst="rect">
+            <a:avLst/>
+          </a:prstGeom>
+          <a:noFill/>
+        </p:spPr>
+        <p:txBody>
+          <a:bodyPr wrap="none" rtlCol="0">
+            <a:spAutoFit/>
+          </a:bodyPr>
+          <a:lstStyle/>
+          <a:p>
+            <a:r>
+              <a:rPr kumimoji="1" lang="ja-JP" altLang="en-US" sz="2400" dirty="0"/>
+              <a:t>構造</a:t>
+            </a:r>
+            <a:r>
+              <a:rPr kumimoji="1" lang="en-US" altLang="ja-JP" sz="2400" dirty="0"/>
+              <a:t>3</a:t>
+            </a:r>
+            <a:endParaRPr kumimoji="1" lang="ja-JP" altLang="en-US" sz="2400" dirty="0"/>
+          </a:p>
+        </p:txBody>
+      </p:sp>
+      <p:pic>
+        <p:nvPicPr>
+          <p:cNvPr id="9" name="図 8">
+            <a:extLst>
+              <a:ext uri="{FF2B5EF4-FFF2-40B4-BE49-F238E27FC236}">
+                <a16:creationId xmlns:a16="http://schemas.microsoft.com/office/drawing/2014/main" id="{62FBF5FC-4A11-9074-E1DA-983FAF581702}"/>
+              </a:ext>
+            </a:extLst>
+          </p:cNvPr>
+          <p:cNvPicPr>
+            <a:picLocks noChangeAspect="1"/>
+          </p:cNvPicPr>
+          <p:nvPr/>
+        </p:nvPicPr>
+        <p:blipFill>
+          <a:blip r:embed="rId5">
+            <a:extLst>
+              <a:ext uri="{28A0092B-C50C-407E-A947-70E740481C1C}">
+                <a14:useLocalDpi xmlns:a14="http://schemas.microsoft.com/office/drawing/2010/main" val="0"/>
+              </a:ext>
+            </a:extLst>
+          </a:blip>
+          <a:stretch>
+            <a:fillRect/>
+          </a:stretch>
+        </p:blipFill>
+        <p:spPr>
+          <a:xfrm>
+            <a:off x="9482435" y="1825625"/>
+            <a:ext cx="2061050" cy="1800000"/>
+          </a:xfrm>
+          <a:prstGeom prst="rect">
+            <a:avLst/>
+          </a:prstGeom>
+        </p:spPr>
+      </p:pic>
+      <p:sp>
+        <p:nvSpPr>
+          <p:cNvPr id="10" name="テキスト ボックス 9">
+            <a:extLst>
+              <a:ext uri="{FF2B5EF4-FFF2-40B4-BE49-F238E27FC236}">
+                <a16:creationId xmlns:a16="http://schemas.microsoft.com/office/drawing/2014/main" id="{F1522C8A-4DFC-0E89-6C00-B29294BE347F}"/>
+              </a:ext>
+            </a:extLst>
+          </p:cNvPr>
+          <p:cNvSpPr txBox="1"/>
+          <p:nvPr/>
+        </p:nvSpPr>
+        <p:spPr>
+          <a:xfrm>
+            <a:off x="4567377" y="335500"/>
+            <a:ext cx="3057247" cy="584775"/>
+          </a:xfrm>
+          <a:prstGeom prst="rect">
+            <a:avLst/>
+          </a:prstGeom>
+          <a:noFill/>
+        </p:spPr>
+        <p:txBody>
+          <a:bodyPr wrap="none" rtlCol="0">
+            <a:spAutoFit/>
+          </a:bodyPr>
+          <a:lstStyle/>
+          <a:p>
+            <a:pPr algn="ctr"/>
+            <a:r>
+              <a:rPr kumimoji="1" lang="ja-JP" altLang="en-US" sz="3200" b="1" dirty="0"/>
+              <a:t>吸着構造の結果</a:t>
+            </a:r>
+          </a:p>
+        </p:txBody>
+      </p:sp>
+      <p:sp>
+        <p:nvSpPr>
+          <p:cNvPr id="11" name="テキスト ボックス 10">
+            <a:extLst>
+              <a:ext uri="{FF2B5EF4-FFF2-40B4-BE49-F238E27FC236}">
+                <a16:creationId xmlns:a16="http://schemas.microsoft.com/office/drawing/2014/main" id="{4608E99D-3664-3469-8333-B6C49D5B938A}"/>
+              </a:ext>
+            </a:extLst>
+          </p:cNvPr>
+          <p:cNvSpPr txBox="1"/>
+          <p:nvPr/>
+        </p:nvSpPr>
+        <p:spPr>
+          <a:xfrm>
+            <a:off x="558796" y="3979943"/>
+            <a:ext cx="1723549" cy="461665"/>
+          </a:xfrm>
+          <a:prstGeom prst="rect">
+            <a:avLst/>
+          </a:prstGeom>
+          <a:noFill/>
+        </p:spPr>
+        <p:txBody>
+          <a:bodyPr wrap="none" rtlCol="0">
+            <a:spAutoFit/>
+          </a:bodyPr>
+          <a:lstStyle/>
+          <a:p>
+            <a:r>
+              <a:rPr kumimoji="1" lang="ja-JP" altLang="en-US" sz="2400" dirty="0"/>
+              <a:t>エネルギー</a:t>
+            </a:r>
+          </a:p>
+        </p:txBody>
+      </p:sp>
+      <p:sp>
+        <p:nvSpPr>
+          <p:cNvPr id="12" name="テキスト ボックス 11">
+            <a:extLst>
+              <a:ext uri="{FF2B5EF4-FFF2-40B4-BE49-F238E27FC236}">
+                <a16:creationId xmlns:a16="http://schemas.microsoft.com/office/drawing/2014/main" id="{749E918D-AD1F-EE73-EED4-B1657AE0893A}"/>
+              </a:ext>
+            </a:extLst>
+          </p:cNvPr>
+          <p:cNvSpPr txBox="1"/>
+          <p:nvPr/>
+        </p:nvSpPr>
+        <p:spPr>
+          <a:xfrm>
+            <a:off x="3589593" y="3979942"/>
+            <a:ext cx="1723549" cy="461665"/>
+          </a:xfrm>
+          <a:prstGeom prst="rect">
+            <a:avLst/>
+          </a:prstGeom>
+          <a:noFill/>
+        </p:spPr>
+        <p:txBody>
+          <a:bodyPr wrap="none" rtlCol="0">
+            <a:spAutoFit/>
+          </a:bodyPr>
+          <a:lstStyle/>
+          <a:p>
+            <a:r>
+              <a:rPr kumimoji="1" lang="ja-JP" altLang="en-US" sz="2400" dirty="0"/>
+              <a:t>エネルギー</a:t>
+            </a:r>
+          </a:p>
+        </p:txBody>
+      </p:sp>
+      <p:sp>
+        <p:nvSpPr>
+          <p:cNvPr id="13" name="テキスト ボックス 12">
+            <a:extLst>
+              <a:ext uri="{FF2B5EF4-FFF2-40B4-BE49-F238E27FC236}">
+                <a16:creationId xmlns:a16="http://schemas.microsoft.com/office/drawing/2014/main" id="{2C0E6088-E2A8-FE89-D360-2D84F9945BD6}"/>
+              </a:ext>
+            </a:extLst>
+          </p:cNvPr>
+          <p:cNvSpPr txBox="1"/>
+          <p:nvPr/>
+        </p:nvSpPr>
+        <p:spPr>
+          <a:xfrm>
+            <a:off x="6762849" y="3979942"/>
+            <a:ext cx="1723549" cy="461665"/>
+          </a:xfrm>
+          <a:prstGeom prst="rect">
+            <a:avLst/>
+          </a:prstGeom>
+          <a:noFill/>
+        </p:spPr>
+        <p:txBody>
+          <a:bodyPr wrap="none" rtlCol="0">
+            <a:spAutoFit/>
+          </a:bodyPr>
+          <a:lstStyle/>
+          <a:p>
+            <a:r>
+              <a:rPr kumimoji="1" lang="ja-JP" altLang="en-US" sz="2400" dirty="0"/>
+              <a:t>エネルギー</a:t>
+            </a:r>
+          </a:p>
+        </p:txBody>
+      </p:sp>
+      <p:sp>
+        <p:nvSpPr>
+          <p:cNvPr id="14" name="テキスト ボックス 13">
+            <a:extLst>
+              <a:ext uri="{FF2B5EF4-FFF2-40B4-BE49-F238E27FC236}">
+                <a16:creationId xmlns:a16="http://schemas.microsoft.com/office/drawing/2014/main" id="{2F551651-B256-1C71-DC82-92F6D3E9819C}"/>
+              </a:ext>
+            </a:extLst>
+          </p:cNvPr>
+          <p:cNvSpPr txBox="1"/>
+          <p:nvPr/>
+        </p:nvSpPr>
+        <p:spPr>
+          <a:xfrm>
+            <a:off x="9651185" y="3979943"/>
+            <a:ext cx="1723549" cy="461665"/>
+          </a:xfrm>
+          <a:prstGeom prst="rect">
+            <a:avLst/>
+          </a:prstGeom>
+          <a:noFill/>
+        </p:spPr>
+        <p:txBody>
+          <a:bodyPr wrap="none" rtlCol="0">
+            <a:spAutoFit/>
+          </a:bodyPr>
+          <a:lstStyle/>
+          <a:p>
+            <a:r>
+              <a:rPr kumimoji="1" lang="ja-JP" altLang="en-US" sz="2400" dirty="0"/>
+              <a:t>エネルギー</a:t>
+            </a:r>
+          </a:p>
+        </p:txBody>
+      </p:sp>
+      <p:sp>
+        <p:nvSpPr>
+          <p:cNvPr id="18" name="テキスト ボックス 17">
+            <a:extLst>
+              <a:ext uri="{FF2B5EF4-FFF2-40B4-BE49-F238E27FC236}">
+                <a16:creationId xmlns:a16="http://schemas.microsoft.com/office/drawing/2014/main" id="{DAAE0944-A7C7-6F0D-3F90-3BA48F952FD6}"/>
+              </a:ext>
+            </a:extLst>
+          </p:cNvPr>
+          <p:cNvSpPr txBox="1"/>
+          <p:nvPr/>
+        </p:nvSpPr>
+        <p:spPr>
+          <a:xfrm>
+            <a:off x="3584622" y="4433851"/>
+            <a:ext cx="1816523" cy="400110"/>
+          </a:xfrm>
+          <a:prstGeom prst="rect">
+            <a:avLst/>
+          </a:prstGeom>
+          <a:noFill/>
+        </p:spPr>
+        <p:txBody>
+          <a:bodyPr wrap="none" rtlCol="0">
+            <a:spAutoFit/>
+          </a:bodyPr>
+          <a:lstStyle/>
+          <a:p>
+            <a:r>
+              <a:rPr lang="en-US" altLang="zh-CN" sz="2000" dirty="0"/>
+              <a:t>E =-189.73139</a:t>
+            </a:r>
+          </a:p>
+        </p:txBody>
+      </p:sp>
+      <p:sp>
+        <p:nvSpPr>
+          <p:cNvPr id="19" name="テキスト ボックス 18">
+            <a:extLst>
+              <a:ext uri="{FF2B5EF4-FFF2-40B4-BE49-F238E27FC236}">
+                <a16:creationId xmlns:a16="http://schemas.microsoft.com/office/drawing/2014/main" id="{5805882C-DEF3-89A6-14B2-1980D9E3C9A4}"/>
+              </a:ext>
+            </a:extLst>
+          </p:cNvPr>
+          <p:cNvSpPr txBox="1"/>
+          <p:nvPr/>
+        </p:nvSpPr>
+        <p:spPr>
+          <a:xfrm>
+            <a:off x="6762848" y="4433852"/>
+            <a:ext cx="1816523" cy="400110"/>
+          </a:xfrm>
+          <a:prstGeom prst="rect">
+            <a:avLst/>
+          </a:prstGeom>
+          <a:noFill/>
+        </p:spPr>
+        <p:txBody>
+          <a:bodyPr wrap="none" rtlCol="0">
+            <a:spAutoFit/>
+          </a:bodyPr>
+          <a:lstStyle/>
+          <a:p>
+            <a:r>
+              <a:rPr lang="en-US" altLang="zh-CN" sz="2000" dirty="0"/>
+              <a:t>E =-189.73338</a:t>
+            </a:r>
+          </a:p>
+        </p:txBody>
+      </p:sp>
+      <p:sp>
+        <p:nvSpPr>
+          <p:cNvPr id="20" name="テキスト ボックス 19">
+            <a:extLst>
+              <a:ext uri="{FF2B5EF4-FFF2-40B4-BE49-F238E27FC236}">
+                <a16:creationId xmlns:a16="http://schemas.microsoft.com/office/drawing/2014/main" id="{D51074C3-176B-DBD7-55C0-5A3CDAC1A497}"/>
+              </a:ext>
+            </a:extLst>
+          </p:cNvPr>
+          <p:cNvSpPr txBox="1"/>
+          <p:nvPr/>
+        </p:nvSpPr>
+        <p:spPr>
+          <a:xfrm>
+            <a:off x="9651185" y="4437142"/>
+            <a:ext cx="340158" cy="461665"/>
+          </a:xfrm>
+          <a:prstGeom prst="rect">
+            <a:avLst/>
+          </a:prstGeom>
+          <a:noFill/>
+        </p:spPr>
+        <p:txBody>
+          <a:bodyPr wrap="none" rtlCol="0">
+            <a:spAutoFit/>
+          </a:bodyPr>
+          <a:lstStyle/>
+          <a:p>
+            <a:r>
+              <a:rPr kumimoji="1" lang="en-US" altLang="ja-JP" sz="2400" dirty="0"/>
+              <a:t>E</a:t>
+            </a:r>
+            <a:endParaRPr kumimoji="1" lang="ja-JP" altLang="en-US" sz="2400" dirty="0"/>
+          </a:p>
+        </p:txBody>
+      </p:sp>
+      <p:sp>
+        <p:nvSpPr>
+          <p:cNvPr id="21" name="テキスト ボックス 20">
+            <a:extLst>
+              <a:ext uri="{FF2B5EF4-FFF2-40B4-BE49-F238E27FC236}">
+                <a16:creationId xmlns:a16="http://schemas.microsoft.com/office/drawing/2014/main" id="{C18ED27C-C207-E602-D62A-D94ECC2C0C78}"/>
+              </a:ext>
+            </a:extLst>
+          </p:cNvPr>
+          <p:cNvSpPr txBox="1"/>
+          <p:nvPr/>
+        </p:nvSpPr>
+        <p:spPr>
+          <a:xfrm>
+            <a:off x="558796" y="4433850"/>
+            <a:ext cx="1816523" cy="400110"/>
+          </a:xfrm>
+          <a:prstGeom prst="rect">
+            <a:avLst/>
+          </a:prstGeom>
+          <a:noFill/>
+        </p:spPr>
+        <p:txBody>
+          <a:bodyPr wrap="none" rtlCol="0">
+            <a:spAutoFit/>
+          </a:bodyPr>
+          <a:lstStyle/>
+          <a:p>
+            <a:r>
+              <a:rPr lang="en-US" altLang="zh-CN" sz="2000" dirty="0"/>
+              <a:t>E =-189.73327</a:t>
+            </a:r>
+            <a:endParaRPr kumimoji="1" lang="ja-JP" altLang="en-US" sz="1400" dirty="0"/>
           </a:p>
         </p:txBody>
       </p:sp>
     </p:spTree>
     <p:extLst>
       <p:ext uri="{BB962C8B-B14F-4D97-AF65-F5344CB8AC3E}">
-        <p14:creationId xmlns:p14="http://schemas.microsoft.com/office/powerpoint/2010/main" val="1196491698"/>
+        <p14:creationId xmlns:p14="http://schemas.microsoft.com/office/powerpoint/2010/main" val="3630156678"/>
       </p:ext>
     </p:extLst>
   </p:cSld>
@@ -5725,63 +11884,279 @@
           </a:p>
         </p:txBody>
       </p:sp>
-      <p:sp>
-        <p:nvSpPr>
-          <p:cNvPr id="3" name="内容占位符 2">
-            <a:extLst>
-              <a:ext uri="{FF2B5EF4-FFF2-40B4-BE49-F238E27FC236}">
-                <a16:creationId xmlns:a16="http://schemas.microsoft.com/office/drawing/2014/main" id="{EE12A1E4-E327-8FB7-19BD-9AED920AF450}"/>
-              </a:ext>
-            </a:extLst>
-          </p:cNvPr>
-          <p:cNvSpPr>
-            <a:spLocks noGrp="1"/>
-          </p:cNvSpPr>
-          <p:nvPr>
-            <p:ph idx="1"/>
-          </p:nvPr>
-        </p:nvSpPr>
-        <p:spPr/>
-        <p:txBody>
-          <a:bodyPr/>
-          <a:lstStyle/>
-          <a:p>
-            <a:r>
-              <a:rPr lang="en-US" altLang="zh-CN" dirty="0"/>
-              <a:t> E =-189.77577 </a:t>
-            </a:r>
-          </a:p>
-          <a:p>
-            <a:endParaRPr lang="en-US" altLang="zh-CN" dirty="0"/>
-          </a:p>
-          <a:p>
-            <a:r>
-              <a:rPr lang="zh-CN" altLang="en-US" dirty="0"/>
-              <a:t>吸着</a:t>
-            </a:r>
-            <a:r>
-              <a:rPr lang="ja-JP" altLang="en-US" dirty="0"/>
-              <a:t>エネルギー：</a:t>
-            </a:r>
-          </a:p>
-          <a:p>
-            <a:endParaRPr lang="ja-JP" altLang="en-US" dirty="0"/>
-          </a:p>
-          <a:p>
-            <a:r>
-              <a:rPr lang="en-US" altLang="ja-JP" dirty="0"/>
-              <a:t> </a:t>
-            </a:r>
-            <a:r>
-              <a:rPr lang="en-US" altLang="zh-CN" dirty="0"/>
-              <a:t>E_ bonding  =  E -  E_ CO  -  E_ H_2O  =-0.74975  kcal/mol </a:t>
-            </a:r>
-          </a:p>
-          <a:p>
-            <a:endParaRPr lang="zh-CN" altLang="en-US" dirty="0"/>
-          </a:p>
-        </p:txBody>
-      </p:sp>
+      <mc:AlternateContent xmlns:mc="http://schemas.openxmlformats.org/markup-compatibility/2006">
+        <mc:Choice xmlns:a14="http://schemas.microsoft.com/office/drawing/2010/main" Requires="a14">
+          <p:sp>
+            <p:nvSpPr>
+              <p:cNvPr id="3" name="内容占位符 2">
+                <a:extLst>
+                  <a:ext uri="{FF2B5EF4-FFF2-40B4-BE49-F238E27FC236}">
+                    <a16:creationId xmlns:a16="http://schemas.microsoft.com/office/drawing/2014/main" id="{EE12A1E4-E327-8FB7-19BD-9AED920AF450}"/>
+                  </a:ext>
+                </a:extLst>
+              </p:cNvPr>
+              <p:cNvSpPr>
+                <a:spLocks noGrp="1"/>
+              </p:cNvSpPr>
+              <p:nvPr>
+                <p:ph idx="1"/>
+              </p:nvPr>
+            </p:nvSpPr>
+            <p:spPr/>
+            <p:txBody>
+              <a:bodyPr/>
+              <a:lstStyle/>
+              <a:p>
+                <a:r>
+                  <a:rPr lang="en-US" altLang="zh-CN" dirty="0"/>
+                  <a:t> E =-189.73327 </a:t>
+                </a:r>
+              </a:p>
+              <a:p>
+                <a:endParaRPr lang="en-US" altLang="zh-CN" dirty="0"/>
+              </a:p>
+              <a:p>
+                <a:r>
+                  <a:rPr lang="zh-CN" altLang="en-US" dirty="0"/>
+                  <a:t>吸着</a:t>
+                </a:r>
+                <a:r>
+                  <a:rPr lang="ja-JP" altLang="en-US" dirty="0"/>
+                  <a:t>エネルギー：</a:t>
+                </a:r>
+              </a:p>
+              <a:p>
+                <a:endParaRPr lang="ja-JP" altLang="en-US" dirty="0"/>
+              </a:p>
+              <a:p>
+                <a14:m>
+                  <m:oMath xmlns:m="http://schemas.openxmlformats.org/officeDocument/2006/math">
+                    <m:sSub>
+                      <m:sSubPr>
+                        <m:ctrlPr>
+                          <a:rPr lang="en-US" altLang="zh-CN" i="1" dirty="0">
+                            <a:latin typeface="Cambria Math" panose="02040503050406030204" pitchFamily="18" charset="0"/>
+                          </a:rPr>
+                        </m:ctrlPr>
+                      </m:sSubPr>
+                      <m:e>
+                        <m:r>
+                          <m:rPr>
+                            <m:sty m:val="p"/>
+                          </m:rPr>
+                          <a:rPr lang="en-US" altLang="zh-CN" dirty="0">
+                            <a:latin typeface="Cambria Math" panose="02040503050406030204" pitchFamily="18" charset="0"/>
+                          </a:rPr>
+                          <m:t>E</m:t>
+                        </m:r>
+                      </m:e>
+                      <m:sub>
+                        <m:r>
+                          <m:rPr>
+                            <m:sty m:val="p"/>
+                          </m:rPr>
+                          <a:rPr lang="en-US" altLang="zh-CN" dirty="0">
+                            <a:latin typeface="Cambria Math" panose="02040503050406030204" pitchFamily="18" charset="0"/>
+                          </a:rPr>
+                          <m:t>bonding</m:t>
+                        </m:r>
+                      </m:sub>
+                    </m:sSub>
+                  </m:oMath>
+                </a14:m>
+                <a:r>
+                  <a:rPr lang="en-US" altLang="zh-CN" dirty="0"/>
+                  <a:t>=E-</a:t>
+                </a:r>
+                <a14:m>
+                  <m:oMath xmlns:m="http://schemas.openxmlformats.org/officeDocument/2006/math">
+                    <m:sSub>
+                      <m:sSubPr>
+                        <m:ctrlPr>
+                          <a:rPr lang="en-US" altLang="zh-CN" i="1" dirty="0" smtClean="0">
+                            <a:latin typeface="Cambria Math" panose="02040503050406030204" pitchFamily="18" charset="0"/>
+                          </a:rPr>
+                        </m:ctrlPr>
+                      </m:sSubPr>
+                      <m:e>
+                        <m:r>
+                          <m:rPr>
+                            <m:sty m:val="p"/>
+                          </m:rPr>
+                          <a:rPr lang="en-US" altLang="zh-CN" dirty="0">
+                            <a:latin typeface="Cambria Math" panose="02040503050406030204" pitchFamily="18" charset="0"/>
+                          </a:rPr>
+                          <m:t>E</m:t>
+                        </m:r>
+                      </m:e>
+                      <m:sub>
+                        <m:r>
+                          <m:rPr>
+                            <m:sty m:val="p"/>
+                          </m:rPr>
+                          <a:rPr lang="en-US" altLang="zh-CN" dirty="0">
+                            <a:latin typeface="Cambria Math" panose="02040503050406030204" pitchFamily="18" charset="0"/>
+                          </a:rPr>
+                          <m:t>CO</m:t>
+                        </m:r>
+                      </m:sub>
+                    </m:sSub>
+                  </m:oMath>
+                </a14:m>
+                <a:r>
+                  <a:rPr lang="en-US" altLang="zh-CN" dirty="0"/>
+                  <a:t>-</a:t>
+                </a:r>
+                <a14:m>
+                  <m:oMath xmlns:m="http://schemas.openxmlformats.org/officeDocument/2006/math">
+                    <m:sSub>
+                      <m:sSubPr>
+                        <m:ctrlPr>
+                          <a:rPr lang="en-US" altLang="zh-CN" i="1" dirty="0">
+                            <a:latin typeface="Cambria Math" panose="02040503050406030204" pitchFamily="18" charset="0"/>
+                          </a:rPr>
+                        </m:ctrlPr>
+                      </m:sSubPr>
+                      <m:e>
+                        <m:r>
+                          <m:rPr>
+                            <m:sty m:val="p"/>
+                          </m:rPr>
+                          <a:rPr lang="en-US" altLang="zh-CN" dirty="0">
+                            <a:latin typeface="Cambria Math" panose="02040503050406030204" pitchFamily="18" charset="0"/>
+                          </a:rPr>
+                          <m:t>E</m:t>
+                        </m:r>
+                      </m:e>
+                      <m:sub>
+                        <m:sSub>
+                          <m:sSubPr>
+                            <m:ctrlPr>
+                              <a:rPr lang="en-US" altLang="ja-JP" i="1" dirty="0">
+                                <a:latin typeface="Cambria Math" panose="02040503050406030204" pitchFamily="18" charset="0"/>
+                              </a:rPr>
+                            </m:ctrlPr>
+                          </m:sSubPr>
+                          <m:e>
+                            <m:r>
+                              <m:rPr>
+                                <m:sty m:val="p"/>
+                              </m:rPr>
+                              <a:rPr lang="en-US" altLang="ja-JP" dirty="0">
+                                <a:latin typeface="Cambria Math" panose="02040503050406030204" pitchFamily="18" charset="0"/>
+                              </a:rPr>
+                              <m:t>H</m:t>
+                            </m:r>
+                          </m:e>
+                          <m:sub>
+                            <m:r>
+                              <a:rPr lang="en-US" altLang="ja-JP" dirty="0">
+                                <a:latin typeface="Cambria Math" panose="02040503050406030204" pitchFamily="18" charset="0"/>
+                              </a:rPr>
+                              <m:t>2</m:t>
+                            </m:r>
+                          </m:sub>
+                        </m:sSub>
+                        <m:r>
+                          <m:rPr>
+                            <m:sty m:val="p"/>
+                          </m:rPr>
+                          <a:rPr lang="en-US" altLang="ja-JP" dirty="0">
+                            <a:latin typeface="Cambria Math" panose="02040503050406030204" pitchFamily="18" charset="0"/>
+                          </a:rPr>
+                          <m:t>O</m:t>
+                        </m:r>
+                      </m:sub>
+                    </m:sSub>
+                  </m:oMath>
+                </a14:m>
+                <a:r>
+                  <a:rPr lang="en-US" altLang="zh-CN" dirty="0"/>
+                  <a:t>=2.56061kcal/mol </a:t>
+                </a:r>
+              </a:p>
+              <a:p>
+                <a:endParaRPr lang="zh-CN" altLang="en-US" dirty="0"/>
+              </a:p>
+            </p:txBody>
+          </p:sp>
+        </mc:Choice>
+        <mc:Fallback>
+          <p:sp>
+            <p:nvSpPr>
+              <p:cNvPr id="3" name="内容占位符 2">
+                <a:extLst>
+                  <a:ext uri="{FF2B5EF4-FFF2-40B4-BE49-F238E27FC236}">
+                    <a16:creationId xmlns:a16="http://schemas.microsoft.com/office/drawing/2014/main" id="{EE12A1E4-E327-8FB7-19BD-9AED920AF450}"/>
+                  </a:ext>
+                </a:extLst>
+              </p:cNvPr>
+              <p:cNvSpPr>
+                <a:spLocks noGrp="1" noRot="1" noChangeAspect="1" noMove="1" noResize="1" noEditPoints="1" noAdjustHandles="1" noChangeArrowheads="1" noChangeShapeType="1" noTextEdit="1"/>
+              </p:cNvSpPr>
+              <p:nvPr>
+                <p:ph idx="1"/>
+              </p:nvPr>
+            </p:nvSpPr>
+            <p:spPr>
+              <a:blipFill>
+                <a:blip r:embed="rId2"/>
+                <a:stretch>
+                  <a:fillRect l="-1043" t="-2521"/>
+                </a:stretch>
+              </a:blipFill>
+            </p:spPr>
+            <p:txBody>
+              <a:bodyPr/>
+              <a:lstStyle/>
+              <a:p>
+                <a:r>
+                  <a:rPr lang="ja-JP" altLang="en-US">
+                    <a:noFill/>
+                  </a:rPr>
+                  <a:t> </a:t>
+                </a:r>
+              </a:p>
+            </p:txBody>
+          </p:sp>
+        </mc:Fallback>
+      </mc:AlternateContent>
+      <p:pic>
+        <p:nvPicPr>
+          <p:cNvPr id="5" name="図 4">
+            <a:extLst>
+              <a:ext uri="{FF2B5EF4-FFF2-40B4-BE49-F238E27FC236}">
+                <a16:creationId xmlns:a16="http://schemas.microsoft.com/office/drawing/2014/main" id="{1F8C46FA-55A7-AE46-BA2C-0D02F00DFC1F}"/>
+              </a:ext>
+            </a:extLst>
+          </p:cNvPr>
+          <p:cNvPicPr>
+            <a:picLocks noChangeAspect="1"/>
+          </p:cNvPicPr>
+          <p:nvPr/>
+        </p:nvPicPr>
+        <p:blipFill>
+          <a:blip r:embed="rId3">
+            <a:extLst>
+              <a:ext uri="{28A0092B-C50C-407E-A947-70E740481C1C}">
+                <a14:useLocalDpi xmlns:a14="http://schemas.microsoft.com/office/drawing/2010/main" val="0"/>
+              </a:ext>
+            </a:extLst>
+          </a:blip>
+          <a:stretch>
+            <a:fillRect/>
+          </a:stretch>
+        </p:blipFill>
+        <p:spPr>
+          <a:xfrm>
+            <a:off x="6096000" y="1629000"/>
+            <a:ext cx="2061050" cy="1800000"/>
+          </a:xfrm>
+          <a:prstGeom prst="rect">
+            <a:avLst/>
+          </a:prstGeom>
+        </p:spPr>
+      </p:pic>
     </p:spTree>
     <p:extLst>
       <p:ext uri="{BB962C8B-B14F-4D97-AF65-F5344CB8AC3E}">

--- a/20230623pre.pptx
+++ b/20230623pre.pptx
@@ -4,6 +4,9 @@
   <p:sldMasterIdLst>
     <p:sldMasterId id="2147483648" r:id="rId1"/>
   </p:sldMasterIdLst>
+  <p:notesMasterIdLst>
+    <p:notesMasterId r:id="rId19"/>
+  </p:notesMasterIdLst>
   <p:sldIdLst>
     <p:sldId id="256" r:id="rId2"/>
     <p:sldId id="257" r:id="rId3"/>
@@ -13,20 +16,15 @@
     <p:sldId id="282" r:id="rId7"/>
     <p:sldId id="263" r:id="rId8"/>
     <p:sldId id="279" r:id="rId9"/>
-    <p:sldId id="264" r:id="rId10"/>
-    <p:sldId id="265" r:id="rId11"/>
-    <p:sldId id="261" r:id="rId12"/>
-    <p:sldId id="266" r:id="rId13"/>
-    <p:sldId id="268" r:id="rId14"/>
-    <p:sldId id="281" r:id="rId15"/>
-    <p:sldId id="269" r:id="rId16"/>
-    <p:sldId id="270" r:id="rId17"/>
-    <p:sldId id="271" r:id="rId18"/>
-    <p:sldId id="272" r:id="rId19"/>
-    <p:sldId id="267" r:id="rId20"/>
-    <p:sldId id="273" r:id="rId21"/>
-    <p:sldId id="274" r:id="rId22"/>
-    <p:sldId id="275" r:id="rId23"/>
+    <p:sldId id="266" r:id="rId10"/>
+    <p:sldId id="285" r:id="rId11"/>
+    <p:sldId id="286" r:id="rId12"/>
+    <p:sldId id="281" r:id="rId13"/>
+    <p:sldId id="272" r:id="rId14"/>
+    <p:sldId id="283" r:id="rId15"/>
+    <p:sldId id="267" r:id="rId16"/>
+    <p:sldId id="284" r:id="rId17"/>
+    <p:sldId id="275" r:id="rId18"/>
   </p:sldIdLst>
   <p:sldSz cx="12192000" cy="6858000"/>
   <p:notesSz cx="6858000" cy="9144000"/>
@@ -138,7 +136,7 @@
   <pc:docChgLst>
     <pc:chgData name="明阳 阮" userId="a4dcf2889a22c6f9" providerId="LiveId" clId="{A86D5202-7040-4BE9-A259-0D0906DA0EEF}"/>
     <pc:docChg chg="undo redo custSel addSld delSld modSld sldOrd">
-      <pc:chgData name="明阳 阮" userId="a4dcf2889a22c6f9" providerId="LiveId" clId="{A86D5202-7040-4BE9-A259-0D0906DA0EEF}" dt="2023-06-27T07:32:23.384" v="3569"/>
+      <pc:chgData name="明阳 阮" userId="a4dcf2889a22c6f9" providerId="LiveId" clId="{A86D5202-7040-4BE9-A259-0D0906DA0EEF}" dt="2023-06-27T10:35:58.709" v="4069" actId="47"/>
       <pc:docMkLst>
         <pc:docMk/>
       </pc:docMkLst>
@@ -337,8 +335,8 @@
           </ac:spMkLst>
         </pc:spChg>
       </pc:sldChg>
-      <pc:sldChg chg="addSp modSp mod">
-        <pc:chgData name="明阳 阮" userId="a4dcf2889a22c6f9" providerId="LiveId" clId="{A86D5202-7040-4BE9-A259-0D0906DA0EEF}" dt="2023-06-27T07:05:48.553" v="3244"/>
+      <pc:sldChg chg="addSp modSp del mod">
+        <pc:chgData name="明阳 阮" userId="a4dcf2889a22c6f9" providerId="LiveId" clId="{A86D5202-7040-4BE9-A259-0D0906DA0EEF}" dt="2023-06-27T09:06:31.187" v="3769" actId="47"/>
         <pc:sldMkLst>
           <pc:docMk/>
           <pc:sldMk cId="2467188600" sldId="261"/>
@@ -384,13 +382,13 @@
         </pc:spChg>
       </pc:sldChg>
       <pc:sldChg chg="addSp delSp modSp mod">
-        <pc:chgData name="明阳 阮" userId="a4dcf2889a22c6f9" providerId="LiveId" clId="{A86D5202-7040-4BE9-A259-0D0906DA0EEF}" dt="2023-06-27T06:52:27.170" v="3229" actId="5793"/>
+        <pc:chgData name="明阳 阮" userId="a4dcf2889a22c6f9" providerId="LiveId" clId="{A86D5202-7040-4BE9-A259-0D0906DA0EEF}" dt="2023-06-27T08:38:07.105" v="3653"/>
         <pc:sldMkLst>
           <pc:docMk/>
           <pc:sldMk cId="3475427041" sldId="263"/>
         </pc:sldMkLst>
         <pc:spChg chg="mod">
-          <ac:chgData name="明阳 阮" userId="a4dcf2889a22c6f9" providerId="LiveId" clId="{A86D5202-7040-4BE9-A259-0D0906DA0EEF}" dt="2023-06-27T06:52:27.170" v="3229" actId="5793"/>
+          <ac:chgData name="明阳 阮" userId="a4dcf2889a22c6f9" providerId="LiveId" clId="{A86D5202-7040-4BE9-A259-0D0906DA0EEF}" dt="2023-06-27T08:38:07.105" v="3653"/>
           <ac:spMkLst>
             <pc:docMk/>
             <pc:sldMk cId="3475427041" sldId="263"/>
@@ -438,8 +436,8 @@
           </ac:picMkLst>
         </pc:picChg>
       </pc:sldChg>
-      <pc:sldChg chg="addSp modSp mod">
-        <pc:chgData name="明阳 阮" userId="a4dcf2889a22c6f9" providerId="LiveId" clId="{A86D5202-7040-4BE9-A259-0D0906DA0EEF}" dt="2023-06-27T07:05:21.217" v="3242" actId="20577"/>
+      <pc:sldChg chg="addSp modSp del mod">
+        <pc:chgData name="明阳 阮" userId="a4dcf2889a22c6f9" providerId="LiveId" clId="{A86D5202-7040-4BE9-A259-0D0906DA0EEF}" dt="2023-06-27T09:06:27.431" v="3767" actId="47"/>
         <pc:sldMkLst>
           <pc:docMk/>
           <pc:sldMk cId="2790205121" sldId="264"/>
@@ -469,8 +467,8 @@
           </ac:picMkLst>
         </pc:picChg>
       </pc:sldChg>
-      <pc:sldChg chg="addSp delSp modSp mod ord">
-        <pc:chgData name="明阳 阮" userId="a4dcf2889a22c6f9" providerId="LiveId" clId="{A86D5202-7040-4BE9-A259-0D0906DA0EEF}" dt="2023-06-27T07:32:23.384" v="3569"/>
+      <pc:sldChg chg="addSp delSp modSp del mod ord">
+        <pc:chgData name="明阳 阮" userId="a4dcf2889a22c6f9" providerId="LiveId" clId="{A86D5202-7040-4BE9-A259-0D0906DA0EEF}" dt="2023-06-27T09:06:30.083" v="3768" actId="47"/>
         <pc:sldMkLst>
           <pc:docMk/>
           <pc:sldMk cId="1224054341" sldId="265"/>
@@ -516,7 +514,7 @@
         </pc:picChg>
       </pc:sldChg>
       <pc:sldChg chg="addSp delSp modSp mod">
-        <pc:chgData name="明阳 阮" userId="a4dcf2889a22c6f9" providerId="LiveId" clId="{A86D5202-7040-4BE9-A259-0D0906DA0EEF}" dt="2023-06-27T04:34:14.809" v="2158"/>
+        <pc:chgData name="明阳 阮" userId="a4dcf2889a22c6f9" providerId="LiveId" clId="{A86D5202-7040-4BE9-A259-0D0906DA0EEF}" dt="2023-06-27T10:04:40.075" v="3951"/>
         <pc:sldMkLst>
           <pc:docMk/>
           <pc:sldMk cId="2102756352" sldId="267"/>
@@ -554,7 +552,15 @@
           </ac:spMkLst>
         </pc:spChg>
         <pc:picChg chg="add mod">
-          <ac:chgData name="明阳 阮" userId="a4dcf2889a22c6f9" providerId="LiveId" clId="{A86D5202-7040-4BE9-A259-0D0906DA0EEF}" dt="2023-06-27T04:31:29.564" v="2086" actId="1076"/>
+          <ac:chgData name="明阳 阮" userId="a4dcf2889a22c6f9" providerId="LiveId" clId="{A86D5202-7040-4BE9-A259-0D0906DA0EEF}" dt="2023-06-27T10:03:15.087" v="3940" actId="1076"/>
+          <ac:picMkLst>
+            <pc:docMk/>
+            <pc:sldMk cId="2102756352" sldId="267"/>
+            <ac:picMk id="3" creationId="{16078EF5-9950-B474-4324-042941007F08}"/>
+          </ac:picMkLst>
+        </pc:picChg>
+        <pc:picChg chg="add del mod">
+          <ac:chgData name="明阳 阮" userId="a4dcf2889a22c6f9" providerId="LiveId" clId="{A86D5202-7040-4BE9-A259-0D0906DA0EEF}" dt="2023-06-27T10:03:11.144" v="3938" actId="478"/>
           <ac:picMkLst>
             <pc:docMk/>
             <pc:sldMk cId="2102756352" sldId="267"/>
@@ -562,16 +568,24 @@
           </ac:picMkLst>
         </pc:picChg>
         <pc:picChg chg="add mod">
-          <ac:chgData name="明阳 阮" userId="a4dcf2889a22c6f9" providerId="LiveId" clId="{A86D5202-7040-4BE9-A259-0D0906DA0EEF}" dt="2023-06-27T04:33:16.680" v="2147" actId="1076"/>
+          <ac:chgData name="明阳 阮" userId="a4dcf2889a22c6f9" providerId="LiveId" clId="{A86D5202-7040-4BE9-A259-0D0906DA0EEF}" dt="2023-06-27T10:03:22.996" v="3942" actId="1076"/>
           <ac:picMkLst>
             <pc:docMk/>
             <pc:sldMk cId="2102756352" sldId="267"/>
             <ac:picMk id="5" creationId="{63E94D76-82A6-41FE-5D1E-0FFBA0B3D7A9}"/>
           </ac:picMkLst>
         </pc:picChg>
+        <pc:picChg chg="add del mod">
+          <ac:chgData name="明阳 阮" userId="a4dcf2889a22c6f9" providerId="LiveId" clId="{A86D5202-7040-4BE9-A259-0D0906DA0EEF}" dt="2023-06-27T10:04:40.075" v="3951"/>
+          <ac:picMkLst>
+            <pc:docMk/>
+            <pc:sldMk cId="2102756352" sldId="267"/>
+            <ac:picMk id="7" creationId="{4CF52173-636E-B676-F787-5B74C8B7052C}"/>
+          </ac:picMkLst>
+        </pc:picChg>
       </pc:sldChg>
-      <pc:sldChg chg="delSp modSp mod">
-        <pc:chgData name="明阳 阮" userId="a4dcf2889a22c6f9" providerId="LiveId" clId="{A86D5202-7040-4BE9-A259-0D0906DA0EEF}" dt="2023-06-27T06:33:35.248" v="3140" actId="478"/>
+      <pc:sldChg chg="delSp modSp del mod">
+        <pc:chgData name="明阳 阮" userId="a4dcf2889a22c6f9" providerId="LiveId" clId="{A86D5202-7040-4BE9-A259-0D0906DA0EEF}" dt="2023-06-27T08:41:22.135" v="3672" actId="47"/>
         <pc:sldMkLst>
           <pc:docMk/>
           <pc:sldMk cId="4215523441" sldId="268"/>
@@ -593,8 +607,8 @@
           </ac:spMkLst>
         </pc:spChg>
       </pc:sldChg>
-      <pc:sldChg chg="addSp delSp modSp mod">
-        <pc:chgData name="明阳 阮" userId="a4dcf2889a22c6f9" providerId="LiveId" clId="{A86D5202-7040-4BE9-A259-0D0906DA0EEF}" dt="2023-06-26T07:46:34.822" v="501" actId="20577"/>
+      <pc:sldChg chg="addSp delSp modSp del mod">
+        <pc:chgData name="明阳 阮" userId="a4dcf2889a22c6f9" providerId="LiveId" clId="{A86D5202-7040-4BE9-A259-0D0906DA0EEF}" dt="2023-06-27T09:35:26.387" v="3817" actId="47"/>
         <pc:sldMkLst>
           <pc:docMk/>
           <pc:sldMk cId="288243852" sldId="269"/>
@@ -624,8 +638,8 @@
           </ac:picMkLst>
         </pc:picChg>
       </pc:sldChg>
-      <pc:sldChg chg="addSp delSp modSp mod">
-        <pc:chgData name="明阳 阮" userId="a4dcf2889a22c6f9" providerId="LiveId" clId="{A86D5202-7040-4BE9-A259-0D0906DA0EEF}" dt="2023-06-26T07:41:09.987" v="317" actId="1076"/>
+      <pc:sldChg chg="addSp delSp modSp del mod">
+        <pc:chgData name="明阳 阮" userId="a4dcf2889a22c6f9" providerId="LiveId" clId="{A86D5202-7040-4BE9-A259-0D0906DA0EEF}" dt="2023-06-27T09:35:27.874" v="3818" actId="47"/>
         <pc:sldMkLst>
           <pc:docMk/>
           <pc:sldMk cId="3321645347" sldId="270"/>
@@ -655,8 +669,8 @@
           </ac:picMkLst>
         </pc:picChg>
       </pc:sldChg>
-      <pc:sldChg chg="addSp modSp mod">
-        <pc:chgData name="明阳 阮" userId="a4dcf2889a22c6f9" providerId="LiveId" clId="{A86D5202-7040-4BE9-A259-0D0906DA0EEF}" dt="2023-06-26T07:41:30.456" v="320" actId="1076"/>
+      <pc:sldChg chg="addSp modSp del mod">
+        <pc:chgData name="明阳 阮" userId="a4dcf2889a22c6f9" providerId="LiveId" clId="{A86D5202-7040-4BE9-A259-0D0906DA0EEF}" dt="2023-06-27T09:35:28.757" v="3819" actId="47"/>
         <pc:sldMkLst>
           <pc:docMk/>
           <pc:sldMk cId="3359622240" sldId="271"/>
@@ -701,31 +715,39 @@
           </ac:spMkLst>
         </pc:spChg>
       </pc:sldChg>
-      <pc:sldChg chg="addSp modSp mod">
-        <pc:chgData name="明阳 阮" userId="a4dcf2889a22c6f9" providerId="LiveId" clId="{A86D5202-7040-4BE9-A259-0D0906DA0EEF}" dt="2023-06-27T06:34:14.120" v="3150" actId="20577"/>
+      <pc:sldChg chg="addSp delSp modSp del mod">
+        <pc:chgData name="明阳 阮" userId="a4dcf2889a22c6f9" providerId="LiveId" clId="{A86D5202-7040-4BE9-A259-0D0906DA0EEF}" dt="2023-06-27T10:35:57.584" v="4068" actId="47"/>
         <pc:sldMkLst>
           <pc:docMk/>
           <pc:sldMk cId="4148310819" sldId="273"/>
         </pc:sldMkLst>
         <pc:spChg chg="mod">
-          <ac:chgData name="明阳 阮" userId="a4dcf2889a22c6f9" providerId="LiveId" clId="{A86D5202-7040-4BE9-A259-0D0906DA0EEF}" dt="2023-06-27T06:34:14.120" v="3150" actId="20577"/>
+          <ac:chgData name="明阳 阮" userId="a4dcf2889a22c6f9" providerId="LiveId" clId="{A86D5202-7040-4BE9-A259-0D0906DA0EEF}" dt="2023-06-27T09:57:37.125" v="3933"/>
           <ac:spMkLst>
             <pc:docMk/>
             <pc:sldMk cId="4148310819" sldId="273"/>
             <ac:spMk id="3" creationId="{05A29F26-0D43-8893-FD5E-119025A816E3}"/>
           </ac:spMkLst>
         </pc:spChg>
-        <pc:picChg chg="add mod">
-          <ac:chgData name="明阳 阮" userId="a4dcf2889a22c6f9" providerId="LiveId" clId="{A86D5202-7040-4BE9-A259-0D0906DA0EEF}" dt="2023-06-26T07:43:32.825" v="458" actId="1076"/>
+        <pc:picChg chg="add del mod">
+          <ac:chgData name="明阳 阮" userId="a4dcf2889a22c6f9" providerId="LiveId" clId="{A86D5202-7040-4BE9-A259-0D0906DA0EEF}" dt="2023-06-27T09:58:34.280" v="3934" actId="478"/>
           <ac:picMkLst>
             <pc:docMk/>
             <pc:sldMk cId="4148310819" sldId="273"/>
             <ac:picMk id="5" creationId="{B946D10C-A0CB-840E-7421-C7D5121EE775}"/>
           </ac:picMkLst>
         </pc:picChg>
+        <pc:picChg chg="add mod">
+          <ac:chgData name="明阳 阮" userId="a4dcf2889a22c6f9" providerId="LiveId" clId="{A86D5202-7040-4BE9-A259-0D0906DA0EEF}" dt="2023-06-27T09:58:52.046" v="3937" actId="1076"/>
+          <ac:picMkLst>
+            <pc:docMk/>
+            <pc:sldMk cId="4148310819" sldId="273"/>
+            <ac:picMk id="6" creationId="{CDF791B4-74F2-4F0C-F224-045E3379A53C}"/>
+          </ac:picMkLst>
+        </pc:picChg>
       </pc:sldChg>
-      <pc:sldChg chg="addSp delSp modSp mod">
-        <pc:chgData name="明阳 阮" userId="a4dcf2889a22c6f9" providerId="LiveId" clId="{A86D5202-7040-4BE9-A259-0D0906DA0EEF}" dt="2023-06-27T06:34:24.076" v="3153" actId="20577"/>
+      <pc:sldChg chg="addSp delSp modSp del mod">
+        <pc:chgData name="明阳 阮" userId="a4dcf2889a22c6f9" providerId="LiveId" clId="{A86D5202-7040-4BE9-A259-0D0906DA0EEF}" dt="2023-06-27T10:35:58.709" v="4069" actId="47"/>
         <pc:sldMkLst>
           <pc:docMk/>
           <pc:sldMk cId="3049180686" sldId="274"/>
@@ -746,6 +768,14 @@
             <ac:spMk id="3" creationId="{A8456748-3C05-CEE7-6652-1F04BFA9F6A1}"/>
           </ac:spMkLst>
         </pc:spChg>
+        <pc:spChg chg="add mod">
+          <ac:chgData name="明阳 阮" userId="a4dcf2889a22c6f9" providerId="LiveId" clId="{A86D5202-7040-4BE9-A259-0D0906DA0EEF}" dt="2023-06-27T10:10:06.014" v="4031" actId="1076"/>
+          <ac:spMkLst>
+            <pc:docMk/>
+            <pc:sldMk cId="3049180686" sldId="274"/>
+            <ac:spMk id="4" creationId="{51246B26-3952-614D-BF1B-F604E0FA9FA9}"/>
+          </ac:spMkLst>
+        </pc:spChg>
         <pc:spChg chg="add del mod">
           <ac:chgData name="明阳 阮" userId="a4dcf2889a22c6f9" providerId="LiveId" clId="{A86D5202-7040-4BE9-A259-0D0906DA0EEF}" dt="2023-06-26T07:19:23.538" v="192"/>
           <ac:spMkLst>
@@ -763,8 +793,8 @@
           </ac:picMkLst>
         </pc:picChg>
       </pc:sldChg>
-      <pc:sldChg chg="addSp modSp mod">
-        <pc:chgData name="明阳 阮" userId="a4dcf2889a22c6f9" providerId="LiveId" clId="{A86D5202-7040-4BE9-A259-0D0906DA0EEF}" dt="2023-06-26T07:44:14.689" v="465" actId="1076"/>
+      <pc:sldChg chg="addSp delSp modSp mod">
+        <pc:chgData name="明阳 阮" userId="a4dcf2889a22c6f9" providerId="LiveId" clId="{A86D5202-7040-4BE9-A259-0D0906DA0EEF}" dt="2023-06-27T10:04:48.938" v="3954" actId="1076"/>
         <pc:sldMkLst>
           <pc:docMk/>
           <pc:sldMk cId="3146293711" sldId="275"/>
@@ -778,7 +808,15 @@
           </ac:spMkLst>
         </pc:spChg>
         <pc:picChg chg="add mod">
-          <ac:chgData name="明阳 阮" userId="a4dcf2889a22c6f9" providerId="LiveId" clId="{A86D5202-7040-4BE9-A259-0D0906DA0EEF}" dt="2023-06-26T07:44:14.689" v="465" actId="1076"/>
+          <ac:chgData name="明阳 阮" userId="a4dcf2889a22c6f9" providerId="LiveId" clId="{A86D5202-7040-4BE9-A259-0D0906DA0EEF}" dt="2023-06-27T10:04:48.938" v="3954" actId="1076"/>
+          <ac:picMkLst>
+            <pc:docMk/>
+            <pc:sldMk cId="3146293711" sldId="275"/>
+            <ac:picMk id="4" creationId="{171ECF53-0984-861A-E965-D4CCA0DF8B13}"/>
+          </ac:picMkLst>
+        </pc:picChg>
+        <pc:picChg chg="add del mod">
+          <ac:chgData name="明阳 阮" userId="a4dcf2889a22c6f9" providerId="LiveId" clId="{A86D5202-7040-4BE9-A259-0D0906DA0EEF}" dt="2023-06-27T10:04:43.732" v="3952" actId="478"/>
           <ac:picMkLst>
             <pc:docMk/>
             <pc:sldMk cId="3146293711" sldId="275"/>
@@ -912,7 +950,7 @@
         </pc:cxnChg>
       </pc:sldChg>
       <pc:sldChg chg="addSp delSp modSp new mod">
-        <pc:chgData name="明阳 阮" userId="a4dcf2889a22c6f9" providerId="LiveId" clId="{A86D5202-7040-4BE9-A259-0D0906DA0EEF}" dt="2023-06-26T08:23:03.651" v="1225" actId="20577"/>
+        <pc:chgData name="明阳 阮" userId="a4dcf2889a22c6f9" providerId="LiveId" clId="{A86D5202-7040-4BE9-A259-0D0906DA0EEF}" dt="2023-06-27T09:33:37.981" v="3800" actId="1076"/>
         <pc:sldMkLst>
           <pc:docMk/>
           <pc:sldMk cId="3630156678" sldId="279"/>
@@ -942,6 +980,14 @@
           </ac:spMkLst>
         </pc:spChg>
         <pc:spChg chg="add mod">
+          <ac:chgData name="明阳 阮" userId="a4dcf2889a22c6f9" providerId="LiveId" clId="{A86D5202-7040-4BE9-A259-0D0906DA0EEF}" dt="2023-06-27T09:09:22.437" v="3784" actId="1076"/>
+          <ac:spMkLst>
+            <pc:docMk/>
+            <pc:sldMk cId="3630156678" sldId="279"/>
+            <ac:spMk id="8" creationId="{101E53AF-C190-C218-A3B8-EAE48EE9E38B}"/>
+          </ac:spMkLst>
+        </pc:spChg>
+        <pc:spChg chg="add mod">
           <ac:chgData name="明阳 阮" userId="a4dcf2889a22c6f9" providerId="LiveId" clId="{A86D5202-7040-4BE9-A259-0D0906DA0EEF}" dt="2023-06-26T08:10:37.144" v="965" actId="12788"/>
           <ac:spMkLst>
             <pc:docMk/>
@@ -949,38 +995,54 @@
             <ac:spMk id="10" creationId="{F1522C8A-4DFC-0E89-6C00-B29294BE347F}"/>
           </ac:spMkLst>
         </pc:spChg>
-        <pc:spChg chg="add mod">
-          <ac:chgData name="明阳 阮" userId="a4dcf2889a22c6f9" providerId="LiveId" clId="{A86D5202-7040-4BE9-A259-0D0906DA0EEF}" dt="2023-06-26T08:19:29.407" v="1174" actId="1076"/>
+        <pc:spChg chg="add del mod">
+          <ac:chgData name="明阳 阮" userId="a4dcf2889a22c6f9" providerId="LiveId" clId="{A86D5202-7040-4BE9-A259-0D0906DA0EEF}" dt="2023-06-27T09:05:38.645" v="3753" actId="478"/>
           <ac:spMkLst>
             <pc:docMk/>
             <pc:sldMk cId="3630156678" sldId="279"/>
             <ac:spMk id="11" creationId="{4608E99D-3664-3469-8333-B6C49D5B938A}"/>
           </ac:spMkLst>
         </pc:spChg>
-        <pc:spChg chg="add mod">
-          <ac:chgData name="明阳 阮" userId="a4dcf2889a22c6f9" providerId="LiveId" clId="{A86D5202-7040-4BE9-A259-0D0906DA0EEF}" dt="2023-06-26T08:19:52.899" v="1180" actId="1076"/>
+        <pc:spChg chg="add del mod">
+          <ac:chgData name="明阳 阮" userId="a4dcf2889a22c6f9" providerId="LiveId" clId="{A86D5202-7040-4BE9-A259-0D0906DA0EEF}" dt="2023-06-27T09:05:40.048" v="3754" actId="478"/>
           <ac:spMkLst>
             <pc:docMk/>
             <pc:sldMk cId="3630156678" sldId="279"/>
             <ac:spMk id="12" creationId="{749E918D-AD1F-EE73-EED4-B1657AE0893A}"/>
           </ac:spMkLst>
         </pc:spChg>
-        <pc:spChg chg="add mod">
-          <ac:chgData name="明阳 阮" userId="a4dcf2889a22c6f9" providerId="LiveId" clId="{A86D5202-7040-4BE9-A259-0D0906DA0EEF}" dt="2023-06-26T08:19:48.097" v="1179" actId="1076"/>
+        <pc:spChg chg="add del mod">
+          <ac:chgData name="明阳 阮" userId="a4dcf2889a22c6f9" providerId="LiveId" clId="{A86D5202-7040-4BE9-A259-0D0906DA0EEF}" dt="2023-06-27T09:05:41.582" v="3755" actId="478"/>
           <ac:spMkLst>
             <pc:docMk/>
             <pc:sldMk cId="3630156678" sldId="279"/>
             <ac:spMk id="13" creationId="{2C0E6088-E2A8-FE89-D360-2D84F9945BD6}"/>
           </ac:spMkLst>
         </pc:spChg>
-        <pc:spChg chg="add mod">
-          <ac:chgData name="明阳 阮" userId="a4dcf2889a22c6f9" providerId="LiveId" clId="{A86D5202-7040-4BE9-A259-0D0906DA0EEF}" dt="2023-06-26T08:19:40.527" v="1178" actId="1076"/>
+        <pc:spChg chg="add del mod">
+          <ac:chgData name="明阳 阮" userId="a4dcf2889a22c6f9" providerId="LiveId" clId="{A86D5202-7040-4BE9-A259-0D0906DA0EEF}" dt="2023-06-27T09:08:11.658" v="3772" actId="478"/>
           <ac:spMkLst>
             <pc:docMk/>
             <pc:sldMk cId="3630156678" sldId="279"/>
             <ac:spMk id="14" creationId="{2F551651-B256-1C71-DC82-92F6D3E9819C}"/>
           </ac:spMkLst>
         </pc:spChg>
+        <pc:spChg chg="add mod">
+          <ac:chgData name="明阳 阮" userId="a4dcf2889a22c6f9" providerId="LiveId" clId="{A86D5202-7040-4BE9-A259-0D0906DA0EEF}" dt="2023-06-27T09:09:18.417" v="3783" actId="1076"/>
+          <ac:spMkLst>
+            <pc:docMk/>
+            <pc:sldMk cId="3630156678" sldId="279"/>
+            <ac:spMk id="15" creationId="{A7270AD8-6522-0ABD-8155-855B72C70DD4}"/>
+          </ac:spMkLst>
+        </pc:spChg>
+        <pc:spChg chg="add mod">
+          <ac:chgData name="明阳 阮" userId="a4dcf2889a22c6f9" providerId="LiveId" clId="{A86D5202-7040-4BE9-A259-0D0906DA0EEF}" dt="2023-06-27T09:09:14.405" v="3782" actId="1076"/>
+          <ac:spMkLst>
+            <pc:docMk/>
+            <pc:sldMk cId="3630156678" sldId="279"/>
+            <ac:spMk id="16" creationId="{0A3BADC3-2ABA-F79A-27EF-8EF8969A1B33}"/>
+          </ac:spMkLst>
+        </pc:spChg>
         <pc:spChg chg="add del">
           <ac:chgData name="明阳 阮" userId="a4dcf2889a22c6f9" providerId="LiveId" clId="{A86D5202-7040-4BE9-A259-0D0906DA0EEF}" dt="2023-06-26T08:20:26.361" v="1182" actId="22"/>
           <ac:spMkLst>
@@ -998,23 +1060,23 @@
           </ac:spMkLst>
         </pc:spChg>
         <pc:spChg chg="add mod">
-          <ac:chgData name="明阳 阮" userId="a4dcf2889a22c6f9" providerId="LiveId" clId="{A86D5202-7040-4BE9-A259-0D0906DA0EEF}" dt="2023-06-26T08:22:49.053" v="1216" actId="403"/>
+          <ac:chgData name="明阳 阮" userId="a4dcf2889a22c6f9" providerId="LiveId" clId="{A86D5202-7040-4BE9-A259-0D0906DA0EEF}" dt="2023-06-27T09:08:17.767" v="3773" actId="1076"/>
           <ac:spMkLst>
             <pc:docMk/>
             <pc:sldMk cId="3630156678" sldId="279"/>
             <ac:spMk id="18" creationId="{DAAE0944-A7C7-6F0D-3F90-3BA48F952FD6}"/>
           </ac:spMkLst>
         </pc:spChg>
-        <pc:spChg chg="add mod">
-          <ac:chgData name="明阳 阮" userId="a4dcf2889a22c6f9" providerId="LiveId" clId="{A86D5202-7040-4BE9-A259-0D0906DA0EEF}" dt="2023-06-26T08:22:57.965" v="1224" actId="403"/>
+        <pc:spChg chg="add del mod">
+          <ac:chgData name="明阳 阮" userId="a4dcf2889a22c6f9" providerId="LiveId" clId="{A86D5202-7040-4BE9-A259-0D0906DA0EEF}" dt="2023-06-27T09:08:17.767" v="3773" actId="1076"/>
           <ac:spMkLst>
             <pc:docMk/>
             <pc:sldMk cId="3630156678" sldId="279"/>
             <ac:spMk id="19" creationId="{5805882C-DEF3-89A6-14B2-1980D9E3C9A4}"/>
           </ac:spMkLst>
         </pc:spChg>
-        <pc:spChg chg="add mod">
-          <ac:chgData name="明阳 阮" userId="a4dcf2889a22c6f9" providerId="LiveId" clId="{A86D5202-7040-4BE9-A259-0D0906DA0EEF}" dt="2023-06-26T08:23:03.651" v="1225" actId="20577"/>
+        <pc:spChg chg="add del mod">
+          <ac:chgData name="明阳 阮" userId="a4dcf2889a22c6f9" providerId="LiveId" clId="{A86D5202-7040-4BE9-A259-0D0906DA0EEF}" dt="2023-06-27T09:08:07.248" v="3770" actId="478"/>
           <ac:spMkLst>
             <pc:docMk/>
             <pc:sldMk cId="3630156678" sldId="279"/>
@@ -1022,7 +1084,7 @@
           </ac:spMkLst>
         </pc:spChg>
         <pc:spChg chg="add mod">
-          <ac:chgData name="明阳 阮" userId="a4dcf2889a22c6f9" providerId="LiveId" clId="{A86D5202-7040-4BE9-A259-0D0906DA0EEF}" dt="2023-06-26T08:22:42.697" v="1208" actId="404"/>
+          <ac:chgData name="明阳 阮" userId="a4dcf2889a22c6f9" providerId="LiveId" clId="{A86D5202-7040-4BE9-A259-0D0906DA0EEF}" dt="2023-06-27T09:08:17.767" v="3773" actId="1076"/>
           <ac:spMkLst>
             <pc:docMk/>
             <pc:sldMk cId="3630156678" sldId="279"/>
@@ -1030,7 +1092,7 @@
           </ac:spMkLst>
         </pc:spChg>
         <pc:picChg chg="add mod">
-          <ac:chgData name="明阳 阮" userId="a4dcf2889a22c6f9" providerId="LiveId" clId="{A86D5202-7040-4BE9-A259-0D0906DA0EEF}" dt="2023-06-26T08:09:59.677" v="918" actId="1076"/>
+          <ac:chgData name="明阳 阮" userId="a4dcf2889a22c6f9" providerId="LiveId" clId="{A86D5202-7040-4BE9-A259-0D0906DA0EEF}" dt="2023-06-27T08:40:04.169" v="3671" actId="1076"/>
           <ac:picMkLst>
             <pc:docMk/>
             <pc:sldMk cId="3630156678" sldId="279"/>
@@ -1038,7 +1100,7 @@
           </ac:picMkLst>
         </pc:picChg>
         <pc:picChg chg="add mod">
-          <ac:chgData name="明阳 阮" userId="a4dcf2889a22c6f9" providerId="LiveId" clId="{A86D5202-7040-4BE9-A259-0D0906DA0EEF}" dt="2023-06-26T08:12:03.057" v="1005" actId="12788"/>
+          <ac:chgData name="明阳 阮" userId="a4dcf2889a22c6f9" providerId="LiveId" clId="{A86D5202-7040-4BE9-A259-0D0906DA0EEF}" dt="2023-06-27T08:40:04.169" v="3671" actId="1076"/>
           <ac:picMkLst>
             <pc:docMk/>
             <pc:sldMk cId="3630156678" sldId="279"/>
@@ -1046,7 +1108,7 @@
           </ac:picMkLst>
         </pc:picChg>
         <pc:picChg chg="add mod">
-          <ac:chgData name="明阳 阮" userId="a4dcf2889a22c6f9" providerId="LiveId" clId="{A86D5202-7040-4BE9-A259-0D0906DA0EEF}" dt="2023-06-26T08:09:59.677" v="918" actId="1076"/>
+          <ac:chgData name="明阳 阮" userId="a4dcf2889a22c6f9" providerId="LiveId" clId="{A86D5202-7040-4BE9-A259-0D0906DA0EEF}" dt="2023-06-27T08:40:04.169" v="3671" actId="1076"/>
           <ac:picMkLst>
             <pc:docMk/>
             <pc:sldMk cId="3630156678" sldId="279"/>
@@ -1054,11 +1116,43 @@
           </ac:picMkLst>
         </pc:picChg>
         <pc:picChg chg="add mod">
-          <ac:chgData name="明阳 阮" userId="a4dcf2889a22c6f9" providerId="LiveId" clId="{A86D5202-7040-4BE9-A259-0D0906DA0EEF}" dt="2023-06-26T08:09:59.677" v="918" actId="1076"/>
+          <ac:chgData name="明阳 阮" userId="a4dcf2889a22c6f9" providerId="LiveId" clId="{A86D5202-7040-4BE9-A259-0D0906DA0EEF}" dt="2023-06-27T08:40:04.169" v="3671" actId="1076"/>
           <ac:picMkLst>
             <pc:docMk/>
             <pc:sldMk cId="3630156678" sldId="279"/>
             <ac:picMk id="9" creationId="{62FBF5FC-4A11-9074-E1DA-983FAF581702}"/>
+          </ac:picMkLst>
+        </pc:picChg>
+        <pc:picChg chg="add mod">
+          <ac:chgData name="明阳 阮" userId="a4dcf2889a22c6f9" providerId="LiveId" clId="{A86D5202-7040-4BE9-A259-0D0906DA0EEF}" dt="2023-06-27T09:18:05.108" v="3787" actId="1076"/>
+          <ac:picMkLst>
+            <pc:docMk/>
+            <pc:sldMk cId="3630156678" sldId="279"/>
+            <ac:picMk id="22" creationId="{94627CC7-4C64-743B-4F05-A2717B070829}"/>
+          </ac:picMkLst>
+        </pc:picChg>
+        <pc:picChg chg="add mod">
+          <ac:chgData name="明阳 阮" userId="a4dcf2889a22c6f9" providerId="LiveId" clId="{A86D5202-7040-4BE9-A259-0D0906DA0EEF}" dt="2023-06-27T09:18:22.377" v="3790" actId="1076"/>
+          <ac:picMkLst>
+            <pc:docMk/>
+            <pc:sldMk cId="3630156678" sldId="279"/>
+            <ac:picMk id="24" creationId="{ABD9F744-7258-2FB4-9AD6-3310E9726A29}"/>
+          </ac:picMkLst>
+        </pc:picChg>
+        <pc:picChg chg="add mod">
+          <ac:chgData name="明阳 阮" userId="a4dcf2889a22c6f9" providerId="LiveId" clId="{A86D5202-7040-4BE9-A259-0D0906DA0EEF}" dt="2023-06-27T09:18:40.241" v="3793" actId="1076"/>
+          <ac:picMkLst>
+            <pc:docMk/>
+            <pc:sldMk cId="3630156678" sldId="279"/>
+            <ac:picMk id="26" creationId="{5689E69A-0A21-BA7B-18B0-C0EB117ECCD3}"/>
+          </ac:picMkLst>
+        </pc:picChg>
+        <pc:picChg chg="add mod">
+          <ac:chgData name="明阳 阮" userId="a4dcf2889a22c6f9" providerId="LiveId" clId="{A86D5202-7040-4BE9-A259-0D0906DA0EEF}" dt="2023-06-27T09:33:37.981" v="3800" actId="1076"/>
+          <ac:picMkLst>
+            <pc:docMk/>
+            <pc:sldMk cId="3630156678" sldId="279"/>
+            <ac:picMk id="28" creationId="{F280043B-0AE7-2EAB-2010-56DC48730D7D}"/>
           </ac:picMkLst>
         </pc:picChg>
       </pc:sldChg>
@@ -1085,7 +1179,7 @@
         </pc:spChg>
       </pc:sldChg>
       <pc:sldChg chg="addSp delSp modSp new mod">
-        <pc:chgData name="明阳 阮" userId="a4dcf2889a22c6f9" providerId="LiveId" clId="{A86D5202-7040-4BE9-A259-0D0906DA0EEF}" dt="2023-06-27T07:30:57.966" v="3565" actId="14100"/>
+        <pc:chgData name="明阳 阮" userId="a4dcf2889a22c6f9" providerId="LiveId" clId="{A86D5202-7040-4BE9-A259-0D0906DA0EEF}" dt="2023-06-27T10:19:45.310" v="4050" actId="478"/>
         <pc:sldMkLst>
           <pc:docMk/>
           <pc:sldMk cId="3420330743" sldId="281"/>
@@ -1099,6 +1193,14 @@
           </ac:spMkLst>
         </pc:spChg>
         <pc:spChg chg="add mod">
+          <ac:chgData name="明阳 阮" userId="a4dcf2889a22c6f9" providerId="LiveId" clId="{A86D5202-7040-4BE9-A259-0D0906DA0EEF}" dt="2023-06-27T08:48:28.776" v="3673" actId="571"/>
+          <ac:spMkLst>
+            <pc:docMk/>
+            <pc:sldMk cId="3420330743" sldId="281"/>
+            <ac:spMk id="2" creationId="{E1AACCA7-8D9A-C3C7-73FC-533A1282259B}"/>
+          </ac:spMkLst>
+        </pc:spChg>
+        <pc:spChg chg="add mod">
           <ac:chgData name="明阳 阮" userId="a4dcf2889a22c6f9" providerId="LiveId" clId="{A86D5202-7040-4BE9-A259-0D0906DA0EEF}" dt="2023-06-26T08:13:49.687" v="1056" actId="20577"/>
           <ac:spMkLst>
             <pc:docMk/>
@@ -1107,31 +1209,31 @@
           </ac:spMkLst>
         </pc:spChg>
         <pc:spChg chg="add mod">
-          <ac:chgData name="明阳 阮" userId="a4dcf2889a22c6f9" providerId="LiveId" clId="{A86D5202-7040-4BE9-A259-0D0906DA0EEF}" dt="2023-06-26T08:15:09.635" v="1112" actId="20577"/>
+          <ac:chgData name="明阳 阮" userId="a4dcf2889a22c6f9" providerId="LiveId" clId="{A86D5202-7040-4BE9-A259-0D0906DA0EEF}" dt="2023-06-27T08:48:47.392" v="3697" actId="20577"/>
           <ac:spMkLst>
             <pc:docMk/>
             <pc:sldMk cId="3420330743" sldId="281"/>
             <ac:spMk id="4" creationId="{6DA78750-5D2B-43DA-9E71-76B8C27411AC}"/>
           </ac:spMkLst>
         </pc:spChg>
-        <pc:spChg chg="add mod">
-          <ac:chgData name="明阳 阮" userId="a4dcf2889a22c6f9" providerId="LiveId" clId="{A86D5202-7040-4BE9-A259-0D0906DA0EEF}" dt="2023-06-26T08:16:46.668" v="1133" actId="1076"/>
+        <pc:spChg chg="add del mod">
+          <ac:chgData name="明阳 阮" userId="a4dcf2889a22c6f9" providerId="LiveId" clId="{A86D5202-7040-4BE9-A259-0D0906DA0EEF}" dt="2023-06-27T10:19:42.097" v="4048" actId="478"/>
           <ac:spMkLst>
             <pc:docMk/>
             <pc:sldMk cId="3420330743" sldId="281"/>
             <ac:spMk id="8" creationId="{8C689CFB-30D0-A5B0-6FDD-AD7E6BCEF6E2}"/>
           </ac:spMkLst>
         </pc:spChg>
-        <pc:spChg chg="add mod">
-          <ac:chgData name="明阳 阮" userId="a4dcf2889a22c6f9" providerId="LiveId" clId="{A86D5202-7040-4BE9-A259-0D0906DA0EEF}" dt="2023-06-26T08:16:55.049" v="1136" actId="1076"/>
+        <pc:spChg chg="add del mod">
+          <ac:chgData name="明阳 阮" userId="a4dcf2889a22c6f9" providerId="LiveId" clId="{A86D5202-7040-4BE9-A259-0D0906DA0EEF}" dt="2023-06-27T10:19:45.310" v="4050" actId="478"/>
           <ac:spMkLst>
             <pc:docMk/>
             <pc:sldMk cId="3420330743" sldId="281"/>
             <ac:spMk id="9" creationId="{BB6AB119-35B6-6798-6DC3-461F05F0A2F7}"/>
           </ac:spMkLst>
         </pc:spChg>
-        <pc:spChg chg="add mod">
-          <ac:chgData name="明阳 阮" userId="a4dcf2889a22c6f9" providerId="LiveId" clId="{A86D5202-7040-4BE9-A259-0D0906DA0EEF}" dt="2023-06-26T08:16:43.647" v="1132" actId="1076"/>
+        <pc:spChg chg="add del mod">
+          <ac:chgData name="明阳 阮" userId="a4dcf2889a22c6f9" providerId="LiveId" clId="{A86D5202-7040-4BE9-A259-0D0906DA0EEF}" dt="2023-06-27T10:19:43.533" v="4049" actId="478"/>
           <ac:spMkLst>
             <pc:docMk/>
             <pc:sldMk cId="3420330743" sldId="281"/>
@@ -1139,7 +1241,7 @@
           </ac:spMkLst>
         </pc:spChg>
         <pc:spChg chg="add mod">
-          <ac:chgData name="明阳 阮" userId="a4dcf2889a22c6f9" providerId="LiveId" clId="{A86D5202-7040-4BE9-A259-0D0906DA0EEF}" dt="2023-06-27T07:30:57.966" v="3565" actId="14100"/>
+          <ac:chgData name="明阳 阮" userId="a4dcf2889a22c6f9" providerId="LiveId" clId="{A86D5202-7040-4BE9-A259-0D0906DA0EEF}" dt="2023-06-27T09:33:45.437" v="3813"/>
           <ac:spMkLst>
             <pc:docMk/>
             <pc:sldMk cId="3420330743" sldId="281"/>
@@ -1147,7 +1249,7 @@
           </ac:spMkLst>
         </pc:spChg>
         <pc:spChg chg="add mod">
-          <ac:chgData name="明阳 阮" userId="a4dcf2889a22c6f9" providerId="LiveId" clId="{A86D5202-7040-4BE9-A259-0D0906DA0EEF}" dt="2023-06-26T08:19:07.876" v="1171" actId="20577"/>
+          <ac:chgData name="明阳 阮" userId="a4dcf2889a22c6f9" providerId="LiveId" clId="{A86D5202-7040-4BE9-A259-0D0906DA0EEF}" dt="2023-06-27T09:34:54.464" v="3815" actId="20577"/>
           <ac:spMkLst>
             <pc:docMk/>
             <pc:sldMk cId="3420330743" sldId="281"/>
@@ -1188,7 +1290,7 @@
         </pc:picChg>
       </pc:sldChg>
       <pc:sldChg chg="addSp delSp modSp new mod">
-        <pc:chgData name="明阳 阮" userId="a4dcf2889a22c6f9" providerId="LiveId" clId="{A86D5202-7040-4BE9-A259-0D0906DA0EEF}" dt="2023-06-27T07:22:18.805" v="3563" actId="1076"/>
+        <pc:chgData name="明阳 阮" userId="a4dcf2889a22c6f9" providerId="LiveId" clId="{A86D5202-7040-4BE9-A259-0D0906DA0EEF}" dt="2023-06-27T08:37:41.797" v="3640" actId="20577"/>
         <pc:sldMkLst>
           <pc:docMk/>
           <pc:sldMk cId="2108261950" sldId="282"/>
@@ -1282,7 +1384,7 @@
           </ac:spMkLst>
         </pc:spChg>
         <pc:spChg chg="add mod">
-          <ac:chgData name="明阳 阮" userId="a4dcf2889a22c6f9" providerId="LiveId" clId="{A86D5202-7040-4BE9-A259-0D0906DA0EEF}" dt="2023-06-27T07:10:10.603" v="3246" actId="1076"/>
+          <ac:chgData name="明阳 阮" userId="a4dcf2889a22c6f9" providerId="LiveId" clId="{A86D5202-7040-4BE9-A259-0D0906DA0EEF}" dt="2023-06-27T08:37:41.797" v="3640" actId="20577"/>
           <ac:spMkLst>
             <pc:docMk/>
             <pc:sldMk cId="2108261950" sldId="282"/>
@@ -1290,7 +1392,7 @@
           </ac:spMkLst>
         </pc:spChg>
         <pc:spChg chg="add mod">
-          <ac:chgData name="明阳 阮" userId="a4dcf2889a22c6f9" providerId="LiveId" clId="{A86D5202-7040-4BE9-A259-0D0906DA0EEF}" dt="2023-06-27T07:10:10.603" v="3246" actId="1076"/>
+          <ac:chgData name="明阳 阮" userId="a4dcf2889a22c6f9" providerId="LiveId" clId="{A86D5202-7040-4BE9-A259-0D0906DA0EEF}" dt="2023-06-27T08:37:15.884" v="3618" actId="20577"/>
           <ac:spMkLst>
             <pc:docMk/>
             <pc:sldMk cId="2108261950" sldId="282"/>
@@ -1298,7 +1400,7 @@
           </ac:spMkLst>
         </pc:spChg>
         <pc:spChg chg="add mod">
-          <ac:chgData name="明阳 阮" userId="a4dcf2889a22c6f9" providerId="LiveId" clId="{A86D5202-7040-4BE9-A259-0D0906DA0EEF}" dt="2023-06-27T06:51:32.071" v="3228" actId="1076"/>
+          <ac:chgData name="明阳 阮" userId="a4dcf2889a22c6f9" providerId="LiveId" clId="{A86D5202-7040-4BE9-A259-0D0906DA0EEF}" dt="2023-06-27T08:37:25.470" v="3624" actId="20577"/>
           <ac:spMkLst>
             <pc:docMk/>
             <pc:sldMk cId="2108261950" sldId="282"/>
@@ -1449,6 +1551,100 @@
             <ac:cxnSpMk id="26" creationId="{402C2EEB-9CA7-ADD9-29A8-310BCCA7E71C}"/>
           </ac:cxnSpMkLst>
         </pc:cxnChg>
+      </pc:sldChg>
+      <pc:sldChg chg="addSp modSp new del mod">
+        <pc:chgData name="明阳 阮" userId="a4dcf2889a22c6f9" providerId="LiveId" clId="{A86D5202-7040-4BE9-A259-0D0906DA0EEF}" dt="2023-06-27T09:35:01.980" v="3816" actId="47"/>
+        <pc:sldMkLst>
+          <pc:docMk/>
+          <pc:sldMk cId="198574051" sldId="283"/>
+        </pc:sldMkLst>
+        <pc:spChg chg="add mod">
+          <ac:chgData name="明阳 阮" userId="a4dcf2889a22c6f9" providerId="LiveId" clId="{A86D5202-7040-4BE9-A259-0D0906DA0EEF}" dt="2023-06-27T08:49:03.931" v="3722" actId="20577"/>
+          <ac:spMkLst>
+            <pc:docMk/>
+            <pc:sldMk cId="198574051" sldId="283"/>
+            <ac:spMk id="2" creationId="{CB2B0795-FA18-C90F-8A01-5B42CC440F8A}"/>
+          </ac:spMkLst>
+        </pc:spChg>
+      </pc:sldChg>
+      <pc:sldChg chg="addSp delSp modSp new mod">
+        <pc:chgData name="明阳 阮" userId="a4dcf2889a22c6f9" providerId="LiveId" clId="{A86D5202-7040-4BE9-A259-0D0906DA0EEF}" dt="2023-06-27T09:50:15.849" v="3931" actId="1076"/>
+        <pc:sldMkLst>
+          <pc:docMk/>
+          <pc:sldMk cId="2363447266" sldId="283"/>
+        </pc:sldMkLst>
+        <pc:spChg chg="mod">
+          <ac:chgData name="明阳 阮" userId="a4dcf2889a22c6f9" providerId="LiveId" clId="{A86D5202-7040-4BE9-A259-0D0906DA0EEF}" dt="2023-06-27T09:36:14.142" v="3833" actId="20577"/>
+          <ac:spMkLst>
+            <pc:docMk/>
+            <pc:sldMk cId="2363447266" sldId="283"/>
+            <ac:spMk id="2" creationId="{8BB16F90-3440-E8C0-967A-F990EBBFE65E}"/>
+          </ac:spMkLst>
+        </pc:spChg>
+        <pc:spChg chg="del">
+          <ac:chgData name="明阳 阮" userId="a4dcf2889a22c6f9" providerId="LiveId" clId="{A86D5202-7040-4BE9-A259-0D0906DA0EEF}" dt="2023-06-27T09:36:18.965" v="3834" actId="478"/>
+          <ac:spMkLst>
+            <pc:docMk/>
+            <pc:sldMk cId="2363447266" sldId="283"/>
+            <ac:spMk id="3" creationId="{E72E4D46-1DBF-D16E-22BB-C39334538127}"/>
+          </ac:spMkLst>
+        </pc:spChg>
+        <pc:spChg chg="add mod">
+          <ac:chgData name="明阳 阮" userId="a4dcf2889a22c6f9" providerId="LiveId" clId="{A86D5202-7040-4BE9-A259-0D0906DA0EEF}" dt="2023-06-27T09:50:15.849" v="3931" actId="1076"/>
+          <ac:spMkLst>
+            <pc:docMk/>
+            <pc:sldMk cId="2363447266" sldId="283"/>
+            <ac:spMk id="4" creationId="{BA869E9A-D763-A4F4-7FC5-3233BE35BEA9}"/>
+          </ac:spMkLst>
+        </pc:spChg>
+        <pc:spChg chg="add mod">
+          <ac:chgData name="明阳 阮" userId="a4dcf2889a22c6f9" providerId="LiveId" clId="{A86D5202-7040-4BE9-A259-0D0906DA0EEF}" dt="2023-06-27T09:50:07.477" v="3930" actId="1076"/>
+          <ac:spMkLst>
+            <pc:docMk/>
+            <pc:sldMk cId="2363447266" sldId="283"/>
+            <ac:spMk id="5" creationId="{D4C2AFEC-662D-2C7D-CF4F-C3E8267C2662}"/>
+          </ac:spMkLst>
+        </pc:spChg>
+        <pc:spChg chg="add del mod">
+          <ac:chgData name="明阳 阮" userId="a4dcf2889a22c6f9" providerId="LiveId" clId="{A86D5202-7040-4BE9-A259-0D0906DA0EEF}" dt="2023-06-27T09:48:21.715" v="3912"/>
+          <ac:spMkLst>
+            <pc:docMk/>
+            <pc:sldMk cId="2363447266" sldId="283"/>
+            <ac:spMk id="10" creationId="{5CB2662B-B3D1-3642-EF3E-8FAB05246124}"/>
+          </ac:spMkLst>
+        </pc:spChg>
+        <pc:spChg chg="add mod">
+          <ac:chgData name="明阳 阮" userId="a4dcf2889a22c6f9" providerId="LiveId" clId="{A86D5202-7040-4BE9-A259-0D0906DA0EEF}" dt="2023-06-27T09:50:15.849" v="3931" actId="1076"/>
+          <ac:spMkLst>
+            <pc:docMk/>
+            <pc:sldMk cId="2363447266" sldId="283"/>
+            <ac:spMk id="11" creationId="{1C744A16-1C43-D0E4-B1ED-29A048CA450F}"/>
+          </ac:spMkLst>
+        </pc:spChg>
+        <pc:spChg chg="add mod">
+          <ac:chgData name="明阳 阮" userId="a4dcf2889a22c6f9" providerId="LiveId" clId="{A86D5202-7040-4BE9-A259-0D0906DA0EEF}" dt="2023-06-27T09:50:07.477" v="3930" actId="1076"/>
+          <ac:spMkLst>
+            <pc:docMk/>
+            <pc:sldMk cId="2363447266" sldId="283"/>
+            <ac:spMk id="12" creationId="{3D26B413-4A56-E23A-BB6E-2D0D90E41563}"/>
+          </ac:spMkLst>
+        </pc:spChg>
+        <pc:picChg chg="add mod">
+          <ac:chgData name="明阳 阮" userId="a4dcf2889a22c6f9" providerId="LiveId" clId="{A86D5202-7040-4BE9-A259-0D0906DA0EEF}" dt="2023-06-27T09:50:15.849" v="3931" actId="1076"/>
+          <ac:picMkLst>
+            <pc:docMk/>
+            <pc:sldMk cId="2363447266" sldId="283"/>
+            <ac:picMk id="7" creationId="{BC2B435C-B4B6-3149-2805-FE8FD2907D3D}"/>
+          </ac:picMkLst>
+        </pc:picChg>
+        <pc:picChg chg="add mod">
+          <ac:chgData name="明阳 阮" userId="a4dcf2889a22c6f9" providerId="LiveId" clId="{A86D5202-7040-4BE9-A259-0D0906DA0EEF}" dt="2023-06-27T09:50:07.477" v="3930" actId="1076"/>
+          <ac:picMkLst>
+            <pc:docMk/>
+            <pc:sldMk cId="2363447266" sldId="283"/>
+            <ac:picMk id="9" creationId="{F66358DD-CC77-7EBB-924B-08535112F1A6}"/>
+          </ac:picMkLst>
+        </pc:picChg>
       </pc:sldChg>
       <pc:sldChg chg="addSp delSp modSp new del mod">
         <pc:chgData name="明阳 阮" userId="a4dcf2889a22c6f9" providerId="LiveId" clId="{A86D5202-7040-4BE9-A259-0D0906DA0EEF}" dt="2023-06-27T06:14:55.021" v="3020" actId="47"/>
@@ -1488,6 +1684,173 @@
             <ac:cxnSpMk id="3" creationId="{8E43887C-A395-DEBF-6131-F8B770F351B2}"/>
           </ac:cxnSpMkLst>
         </pc:cxnChg>
+      </pc:sldChg>
+      <pc:sldChg chg="addSp delSp modSp new mod">
+        <pc:chgData name="明阳 阮" userId="a4dcf2889a22c6f9" providerId="LiveId" clId="{A86D5202-7040-4BE9-A259-0D0906DA0EEF}" dt="2023-06-27T10:35:38.095" v="4067" actId="1076"/>
+        <pc:sldMkLst>
+          <pc:docMk/>
+          <pc:sldMk cId="582678467" sldId="284"/>
+        </pc:sldMkLst>
+        <pc:spChg chg="add mod">
+          <ac:chgData name="明阳 阮" userId="a4dcf2889a22c6f9" providerId="LiveId" clId="{A86D5202-7040-4BE9-A259-0D0906DA0EEF}" dt="2023-06-27T10:35:00.741" v="4064" actId="1076"/>
+          <ac:spMkLst>
+            <pc:docMk/>
+            <pc:sldMk cId="582678467" sldId="284"/>
+            <ac:spMk id="4" creationId="{64B73DCA-1167-3F1E-DECC-81268559132C}"/>
+          </ac:spMkLst>
+        </pc:spChg>
+        <pc:spChg chg="add mod">
+          <ac:chgData name="明阳 阮" userId="a4dcf2889a22c6f9" providerId="LiveId" clId="{A86D5202-7040-4BE9-A259-0D0906DA0EEF}" dt="2023-06-27T10:35:30.486" v="4066" actId="1076"/>
+          <ac:spMkLst>
+            <pc:docMk/>
+            <pc:sldMk cId="582678467" sldId="284"/>
+            <ac:spMk id="5" creationId="{34286E75-CBAD-1840-2922-864BA6F64485}"/>
+          </ac:spMkLst>
+        </pc:spChg>
+        <pc:spChg chg="add mod">
+          <ac:chgData name="明阳 阮" userId="a4dcf2889a22c6f9" providerId="LiveId" clId="{A86D5202-7040-4BE9-A259-0D0906DA0EEF}" dt="2023-06-27T10:05:52.279" v="3977" actId="20577"/>
+          <ac:spMkLst>
+            <pc:docMk/>
+            <pc:sldMk cId="582678467" sldId="284"/>
+            <ac:spMk id="6" creationId="{EBBF04CD-FC66-C273-8FB7-9E0F87F1C49F}"/>
+          </ac:spMkLst>
+        </pc:spChg>
+        <pc:spChg chg="add mod">
+          <ac:chgData name="明阳 阮" userId="a4dcf2889a22c6f9" providerId="LiveId" clId="{A86D5202-7040-4BE9-A259-0D0906DA0EEF}" dt="2023-06-27T10:06:14.777" v="3983" actId="20577"/>
+          <ac:spMkLst>
+            <pc:docMk/>
+            <pc:sldMk cId="582678467" sldId="284"/>
+            <ac:spMk id="7" creationId="{66E10342-FE2C-E257-11F5-DEF8D48EF98B}"/>
+          </ac:spMkLst>
+        </pc:spChg>
+        <pc:spChg chg="add mod">
+          <ac:chgData name="明阳 阮" userId="a4dcf2889a22c6f9" providerId="LiveId" clId="{A86D5202-7040-4BE9-A259-0D0906DA0EEF}" dt="2023-06-27T10:06:19.668" v="3985" actId="20577"/>
+          <ac:spMkLst>
+            <pc:docMk/>
+            <pc:sldMk cId="582678467" sldId="284"/>
+            <ac:spMk id="8" creationId="{4D939D03-C1D7-95EF-CE3A-13121D189CD9}"/>
+          </ac:spMkLst>
+        </pc:spChg>
+        <pc:spChg chg="add del mod">
+          <ac:chgData name="明阳 阮" userId="a4dcf2889a22c6f9" providerId="LiveId" clId="{A86D5202-7040-4BE9-A259-0D0906DA0EEF}" dt="2023-06-27T10:12:24.118" v="4038" actId="22"/>
+          <ac:spMkLst>
+            <pc:docMk/>
+            <pc:sldMk cId="582678467" sldId="284"/>
+            <ac:spMk id="17" creationId="{4618606F-2E65-ECF1-808B-E53767C66BD3}"/>
+          </ac:spMkLst>
+        </pc:spChg>
+        <pc:spChg chg="add del mod">
+          <ac:chgData name="明阳 阮" userId="a4dcf2889a22c6f9" providerId="LiveId" clId="{A86D5202-7040-4BE9-A259-0D0906DA0EEF}" dt="2023-06-27T10:12:31.518" v="4040" actId="767"/>
+          <ac:spMkLst>
+            <pc:docMk/>
+            <pc:sldMk cId="582678467" sldId="284"/>
+            <ac:spMk id="18" creationId="{43B1A54E-347F-D95F-7C8D-94033B04F5A1}"/>
+          </ac:spMkLst>
+        </pc:spChg>
+        <pc:spChg chg="add mod">
+          <ac:chgData name="明阳 阮" userId="a4dcf2889a22c6f9" providerId="LiveId" clId="{A86D5202-7040-4BE9-A259-0D0906DA0EEF}" dt="2023-06-27T10:35:38.095" v="4067" actId="1076"/>
+          <ac:spMkLst>
+            <pc:docMk/>
+            <pc:sldMk cId="582678467" sldId="284"/>
+            <ac:spMk id="19" creationId="{7378CF9F-30F1-E3E7-8738-A7726734CA97}"/>
+          </ac:spMkLst>
+        </pc:spChg>
+        <pc:spChg chg="add mod">
+          <ac:chgData name="明阳 阮" userId="a4dcf2889a22c6f9" providerId="LiveId" clId="{A86D5202-7040-4BE9-A259-0D0906DA0EEF}" dt="2023-06-27T10:35:00.741" v="4064" actId="1076"/>
+          <ac:spMkLst>
+            <pc:docMk/>
+            <pc:sldMk cId="582678467" sldId="284"/>
+            <ac:spMk id="20" creationId="{7B5949E4-768F-F6FD-B1B6-8AF06D186D28}"/>
+          </ac:spMkLst>
+        </pc:spChg>
+        <pc:spChg chg="add mod">
+          <ac:chgData name="明阳 阮" userId="a4dcf2889a22c6f9" providerId="LiveId" clId="{A86D5202-7040-4BE9-A259-0D0906DA0EEF}" dt="2023-06-27T10:35:38.095" v="4067" actId="1076"/>
+          <ac:spMkLst>
+            <pc:docMk/>
+            <pc:sldMk cId="582678467" sldId="284"/>
+            <ac:spMk id="21" creationId="{5A2A5805-4487-32E2-81AD-D2B109C9665D}"/>
+          </ac:spMkLst>
+        </pc:spChg>
+        <pc:spChg chg="add mod">
+          <ac:chgData name="明阳 阮" userId="a4dcf2889a22c6f9" providerId="LiveId" clId="{A86D5202-7040-4BE9-A259-0D0906DA0EEF}" dt="2023-06-27T10:35:00.741" v="4064" actId="1076"/>
+          <ac:spMkLst>
+            <pc:docMk/>
+            <pc:sldMk cId="582678467" sldId="284"/>
+            <ac:spMk id="22" creationId="{7497CEA2-3107-F0E9-2E05-55B376615E6D}"/>
+          </ac:spMkLst>
+        </pc:spChg>
+        <pc:graphicFrameChg chg="add del">
+          <ac:chgData name="明阳 阮" userId="a4dcf2889a22c6f9" providerId="LiveId" clId="{A86D5202-7040-4BE9-A259-0D0906DA0EEF}" dt="2023-06-27T10:04:20.038" v="3949" actId="478"/>
+          <ac:graphicFrameMkLst>
+            <pc:docMk/>
+            <pc:sldMk cId="582678467" sldId="284"/>
+            <ac:graphicFrameMk id="2" creationId="{23E6D9BD-88A7-7F1A-AA69-4D27FE7B52D5}"/>
+          </ac:graphicFrameMkLst>
+        </pc:graphicFrameChg>
+        <pc:picChg chg="add del mod">
+          <ac:chgData name="明阳 阮" userId="a4dcf2889a22c6f9" providerId="LiveId" clId="{A86D5202-7040-4BE9-A259-0D0906DA0EEF}" dt="2023-06-27T10:04:10.915" v="3948" actId="478"/>
+          <ac:picMkLst>
+            <pc:docMk/>
+            <pc:sldMk cId="582678467" sldId="284"/>
+            <ac:picMk id="3" creationId="{CBEBDF36-FB12-65FA-5AF1-C6E1DCFE3548}"/>
+          </ac:picMkLst>
+        </pc:picChg>
+        <pc:picChg chg="add mod">
+          <ac:chgData name="明阳 阮" userId="a4dcf2889a22c6f9" providerId="LiveId" clId="{A86D5202-7040-4BE9-A259-0D0906DA0EEF}" dt="2023-06-27T10:35:30.486" v="4066" actId="1076"/>
+          <ac:picMkLst>
+            <pc:docMk/>
+            <pc:sldMk cId="582678467" sldId="284"/>
+            <ac:picMk id="9" creationId="{D7AE1D82-BBCC-77E3-5755-F672CD7D6499}"/>
+          </ac:picMkLst>
+        </pc:picChg>
+        <pc:picChg chg="add mod">
+          <ac:chgData name="明阳 阮" userId="a4dcf2889a22c6f9" providerId="LiveId" clId="{A86D5202-7040-4BE9-A259-0D0906DA0EEF}" dt="2023-06-27T10:35:00.741" v="4064" actId="1076"/>
+          <ac:picMkLst>
+            <pc:docMk/>
+            <pc:sldMk cId="582678467" sldId="284"/>
+            <ac:picMk id="10" creationId="{833C4A05-540F-EDC4-A13D-BCAE9206C23F}"/>
+          </ac:picMkLst>
+        </pc:picChg>
+        <pc:picChg chg="add mod">
+          <ac:chgData name="明阳 阮" userId="a4dcf2889a22c6f9" providerId="LiveId" clId="{A86D5202-7040-4BE9-A259-0D0906DA0EEF}" dt="2023-06-27T10:35:30.486" v="4066" actId="1076"/>
+          <ac:picMkLst>
+            <pc:docMk/>
+            <pc:sldMk cId="582678467" sldId="284"/>
+            <ac:picMk id="11" creationId="{2CC6BD94-9EDA-E0FB-541E-0CE7B05118E7}"/>
+          </ac:picMkLst>
+        </pc:picChg>
+        <pc:picChg chg="add mod">
+          <ac:chgData name="明阳 阮" userId="a4dcf2889a22c6f9" providerId="LiveId" clId="{A86D5202-7040-4BE9-A259-0D0906DA0EEF}" dt="2023-06-27T10:35:30.486" v="4066" actId="1076"/>
+          <ac:picMkLst>
+            <pc:docMk/>
+            <pc:sldMk cId="582678467" sldId="284"/>
+            <ac:picMk id="12" creationId="{0C05D8B8-7FC6-0C46-3644-5160D40797D5}"/>
+          </ac:picMkLst>
+        </pc:picChg>
+        <pc:picChg chg="add del mod">
+          <ac:chgData name="明阳 阮" userId="a4dcf2889a22c6f9" providerId="LiveId" clId="{A86D5202-7040-4BE9-A259-0D0906DA0EEF}" dt="2023-06-27T10:09:22.285" v="4027" actId="478"/>
+          <ac:picMkLst>
+            <pc:docMk/>
+            <pc:sldMk cId="582678467" sldId="284"/>
+            <ac:picMk id="13" creationId="{68D70354-1564-FBC3-4CA5-03A15D3EB682}"/>
+          </ac:picMkLst>
+        </pc:picChg>
+        <pc:picChg chg="add mod">
+          <ac:chgData name="明阳 阮" userId="a4dcf2889a22c6f9" providerId="LiveId" clId="{A86D5202-7040-4BE9-A259-0D0906DA0EEF}" dt="2023-06-27T10:35:00.741" v="4064" actId="1076"/>
+          <ac:picMkLst>
+            <pc:docMk/>
+            <pc:sldMk cId="582678467" sldId="284"/>
+            <ac:picMk id="14" creationId="{439A6242-2C65-0BFD-E4A2-002AEFE05D04}"/>
+          </ac:picMkLst>
+        </pc:picChg>
+        <pc:picChg chg="add mod">
+          <ac:chgData name="明阳 阮" userId="a4dcf2889a22c6f9" providerId="LiveId" clId="{A86D5202-7040-4BE9-A259-0D0906DA0EEF}" dt="2023-06-27T10:35:00.741" v="4064" actId="1076"/>
+          <ac:picMkLst>
+            <pc:docMk/>
+            <pc:sldMk cId="582678467" sldId="284"/>
+            <ac:picMk id="15" creationId="{07219B50-629C-0470-D1F6-48351B0FE6E3}"/>
+          </ac:picMkLst>
+        </pc:picChg>
       </pc:sldChg>
       <pc:sldChg chg="addSp delSp modSp add del mod">
         <pc:chgData name="明阳 阮" userId="a4dcf2889a22c6f9" providerId="LiveId" clId="{A86D5202-7040-4BE9-A259-0D0906DA0EEF}" dt="2023-06-27T06:14:51.229" v="3019" actId="47"/>
@@ -1599,9 +1962,418 @@
           </ac:graphicFrameMkLst>
         </pc:graphicFrameChg>
       </pc:sldChg>
+      <pc:sldChg chg="new del">
+        <pc:chgData name="明阳 阮" userId="a4dcf2889a22c6f9" providerId="LiveId" clId="{A86D5202-7040-4BE9-A259-0D0906DA0EEF}" dt="2023-06-27T10:03:33.687" v="3944" actId="680"/>
+        <pc:sldMkLst>
+          <pc:docMk/>
+          <pc:sldMk cId="3344490422" sldId="284"/>
+        </pc:sldMkLst>
+      </pc:sldChg>
+      <pc:sldChg chg="new">
+        <pc:chgData name="明阳 阮" userId="a4dcf2889a22c6f9" providerId="LiveId" clId="{A86D5202-7040-4BE9-A259-0D0906DA0EEF}" dt="2023-06-27T10:10:28.842" v="4032" actId="680"/>
+        <pc:sldMkLst>
+          <pc:docMk/>
+          <pc:sldMk cId="163880359" sldId="285"/>
+        </pc:sldMkLst>
+      </pc:sldChg>
+      <pc:sldChg chg="new">
+        <pc:chgData name="明阳 阮" userId="a4dcf2889a22c6f9" providerId="LiveId" clId="{A86D5202-7040-4BE9-A259-0D0906DA0EEF}" dt="2023-06-27T10:10:29.016" v="4033" actId="680"/>
+        <pc:sldMkLst>
+          <pc:docMk/>
+          <pc:sldMk cId="56594855" sldId="286"/>
+        </pc:sldMkLst>
+      </pc:sldChg>
+      <pc:sldChg chg="new del">
+        <pc:chgData name="明阳 阮" userId="a4dcf2889a22c6f9" providerId="LiveId" clId="{A86D5202-7040-4BE9-A259-0D0906DA0EEF}" dt="2023-06-27T10:21:57.187" v="4059" actId="47"/>
+        <pc:sldMkLst>
+          <pc:docMk/>
+          <pc:sldMk cId="4241705363" sldId="287"/>
+        </pc:sldMkLst>
+      </pc:sldChg>
     </pc:docChg>
   </pc:docChgLst>
 </pc:chgInfo>
+</file>
+
+<file path=ppt/notesMasters/notesMaster1.xml><?xml version="1.0" encoding="utf-8"?>
+<p:notesMaster xmlns:a="http://schemas.openxmlformats.org/drawingml/2006/main" xmlns:r="http://schemas.openxmlformats.org/officeDocument/2006/relationships" xmlns:p="http://schemas.openxmlformats.org/presentationml/2006/main">
+  <p:cSld>
+    <p:bg>
+      <p:bgRef idx="1001">
+        <a:schemeClr val="bg1"/>
+      </p:bgRef>
+    </p:bg>
+    <p:spTree>
+      <p:nvGrpSpPr>
+        <p:cNvPr id="1" name=""/>
+        <p:cNvGrpSpPr/>
+        <p:nvPr/>
+      </p:nvGrpSpPr>
+      <p:grpSpPr>
+        <a:xfrm>
+          <a:off x="0" y="0"/>
+          <a:ext cx="0" cy="0"/>
+          <a:chOff x="0" y="0"/>
+          <a:chExt cx="0" cy="0"/>
+        </a:xfrm>
+      </p:grpSpPr>
+      <p:sp>
+        <p:nvSpPr>
+          <p:cNvPr id="2" name="ヘッダー プレースホルダー 1"/>
+          <p:cNvSpPr>
+            <a:spLocks noGrp="1"/>
+          </p:cNvSpPr>
+          <p:nvPr>
+            <p:ph type="hdr" sz="quarter"/>
+          </p:nvPr>
+        </p:nvSpPr>
+        <p:spPr>
+          <a:xfrm>
+            <a:off x="0" y="0"/>
+            <a:ext cx="2971800" cy="458788"/>
+          </a:xfrm>
+          <a:prstGeom prst="rect">
+            <a:avLst/>
+          </a:prstGeom>
+        </p:spPr>
+        <p:txBody>
+          <a:bodyPr vert="horz" lIns="91440" tIns="45720" rIns="91440" bIns="45720" rtlCol="0"/>
+          <a:lstStyle>
+            <a:lvl1pPr algn="l">
+              <a:defRPr sz="1200"/>
+            </a:lvl1pPr>
+          </a:lstStyle>
+          <a:p>
+            <a:endParaRPr kumimoji="1" lang="ja-JP" altLang="en-US"/>
+          </a:p>
+        </p:txBody>
+      </p:sp>
+      <p:sp>
+        <p:nvSpPr>
+          <p:cNvPr id="3" name="日付プレースホルダー 2"/>
+          <p:cNvSpPr>
+            <a:spLocks noGrp="1"/>
+          </p:cNvSpPr>
+          <p:nvPr>
+            <p:ph type="dt" idx="1"/>
+          </p:nvPr>
+        </p:nvSpPr>
+        <p:spPr>
+          <a:xfrm>
+            <a:off x="3884613" y="0"/>
+            <a:ext cx="2971800" cy="458788"/>
+          </a:xfrm>
+          <a:prstGeom prst="rect">
+            <a:avLst/>
+          </a:prstGeom>
+        </p:spPr>
+        <p:txBody>
+          <a:bodyPr vert="horz" lIns="91440" tIns="45720" rIns="91440" bIns="45720" rtlCol="0"/>
+          <a:lstStyle>
+            <a:lvl1pPr algn="r">
+              <a:defRPr sz="1200"/>
+            </a:lvl1pPr>
+          </a:lstStyle>
+          <a:p>
+            <a:fld id="{D92BB75E-7D0E-406D-829B-CAF34726F3EB}" type="datetimeFigureOut">
+              <a:rPr kumimoji="1" lang="ja-JP" altLang="en-US" smtClean="0"/>
+              <a:t>2023/6/27</a:t>
+            </a:fld>
+            <a:endParaRPr kumimoji="1" lang="ja-JP" altLang="en-US"/>
+          </a:p>
+        </p:txBody>
+      </p:sp>
+      <p:sp>
+        <p:nvSpPr>
+          <p:cNvPr id="4" name="スライド イメージ プレースホルダー 3"/>
+          <p:cNvSpPr>
+            <a:spLocks noGrp="1" noRot="1" noChangeAspect="1"/>
+          </p:cNvSpPr>
+          <p:nvPr>
+            <p:ph type="sldImg" idx="2"/>
+          </p:nvPr>
+        </p:nvSpPr>
+        <p:spPr>
+          <a:xfrm>
+            <a:off x="685800" y="1143000"/>
+            <a:ext cx="5486400" cy="3086100"/>
+          </a:xfrm>
+          <a:prstGeom prst="rect">
+            <a:avLst/>
+          </a:prstGeom>
+          <a:noFill/>
+          <a:ln w="12700">
+            <a:solidFill>
+              <a:prstClr val="black"/>
+            </a:solidFill>
+          </a:ln>
+        </p:spPr>
+        <p:txBody>
+          <a:bodyPr vert="horz" lIns="91440" tIns="45720" rIns="91440" bIns="45720" rtlCol="0" anchor="ctr"/>
+          <a:lstStyle/>
+          <a:p>
+            <a:endParaRPr lang="ja-JP" altLang="en-US"/>
+          </a:p>
+        </p:txBody>
+      </p:sp>
+      <p:sp>
+        <p:nvSpPr>
+          <p:cNvPr id="5" name="ノート プレースホルダー 4"/>
+          <p:cNvSpPr>
+            <a:spLocks noGrp="1"/>
+          </p:cNvSpPr>
+          <p:nvPr>
+            <p:ph type="body" sz="quarter" idx="3"/>
+          </p:nvPr>
+        </p:nvSpPr>
+        <p:spPr>
+          <a:xfrm>
+            <a:off x="685800" y="4400550"/>
+            <a:ext cx="5486400" cy="3600450"/>
+          </a:xfrm>
+          <a:prstGeom prst="rect">
+            <a:avLst/>
+          </a:prstGeom>
+        </p:spPr>
+        <p:txBody>
+          <a:bodyPr vert="horz" lIns="91440" tIns="45720" rIns="91440" bIns="45720" rtlCol="0"/>
+          <a:lstStyle/>
+          <a:p>
+            <a:pPr lvl="0"/>
+            <a:r>
+              <a:rPr kumimoji="1" lang="ja-JP" altLang="en-US"/>
+              <a:t>マスター テキストの書式設定</a:t>
+            </a:r>
+          </a:p>
+          <a:p>
+            <a:pPr lvl="1"/>
+            <a:r>
+              <a:rPr kumimoji="1" lang="ja-JP" altLang="en-US"/>
+              <a:t>第 </a:t>
+            </a:r>
+            <a:r>
+              <a:rPr kumimoji="1" lang="en-US" altLang="ja-JP"/>
+              <a:t>2 </a:t>
+            </a:r>
+            <a:r>
+              <a:rPr kumimoji="1" lang="ja-JP" altLang="en-US"/>
+              <a:t>レベル</a:t>
+            </a:r>
+          </a:p>
+          <a:p>
+            <a:pPr lvl="2"/>
+            <a:r>
+              <a:rPr kumimoji="1" lang="ja-JP" altLang="en-US"/>
+              <a:t>第 </a:t>
+            </a:r>
+            <a:r>
+              <a:rPr kumimoji="1" lang="en-US" altLang="ja-JP"/>
+              <a:t>3 </a:t>
+            </a:r>
+            <a:r>
+              <a:rPr kumimoji="1" lang="ja-JP" altLang="en-US"/>
+              <a:t>レベル</a:t>
+            </a:r>
+          </a:p>
+          <a:p>
+            <a:pPr lvl="3"/>
+            <a:r>
+              <a:rPr kumimoji="1" lang="ja-JP" altLang="en-US"/>
+              <a:t>第 </a:t>
+            </a:r>
+            <a:r>
+              <a:rPr kumimoji="1" lang="en-US" altLang="ja-JP"/>
+              <a:t>4 </a:t>
+            </a:r>
+            <a:r>
+              <a:rPr kumimoji="1" lang="ja-JP" altLang="en-US"/>
+              <a:t>レベル</a:t>
+            </a:r>
+          </a:p>
+          <a:p>
+            <a:pPr lvl="4"/>
+            <a:r>
+              <a:rPr kumimoji="1" lang="ja-JP" altLang="en-US"/>
+              <a:t>第 </a:t>
+            </a:r>
+            <a:r>
+              <a:rPr kumimoji="1" lang="en-US" altLang="ja-JP"/>
+              <a:t>5 </a:t>
+            </a:r>
+            <a:r>
+              <a:rPr kumimoji="1" lang="ja-JP" altLang="en-US"/>
+              <a:t>レベル</a:t>
+            </a:r>
+          </a:p>
+        </p:txBody>
+      </p:sp>
+      <p:sp>
+        <p:nvSpPr>
+          <p:cNvPr id="6" name="フッター プレースホルダー 5"/>
+          <p:cNvSpPr>
+            <a:spLocks noGrp="1"/>
+          </p:cNvSpPr>
+          <p:nvPr>
+            <p:ph type="ftr" sz="quarter" idx="4"/>
+          </p:nvPr>
+        </p:nvSpPr>
+        <p:spPr>
+          <a:xfrm>
+            <a:off x="0" y="8685213"/>
+            <a:ext cx="2971800" cy="458787"/>
+          </a:xfrm>
+          <a:prstGeom prst="rect">
+            <a:avLst/>
+          </a:prstGeom>
+        </p:spPr>
+        <p:txBody>
+          <a:bodyPr vert="horz" lIns="91440" tIns="45720" rIns="91440" bIns="45720" rtlCol="0" anchor="b"/>
+          <a:lstStyle>
+            <a:lvl1pPr algn="l">
+              <a:defRPr sz="1200"/>
+            </a:lvl1pPr>
+          </a:lstStyle>
+          <a:p>
+            <a:endParaRPr kumimoji="1" lang="ja-JP" altLang="en-US"/>
+          </a:p>
+        </p:txBody>
+      </p:sp>
+      <p:sp>
+        <p:nvSpPr>
+          <p:cNvPr id="7" name="スライド番号プレースホルダー 6"/>
+          <p:cNvSpPr>
+            <a:spLocks noGrp="1"/>
+          </p:cNvSpPr>
+          <p:nvPr>
+            <p:ph type="sldNum" sz="quarter" idx="5"/>
+          </p:nvPr>
+        </p:nvSpPr>
+        <p:spPr>
+          <a:xfrm>
+            <a:off x="3884613" y="8685213"/>
+            <a:ext cx="2971800" cy="458787"/>
+          </a:xfrm>
+          <a:prstGeom prst="rect">
+            <a:avLst/>
+          </a:prstGeom>
+        </p:spPr>
+        <p:txBody>
+          <a:bodyPr vert="horz" lIns="91440" tIns="45720" rIns="91440" bIns="45720" rtlCol="0" anchor="b"/>
+          <a:lstStyle>
+            <a:lvl1pPr algn="r">
+              <a:defRPr sz="1200"/>
+            </a:lvl1pPr>
+          </a:lstStyle>
+          <a:p>
+            <a:fld id="{8DB0AE4A-F5C2-4422-814A-30EFE7498765}" type="slidenum">
+              <a:rPr kumimoji="1" lang="ja-JP" altLang="en-US" smtClean="0"/>
+              <a:t>‹#›</a:t>
+            </a:fld>
+            <a:endParaRPr kumimoji="1" lang="ja-JP" altLang="en-US"/>
+          </a:p>
+        </p:txBody>
+      </p:sp>
+    </p:spTree>
+    <p:extLst>
+      <p:ext uri="{BB962C8B-B14F-4D97-AF65-F5344CB8AC3E}">
+        <p14:creationId xmlns:p14="http://schemas.microsoft.com/office/powerpoint/2010/main" val="3272942266"/>
+      </p:ext>
+    </p:extLst>
+  </p:cSld>
+  <p:clrMap bg1="lt1" tx1="dk1" bg2="lt2" tx2="dk2" accent1="accent1" accent2="accent2" accent3="accent3" accent4="accent4" accent5="accent5" accent6="accent6" hlink="hlink" folHlink="folHlink"/>
+  <p:notesStyle>
+    <a:lvl1pPr marL="0" algn="l" defTabSz="914400" rtl="0" eaLnBrk="1" latinLnBrk="0" hangingPunct="1">
+      <a:defRPr kumimoji="1" sz="1200" kern="1200">
+        <a:solidFill>
+          <a:schemeClr val="tx1"/>
+        </a:solidFill>
+        <a:latin typeface="+mn-lt"/>
+        <a:ea typeface="+mn-ea"/>
+        <a:cs typeface="+mn-cs"/>
+      </a:defRPr>
+    </a:lvl1pPr>
+    <a:lvl2pPr marL="457200" algn="l" defTabSz="914400" rtl="0" eaLnBrk="1" latinLnBrk="0" hangingPunct="1">
+      <a:defRPr kumimoji="1" sz="1200" kern="1200">
+        <a:solidFill>
+          <a:schemeClr val="tx1"/>
+        </a:solidFill>
+        <a:latin typeface="+mn-lt"/>
+        <a:ea typeface="+mn-ea"/>
+        <a:cs typeface="+mn-cs"/>
+      </a:defRPr>
+    </a:lvl2pPr>
+    <a:lvl3pPr marL="914400" algn="l" defTabSz="914400" rtl="0" eaLnBrk="1" latinLnBrk="0" hangingPunct="1">
+      <a:defRPr kumimoji="1" sz="1200" kern="1200">
+        <a:solidFill>
+          <a:schemeClr val="tx1"/>
+        </a:solidFill>
+        <a:latin typeface="+mn-lt"/>
+        <a:ea typeface="+mn-ea"/>
+        <a:cs typeface="+mn-cs"/>
+      </a:defRPr>
+    </a:lvl3pPr>
+    <a:lvl4pPr marL="1371600" algn="l" defTabSz="914400" rtl="0" eaLnBrk="1" latinLnBrk="0" hangingPunct="1">
+      <a:defRPr kumimoji="1" sz="1200" kern="1200">
+        <a:solidFill>
+          <a:schemeClr val="tx1"/>
+        </a:solidFill>
+        <a:latin typeface="+mn-lt"/>
+        <a:ea typeface="+mn-ea"/>
+        <a:cs typeface="+mn-cs"/>
+      </a:defRPr>
+    </a:lvl4pPr>
+    <a:lvl5pPr marL="1828800" algn="l" defTabSz="914400" rtl="0" eaLnBrk="1" latinLnBrk="0" hangingPunct="1">
+      <a:defRPr kumimoji="1" sz="1200" kern="1200">
+        <a:solidFill>
+          <a:schemeClr val="tx1"/>
+        </a:solidFill>
+        <a:latin typeface="+mn-lt"/>
+        <a:ea typeface="+mn-ea"/>
+        <a:cs typeface="+mn-cs"/>
+      </a:defRPr>
+    </a:lvl5pPr>
+    <a:lvl6pPr marL="2286000" algn="l" defTabSz="914400" rtl="0" eaLnBrk="1" latinLnBrk="0" hangingPunct="1">
+      <a:defRPr kumimoji="1" sz="1200" kern="1200">
+        <a:solidFill>
+          <a:schemeClr val="tx1"/>
+        </a:solidFill>
+        <a:latin typeface="+mn-lt"/>
+        <a:ea typeface="+mn-ea"/>
+        <a:cs typeface="+mn-cs"/>
+      </a:defRPr>
+    </a:lvl6pPr>
+    <a:lvl7pPr marL="2743200" algn="l" defTabSz="914400" rtl="0" eaLnBrk="1" latinLnBrk="0" hangingPunct="1">
+      <a:defRPr kumimoji="1" sz="1200" kern="1200">
+        <a:solidFill>
+          <a:schemeClr val="tx1"/>
+        </a:solidFill>
+        <a:latin typeface="+mn-lt"/>
+        <a:ea typeface="+mn-ea"/>
+        <a:cs typeface="+mn-cs"/>
+      </a:defRPr>
+    </a:lvl7pPr>
+    <a:lvl8pPr marL="3200400" algn="l" defTabSz="914400" rtl="0" eaLnBrk="1" latinLnBrk="0" hangingPunct="1">
+      <a:defRPr kumimoji="1" sz="1200" kern="1200">
+        <a:solidFill>
+          <a:schemeClr val="tx1"/>
+        </a:solidFill>
+        <a:latin typeface="+mn-lt"/>
+        <a:ea typeface="+mn-ea"/>
+        <a:cs typeface="+mn-cs"/>
+      </a:defRPr>
+    </a:lvl8pPr>
+    <a:lvl9pPr marL="3657600" algn="l" defTabSz="914400" rtl="0" eaLnBrk="1" latinLnBrk="0" hangingPunct="1">
+      <a:defRPr kumimoji="1" sz="1200" kern="1200">
+        <a:solidFill>
+          <a:schemeClr val="tx1"/>
+        </a:solidFill>
+        <a:latin typeface="+mn-lt"/>
+        <a:ea typeface="+mn-ea"/>
+        <a:cs typeface="+mn-cs"/>
+      </a:defRPr>
+    </a:lvl9pPr>
+  </p:notesStyle>
+</p:notesMaster>
 </file>
 
 <file path=ppt/slideLayouts/slideLayout1.xml><?xml version="1.0" encoding="utf-8"?>
@@ -4964,10 +5736,10 @@
       </p:grpSpPr>
       <p:sp>
         <p:nvSpPr>
-          <p:cNvPr id="2" name="标题 1">
-            <a:extLst>
-              <a:ext uri="{FF2B5EF4-FFF2-40B4-BE49-F238E27FC236}">
-                <a16:creationId xmlns:a16="http://schemas.microsoft.com/office/drawing/2014/main" id="{34C49174-06E5-023C-2624-08C969067DB5}"/>
+          <p:cNvPr id="2" name="タイトル 1">
+            <a:extLst>
+              <a:ext uri="{FF2B5EF4-FFF2-40B4-BE49-F238E27FC236}">
+                <a16:creationId xmlns:a16="http://schemas.microsoft.com/office/drawing/2014/main" id="{A281ED94-23E6-5873-FDF2-2C3F2D9649CE}"/>
               </a:ext>
             </a:extLst>
           </p:cNvPr>
@@ -4983,306 +5755,39 @@
           <a:bodyPr/>
           <a:lstStyle/>
           <a:p>
-            <a:r>
-              <a:rPr lang="ja-JP" altLang="en-US" dirty="0"/>
-              <a:t>構造２</a:t>
-            </a:r>
-            <a:endParaRPr lang="zh-CN" altLang="en-US" dirty="0"/>
-          </a:p>
-        </p:txBody>
-      </p:sp>
-      <mc:AlternateContent xmlns:mc="http://schemas.openxmlformats.org/markup-compatibility/2006">
-        <mc:Choice xmlns:a14="http://schemas.microsoft.com/office/drawing/2010/main" Requires="a14">
-          <p:sp>
-            <p:nvSpPr>
-              <p:cNvPr id="3" name="内容占位符 2">
-                <a:extLst>
-                  <a:ext uri="{FF2B5EF4-FFF2-40B4-BE49-F238E27FC236}">
-                    <a16:creationId xmlns:a16="http://schemas.microsoft.com/office/drawing/2014/main" id="{0ED86653-D48C-6F98-6B6E-6C8A5F1CEE50}"/>
-                  </a:ext>
-                </a:extLst>
-              </p:cNvPr>
-              <p:cNvSpPr>
-                <a:spLocks noGrp="1"/>
-              </p:cNvSpPr>
-              <p:nvPr>
-                <p:ph idx="1"/>
-              </p:nvPr>
-            </p:nvSpPr>
-            <p:spPr/>
-            <p:txBody>
-              <a:bodyPr>
-                <a:normAutofit/>
-              </a:bodyPr>
-              <a:lstStyle/>
-              <a:p>
-                <a:r>
-                  <a:rPr lang="en-US" altLang="zh-CN" dirty="0"/>
-                  <a:t> E =-189.73139</a:t>
-                </a:r>
-              </a:p>
-              <a:p>
-                <a:endParaRPr lang="en-US" altLang="zh-CN" dirty="0"/>
-              </a:p>
-              <a:p>
-                <a:r>
-                  <a:rPr lang="zh-CN" altLang="en-US" dirty="0"/>
-                  <a:t>吸着</a:t>
-                </a:r>
-                <a:r>
-                  <a:rPr lang="ja-JP" altLang="en-US" dirty="0"/>
-                  <a:t>エネルギー：</a:t>
-                </a:r>
-              </a:p>
-              <a:p>
-                <a:endParaRPr lang="ja-JP" altLang="en-US" dirty="0"/>
-              </a:p>
-              <a:p>
-                <a:r>
-                  <a:rPr lang="en-US" altLang="ja-JP" dirty="0"/>
-                  <a:t> </a:t>
-                </a:r>
-                <a14:m>
-                  <m:oMath xmlns:m="http://schemas.openxmlformats.org/officeDocument/2006/math">
-                    <m:sSub>
-                      <m:sSubPr>
-                        <m:ctrlPr>
-                          <a:rPr lang="en-US" altLang="zh-CN" i="1" dirty="0">
-                            <a:latin typeface="Cambria Math" panose="02040503050406030204" pitchFamily="18" charset="0"/>
-                          </a:rPr>
-                        </m:ctrlPr>
-                      </m:sSubPr>
-                      <m:e>
-                        <m:r>
-                          <m:rPr>
-                            <m:sty m:val="p"/>
-                          </m:rPr>
-                          <a:rPr lang="en-US" altLang="zh-CN" dirty="0">
-                            <a:latin typeface="Cambria Math" panose="02040503050406030204" pitchFamily="18" charset="0"/>
-                          </a:rPr>
-                          <m:t>E</m:t>
-                        </m:r>
-                      </m:e>
-                      <m:sub>
-                        <m:r>
-                          <m:rPr>
-                            <m:sty m:val="p"/>
-                          </m:rPr>
-                          <a:rPr lang="en-US" altLang="zh-CN" dirty="0">
-                            <a:latin typeface="Cambria Math" panose="02040503050406030204" pitchFamily="18" charset="0"/>
-                          </a:rPr>
-                          <m:t>bonding</m:t>
-                        </m:r>
-                      </m:sub>
-                    </m:sSub>
-                  </m:oMath>
-                </a14:m>
-                <a:r>
-                  <a:rPr lang="en-US" altLang="zh-CN" dirty="0"/>
-                  <a:t>=E-</a:t>
-                </a:r>
-                <a14:m>
-                  <m:oMath xmlns:m="http://schemas.openxmlformats.org/officeDocument/2006/math">
-                    <m:sSub>
-                      <m:sSubPr>
-                        <m:ctrlPr>
-                          <a:rPr lang="en-US" altLang="zh-CN" i="1" dirty="0">
-                            <a:latin typeface="Cambria Math" panose="02040503050406030204" pitchFamily="18" charset="0"/>
-                          </a:rPr>
-                        </m:ctrlPr>
-                      </m:sSubPr>
-                      <m:e>
-                        <m:r>
-                          <m:rPr>
-                            <m:sty m:val="p"/>
-                          </m:rPr>
-                          <a:rPr lang="en-US" altLang="zh-CN" dirty="0">
-                            <a:latin typeface="Cambria Math" panose="02040503050406030204" pitchFamily="18" charset="0"/>
-                          </a:rPr>
-                          <m:t>E</m:t>
-                        </m:r>
-                      </m:e>
-                      <m:sub>
-                        <m:r>
-                          <m:rPr>
-                            <m:sty m:val="p"/>
-                          </m:rPr>
-                          <a:rPr lang="en-US" altLang="zh-CN" dirty="0">
-                            <a:latin typeface="Cambria Math" panose="02040503050406030204" pitchFamily="18" charset="0"/>
-                          </a:rPr>
-                          <m:t>CO</m:t>
-                        </m:r>
-                      </m:sub>
-                    </m:sSub>
-                  </m:oMath>
-                </a14:m>
-                <a:r>
-                  <a:rPr lang="en-US" altLang="zh-CN" dirty="0"/>
-                  <a:t>-</a:t>
-                </a:r>
-                <a14:m>
-                  <m:oMath xmlns:m="http://schemas.openxmlformats.org/officeDocument/2006/math">
-                    <m:sSub>
-                      <m:sSubPr>
-                        <m:ctrlPr>
-                          <a:rPr lang="en-US" altLang="zh-CN" i="1" dirty="0">
-                            <a:latin typeface="Cambria Math" panose="02040503050406030204" pitchFamily="18" charset="0"/>
-                          </a:rPr>
-                        </m:ctrlPr>
-                      </m:sSubPr>
-                      <m:e>
-                        <m:r>
-                          <m:rPr>
-                            <m:sty m:val="p"/>
-                          </m:rPr>
-                          <a:rPr lang="en-US" altLang="zh-CN" dirty="0">
-                            <a:latin typeface="Cambria Math" panose="02040503050406030204" pitchFamily="18" charset="0"/>
-                          </a:rPr>
-                          <m:t>E</m:t>
-                        </m:r>
-                      </m:e>
-                      <m:sub>
-                        <m:sSub>
-                          <m:sSubPr>
-                            <m:ctrlPr>
-                              <a:rPr lang="en-US" altLang="ja-JP" i="1" dirty="0">
-                                <a:latin typeface="Cambria Math" panose="02040503050406030204" pitchFamily="18" charset="0"/>
-                              </a:rPr>
-                            </m:ctrlPr>
-                          </m:sSubPr>
-                          <m:e>
-                            <m:r>
-                              <m:rPr>
-                                <m:sty m:val="p"/>
-                              </m:rPr>
-                              <a:rPr lang="en-US" altLang="ja-JP" dirty="0">
-                                <a:latin typeface="Cambria Math" panose="02040503050406030204" pitchFamily="18" charset="0"/>
-                              </a:rPr>
-                              <m:t>H</m:t>
-                            </m:r>
-                          </m:e>
-                          <m:sub>
-                            <m:r>
-                              <a:rPr lang="en-US" altLang="ja-JP" dirty="0">
-                                <a:latin typeface="Cambria Math" panose="02040503050406030204" pitchFamily="18" charset="0"/>
-                              </a:rPr>
-                              <m:t>2</m:t>
-                            </m:r>
-                          </m:sub>
-                        </m:sSub>
-                        <m:r>
-                          <m:rPr>
-                            <m:sty m:val="p"/>
-                          </m:rPr>
-                          <a:rPr lang="en-US" altLang="ja-JP" dirty="0">
-                            <a:latin typeface="Cambria Math" panose="02040503050406030204" pitchFamily="18" charset="0"/>
-                          </a:rPr>
-                          <m:t>O</m:t>
-                        </m:r>
-                      </m:sub>
-                    </m:sSub>
-                    <m:r>
-                      <a:rPr lang="en-US" altLang="ja-JP" i="1" dirty="0">
-                        <a:latin typeface="Cambria Math" panose="02040503050406030204" pitchFamily="18" charset="0"/>
-                      </a:rPr>
-                      <m:t> </m:t>
-                    </m:r>
-                  </m:oMath>
-                </a14:m>
-                <a:r>
-                  <a:rPr lang="en-US" altLang="zh-CN" dirty="0"/>
-                  <a:t>=1.38166kcal/mol </a:t>
-                </a:r>
-              </a:p>
-              <a:p>
-                <a:endParaRPr lang="en-US" altLang="zh-CN" dirty="0"/>
-              </a:p>
-              <a:p>
-                <a:endParaRPr lang="zh-CN" altLang="en-US" dirty="0"/>
-              </a:p>
-            </p:txBody>
-          </p:sp>
-        </mc:Choice>
-        <mc:Fallback>
-          <p:sp>
-            <p:nvSpPr>
-              <p:cNvPr id="3" name="内容占位符 2">
-                <a:extLst>
-                  <a:ext uri="{FF2B5EF4-FFF2-40B4-BE49-F238E27FC236}">
-                    <a16:creationId xmlns:a16="http://schemas.microsoft.com/office/drawing/2014/main" id="{0ED86653-D48C-6F98-6B6E-6C8A5F1CEE50}"/>
-                  </a:ext>
-                </a:extLst>
-              </p:cNvPr>
-              <p:cNvSpPr>
-                <a:spLocks noGrp="1" noRot="1" noChangeAspect="1" noMove="1" noResize="1" noEditPoints="1" noAdjustHandles="1" noChangeArrowheads="1" noChangeShapeType="1" noTextEdit="1"/>
-              </p:cNvSpPr>
-              <p:nvPr>
-                <p:ph idx="1"/>
-              </p:nvPr>
-            </p:nvSpPr>
-            <p:spPr>
-              <a:blipFill>
-                <a:blip r:embed="rId2"/>
-                <a:stretch>
-                  <a:fillRect l="-1043" t="-2521"/>
-                </a:stretch>
-              </a:blipFill>
-            </p:spPr>
-            <p:txBody>
-              <a:bodyPr/>
-              <a:lstStyle/>
-              <a:p>
-                <a:r>
-                  <a:rPr lang="ja-JP" altLang="en-US">
-                    <a:noFill/>
-                  </a:rPr>
-                  <a:t> </a:t>
-                </a:r>
-              </a:p>
-            </p:txBody>
-          </p:sp>
-        </mc:Fallback>
-      </mc:AlternateContent>
-      <p:pic>
-        <p:nvPicPr>
-          <p:cNvPr id="6" name="図 5">
-            <a:extLst>
-              <a:ext uri="{FF2B5EF4-FFF2-40B4-BE49-F238E27FC236}">
-                <a16:creationId xmlns:a16="http://schemas.microsoft.com/office/drawing/2014/main" id="{0823549B-D552-246A-0194-FE1DBFEA8F1B}"/>
-              </a:ext>
-            </a:extLst>
-          </p:cNvPr>
-          <p:cNvPicPr>
-            <a:picLocks noChangeAspect="1"/>
-          </p:cNvPicPr>
-          <p:nvPr/>
-        </p:nvPicPr>
-        <p:blipFill>
-          <a:blip r:embed="rId3">
-            <a:extLst>
-              <a:ext uri="{28A0092B-C50C-407E-A947-70E740481C1C}">
-                <a14:useLocalDpi xmlns:a14="http://schemas.microsoft.com/office/drawing/2010/main" val="0"/>
-              </a:ext>
-            </a:extLst>
-          </a:blip>
-          <a:stretch>
-            <a:fillRect/>
-          </a:stretch>
-        </p:blipFill>
-        <p:spPr>
-          <a:xfrm>
-            <a:off x="6096000" y="1629000"/>
-            <a:ext cx="2061050" cy="1800000"/>
-          </a:xfrm>
-          <a:prstGeom prst="rect">
-            <a:avLst/>
-          </a:prstGeom>
-        </p:spPr>
-      </p:pic>
+            <a:endParaRPr kumimoji="1" lang="ja-JP" altLang="en-US"/>
+          </a:p>
+        </p:txBody>
+      </p:sp>
+      <p:sp>
+        <p:nvSpPr>
+          <p:cNvPr id="3" name="コンテンツ プレースホルダー 2">
+            <a:extLst>
+              <a:ext uri="{FF2B5EF4-FFF2-40B4-BE49-F238E27FC236}">
+                <a16:creationId xmlns:a16="http://schemas.microsoft.com/office/drawing/2014/main" id="{DCAE2513-AC4E-5A46-3617-88DB7AA2227F}"/>
+              </a:ext>
+            </a:extLst>
+          </p:cNvPr>
+          <p:cNvSpPr>
+            <a:spLocks noGrp="1"/>
+          </p:cNvSpPr>
+          <p:nvPr>
+            <p:ph idx="1"/>
+          </p:nvPr>
+        </p:nvSpPr>
+        <p:spPr/>
+        <p:txBody>
+          <a:bodyPr/>
+          <a:lstStyle/>
+          <a:p>
+            <a:endParaRPr kumimoji="1" lang="ja-JP" altLang="en-US"/>
+          </a:p>
+        </p:txBody>
+      </p:sp>
     </p:spTree>
     <p:extLst>
       <p:ext uri="{BB962C8B-B14F-4D97-AF65-F5344CB8AC3E}">
-        <p14:creationId xmlns:p14="http://schemas.microsoft.com/office/powerpoint/2010/main" val="1224054341"/>
+        <p14:creationId xmlns:p14="http://schemas.microsoft.com/office/powerpoint/2010/main" val="163880359"/>
       </p:ext>
     </p:extLst>
   </p:cSld>
@@ -5311,10 +5816,10 @@
       </p:grpSpPr>
       <p:sp>
         <p:nvSpPr>
-          <p:cNvPr id="2" name="标题 1">
-            <a:extLst>
-              <a:ext uri="{FF2B5EF4-FFF2-40B4-BE49-F238E27FC236}">
-                <a16:creationId xmlns:a16="http://schemas.microsoft.com/office/drawing/2014/main" id="{348F0AAA-C980-629D-8251-C1F594CB20E0}"/>
+          <p:cNvPr id="2" name="タイトル 1">
+            <a:extLst>
+              <a:ext uri="{FF2B5EF4-FFF2-40B4-BE49-F238E27FC236}">
+                <a16:creationId xmlns:a16="http://schemas.microsoft.com/office/drawing/2014/main" id="{63B6937C-09A2-225F-F67F-01B72D086C91}"/>
               </a:ext>
             </a:extLst>
           </p:cNvPr>
@@ -5330,301 +5835,39 @@
           <a:bodyPr/>
           <a:lstStyle/>
           <a:p>
-            <a:r>
-              <a:rPr lang="ja-JP" altLang="en-US" dirty="0"/>
-              <a:t>構造３</a:t>
-            </a:r>
-            <a:endParaRPr lang="zh-CN" altLang="en-US" dirty="0"/>
-          </a:p>
-        </p:txBody>
-      </p:sp>
-      <mc:AlternateContent xmlns:mc="http://schemas.openxmlformats.org/markup-compatibility/2006">
-        <mc:Choice xmlns:a14="http://schemas.microsoft.com/office/drawing/2010/main" Requires="a14">
-          <p:sp>
-            <p:nvSpPr>
-              <p:cNvPr id="3" name="内容占位符 2">
-                <a:extLst>
-                  <a:ext uri="{FF2B5EF4-FFF2-40B4-BE49-F238E27FC236}">
-                    <a16:creationId xmlns:a16="http://schemas.microsoft.com/office/drawing/2014/main" id="{4312C6ED-C84F-0BDC-6EF1-F6BE364980F6}"/>
-                  </a:ext>
-                </a:extLst>
-              </p:cNvPr>
-              <p:cNvSpPr>
-                <a:spLocks noGrp="1"/>
-              </p:cNvSpPr>
-              <p:nvPr>
-                <p:ph idx="1"/>
-              </p:nvPr>
-            </p:nvSpPr>
-            <p:spPr/>
-            <p:txBody>
-              <a:bodyPr/>
-              <a:lstStyle/>
-              <a:p>
-                <a:r>
-                  <a:rPr lang="en-US" altLang="zh-CN" dirty="0"/>
-                  <a:t> E =-189.73338</a:t>
-                </a:r>
-              </a:p>
-              <a:p>
-                <a:endParaRPr lang="en-US" altLang="zh-CN" dirty="0"/>
-              </a:p>
-              <a:p>
-                <a:r>
-                  <a:rPr lang="zh-CN" altLang="en-US" dirty="0"/>
-                  <a:t>吸着</a:t>
-                </a:r>
-                <a:r>
-                  <a:rPr lang="ja-JP" altLang="en-US" dirty="0"/>
-                  <a:t>エネルギー：</a:t>
-                </a:r>
-              </a:p>
-              <a:p>
-                <a:endParaRPr lang="ja-JP" altLang="en-US" dirty="0"/>
-              </a:p>
-              <a:p>
-                <a:r>
-                  <a:rPr lang="en-US" altLang="ja-JP" dirty="0"/>
-                  <a:t> </a:t>
-                </a:r>
-                <a14:m>
-                  <m:oMath xmlns:m="http://schemas.openxmlformats.org/officeDocument/2006/math">
-                    <m:sSub>
-                      <m:sSubPr>
-                        <m:ctrlPr>
-                          <a:rPr lang="en-US" altLang="zh-CN" i="1" dirty="0">
-                            <a:latin typeface="Cambria Math" panose="02040503050406030204" pitchFamily="18" charset="0"/>
-                          </a:rPr>
-                        </m:ctrlPr>
-                      </m:sSubPr>
-                      <m:e>
-                        <m:r>
-                          <m:rPr>
-                            <m:sty m:val="p"/>
-                          </m:rPr>
-                          <a:rPr lang="en-US" altLang="zh-CN" dirty="0">
-                            <a:latin typeface="Cambria Math" panose="02040503050406030204" pitchFamily="18" charset="0"/>
-                          </a:rPr>
-                          <m:t>E</m:t>
-                        </m:r>
-                      </m:e>
-                      <m:sub>
-                        <m:r>
-                          <m:rPr>
-                            <m:sty m:val="p"/>
-                          </m:rPr>
-                          <a:rPr lang="en-US" altLang="zh-CN" dirty="0">
-                            <a:latin typeface="Cambria Math" panose="02040503050406030204" pitchFamily="18" charset="0"/>
-                          </a:rPr>
-                          <m:t>bonding</m:t>
-                        </m:r>
-                      </m:sub>
-                    </m:sSub>
-                  </m:oMath>
-                </a14:m>
-                <a:r>
-                  <a:rPr lang="en-US" altLang="zh-CN" dirty="0"/>
-                  <a:t>=E-</a:t>
-                </a:r>
-                <a14:m>
-                  <m:oMath xmlns:m="http://schemas.openxmlformats.org/officeDocument/2006/math">
-                    <m:sSub>
-                      <m:sSubPr>
-                        <m:ctrlPr>
-                          <a:rPr lang="en-US" altLang="zh-CN" i="1" dirty="0">
-                            <a:latin typeface="Cambria Math" panose="02040503050406030204" pitchFamily="18" charset="0"/>
-                          </a:rPr>
-                        </m:ctrlPr>
-                      </m:sSubPr>
-                      <m:e>
-                        <m:r>
-                          <m:rPr>
-                            <m:sty m:val="p"/>
-                          </m:rPr>
-                          <a:rPr lang="en-US" altLang="zh-CN" dirty="0">
-                            <a:latin typeface="Cambria Math" panose="02040503050406030204" pitchFamily="18" charset="0"/>
-                          </a:rPr>
-                          <m:t>E</m:t>
-                        </m:r>
-                      </m:e>
-                      <m:sub>
-                        <m:r>
-                          <m:rPr>
-                            <m:sty m:val="p"/>
-                          </m:rPr>
-                          <a:rPr lang="en-US" altLang="zh-CN" dirty="0">
-                            <a:latin typeface="Cambria Math" panose="02040503050406030204" pitchFamily="18" charset="0"/>
-                          </a:rPr>
-                          <m:t>CO</m:t>
-                        </m:r>
-                      </m:sub>
-                    </m:sSub>
-                  </m:oMath>
-                </a14:m>
-                <a:r>
-                  <a:rPr lang="en-US" altLang="zh-CN" dirty="0"/>
-                  <a:t>-</a:t>
-                </a:r>
-                <a14:m>
-                  <m:oMath xmlns:m="http://schemas.openxmlformats.org/officeDocument/2006/math">
-                    <m:sSub>
-                      <m:sSubPr>
-                        <m:ctrlPr>
-                          <a:rPr lang="en-US" altLang="zh-CN" i="1" dirty="0">
-                            <a:latin typeface="Cambria Math" panose="02040503050406030204" pitchFamily="18" charset="0"/>
-                          </a:rPr>
-                        </m:ctrlPr>
-                      </m:sSubPr>
-                      <m:e>
-                        <m:r>
-                          <m:rPr>
-                            <m:sty m:val="p"/>
-                          </m:rPr>
-                          <a:rPr lang="en-US" altLang="zh-CN" dirty="0">
-                            <a:latin typeface="Cambria Math" panose="02040503050406030204" pitchFamily="18" charset="0"/>
-                          </a:rPr>
-                          <m:t>E</m:t>
-                        </m:r>
-                      </m:e>
-                      <m:sub>
-                        <m:sSub>
-                          <m:sSubPr>
-                            <m:ctrlPr>
-                              <a:rPr lang="en-US" altLang="ja-JP" i="1" dirty="0">
-                                <a:latin typeface="Cambria Math" panose="02040503050406030204" pitchFamily="18" charset="0"/>
-                              </a:rPr>
-                            </m:ctrlPr>
-                          </m:sSubPr>
-                          <m:e>
-                            <m:r>
-                              <m:rPr>
-                                <m:sty m:val="p"/>
-                              </m:rPr>
-                              <a:rPr lang="en-US" altLang="ja-JP" dirty="0">
-                                <a:latin typeface="Cambria Math" panose="02040503050406030204" pitchFamily="18" charset="0"/>
-                              </a:rPr>
-                              <m:t>H</m:t>
-                            </m:r>
-                          </m:e>
-                          <m:sub>
-                            <m:r>
-                              <a:rPr lang="en-US" altLang="ja-JP" dirty="0">
-                                <a:latin typeface="Cambria Math" panose="02040503050406030204" pitchFamily="18" charset="0"/>
-                              </a:rPr>
-                              <m:t>2</m:t>
-                            </m:r>
-                          </m:sub>
-                        </m:sSub>
-                        <m:r>
-                          <m:rPr>
-                            <m:sty m:val="p"/>
-                          </m:rPr>
-                          <a:rPr lang="en-US" altLang="ja-JP" dirty="0">
-                            <a:latin typeface="Cambria Math" panose="02040503050406030204" pitchFamily="18" charset="0"/>
-                          </a:rPr>
-                          <m:t>O</m:t>
-                        </m:r>
-                      </m:sub>
-                    </m:sSub>
-                    <m:r>
-                      <a:rPr lang="en-US" altLang="ja-JP" i="1" dirty="0">
-                        <a:latin typeface="Cambria Math" panose="02040503050406030204" pitchFamily="18" charset="0"/>
-                      </a:rPr>
-                      <m:t> </m:t>
-                    </m:r>
-                  </m:oMath>
-                </a14:m>
-                <a:r>
-                  <a:rPr lang="en-US" altLang="zh-CN" dirty="0"/>
-                  <a:t>=2.62645kcal/mol </a:t>
-                </a:r>
-              </a:p>
-              <a:p>
-                <a:endParaRPr lang="zh-CN" altLang="en-US" dirty="0"/>
-              </a:p>
-            </p:txBody>
-          </p:sp>
-        </mc:Choice>
-        <mc:Fallback>
-          <p:sp>
-            <p:nvSpPr>
-              <p:cNvPr id="3" name="内容占位符 2">
-                <a:extLst>
-                  <a:ext uri="{FF2B5EF4-FFF2-40B4-BE49-F238E27FC236}">
-                    <a16:creationId xmlns:a16="http://schemas.microsoft.com/office/drawing/2014/main" id="{4312C6ED-C84F-0BDC-6EF1-F6BE364980F6}"/>
-                  </a:ext>
-                </a:extLst>
-              </p:cNvPr>
-              <p:cNvSpPr>
-                <a:spLocks noGrp="1" noRot="1" noChangeAspect="1" noMove="1" noResize="1" noEditPoints="1" noAdjustHandles="1" noChangeArrowheads="1" noChangeShapeType="1" noTextEdit="1"/>
-              </p:cNvSpPr>
-              <p:nvPr>
-                <p:ph idx="1"/>
-              </p:nvPr>
-            </p:nvSpPr>
-            <p:spPr>
-              <a:blipFill>
-                <a:blip r:embed="rId2"/>
-                <a:stretch>
-                  <a:fillRect l="-1043" t="-2521"/>
-                </a:stretch>
-              </a:blipFill>
-            </p:spPr>
-            <p:txBody>
-              <a:bodyPr/>
-              <a:lstStyle/>
-              <a:p>
-                <a:r>
-                  <a:rPr lang="ja-JP" altLang="en-US">
-                    <a:noFill/>
-                  </a:rPr>
-                  <a:t> </a:t>
-                </a:r>
-              </a:p>
-            </p:txBody>
-          </p:sp>
-        </mc:Fallback>
-      </mc:AlternateContent>
-      <p:pic>
-        <p:nvPicPr>
-          <p:cNvPr id="5" name="図 4">
-            <a:extLst>
-              <a:ext uri="{FF2B5EF4-FFF2-40B4-BE49-F238E27FC236}">
-                <a16:creationId xmlns:a16="http://schemas.microsoft.com/office/drawing/2014/main" id="{F64158F0-6654-9ED6-7A68-15F7240A14A6}"/>
-              </a:ext>
-            </a:extLst>
-          </p:cNvPr>
-          <p:cNvPicPr>
-            <a:picLocks noChangeAspect="1"/>
-          </p:cNvPicPr>
-          <p:nvPr/>
-        </p:nvPicPr>
-        <p:blipFill>
-          <a:blip r:embed="rId3">
-            <a:extLst>
-              <a:ext uri="{28A0092B-C50C-407E-A947-70E740481C1C}">
-                <a14:useLocalDpi xmlns:a14="http://schemas.microsoft.com/office/drawing/2010/main" val="0"/>
-              </a:ext>
-            </a:extLst>
-          </a:blip>
-          <a:stretch>
-            <a:fillRect/>
-          </a:stretch>
-        </p:blipFill>
-        <p:spPr>
-          <a:xfrm>
-            <a:off x="6096000" y="1629000"/>
-            <a:ext cx="2061050" cy="1800000"/>
-          </a:xfrm>
-          <a:prstGeom prst="rect">
-            <a:avLst/>
-          </a:prstGeom>
-        </p:spPr>
-      </p:pic>
+            <a:endParaRPr kumimoji="1" lang="ja-JP" altLang="en-US"/>
+          </a:p>
+        </p:txBody>
+      </p:sp>
+      <p:sp>
+        <p:nvSpPr>
+          <p:cNvPr id="3" name="コンテンツ プレースホルダー 2">
+            <a:extLst>
+              <a:ext uri="{FF2B5EF4-FFF2-40B4-BE49-F238E27FC236}">
+                <a16:creationId xmlns:a16="http://schemas.microsoft.com/office/drawing/2014/main" id="{5CBBC7E5-F35B-7DA6-D7B0-0F247E6B8AAC}"/>
+              </a:ext>
+            </a:extLst>
+          </p:cNvPr>
+          <p:cNvSpPr>
+            <a:spLocks noGrp="1"/>
+          </p:cNvSpPr>
+          <p:nvPr>
+            <p:ph idx="1"/>
+          </p:nvPr>
+        </p:nvSpPr>
+        <p:spPr/>
+        <p:txBody>
+          <a:bodyPr/>
+          <a:lstStyle/>
+          <a:p>
+            <a:endParaRPr kumimoji="1" lang="ja-JP" altLang="en-US"/>
+          </a:p>
+        </p:txBody>
+      </p:sp>
     </p:spTree>
     <p:extLst>
       <p:ext uri="{BB962C8B-B14F-4D97-AF65-F5344CB8AC3E}">
-        <p14:creationId xmlns:p14="http://schemas.microsoft.com/office/powerpoint/2010/main" val="2467188600"/>
+        <p14:creationId xmlns:p14="http://schemas.microsoft.com/office/powerpoint/2010/main" val="56594855"/>
       </p:ext>
     </p:extLst>
   </p:cSld>
@@ -5653,75 +5896,72 @@
       </p:grpSpPr>
       <p:sp>
         <p:nvSpPr>
-          <p:cNvPr id="2" name="标题 1">
-            <a:extLst>
-              <a:ext uri="{FF2B5EF4-FFF2-40B4-BE49-F238E27FC236}">
-                <a16:creationId xmlns:a16="http://schemas.microsoft.com/office/drawing/2014/main" id="{0E990F7A-4E75-2871-E6A8-060AF8BB70B8}"/>
-              </a:ext>
-            </a:extLst>
-          </p:cNvPr>
-          <p:cNvSpPr>
-            <a:spLocks noGrp="1"/>
-          </p:cNvSpPr>
-          <p:nvPr>
-            <p:ph type="title"/>
-          </p:nvPr>
-        </p:nvSpPr>
-        <p:spPr/>
-        <p:txBody>
-          <a:bodyPr/>
+          <p:cNvPr id="3" name="テキスト ボックス 2">
+            <a:extLst>
+              <a:ext uri="{FF2B5EF4-FFF2-40B4-BE49-F238E27FC236}">
+                <a16:creationId xmlns:a16="http://schemas.microsoft.com/office/drawing/2014/main" id="{9307FC85-CF2F-8947-5995-69D921B11960}"/>
+              </a:ext>
+            </a:extLst>
+          </p:cNvPr>
+          <p:cNvSpPr txBox="1"/>
+          <p:nvPr/>
+        </p:nvSpPr>
+        <p:spPr>
+          <a:xfrm>
+            <a:off x="4772562" y="335500"/>
+            <a:ext cx="2646878" cy="584775"/>
+          </a:xfrm>
+          <a:prstGeom prst="rect">
+            <a:avLst/>
+          </a:prstGeom>
+          <a:noFill/>
+        </p:spPr>
+        <p:txBody>
+          <a:bodyPr wrap="none" rtlCol="0">
+            <a:spAutoFit/>
+          </a:bodyPr>
           <a:lstStyle/>
           <a:p>
-            <a:r>
-              <a:rPr lang="ja-JP" altLang="en-US" dirty="0"/>
-              <a:t>結論</a:t>
-            </a:r>
-            <a:endParaRPr lang="zh-CN" altLang="en-US" dirty="0"/>
-          </a:p>
-        </p:txBody>
-      </p:sp>
-      <p:sp>
-        <p:nvSpPr>
-          <p:cNvPr id="3" name="内容占位符 2">
-            <a:extLst>
-              <a:ext uri="{FF2B5EF4-FFF2-40B4-BE49-F238E27FC236}">
-                <a16:creationId xmlns:a16="http://schemas.microsoft.com/office/drawing/2014/main" id="{95135E69-88FA-673F-2011-D0D663A90039}"/>
-              </a:ext>
-            </a:extLst>
-          </p:cNvPr>
-          <p:cNvSpPr>
-            <a:spLocks noGrp="1"/>
-          </p:cNvSpPr>
-          <p:nvPr>
-            <p:ph idx="1"/>
-          </p:nvPr>
-        </p:nvSpPr>
-        <p:spPr/>
-        <p:txBody>
-          <a:bodyPr/>
+            <a:pPr algn="ctr"/>
+            <a:r>
+              <a:rPr kumimoji="1" lang="ja-JP" altLang="en-US" sz="3200" b="1" dirty="0"/>
+              <a:t>遷移状態探索</a:t>
+            </a:r>
+          </a:p>
+        </p:txBody>
+      </p:sp>
+      <p:sp>
+        <p:nvSpPr>
+          <p:cNvPr id="4" name="テキスト ボックス 3">
+            <a:extLst>
+              <a:ext uri="{FF2B5EF4-FFF2-40B4-BE49-F238E27FC236}">
+                <a16:creationId xmlns:a16="http://schemas.microsoft.com/office/drawing/2014/main" id="{6DA78750-5D2B-43DA-9E71-76B8C27411AC}"/>
+              </a:ext>
+            </a:extLst>
+          </p:cNvPr>
+          <p:cNvSpPr txBox="1"/>
+          <p:nvPr/>
+        </p:nvSpPr>
+        <p:spPr>
+          <a:xfrm>
+            <a:off x="939510" y="1269635"/>
+            <a:ext cx="1107996" cy="461665"/>
+          </a:xfrm>
+          <a:prstGeom prst="rect">
+            <a:avLst/>
+          </a:prstGeom>
+          <a:noFill/>
+        </p:spPr>
+        <p:txBody>
+          <a:bodyPr wrap="none" rtlCol="0">
+            <a:spAutoFit/>
+          </a:bodyPr>
           <a:lstStyle/>
           <a:p>
             <a:r>
-              <a:rPr lang="ja-JP" altLang="en-US" dirty="0"/>
-              <a:t>構造</a:t>
-            </a:r>
-            <a:r>
-              <a:rPr lang="en-US" altLang="ja-JP" dirty="0"/>
-              <a:t>2</a:t>
-            </a:r>
-            <a:r>
-              <a:rPr lang="ja-JP" altLang="en-US" dirty="0"/>
-              <a:t>のボンディングエネルギーが一番低いため、構造</a:t>
-            </a:r>
-            <a:r>
-              <a:rPr lang="en-US" altLang="ja-JP" dirty="0"/>
-              <a:t>2</a:t>
-            </a:r>
-            <a:r>
-              <a:rPr lang="ja-JP" altLang="en-US" dirty="0"/>
-              <a:t>の構造が安定である。</a:t>
-            </a:r>
-            <a:endParaRPr lang="zh-CN" altLang="en-US" dirty="0"/>
+              <a:rPr kumimoji="1" lang="ja-JP" altLang="en-US" sz="2400" dirty="0"/>
+              <a:t>反応物</a:t>
+            </a:r>
           </a:p>
         </p:txBody>
       </p:sp>
@@ -5730,7 +5970,7 @@
           <p:cNvPr id="5" name="図 4">
             <a:extLst>
               <a:ext uri="{FF2B5EF4-FFF2-40B4-BE49-F238E27FC236}">
-                <a16:creationId xmlns:a16="http://schemas.microsoft.com/office/drawing/2014/main" id="{A78A5A0E-DF31-3815-D41A-31FD6C4C42E3}"/>
+                <a16:creationId xmlns:a16="http://schemas.microsoft.com/office/drawing/2014/main" id="{664008E2-6815-B4EB-8647-2894F2EDEF7D}"/>
               </a:ext>
             </a:extLst>
           </p:cNvPr>
@@ -5753,18 +5993,246 @@
         </p:blipFill>
         <p:spPr>
           <a:xfrm>
-            <a:off x="4034950" y="2576963"/>
-            <a:ext cx="4122100" cy="3600000"/>
+            <a:off x="327717" y="2080660"/>
+            <a:ext cx="3297680" cy="2880000"/>
           </a:xfrm>
           <a:prstGeom prst="rect">
             <a:avLst/>
           </a:prstGeom>
         </p:spPr>
       </p:pic>
+      <p:pic>
+        <p:nvPicPr>
+          <p:cNvPr id="6" name="図 5">
+            <a:extLst>
+              <a:ext uri="{FF2B5EF4-FFF2-40B4-BE49-F238E27FC236}">
+                <a16:creationId xmlns:a16="http://schemas.microsoft.com/office/drawing/2014/main" id="{789B764F-92D5-04CD-EE3C-63EF17659A80}"/>
+              </a:ext>
+            </a:extLst>
+          </p:cNvPr>
+          <p:cNvPicPr>
+            <a:picLocks noChangeAspect="1"/>
+          </p:cNvPicPr>
+          <p:nvPr/>
+        </p:nvPicPr>
+        <p:blipFill>
+          <a:blip r:embed="rId3">
+            <a:extLst>
+              <a:ext uri="{28A0092B-C50C-407E-A947-70E740481C1C}">
+                <a14:useLocalDpi xmlns:a14="http://schemas.microsoft.com/office/drawing/2010/main" val="0"/>
+              </a:ext>
+            </a:extLst>
+          </a:blip>
+          <a:stretch>
+            <a:fillRect/>
+          </a:stretch>
+        </p:blipFill>
+        <p:spPr>
+          <a:xfrm>
+            <a:off x="4372949" y="2080660"/>
+            <a:ext cx="3297680" cy="2880000"/>
+          </a:xfrm>
+          <a:prstGeom prst="rect">
+            <a:avLst/>
+          </a:prstGeom>
+        </p:spPr>
+      </p:pic>
+      <p:pic>
+        <p:nvPicPr>
+          <p:cNvPr id="7" name="図 6">
+            <a:extLst>
+              <a:ext uri="{FF2B5EF4-FFF2-40B4-BE49-F238E27FC236}">
+                <a16:creationId xmlns:a16="http://schemas.microsoft.com/office/drawing/2014/main" id="{55E4C1B7-4D6F-3F44-0FAE-ED681D105D22}"/>
+              </a:ext>
+            </a:extLst>
+          </p:cNvPr>
+          <p:cNvPicPr>
+            <a:picLocks noChangeAspect="1"/>
+          </p:cNvPicPr>
+          <p:nvPr/>
+        </p:nvPicPr>
+        <p:blipFill>
+          <a:blip r:embed="rId4">
+            <a:extLst>
+              <a:ext uri="{28A0092B-C50C-407E-A947-70E740481C1C}">
+                <a14:useLocalDpi xmlns:a14="http://schemas.microsoft.com/office/drawing/2010/main" val="0"/>
+              </a:ext>
+            </a:extLst>
+          </a:blip>
+          <a:stretch>
+            <a:fillRect/>
+          </a:stretch>
+        </p:blipFill>
+        <p:spPr>
+          <a:xfrm>
+            <a:off x="8418182" y="2080660"/>
+            <a:ext cx="3297680" cy="2880000"/>
+          </a:xfrm>
+          <a:prstGeom prst="rect">
+            <a:avLst/>
+          </a:prstGeom>
+        </p:spPr>
+      </p:pic>
+      <p:sp>
+        <p:nvSpPr>
+          <p:cNvPr id="11" name="テキスト ボックス 10">
+            <a:extLst>
+              <a:ext uri="{FF2B5EF4-FFF2-40B4-BE49-F238E27FC236}">
+                <a16:creationId xmlns:a16="http://schemas.microsoft.com/office/drawing/2014/main" id="{8966CE06-D803-159A-041E-2B82C3198EAA}"/>
+              </a:ext>
+            </a:extLst>
+          </p:cNvPr>
+          <p:cNvSpPr txBox="1"/>
+          <p:nvPr/>
+        </p:nvSpPr>
+        <p:spPr>
+          <a:xfrm>
+            <a:off x="1114782" y="5890210"/>
+            <a:ext cx="2284599" cy="400110"/>
+          </a:xfrm>
+          <a:prstGeom prst="rect">
+            <a:avLst/>
+          </a:prstGeom>
+          <a:noFill/>
+        </p:spPr>
+        <p:txBody>
+          <a:bodyPr wrap="square" rtlCol="0">
+            <a:spAutoFit/>
+          </a:bodyPr>
+          <a:lstStyle/>
+          <a:p>
+            <a:r>
+              <a:rPr lang="en-US" altLang="zh-CN" sz="2000" dirty="0"/>
+              <a:t>E=-113.809998491</a:t>
+            </a:r>
+          </a:p>
+        </p:txBody>
+      </p:sp>
+      <p:sp>
+        <p:nvSpPr>
+          <p:cNvPr id="12" name="テキスト ボックス 11">
+            <a:extLst>
+              <a:ext uri="{FF2B5EF4-FFF2-40B4-BE49-F238E27FC236}">
+                <a16:creationId xmlns:a16="http://schemas.microsoft.com/office/drawing/2014/main" id="{2BA74BB8-8B75-6604-8DB8-462C885068FC}"/>
+              </a:ext>
+            </a:extLst>
+          </p:cNvPr>
+          <p:cNvSpPr txBox="1"/>
+          <p:nvPr/>
+        </p:nvSpPr>
+        <p:spPr>
+          <a:xfrm>
+            <a:off x="5234225" y="5890210"/>
+            <a:ext cx="2284600" cy="400110"/>
+          </a:xfrm>
+          <a:prstGeom prst="rect">
+            <a:avLst/>
+          </a:prstGeom>
+          <a:noFill/>
+        </p:spPr>
+        <p:txBody>
+          <a:bodyPr wrap="none" rtlCol="0">
+            <a:spAutoFit/>
+          </a:bodyPr>
+          <a:lstStyle/>
+          <a:p>
+            <a:r>
+              <a:rPr lang="en-US" altLang="zh-CN" sz="2000" dirty="0"/>
+              <a:t>E=-113.809838120</a:t>
+            </a:r>
+          </a:p>
+        </p:txBody>
+      </p:sp>
+      <p:sp>
+        <p:nvSpPr>
+          <p:cNvPr id="13" name="テキスト ボックス 12">
+            <a:extLst>
+              <a:ext uri="{FF2B5EF4-FFF2-40B4-BE49-F238E27FC236}">
+                <a16:creationId xmlns:a16="http://schemas.microsoft.com/office/drawing/2014/main" id="{855B77EB-16F3-6381-054A-21C586161DF2}"/>
+              </a:ext>
+            </a:extLst>
+          </p:cNvPr>
+          <p:cNvSpPr txBox="1"/>
+          <p:nvPr/>
+        </p:nvSpPr>
+        <p:spPr>
+          <a:xfrm>
+            <a:off x="9205247" y="5890209"/>
+            <a:ext cx="2284600" cy="400110"/>
+          </a:xfrm>
+          <a:prstGeom prst="rect">
+            <a:avLst/>
+          </a:prstGeom>
+          <a:noFill/>
+        </p:spPr>
+        <p:txBody>
+          <a:bodyPr wrap="none" rtlCol="0">
+            <a:spAutoFit/>
+          </a:bodyPr>
+          <a:lstStyle/>
+          <a:p>
+            <a:r>
+              <a:rPr lang="en-US" altLang="zh-CN" sz="2000" dirty="0"/>
+              <a:t>E=-113.809809188</a:t>
+            </a:r>
+          </a:p>
+        </p:txBody>
+      </p:sp>
+      <p:sp>
+        <p:nvSpPr>
+          <p:cNvPr id="2" name="テキスト ボックス 1">
+            <a:extLst>
+              <a:ext uri="{FF2B5EF4-FFF2-40B4-BE49-F238E27FC236}">
+                <a16:creationId xmlns:a16="http://schemas.microsoft.com/office/drawing/2014/main" id="{E1AACCA7-8D9A-C3C7-73FC-533A1282259B}"/>
+              </a:ext>
+            </a:extLst>
+          </p:cNvPr>
+          <p:cNvSpPr txBox="1"/>
+          <p:nvPr/>
+        </p:nvSpPr>
+        <p:spPr>
+          <a:xfrm>
+            <a:off x="939510" y="807969"/>
+            <a:ext cx="5745484" cy="461665"/>
+          </a:xfrm>
+          <a:prstGeom prst="rect">
+            <a:avLst/>
+          </a:prstGeom>
+          <a:noFill/>
+        </p:spPr>
+        <p:txBody>
+          <a:bodyPr wrap="none" rtlCol="0">
+            <a:spAutoFit/>
+          </a:bodyPr>
+          <a:lstStyle/>
+          <a:p>
+            <a:r>
+              <a:rPr kumimoji="1" lang="ja-JP" altLang="en-US" sz="2400" dirty="0"/>
+              <a:t>まずは反応物である</a:t>
+            </a:r>
+            <a:r>
+              <a:rPr kumimoji="1" lang="en-US" altLang="ja-JP" sz="2400" dirty="0"/>
+              <a:t>H</a:t>
+            </a:r>
+            <a:r>
+              <a:rPr kumimoji="1" lang="ja-JP" altLang="en-US" sz="2400" dirty="0"/>
+              <a:t>と</a:t>
+            </a:r>
+            <a:r>
+              <a:rPr kumimoji="1" lang="en-US" altLang="ja-JP" sz="2400" dirty="0"/>
+              <a:t>CO</a:t>
+            </a:r>
+            <a:r>
+              <a:rPr kumimoji="1" lang="ja-JP" altLang="en-US" sz="2400" dirty="0"/>
+              <a:t>の構造最適化</a:t>
+            </a:r>
+          </a:p>
+        </p:txBody>
+      </p:sp>
     </p:spTree>
     <p:extLst>
       <p:ext uri="{BB962C8B-B14F-4D97-AF65-F5344CB8AC3E}">
-        <p14:creationId xmlns:p14="http://schemas.microsoft.com/office/powerpoint/2010/main" val="2808903295"/>
+        <p14:creationId xmlns:p14="http://schemas.microsoft.com/office/powerpoint/2010/main" val="3420330743"/>
       </p:ext>
     </p:extLst>
   </p:cSld>
@@ -5796,7 +6264,7 @@
           <p:cNvPr id="2" name="标题 1">
             <a:extLst>
               <a:ext uri="{FF2B5EF4-FFF2-40B4-BE49-F238E27FC236}">
-                <a16:creationId xmlns:a16="http://schemas.microsoft.com/office/drawing/2014/main" id="{75C03D9F-388A-1023-ECCF-C47D49FADE7F}"/>
+                <a16:creationId xmlns:a16="http://schemas.microsoft.com/office/drawing/2014/main" id="{FAF98C51-F5B1-910B-370C-399ED69EECE5}"/>
               </a:ext>
             </a:extLst>
           </p:cNvPr>
@@ -5813,24 +6281,37 @@
           <a:lstStyle/>
           <a:p>
             <a:r>
-              <a:rPr lang="en-US" altLang="zh-CN" dirty="0"/>
-              <a:t>4</a:t>
-            </a:r>
-            <a:r>
-              <a:rPr lang="en-US" altLang="ja-JP" dirty="0"/>
-              <a:t>CO</a:t>
-            </a:r>
-            <a:r>
               <a:rPr lang="ja-JP" altLang="en-US" dirty="0"/>
-              <a:t>分子と</a:t>
-            </a:r>
-            <a:r>
-              <a:rPr lang="en-US" altLang="ja-JP" dirty="0"/>
-              <a:t>H</a:t>
-            </a:r>
+              <a:t>結論</a:t>
+            </a:r>
+            <a:endParaRPr lang="zh-CN" altLang="en-US" dirty="0"/>
+          </a:p>
+        </p:txBody>
+      </p:sp>
+      <p:sp>
+        <p:nvSpPr>
+          <p:cNvPr id="3" name="内容占位符 2">
+            <a:extLst>
+              <a:ext uri="{FF2B5EF4-FFF2-40B4-BE49-F238E27FC236}">
+                <a16:creationId xmlns:a16="http://schemas.microsoft.com/office/drawing/2014/main" id="{028F1D56-394F-91B1-A946-A8D6CBD3F46D}"/>
+              </a:ext>
+            </a:extLst>
+          </p:cNvPr>
+          <p:cNvSpPr>
+            <a:spLocks noGrp="1"/>
+          </p:cNvSpPr>
+          <p:nvPr>
+            <p:ph idx="1"/>
+          </p:nvPr>
+        </p:nvSpPr>
+        <p:spPr/>
+        <p:txBody>
+          <a:bodyPr/>
+          <a:lstStyle/>
+          <a:p>
             <a:r>
               <a:rPr lang="ja-JP" altLang="en-US" dirty="0"/>
-              <a:t>原子の最適化構造</a:t>
+              <a:t>構造１のエネルギーが比較的に低いため構造１は安定である。</a:t>
             </a:r>
             <a:endParaRPr lang="zh-CN" altLang="en-US" dirty="0"/>
           </a:p>
@@ -5839,7 +6320,7 @@
     </p:spTree>
     <p:extLst>
       <p:ext uri="{BB962C8B-B14F-4D97-AF65-F5344CB8AC3E}">
-        <p14:creationId xmlns:p14="http://schemas.microsoft.com/office/powerpoint/2010/main" val="4215523441"/>
+        <p14:creationId xmlns:p14="http://schemas.microsoft.com/office/powerpoint/2010/main" val="2072604732"/>
       </p:ext>
     </p:extLst>
   </p:cSld>
@@ -5868,10 +6349,38 @@
       </p:grpSpPr>
       <p:sp>
         <p:nvSpPr>
-          <p:cNvPr id="3" name="テキスト ボックス 2">
-            <a:extLst>
-              <a:ext uri="{FF2B5EF4-FFF2-40B4-BE49-F238E27FC236}">
-                <a16:creationId xmlns:a16="http://schemas.microsoft.com/office/drawing/2014/main" id="{9307FC85-CF2F-8947-5995-69D921B11960}"/>
+          <p:cNvPr id="2" name="タイトル 1">
+            <a:extLst>
+              <a:ext uri="{FF2B5EF4-FFF2-40B4-BE49-F238E27FC236}">
+                <a16:creationId xmlns:a16="http://schemas.microsoft.com/office/drawing/2014/main" id="{8BB16F90-3440-E8C0-967A-F990EBBFE65E}"/>
+              </a:ext>
+            </a:extLst>
+          </p:cNvPr>
+          <p:cNvSpPr>
+            <a:spLocks noGrp="1"/>
+          </p:cNvSpPr>
+          <p:nvPr>
+            <p:ph type="title"/>
+          </p:nvPr>
+        </p:nvSpPr>
+        <p:spPr/>
+        <p:txBody>
+          <a:bodyPr/>
+          <a:lstStyle/>
+          <a:p>
+            <a:r>
+              <a:rPr kumimoji="1" lang="ja-JP" altLang="en-US" dirty="0"/>
+              <a:t>生成物</a:t>
+            </a:r>
+          </a:p>
+        </p:txBody>
+      </p:sp>
+      <p:sp>
+        <p:nvSpPr>
+          <p:cNvPr id="4" name="テキスト ボックス 3">
+            <a:extLst>
+              <a:ext uri="{FF2B5EF4-FFF2-40B4-BE49-F238E27FC236}">
+                <a16:creationId xmlns:a16="http://schemas.microsoft.com/office/drawing/2014/main" id="{BA869E9A-D763-A4F4-7FC5-3233BE35BEA9}"/>
               </a:ext>
             </a:extLst>
           </p:cNvPr>
@@ -5880,8 +6389,8 @@
         </p:nvSpPr>
         <p:spPr>
           <a:xfrm>
-            <a:off x="4772562" y="335500"/>
-            <a:ext cx="2646878" cy="584775"/>
+            <a:off x="2922137" y="1844410"/>
+            <a:ext cx="1107996" cy="369332"/>
           </a:xfrm>
           <a:prstGeom prst="rect">
             <a:avLst/>
@@ -5894,20 +6403,19 @@
           </a:bodyPr>
           <a:lstStyle/>
           <a:p>
-            <a:pPr algn="ctr"/>
-            <a:r>
-              <a:rPr kumimoji="1" lang="ja-JP" altLang="en-US" sz="3200" b="1" dirty="0"/>
-              <a:t>遷移状態探索</a:t>
-            </a:r>
-          </a:p>
-        </p:txBody>
-      </p:sp>
-      <p:sp>
-        <p:nvSpPr>
-          <p:cNvPr id="4" name="テキスト ボックス 3">
-            <a:extLst>
-              <a:ext uri="{FF2B5EF4-FFF2-40B4-BE49-F238E27FC236}">
-                <a16:creationId xmlns:a16="http://schemas.microsoft.com/office/drawing/2014/main" id="{6DA78750-5D2B-43DA-9E71-76B8C27411AC}"/>
+            <a:r>
+              <a:rPr kumimoji="1" lang="ja-JP" altLang="en-US" dirty="0"/>
+              <a:t>生成物１</a:t>
+            </a:r>
+          </a:p>
+        </p:txBody>
+      </p:sp>
+      <p:sp>
+        <p:nvSpPr>
+          <p:cNvPr id="5" name="テキスト ボックス 4">
+            <a:extLst>
+              <a:ext uri="{FF2B5EF4-FFF2-40B4-BE49-F238E27FC236}">
+                <a16:creationId xmlns:a16="http://schemas.microsoft.com/office/drawing/2014/main" id="{D4C2AFEC-662D-2C7D-CF4F-C3E8267C2662}"/>
               </a:ext>
             </a:extLst>
           </p:cNvPr>
@@ -5916,8 +6424,8 @@
         </p:nvSpPr>
         <p:spPr>
           <a:xfrm>
-            <a:off x="939510" y="1269635"/>
-            <a:ext cx="5745484" cy="461665"/>
+            <a:off x="8102600" y="1844410"/>
+            <a:ext cx="1107996" cy="369332"/>
           </a:xfrm>
           <a:prstGeom prst="rect">
             <a:avLst/>
@@ -5931,34 +6439,18 @@
           <a:lstStyle/>
           <a:p>
             <a:r>
-              <a:rPr kumimoji="1" lang="ja-JP" altLang="en-US" sz="2400" dirty="0"/>
-              <a:t>まずは反応物である</a:t>
-            </a:r>
-            <a:r>
-              <a:rPr kumimoji="1" lang="en-US" altLang="ja-JP" sz="2400" dirty="0"/>
-              <a:t>H</a:t>
-            </a:r>
-            <a:r>
-              <a:rPr kumimoji="1" lang="ja-JP" altLang="en-US" sz="2400" dirty="0"/>
-              <a:t>と</a:t>
-            </a:r>
-            <a:r>
-              <a:rPr kumimoji="1" lang="en-US" altLang="ja-JP" sz="2400" dirty="0"/>
-              <a:t>CO</a:t>
-            </a:r>
-            <a:r>
-              <a:rPr kumimoji="1" lang="ja-JP" altLang="en-US" sz="2400" dirty="0"/>
-              <a:t>の構造最適化</a:t>
+              <a:rPr kumimoji="1" lang="ja-JP" altLang="en-US" dirty="0"/>
+              <a:t>生成物２</a:t>
             </a:r>
           </a:p>
         </p:txBody>
       </p:sp>
       <p:pic>
         <p:nvPicPr>
-          <p:cNvPr id="5" name="図 4">
-            <a:extLst>
-              <a:ext uri="{FF2B5EF4-FFF2-40B4-BE49-F238E27FC236}">
-                <a16:creationId xmlns:a16="http://schemas.microsoft.com/office/drawing/2014/main" id="{664008E2-6815-B4EB-8647-2894F2EDEF7D}"/>
+          <p:cNvPr id="7" name="図 6">
+            <a:extLst>
+              <a:ext uri="{FF2B5EF4-FFF2-40B4-BE49-F238E27FC236}">
+                <a16:creationId xmlns:a16="http://schemas.microsoft.com/office/drawing/2014/main" id="{BC2B435C-B4B6-3149-2805-FE8FD2907D3D}"/>
               </a:ext>
             </a:extLst>
           </p:cNvPr>
@@ -5981,8 +6473,8 @@
         </p:blipFill>
         <p:spPr>
           <a:xfrm>
-            <a:off x="327717" y="2080660"/>
-            <a:ext cx="3297680" cy="2880000"/>
+            <a:off x="1913622" y="2523067"/>
+            <a:ext cx="3125026" cy="2880000"/>
           </a:xfrm>
           <a:prstGeom prst="rect">
             <a:avLst/>
@@ -5991,10 +6483,10 @@
       </p:pic>
       <p:pic>
         <p:nvPicPr>
-          <p:cNvPr id="6" name="図 5">
-            <a:extLst>
-              <a:ext uri="{FF2B5EF4-FFF2-40B4-BE49-F238E27FC236}">
-                <a16:creationId xmlns:a16="http://schemas.microsoft.com/office/drawing/2014/main" id="{789B764F-92D5-04CD-EE3C-63EF17659A80}"/>
+          <p:cNvPr id="9" name="図 8">
+            <a:extLst>
+              <a:ext uri="{FF2B5EF4-FFF2-40B4-BE49-F238E27FC236}">
+                <a16:creationId xmlns:a16="http://schemas.microsoft.com/office/drawing/2014/main" id="{F66358DD-CC77-7EBB-924B-08535112F1A6}"/>
               </a:ext>
             </a:extLst>
           </p:cNvPr>
@@ -6017,66 +6509,30 @@
         </p:blipFill>
         <p:spPr>
           <a:xfrm>
-            <a:off x="4372949" y="2080660"/>
-            <a:ext cx="3297680" cy="2880000"/>
+            <a:off x="7094085" y="2523067"/>
+            <a:ext cx="3125026" cy="2880000"/>
           </a:xfrm>
           <a:prstGeom prst="rect">
             <a:avLst/>
           </a:prstGeom>
         </p:spPr>
       </p:pic>
-      <p:pic>
-        <p:nvPicPr>
-          <p:cNvPr id="7" name="図 6">
-            <a:extLst>
-              <a:ext uri="{FF2B5EF4-FFF2-40B4-BE49-F238E27FC236}">
-                <a16:creationId xmlns:a16="http://schemas.microsoft.com/office/drawing/2014/main" id="{55E4C1B7-4D6F-3F44-0FAE-ED681D105D22}"/>
-              </a:ext>
-            </a:extLst>
-          </p:cNvPr>
-          <p:cNvPicPr>
-            <a:picLocks noChangeAspect="1"/>
-          </p:cNvPicPr>
+      <p:sp>
+        <p:nvSpPr>
+          <p:cNvPr id="11" name="テキスト ボックス 10">
+            <a:extLst>
+              <a:ext uri="{FF2B5EF4-FFF2-40B4-BE49-F238E27FC236}">
+                <a16:creationId xmlns:a16="http://schemas.microsoft.com/office/drawing/2014/main" id="{1C744A16-1C43-D0E4-B1ED-29A048CA450F}"/>
+              </a:ext>
+            </a:extLst>
+          </p:cNvPr>
+          <p:cNvSpPr txBox="1"/>
           <p:nvPr/>
-        </p:nvPicPr>
-        <p:blipFill>
-          <a:blip r:embed="rId4">
-            <a:extLst>
-              <a:ext uri="{28A0092B-C50C-407E-A947-70E740481C1C}">
-                <a14:useLocalDpi xmlns:a14="http://schemas.microsoft.com/office/drawing/2010/main" val="0"/>
-              </a:ext>
-            </a:extLst>
-          </a:blip>
-          <a:stretch>
-            <a:fillRect/>
-          </a:stretch>
-        </p:blipFill>
+        </p:nvSpPr>
         <p:spPr>
           <a:xfrm>
-            <a:off x="8418182" y="2080660"/>
-            <a:ext cx="3297680" cy="2880000"/>
-          </a:xfrm>
-          <a:prstGeom prst="rect">
-            <a:avLst/>
-          </a:prstGeom>
-        </p:spPr>
-      </p:pic>
-      <p:sp>
-        <p:nvSpPr>
-          <p:cNvPr id="8" name="テキスト ボックス 7">
-            <a:extLst>
-              <a:ext uri="{FF2B5EF4-FFF2-40B4-BE49-F238E27FC236}">
-                <a16:creationId xmlns:a16="http://schemas.microsoft.com/office/drawing/2014/main" id="{8C689CFB-30D0-A5B0-6FDD-AD7E6BCEF6E2}"/>
-              </a:ext>
-            </a:extLst>
-          </p:cNvPr>
-          <p:cNvSpPr txBox="1"/>
-          <p:nvPr/>
-        </p:nvSpPr>
-        <p:spPr>
-          <a:xfrm>
-            <a:off x="1114782" y="5310019"/>
-            <a:ext cx="1723549" cy="461665"/>
+            <a:off x="2745005" y="5791200"/>
+            <a:ext cx="2603598" cy="369332"/>
           </a:xfrm>
           <a:prstGeom prst="rect">
             <a:avLst/>
@@ -6090,18 +6546,23 @@
           <a:lstStyle/>
           <a:p>
             <a:r>
-              <a:rPr kumimoji="1" lang="ja-JP" altLang="en-US" sz="2400" dirty="0"/>
-              <a:t>エネルギー</a:t>
-            </a:r>
-          </a:p>
-        </p:txBody>
-      </p:sp>
-      <p:sp>
-        <p:nvSpPr>
-          <p:cNvPr id="9" name="テキスト ボックス 8">
-            <a:extLst>
-              <a:ext uri="{FF2B5EF4-FFF2-40B4-BE49-F238E27FC236}">
-                <a16:creationId xmlns:a16="http://schemas.microsoft.com/office/drawing/2014/main" id="{BB6AB119-35B6-6798-6DC3-461F05F0A2F7}"/>
+              <a:rPr kumimoji="1" lang="en-US" altLang="ja-JP" dirty="0" err="1"/>
+              <a:t>Opt</a:t>
+            </a:r>
+            <a:r>
+              <a:rPr kumimoji="1" lang="en-US" altLang="ja-JP" dirty="0"/>
+              <a:t> Energy=-113.85183</a:t>
+            </a:r>
+            <a:endParaRPr kumimoji="1" lang="ja-JP" altLang="en-US" dirty="0"/>
+          </a:p>
+        </p:txBody>
+      </p:sp>
+      <p:sp>
+        <p:nvSpPr>
+          <p:cNvPr id="12" name="テキスト ボックス 11">
+            <a:extLst>
+              <a:ext uri="{FF2B5EF4-FFF2-40B4-BE49-F238E27FC236}">
+                <a16:creationId xmlns:a16="http://schemas.microsoft.com/office/drawing/2014/main" id="{3D26B413-4A56-E23A-BB6E-2D0D90E41563}"/>
               </a:ext>
             </a:extLst>
           </p:cNvPr>
@@ -6110,8 +6571,8 @@
         </p:nvSpPr>
         <p:spPr>
           <a:xfrm>
-            <a:off x="9205247" y="5310019"/>
-            <a:ext cx="1723549" cy="461665"/>
+            <a:off x="7910342" y="5791200"/>
+            <a:ext cx="2603598" cy="369332"/>
           </a:xfrm>
           <a:prstGeom prst="rect">
             <a:avLst/>
@@ -6125,156 +6586,21 @@
           <a:lstStyle/>
           <a:p>
             <a:r>
-              <a:rPr kumimoji="1" lang="ja-JP" altLang="en-US" sz="2400" dirty="0"/>
-              <a:t>エネルギー</a:t>
-            </a:r>
-          </a:p>
-        </p:txBody>
-      </p:sp>
-      <p:sp>
-        <p:nvSpPr>
-          <p:cNvPr id="10" name="テキスト ボックス 9">
-            <a:extLst>
-              <a:ext uri="{FF2B5EF4-FFF2-40B4-BE49-F238E27FC236}">
-                <a16:creationId xmlns:a16="http://schemas.microsoft.com/office/drawing/2014/main" id="{BF0ACA40-9B43-D209-CC0E-550672D1B10A}"/>
-              </a:ext>
-            </a:extLst>
-          </p:cNvPr>
-          <p:cNvSpPr txBox="1"/>
-          <p:nvPr/>
-        </p:nvSpPr>
-        <p:spPr>
-          <a:xfrm>
-            <a:off x="5234225" y="5310020"/>
-            <a:ext cx="1723549" cy="461665"/>
-          </a:xfrm>
-          <a:prstGeom prst="rect">
-            <a:avLst/>
-          </a:prstGeom>
-          <a:noFill/>
-        </p:spPr>
-        <p:txBody>
-          <a:bodyPr wrap="none" rtlCol="0">
-            <a:spAutoFit/>
-          </a:bodyPr>
-          <a:lstStyle/>
-          <a:p>
-            <a:r>
-              <a:rPr kumimoji="1" lang="ja-JP" altLang="en-US" sz="2400" dirty="0"/>
-              <a:t>エネルギー</a:t>
-            </a:r>
-          </a:p>
-        </p:txBody>
-      </p:sp>
-      <p:sp>
-        <p:nvSpPr>
-          <p:cNvPr id="11" name="テキスト ボックス 10">
-            <a:extLst>
-              <a:ext uri="{FF2B5EF4-FFF2-40B4-BE49-F238E27FC236}">
-                <a16:creationId xmlns:a16="http://schemas.microsoft.com/office/drawing/2014/main" id="{8966CE06-D803-159A-041E-2B82C3198EAA}"/>
-              </a:ext>
-            </a:extLst>
-          </p:cNvPr>
-          <p:cNvSpPr txBox="1"/>
-          <p:nvPr/>
-        </p:nvSpPr>
-        <p:spPr>
-          <a:xfrm>
-            <a:off x="1114782" y="5890210"/>
-            <a:ext cx="2284599" cy="400110"/>
-          </a:xfrm>
-          <a:prstGeom prst="rect">
-            <a:avLst/>
-          </a:prstGeom>
-          <a:noFill/>
-        </p:spPr>
-        <p:txBody>
-          <a:bodyPr wrap="square" rtlCol="0">
-            <a:spAutoFit/>
-          </a:bodyPr>
-          <a:lstStyle/>
-          <a:p>
-            <a:r>
-              <a:rPr lang="en-US" altLang="zh-CN" sz="2000" dirty="0"/>
-              <a:t>E=-113.8099984</a:t>
-            </a:r>
-          </a:p>
-        </p:txBody>
-      </p:sp>
-      <p:sp>
-        <p:nvSpPr>
-          <p:cNvPr id="12" name="テキスト ボックス 11">
-            <a:extLst>
-              <a:ext uri="{FF2B5EF4-FFF2-40B4-BE49-F238E27FC236}">
-                <a16:creationId xmlns:a16="http://schemas.microsoft.com/office/drawing/2014/main" id="{2BA74BB8-8B75-6604-8DB8-462C885068FC}"/>
-              </a:ext>
-            </a:extLst>
-          </p:cNvPr>
-          <p:cNvSpPr txBox="1"/>
-          <p:nvPr/>
-        </p:nvSpPr>
-        <p:spPr>
-          <a:xfrm>
-            <a:off x="5234225" y="5890210"/>
-            <a:ext cx="2284600" cy="400110"/>
-          </a:xfrm>
-          <a:prstGeom prst="rect">
-            <a:avLst/>
-          </a:prstGeom>
-          <a:noFill/>
-        </p:spPr>
-        <p:txBody>
-          <a:bodyPr wrap="none" rtlCol="0">
-            <a:spAutoFit/>
-          </a:bodyPr>
-          <a:lstStyle/>
-          <a:p>
-            <a:r>
-              <a:rPr lang="en-US" altLang="zh-CN" sz="2000" dirty="0"/>
-              <a:t>E=-113.809838116</a:t>
-            </a:r>
-          </a:p>
-        </p:txBody>
-      </p:sp>
-      <p:sp>
-        <p:nvSpPr>
-          <p:cNvPr id="13" name="テキスト ボックス 12">
-            <a:extLst>
-              <a:ext uri="{FF2B5EF4-FFF2-40B4-BE49-F238E27FC236}">
-                <a16:creationId xmlns:a16="http://schemas.microsoft.com/office/drawing/2014/main" id="{855B77EB-16F3-6381-054A-21C586161DF2}"/>
-              </a:ext>
-            </a:extLst>
-          </p:cNvPr>
-          <p:cNvSpPr txBox="1"/>
-          <p:nvPr/>
-        </p:nvSpPr>
-        <p:spPr>
-          <a:xfrm>
-            <a:off x="9205247" y="5890209"/>
-            <a:ext cx="2284600" cy="400110"/>
-          </a:xfrm>
-          <a:prstGeom prst="rect">
-            <a:avLst/>
-          </a:prstGeom>
-          <a:noFill/>
-        </p:spPr>
-        <p:txBody>
-          <a:bodyPr wrap="none" rtlCol="0">
-            <a:spAutoFit/>
-          </a:bodyPr>
-          <a:lstStyle/>
-          <a:p>
-            <a:r>
-              <a:rPr lang="en-US" altLang="zh-CN" sz="2000" dirty="0"/>
-              <a:t>E=-113.809809188</a:t>
-            </a:r>
+              <a:rPr kumimoji="1" lang="en-US" altLang="ja-JP" dirty="0" err="1"/>
+              <a:t>Opt</a:t>
+            </a:r>
+            <a:r>
+              <a:rPr kumimoji="1" lang="en-US" altLang="ja-JP" dirty="0"/>
+              <a:t> Energy=-113.78418</a:t>
+            </a:r>
+            <a:endParaRPr kumimoji="1" lang="ja-JP" altLang="en-US" dirty="0"/>
           </a:p>
         </p:txBody>
       </p:sp>
     </p:spTree>
     <p:extLst>
       <p:ext uri="{BB962C8B-B14F-4D97-AF65-F5344CB8AC3E}">
-        <p14:creationId xmlns:p14="http://schemas.microsoft.com/office/powerpoint/2010/main" val="3420330743"/>
+        <p14:creationId xmlns:p14="http://schemas.microsoft.com/office/powerpoint/2010/main" val="2363447266"/>
       </p:ext>
     </p:extLst>
   </p:cSld>
@@ -6306,7 +6632,7 @@
           <p:cNvPr id="2" name="标题 1">
             <a:extLst>
               <a:ext uri="{FF2B5EF4-FFF2-40B4-BE49-F238E27FC236}">
-                <a16:creationId xmlns:a16="http://schemas.microsoft.com/office/drawing/2014/main" id="{BECBE33F-E259-EB52-7F5C-496B626F592E}"/>
+                <a16:creationId xmlns:a16="http://schemas.microsoft.com/office/drawing/2014/main" id="{B7FC212C-DEE4-59D4-DD5E-FC2AC5D210AE}"/>
               </a:ext>
             </a:extLst>
           </p:cNvPr>
@@ -6324,68 +6650,34 @@
           <a:p>
             <a:r>
               <a:rPr lang="ja-JP" altLang="en-US" dirty="0"/>
-              <a:t>構造１</a:t>
-            </a:r>
-            <a:endParaRPr lang="zh-CN" altLang="en-US" dirty="0"/>
-          </a:p>
-        </p:txBody>
-      </p:sp>
-      <p:sp>
-        <p:nvSpPr>
-          <p:cNvPr id="3" name="内容占位符 2">
-            <a:extLst>
-              <a:ext uri="{FF2B5EF4-FFF2-40B4-BE49-F238E27FC236}">
-                <a16:creationId xmlns:a16="http://schemas.microsoft.com/office/drawing/2014/main" id="{2F8D5774-8EED-3F34-27B9-C62B63F3A010}"/>
-              </a:ext>
-            </a:extLst>
-          </p:cNvPr>
-          <p:cNvSpPr>
-            <a:spLocks noGrp="1"/>
-          </p:cNvSpPr>
-          <p:nvPr>
-            <p:ph idx="1"/>
-          </p:nvPr>
-        </p:nvSpPr>
-        <p:spPr/>
-        <p:txBody>
-          <a:bodyPr>
-            <a:normAutofit/>
-          </a:bodyPr>
-          <a:lstStyle/>
-          <a:p>
-            <a:r>
-              <a:rPr lang="en-US" altLang="zh-CN" dirty="0"/>
-              <a:t>E=-113.8099984</a:t>
-            </a:r>
-          </a:p>
-          <a:p>
-            <a:endParaRPr lang="en-US" altLang="zh-CN" dirty="0"/>
-          </a:p>
-          <a:p>
-            <a:r>
-              <a:rPr lang="en-US" altLang="zh-CN" dirty="0"/>
-              <a:t>(</a:t>
-            </a:r>
-            <a:r>
-              <a:rPr lang="zh-CN" altLang="en-US" dirty="0"/>
-              <a:t>単位</a:t>
-            </a:r>
-            <a:r>
-              <a:rPr lang="en-US" altLang="zh-CN" dirty="0"/>
-              <a:t>:Hartree)</a:t>
-            </a:r>
-          </a:p>
-          <a:p>
+              <a:t>４</a:t>
+            </a:r>
+            <a:r>
+              <a:rPr lang="en-US" altLang="ja-JP" dirty="0"/>
+              <a:t> CO </a:t>
+            </a:r>
+            <a:r>
+              <a:rPr lang="ja-JP" altLang="en-US" dirty="0"/>
+              <a:t>分子と</a:t>
+            </a:r>
+            <a:r>
+              <a:rPr lang="en-US" altLang="ja-JP" dirty="0"/>
+              <a:t> H </a:t>
+            </a:r>
+            <a:r>
+              <a:rPr lang="ja-JP" altLang="en-US" dirty="0"/>
+              <a:t>原子の反応中の遷移状態</a:t>
+            </a:r>
             <a:endParaRPr lang="zh-CN" altLang="en-US" dirty="0"/>
           </a:p>
         </p:txBody>
       </p:sp>
       <p:pic>
         <p:nvPicPr>
-          <p:cNvPr id="6" name="図 5">
-            <a:extLst>
-              <a:ext uri="{FF2B5EF4-FFF2-40B4-BE49-F238E27FC236}">
-                <a16:creationId xmlns:a16="http://schemas.microsoft.com/office/drawing/2014/main" id="{523470F9-B59D-8C57-AFF5-E532B7DC96B6}"/>
+          <p:cNvPr id="5" name="図 4">
+            <a:extLst>
+              <a:ext uri="{FF2B5EF4-FFF2-40B4-BE49-F238E27FC236}">
+                <a16:creationId xmlns:a16="http://schemas.microsoft.com/office/drawing/2014/main" id="{63E94D76-82A6-41FE-5D1E-0FFBA0B3D7A9}"/>
               </a:ext>
             </a:extLst>
           </p:cNvPr>
@@ -6408,8 +6700,114 @@
         </p:blipFill>
         <p:spPr>
           <a:xfrm>
-            <a:off x="6096000" y="1825625"/>
-            <a:ext cx="4122100" cy="3600000"/>
+            <a:off x="7146609" y="2050688"/>
+            <a:ext cx="3297680" cy="2880000"/>
+          </a:xfrm>
+          <a:prstGeom prst="rect">
+            <a:avLst/>
+          </a:prstGeom>
+        </p:spPr>
+      </p:pic>
+      <p:sp>
+        <p:nvSpPr>
+          <p:cNvPr id="6" name="テキスト ボックス 5">
+            <a:extLst>
+              <a:ext uri="{FF2B5EF4-FFF2-40B4-BE49-F238E27FC236}">
+                <a16:creationId xmlns:a16="http://schemas.microsoft.com/office/drawing/2014/main" id="{34145FB9-F1D6-F189-B991-F6CC6B3F07D7}"/>
+              </a:ext>
+            </a:extLst>
+          </p:cNvPr>
+          <p:cNvSpPr txBox="1"/>
+          <p:nvPr/>
+        </p:nvSpPr>
+        <p:spPr>
+          <a:xfrm>
+            <a:off x="2091657" y="5467839"/>
+            <a:ext cx="1615186" cy="369332"/>
+          </a:xfrm>
+          <a:prstGeom prst="rect">
+            <a:avLst/>
+          </a:prstGeom>
+          <a:noFill/>
+        </p:spPr>
+        <p:txBody>
+          <a:bodyPr wrap="square" rtlCol="0">
+            <a:spAutoFit/>
+          </a:bodyPr>
+          <a:lstStyle/>
+          <a:p>
+            <a:r>
+              <a:rPr kumimoji="1" lang="ja-JP" altLang="en-US" dirty="0"/>
+              <a:t>遷移状態１</a:t>
+            </a:r>
+          </a:p>
+        </p:txBody>
+      </p:sp>
+      <p:sp>
+        <p:nvSpPr>
+          <p:cNvPr id="8" name="テキスト ボックス 7">
+            <a:extLst>
+              <a:ext uri="{FF2B5EF4-FFF2-40B4-BE49-F238E27FC236}">
+                <a16:creationId xmlns:a16="http://schemas.microsoft.com/office/drawing/2014/main" id="{B09FCC98-7641-7DB3-3F1D-D60FCD077062}"/>
+              </a:ext>
+            </a:extLst>
+          </p:cNvPr>
+          <p:cNvSpPr txBox="1"/>
+          <p:nvPr/>
+        </p:nvSpPr>
+        <p:spPr>
+          <a:xfrm>
+            <a:off x="8213799" y="5467839"/>
+            <a:ext cx="1615186" cy="369332"/>
+          </a:xfrm>
+          <a:prstGeom prst="rect">
+            <a:avLst/>
+          </a:prstGeom>
+          <a:noFill/>
+        </p:spPr>
+        <p:txBody>
+          <a:bodyPr wrap="square" rtlCol="0">
+            <a:spAutoFit/>
+          </a:bodyPr>
+          <a:lstStyle/>
+          <a:p>
+            <a:r>
+              <a:rPr kumimoji="1" lang="ja-JP" altLang="en-US" dirty="0"/>
+              <a:t>遷移状態３</a:t>
+            </a:r>
+          </a:p>
+        </p:txBody>
+      </p:sp>
+      <p:pic>
+        <p:nvPicPr>
+          <p:cNvPr id="3" name="図 2">
+            <a:extLst>
+              <a:ext uri="{FF2B5EF4-FFF2-40B4-BE49-F238E27FC236}">
+                <a16:creationId xmlns:a16="http://schemas.microsoft.com/office/drawing/2014/main" id="{16078EF5-9950-B474-4324-042941007F08}"/>
+              </a:ext>
+            </a:extLst>
+          </p:cNvPr>
+          <p:cNvPicPr>
+            <a:picLocks noChangeAspect="1"/>
+          </p:cNvPicPr>
+          <p:nvPr/>
+        </p:nvPicPr>
+        <p:blipFill>
+          <a:blip r:embed="rId3">
+            <a:extLst>
+              <a:ext uri="{28A0092B-C50C-407E-A947-70E740481C1C}">
+                <a14:useLocalDpi xmlns:a14="http://schemas.microsoft.com/office/drawing/2010/main" val="0"/>
+              </a:ext>
+            </a:extLst>
+          </a:blip>
+          <a:stretch>
+            <a:fillRect/>
+          </a:stretch>
+        </p:blipFill>
+        <p:spPr>
+          <a:xfrm>
+            <a:off x="1452398" y="2050688"/>
+            <a:ext cx="3125026" cy="2880000"/>
           </a:xfrm>
           <a:prstGeom prst="rect">
             <a:avLst/>
@@ -6419,7 +6817,7 @@
     </p:spTree>
     <p:extLst>
       <p:ext uri="{BB962C8B-B14F-4D97-AF65-F5344CB8AC3E}">
-        <p14:creationId xmlns:p14="http://schemas.microsoft.com/office/powerpoint/2010/main" val="288243852"/>
+        <p14:creationId xmlns:p14="http://schemas.microsoft.com/office/powerpoint/2010/main" val="2102756352"/>
       </p:ext>
     </p:extLst>
   </p:cSld>
@@ -6448,87 +6846,206 @@
       </p:grpSpPr>
       <p:sp>
         <p:nvSpPr>
-          <p:cNvPr id="2" name="标题 1">
-            <a:extLst>
-              <a:ext uri="{FF2B5EF4-FFF2-40B4-BE49-F238E27FC236}">
-                <a16:creationId xmlns:a16="http://schemas.microsoft.com/office/drawing/2014/main" id="{E5BAAF2D-B587-F6DD-EE55-C25868829F72}"/>
-              </a:ext>
-            </a:extLst>
-          </p:cNvPr>
-          <p:cNvSpPr>
-            <a:spLocks noGrp="1"/>
-          </p:cNvSpPr>
-          <p:nvPr>
-            <p:ph type="title"/>
-          </p:nvPr>
-        </p:nvSpPr>
-        <p:spPr/>
-        <p:txBody>
-          <a:bodyPr/>
+          <p:cNvPr id="4" name="テキスト ボックス 3">
+            <a:extLst>
+              <a:ext uri="{FF2B5EF4-FFF2-40B4-BE49-F238E27FC236}">
+                <a16:creationId xmlns:a16="http://schemas.microsoft.com/office/drawing/2014/main" id="{64B73DCA-1167-3F1E-DECC-81268559132C}"/>
+              </a:ext>
+            </a:extLst>
+          </p:cNvPr>
+          <p:cNvSpPr txBox="1"/>
+          <p:nvPr/>
+        </p:nvSpPr>
+        <p:spPr>
+          <a:xfrm>
+            <a:off x="7763934" y="465666"/>
+            <a:ext cx="1008609" cy="369332"/>
+          </a:xfrm>
+          <a:prstGeom prst="rect">
+            <a:avLst/>
+          </a:prstGeom>
+          <a:noFill/>
+        </p:spPr>
+        <p:txBody>
+          <a:bodyPr wrap="none" rtlCol="0">
+            <a:spAutoFit/>
+          </a:bodyPr>
           <a:lstStyle/>
           <a:p>
             <a:r>
-              <a:rPr lang="ja-JP" altLang="en-US" dirty="0"/>
-              <a:t>構造２</a:t>
-            </a:r>
-            <a:endParaRPr lang="zh-CN" altLang="en-US" dirty="0"/>
-          </a:p>
-        </p:txBody>
-      </p:sp>
-      <p:sp>
-        <p:nvSpPr>
-          <p:cNvPr id="3" name="内容占位符 2">
-            <a:extLst>
-              <a:ext uri="{FF2B5EF4-FFF2-40B4-BE49-F238E27FC236}">
-                <a16:creationId xmlns:a16="http://schemas.microsoft.com/office/drawing/2014/main" id="{FB4B1757-3259-74D2-3F89-218430E72BF1}"/>
-              </a:ext>
-            </a:extLst>
-          </p:cNvPr>
-          <p:cNvSpPr>
-            <a:spLocks noGrp="1"/>
-          </p:cNvSpPr>
-          <p:nvPr>
-            <p:ph idx="1"/>
-          </p:nvPr>
-        </p:nvSpPr>
-        <p:spPr/>
-        <p:txBody>
-          <a:bodyPr/>
+              <a:rPr kumimoji="1" lang="en-US" altLang="ja-JP" dirty="0"/>
+              <a:t>H</a:t>
+            </a:r>
+            <a:r>
+              <a:rPr kumimoji="1" lang="ja-JP" altLang="en-US" dirty="0"/>
+              <a:t>→</a:t>
+            </a:r>
+            <a:r>
+              <a:rPr kumimoji="1" lang="en-US" altLang="ja-JP" dirty="0"/>
+              <a:t>O-C</a:t>
+            </a:r>
+            <a:endParaRPr kumimoji="1" lang="ja-JP" altLang="en-US" dirty="0"/>
+          </a:p>
+        </p:txBody>
+      </p:sp>
+      <p:sp>
+        <p:nvSpPr>
+          <p:cNvPr id="5" name="テキスト ボックス 4">
+            <a:extLst>
+              <a:ext uri="{FF2B5EF4-FFF2-40B4-BE49-F238E27FC236}">
+                <a16:creationId xmlns:a16="http://schemas.microsoft.com/office/drawing/2014/main" id="{34286E75-CBAD-1840-2922-864BA6F64485}"/>
+              </a:ext>
+            </a:extLst>
+          </p:cNvPr>
+          <p:cNvSpPr txBox="1"/>
+          <p:nvPr/>
+        </p:nvSpPr>
+        <p:spPr>
+          <a:xfrm>
+            <a:off x="2971252" y="465666"/>
+            <a:ext cx="1008609" cy="369332"/>
+          </a:xfrm>
+          <a:prstGeom prst="rect">
+            <a:avLst/>
+          </a:prstGeom>
+          <a:noFill/>
+        </p:spPr>
+        <p:txBody>
+          <a:bodyPr wrap="none" rtlCol="0">
+            <a:spAutoFit/>
+          </a:bodyPr>
           <a:lstStyle/>
           <a:p>
             <a:r>
-              <a:rPr lang="en-US" altLang="zh-CN" dirty="0"/>
-              <a:t>E=-113.809838116</a:t>
-            </a:r>
-          </a:p>
-          <a:p>
-            <a:endParaRPr lang="en-US" altLang="zh-CN" dirty="0"/>
-          </a:p>
-          <a:p>
-            <a:r>
-              <a:rPr lang="en-US" altLang="zh-CN" dirty="0"/>
-              <a:t>(</a:t>
-            </a:r>
-            <a:r>
-              <a:rPr lang="zh-CN" altLang="en-US" dirty="0"/>
-              <a:t>単位</a:t>
-            </a:r>
-            <a:r>
-              <a:rPr lang="en-US" altLang="zh-CN" dirty="0"/>
-              <a:t>:Hartree)</a:t>
-            </a:r>
-          </a:p>
-          <a:p>
-            <a:endParaRPr lang="zh-CN" altLang="en-US" dirty="0"/>
+              <a:rPr kumimoji="1" lang="en-US" altLang="ja-JP" dirty="0"/>
+              <a:t>H</a:t>
+            </a:r>
+            <a:r>
+              <a:rPr kumimoji="1" lang="ja-JP" altLang="en-US" dirty="0"/>
+              <a:t>→</a:t>
+            </a:r>
+            <a:r>
+              <a:rPr kumimoji="1" lang="en-US" altLang="ja-JP" dirty="0"/>
+              <a:t>C-O</a:t>
+            </a:r>
+            <a:endParaRPr kumimoji="1" lang="ja-JP" altLang="en-US" dirty="0"/>
+          </a:p>
+        </p:txBody>
+      </p:sp>
+      <p:sp>
+        <p:nvSpPr>
+          <p:cNvPr id="6" name="テキスト ボックス 5">
+            <a:extLst>
+              <a:ext uri="{FF2B5EF4-FFF2-40B4-BE49-F238E27FC236}">
+                <a16:creationId xmlns:a16="http://schemas.microsoft.com/office/drawing/2014/main" id="{EBBF04CD-FC66-C273-8FB7-9E0F87F1C49F}"/>
+              </a:ext>
+            </a:extLst>
+          </p:cNvPr>
+          <p:cNvSpPr txBox="1"/>
+          <p:nvPr/>
+        </p:nvSpPr>
+        <p:spPr>
+          <a:xfrm>
+            <a:off x="1337733" y="1371600"/>
+            <a:ext cx="317716" cy="369332"/>
+          </a:xfrm>
+          <a:prstGeom prst="rect">
+            <a:avLst/>
+          </a:prstGeom>
+          <a:noFill/>
+        </p:spPr>
+        <p:txBody>
+          <a:bodyPr wrap="none" rtlCol="0">
+            <a:spAutoFit/>
+          </a:bodyPr>
+          <a:lstStyle/>
+          <a:p>
+            <a:r>
+              <a:rPr kumimoji="1" lang="en-US" altLang="ja-JP" dirty="0"/>
+              <a:t>R</a:t>
+            </a:r>
+            <a:endParaRPr kumimoji="1" lang="ja-JP" altLang="en-US" dirty="0"/>
+          </a:p>
+        </p:txBody>
+      </p:sp>
+      <p:sp>
+        <p:nvSpPr>
+          <p:cNvPr id="7" name="テキスト ボックス 6">
+            <a:extLst>
+              <a:ext uri="{FF2B5EF4-FFF2-40B4-BE49-F238E27FC236}">
+                <a16:creationId xmlns:a16="http://schemas.microsoft.com/office/drawing/2014/main" id="{66E10342-FE2C-E257-11F5-DEF8D48EF98B}"/>
+              </a:ext>
+            </a:extLst>
+          </p:cNvPr>
+          <p:cNvSpPr txBox="1"/>
+          <p:nvPr/>
+        </p:nvSpPr>
+        <p:spPr>
+          <a:xfrm>
+            <a:off x="1337733" y="3469733"/>
+            <a:ext cx="304892" cy="369332"/>
+          </a:xfrm>
+          <a:prstGeom prst="rect">
+            <a:avLst/>
+          </a:prstGeom>
+          <a:noFill/>
+        </p:spPr>
+        <p:txBody>
+          <a:bodyPr wrap="none" rtlCol="0">
+            <a:spAutoFit/>
+          </a:bodyPr>
+          <a:lstStyle/>
+          <a:p>
+            <a:r>
+              <a:rPr kumimoji="1" lang="en-US" altLang="ja-JP" dirty="0"/>
+              <a:t>T</a:t>
+            </a:r>
+            <a:endParaRPr kumimoji="1" lang="ja-JP" altLang="en-US" dirty="0"/>
+          </a:p>
+        </p:txBody>
+      </p:sp>
+      <p:sp>
+        <p:nvSpPr>
+          <p:cNvPr id="8" name="テキスト ボックス 7">
+            <a:extLst>
+              <a:ext uri="{FF2B5EF4-FFF2-40B4-BE49-F238E27FC236}">
+                <a16:creationId xmlns:a16="http://schemas.microsoft.com/office/drawing/2014/main" id="{4D939D03-C1D7-95EF-CE3A-13121D189CD9}"/>
+              </a:ext>
+            </a:extLst>
+          </p:cNvPr>
+          <p:cNvSpPr txBox="1"/>
+          <p:nvPr/>
+        </p:nvSpPr>
+        <p:spPr>
+          <a:xfrm>
+            <a:off x="1337733" y="5613400"/>
+            <a:ext cx="311304" cy="369332"/>
+          </a:xfrm>
+          <a:prstGeom prst="rect">
+            <a:avLst/>
+          </a:prstGeom>
+          <a:noFill/>
+        </p:spPr>
+        <p:txBody>
+          <a:bodyPr wrap="none" rtlCol="0">
+            <a:spAutoFit/>
+          </a:bodyPr>
+          <a:lstStyle/>
+          <a:p>
+            <a:r>
+              <a:rPr kumimoji="1" lang="en-US" altLang="ja-JP" dirty="0"/>
+              <a:t>P</a:t>
+            </a:r>
+            <a:endParaRPr kumimoji="1" lang="ja-JP" altLang="en-US" dirty="0"/>
           </a:p>
         </p:txBody>
       </p:sp>
       <p:pic>
         <p:nvPicPr>
-          <p:cNvPr id="6" name="図 5">
-            <a:extLst>
-              <a:ext uri="{FF2B5EF4-FFF2-40B4-BE49-F238E27FC236}">
-                <a16:creationId xmlns:a16="http://schemas.microsoft.com/office/drawing/2014/main" id="{C315959D-24AC-948E-46A2-380AC6E4424B}"/>
+          <p:cNvPr id="9" name="図 8">
+            <a:extLst>
+              <a:ext uri="{FF2B5EF4-FFF2-40B4-BE49-F238E27FC236}">
+                <a16:creationId xmlns:a16="http://schemas.microsoft.com/office/drawing/2014/main" id="{D7AE1D82-BBCC-77E3-5755-F672CD7D6499}"/>
               </a:ext>
             </a:extLst>
           </p:cNvPr>
@@ -6551,18 +7068,339 @@
         </p:blipFill>
         <p:spPr>
           <a:xfrm>
-            <a:off x="6096000" y="1825625"/>
-            <a:ext cx="4122099" cy="3600000"/>
+            <a:off x="2782119" y="4611800"/>
+            <a:ext cx="1562513" cy="1440000"/>
           </a:xfrm>
           <a:prstGeom prst="rect">
             <a:avLst/>
           </a:prstGeom>
         </p:spPr>
       </p:pic>
+      <p:pic>
+        <p:nvPicPr>
+          <p:cNvPr id="10" name="図 9">
+            <a:extLst>
+              <a:ext uri="{FF2B5EF4-FFF2-40B4-BE49-F238E27FC236}">
+                <a16:creationId xmlns:a16="http://schemas.microsoft.com/office/drawing/2014/main" id="{833C4A05-540F-EDC4-A13D-BCAE9206C23F}"/>
+              </a:ext>
+            </a:extLst>
+          </p:cNvPr>
+          <p:cNvPicPr>
+            <a:picLocks noChangeAspect="1"/>
+          </p:cNvPicPr>
+          <p:nvPr/>
+        </p:nvPicPr>
+        <p:blipFill>
+          <a:blip r:embed="rId3">
+            <a:extLst>
+              <a:ext uri="{28A0092B-C50C-407E-A947-70E740481C1C}">
+                <a14:useLocalDpi xmlns:a14="http://schemas.microsoft.com/office/drawing/2010/main" val="0"/>
+              </a:ext>
+            </a:extLst>
+          </a:blip>
+          <a:stretch>
+            <a:fillRect/>
+          </a:stretch>
+        </p:blipFill>
+        <p:spPr>
+          <a:xfrm>
+            <a:off x="7486981" y="4542732"/>
+            <a:ext cx="1562513" cy="1440000"/>
+          </a:xfrm>
+          <a:prstGeom prst="rect">
+            <a:avLst/>
+          </a:prstGeom>
+        </p:spPr>
+      </p:pic>
+      <p:pic>
+        <p:nvPicPr>
+          <p:cNvPr id="11" name="図 10">
+            <a:extLst>
+              <a:ext uri="{FF2B5EF4-FFF2-40B4-BE49-F238E27FC236}">
+                <a16:creationId xmlns:a16="http://schemas.microsoft.com/office/drawing/2014/main" id="{2CC6BD94-9EDA-E0FB-541E-0CE7B05118E7}"/>
+              </a:ext>
+            </a:extLst>
+          </p:cNvPr>
+          <p:cNvPicPr>
+            <a:picLocks noChangeAspect="1"/>
+          </p:cNvPicPr>
+          <p:nvPr/>
+        </p:nvPicPr>
+        <p:blipFill>
+          <a:blip r:embed="rId4">
+            <a:extLst>
+              <a:ext uri="{28A0092B-C50C-407E-A947-70E740481C1C}">
+                <a14:useLocalDpi xmlns:a14="http://schemas.microsoft.com/office/drawing/2010/main" val="0"/>
+              </a:ext>
+            </a:extLst>
+          </a:blip>
+          <a:stretch>
+            <a:fillRect/>
+          </a:stretch>
+        </p:blipFill>
+        <p:spPr>
+          <a:xfrm>
+            <a:off x="2782119" y="2749733"/>
+            <a:ext cx="1562513" cy="1440000"/>
+          </a:xfrm>
+          <a:prstGeom prst="rect">
+            <a:avLst/>
+          </a:prstGeom>
+        </p:spPr>
+      </p:pic>
+      <p:pic>
+        <p:nvPicPr>
+          <p:cNvPr id="12" name="図 11">
+            <a:extLst>
+              <a:ext uri="{FF2B5EF4-FFF2-40B4-BE49-F238E27FC236}">
+                <a16:creationId xmlns:a16="http://schemas.microsoft.com/office/drawing/2014/main" id="{0C05D8B8-7FC6-0C46-3644-5160D40797D5}"/>
+              </a:ext>
+            </a:extLst>
+          </p:cNvPr>
+          <p:cNvPicPr>
+            <a:picLocks noChangeAspect="1"/>
+          </p:cNvPicPr>
+          <p:nvPr/>
+        </p:nvPicPr>
+        <p:blipFill>
+          <a:blip r:embed="rId5">
+            <a:extLst>
+              <a:ext uri="{28A0092B-C50C-407E-A947-70E740481C1C}">
+                <a14:useLocalDpi xmlns:a14="http://schemas.microsoft.com/office/drawing/2010/main" val="0"/>
+              </a:ext>
+            </a:extLst>
+          </a:blip>
+          <a:stretch>
+            <a:fillRect/>
+          </a:stretch>
+        </p:blipFill>
+        <p:spPr>
+          <a:xfrm>
+            <a:off x="2782119" y="1020932"/>
+            <a:ext cx="1648840" cy="1440000"/>
+          </a:xfrm>
+          <a:prstGeom prst="rect">
+            <a:avLst/>
+          </a:prstGeom>
+        </p:spPr>
+      </p:pic>
+      <p:pic>
+        <p:nvPicPr>
+          <p:cNvPr id="14" name="図 13">
+            <a:extLst>
+              <a:ext uri="{FF2B5EF4-FFF2-40B4-BE49-F238E27FC236}">
+                <a16:creationId xmlns:a16="http://schemas.microsoft.com/office/drawing/2014/main" id="{439A6242-2C65-0BFD-E4A2-002AEFE05D04}"/>
+              </a:ext>
+            </a:extLst>
+          </p:cNvPr>
+          <p:cNvPicPr>
+            <a:picLocks noChangeAspect="1"/>
+          </p:cNvPicPr>
+          <p:nvPr/>
+        </p:nvPicPr>
+        <p:blipFill>
+          <a:blip r:embed="rId6">
+            <a:extLst>
+              <a:ext uri="{28A0092B-C50C-407E-A947-70E740481C1C}">
+                <a14:useLocalDpi xmlns:a14="http://schemas.microsoft.com/office/drawing/2010/main" val="0"/>
+              </a:ext>
+            </a:extLst>
+          </a:blip>
+          <a:stretch>
+            <a:fillRect/>
+          </a:stretch>
+        </p:blipFill>
+        <p:spPr>
+          <a:xfrm>
+            <a:off x="7486981" y="922867"/>
+            <a:ext cx="1648840" cy="1440000"/>
+          </a:xfrm>
+          <a:prstGeom prst="rect">
+            <a:avLst/>
+          </a:prstGeom>
+        </p:spPr>
+      </p:pic>
+      <p:pic>
+        <p:nvPicPr>
+          <p:cNvPr id="15" name="図 14">
+            <a:extLst>
+              <a:ext uri="{FF2B5EF4-FFF2-40B4-BE49-F238E27FC236}">
+                <a16:creationId xmlns:a16="http://schemas.microsoft.com/office/drawing/2014/main" id="{07219B50-629C-0470-D1F6-48351B0FE6E3}"/>
+              </a:ext>
+            </a:extLst>
+          </p:cNvPr>
+          <p:cNvPicPr>
+            <a:picLocks noChangeAspect="1"/>
+          </p:cNvPicPr>
+          <p:nvPr/>
+        </p:nvPicPr>
+        <p:blipFill>
+          <a:blip r:embed="rId7">
+            <a:extLst>
+              <a:ext uri="{28A0092B-C50C-407E-A947-70E740481C1C}">
+                <a14:useLocalDpi xmlns:a14="http://schemas.microsoft.com/office/drawing/2010/main" val="0"/>
+              </a:ext>
+            </a:extLst>
+          </a:blip>
+          <a:stretch>
+            <a:fillRect/>
+          </a:stretch>
+        </p:blipFill>
+        <p:spPr>
+          <a:xfrm>
+            <a:off x="7486981" y="2749733"/>
+            <a:ext cx="1648840" cy="1440000"/>
+          </a:xfrm>
+          <a:prstGeom prst="rect">
+            <a:avLst/>
+          </a:prstGeom>
+        </p:spPr>
+      </p:pic>
+      <p:sp>
+        <p:nvSpPr>
+          <p:cNvPr id="19" name="テキスト ボックス 18">
+            <a:extLst>
+              <a:ext uri="{FF2B5EF4-FFF2-40B4-BE49-F238E27FC236}">
+                <a16:creationId xmlns:a16="http://schemas.microsoft.com/office/drawing/2014/main" id="{7378CF9F-30F1-E3E7-8738-A7726734CA97}"/>
+              </a:ext>
+            </a:extLst>
+          </p:cNvPr>
+          <p:cNvSpPr txBox="1"/>
+          <p:nvPr/>
+        </p:nvSpPr>
+        <p:spPr>
+          <a:xfrm>
+            <a:off x="4657701" y="3315845"/>
+            <a:ext cx="2082621" cy="369332"/>
+          </a:xfrm>
+          <a:prstGeom prst="rect">
+            <a:avLst/>
+          </a:prstGeom>
+          <a:noFill/>
+        </p:spPr>
+        <p:txBody>
+          <a:bodyPr wrap="none" rtlCol="0">
+            <a:spAutoFit/>
+          </a:bodyPr>
+          <a:lstStyle/>
+          <a:p>
+            <a:r>
+              <a:rPr kumimoji="1" lang="en-US" altLang="ja-JP" dirty="0"/>
+              <a:t>E=-113.809633347</a:t>
+            </a:r>
+            <a:endParaRPr kumimoji="1" lang="ja-JP" altLang="en-US" dirty="0"/>
+          </a:p>
+        </p:txBody>
+      </p:sp>
+      <p:sp>
+        <p:nvSpPr>
+          <p:cNvPr id="20" name="テキスト ボックス 19">
+            <a:extLst>
+              <a:ext uri="{FF2B5EF4-FFF2-40B4-BE49-F238E27FC236}">
+                <a16:creationId xmlns:a16="http://schemas.microsoft.com/office/drawing/2014/main" id="{7B5949E4-768F-F6FD-B1B6-8AF06D186D28}"/>
+              </a:ext>
+            </a:extLst>
+          </p:cNvPr>
+          <p:cNvSpPr txBox="1"/>
+          <p:nvPr/>
+        </p:nvSpPr>
+        <p:spPr>
+          <a:xfrm>
+            <a:off x="9240477" y="3285067"/>
+            <a:ext cx="2284600" cy="400110"/>
+          </a:xfrm>
+          <a:prstGeom prst="rect">
+            <a:avLst/>
+          </a:prstGeom>
+          <a:noFill/>
+        </p:spPr>
+        <p:txBody>
+          <a:bodyPr wrap="none" rtlCol="0">
+            <a:spAutoFit/>
+          </a:bodyPr>
+          <a:lstStyle/>
+          <a:p>
+            <a:r>
+              <a:rPr lang="en-US" altLang="zh-CN" sz="2000" dirty="0"/>
+              <a:t>E=-113.772927055</a:t>
+            </a:r>
+          </a:p>
+        </p:txBody>
+      </p:sp>
+      <p:sp>
+        <p:nvSpPr>
+          <p:cNvPr id="21" name="テキスト ボックス 20">
+            <a:extLst>
+              <a:ext uri="{FF2B5EF4-FFF2-40B4-BE49-F238E27FC236}">
+                <a16:creationId xmlns:a16="http://schemas.microsoft.com/office/drawing/2014/main" id="{5A2A5805-4487-32E2-81AD-D2B109C9665D}"/>
+              </a:ext>
+            </a:extLst>
+          </p:cNvPr>
+          <p:cNvSpPr txBox="1"/>
+          <p:nvPr/>
+        </p:nvSpPr>
+        <p:spPr>
+          <a:xfrm>
+            <a:off x="4657701" y="1402378"/>
+            <a:ext cx="2284599" cy="400110"/>
+          </a:xfrm>
+          <a:prstGeom prst="rect">
+            <a:avLst/>
+          </a:prstGeom>
+          <a:noFill/>
+        </p:spPr>
+        <p:txBody>
+          <a:bodyPr wrap="square" rtlCol="0">
+            <a:spAutoFit/>
+          </a:bodyPr>
+          <a:lstStyle/>
+          <a:p>
+            <a:r>
+              <a:rPr lang="en-US" altLang="zh-CN" sz="2000" dirty="0"/>
+              <a:t>E=-113.809998491</a:t>
+            </a:r>
+          </a:p>
+        </p:txBody>
+      </p:sp>
+      <p:sp>
+        <p:nvSpPr>
+          <p:cNvPr id="22" name="テキスト ボックス 21">
+            <a:extLst>
+              <a:ext uri="{FF2B5EF4-FFF2-40B4-BE49-F238E27FC236}">
+                <a16:creationId xmlns:a16="http://schemas.microsoft.com/office/drawing/2014/main" id="{7497CEA2-3107-F0E9-2E05-55B376615E6D}"/>
+              </a:ext>
+            </a:extLst>
+          </p:cNvPr>
+          <p:cNvSpPr txBox="1"/>
+          <p:nvPr/>
+        </p:nvSpPr>
+        <p:spPr>
+          <a:xfrm>
+            <a:off x="9457357" y="1371600"/>
+            <a:ext cx="2284600" cy="400110"/>
+          </a:xfrm>
+          <a:prstGeom prst="rect">
+            <a:avLst/>
+          </a:prstGeom>
+          <a:noFill/>
+        </p:spPr>
+        <p:txBody>
+          <a:bodyPr wrap="none" rtlCol="0">
+            <a:spAutoFit/>
+          </a:bodyPr>
+          <a:lstStyle/>
+          <a:p>
+            <a:r>
+              <a:rPr lang="en-US" altLang="zh-CN" sz="2000" dirty="0"/>
+              <a:t>E=-113.809809188</a:t>
+            </a:r>
+          </a:p>
+        </p:txBody>
+      </p:sp>
     </p:spTree>
     <p:extLst>
       <p:ext uri="{BB962C8B-B14F-4D97-AF65-F5344CB8AC3E}">
-        <p14:creationId xmlns:p14="http://schemas.microsoft.com/office/powerpoint/2010/main" val="3321645347"/>
+        <p14:creationId xmlns:p14="http://schemas.microsoft.com/office/powerpoint/2010/main" val="582678467"/>
       </p:ext>
     </p:extLst>
   </p:cSld>
@@ -6594,7 +7432,7 @@
           <p:cNvPr id="2" name="标题 1">
             <a:extLst>
               <a:ext uri="{FF2B5EF4-FFF2-40B4-BE49-F238E27FC236}">
-                <a16:creationId xmlns:a16="http://schemas.microsoft.com/office/drawing/2014/main" id="{7BAB392F-CCE7-0729-3B80-F6E23A66D0BC}"/>
+                <a16:creationId xmlns:a16="http://schemas.microsoft.com/office/drawing/2014/main" id="{02D01CB1-8432-3CA4-59C5-462217F5740B}"/>
               </a:ext>
             </a:extLst>
           </p:cNvPr>
@@ -6612,7 +7450,7 @@
           <a:p>
             <a:r>
               <a:rPr lang="ja-JP" altLang="en-US" dirty="0"/>
-              <a:t>構造３</a:t>
+              <a:t>結論</a:t>
             </a:r>
             <a:endParaRPr lang="zh-CN" altLang="en-US" dirty="0"/>
           </a:p>
@@ -6623,7 +7461,7 @@
           <p:cNvPr id="3" name="内容占位符 2">
             <a:extLst>
               <a:ext uri="{FF2B5EF4-FFF2-40B4-BE49-F238E27FC236}">
-                <a16:creationId xmlns:a16="http://schemas.microsoft.com/office/drawing/2014/main" id="{144F44E0-1461-D9D4-FC47-558BCE47238D}"/>
+                <a16:creationId xmlns:a16="http://schemas.microsoft.com/office/drawing/2014/main" id="{CB26F3B4-8879-917E-EB6B-C431D79BCD0C}"/>
               </a:ext>
             </a:extLst>
           </p:cNvPr>
@@ -6640,38 +7478,35 @@
           <a:lstStyle/>
           <a:p>
             <a:r>
-              <a:rPr lang="en-US" altLang="zh-CN" dirty="0"/>
-              <a:t>E=-113.809809188</a:t>
-            </a:r>
-          </a:p>
-          <a:p>
-            <a:endParaRPr lang="en-US" altLang="zh-CN" dirty="0"/>
-          </a:p>
-          <a:p>
-            <a:r>
-              <a:rPr lang="en-US" altLang="zh-CN" dirty="0"/>
-              <a:t>(</a:t>
-            </a:r>
-            <a:r>
-              <a:rPr lang="zh-CN" altLang="en-US" dirty="0"/>
-              <a:t>単位</a:t>
-            </a:r>
-            <a:r>
-              <a:rPr lang="en-US" altLang="zh-CN" dirty="0"/>
-              <a:t>:Hartree)</a:t>
-            </a:r>
-          </a:p>
-          <a:p>
+              <a:rPr lang="ja-JP" altLang="en-US" dirty="0"/>
+              <a:t>遷移状態</a:t>
+            </a:r>
+            <a:r>
+              <a:rPr lang="en-US" altLang="ja-JP" dirty="0"/>
+              <a:t>1</a:t>
+            </a:r>
+            <a:r>
+              <a:rPr lang="ja-JP" altLang="en-US" dirty="0"/>
+              <a:t>のエネルギーが比較的に低いから、遷移状態</a:t>
+            </a:r>
+            <a:r>
+              <a:rPr lang="en-US" altLang="ja-JP" dirty="0"/>
+              <a:t>1</a:t>
+            </a:r>
+            <a:r>
+              <a:rPr lang="ja-JP" altLang="en-US" dirty="0"/>
+              <a:t>になりやすい</a:t>
+            </a:r>
             <a:endParaRPr lang="zh-CN" altLang="en-US" dirty="0"/>
           </a:p>
         </p:txBody>
       </p:sp>
       <p:pic>
         <p:nvPicPr>
-          <p:cNvPr id="5" name="図 4">
-            <a:extLst>
-              <a:ext uri="{FF2B5EF4-FFF2-40B4-BE49-F238E27FC236}">
-                <a16:creationId xmlns:a16="http://schemas.microsoft.com/office/drawing/2014/main" id="{CB6AD1DB-DC45-9DE7-1E98-C00A63DE9673}"/>
+          <p:cNvPr id="4" name="図 3">
+            <a:extLst>
+              <a:ext uri="{FF2B5EF4-FFF2-40B4-BE49-F238E27FC236}">
+                <a16:creationId xmlns:a16="http://schemas.microsoft.com/office/drawing/2014/main" id="{171ECF53-0984-861A-E965-D4CCA0DF8B13}"/>
               </a:ext>
             </a:extLst>
           </p:cNvPr>
@@ -6694,8 +7529,8 @@
         </p:blipFill>
         <p:spPr>
           <a:xfrm>
-            <a:off x="6096000" y="1825625"/>
-            <a:ext cx="4122100" cy="3600000"/>
+            <a:off x="4533487" y="2561294"/>
+            <a:ext cx="3125026" cy="2880000"/>
           </a:xfrm>
           <a:prstGeom prst="rect">
             <a:avLst/>
@@ -6705,312 +7540,7 @@
     </p:spTree>
     <p:extLst>
       <p:ext uri="{BB962C8B-B14F-4D97-AF65-F5344CB8AC3E}">
-        <p14:creationId xmlns:p14="http://schemas.microsoft.com/office/powerpoint/2010/main" val="3359622240"/>
-      </p:ext>
-    </p:extLst>
-  </p:cSld>
-  <p:clrMapOvr>
-    <a:masterClrMapping/>
-  </p:clrMapOvr>
-</p:sld>
-</file>
-
-<file path=ppt/slides/slide18.xml><?xml version="1.0" encoding="utf-8"?>
-<p:sld xmlns:a="http://schemas.openxmlformats.org/drawingml/2006/main" xmlns:r="http://schemas.openxmlformats.org/officeDocument/2006/relationships" xmlns:p="http://schemas.openxmlformats.org/presentationml/2006/main">
-  <p:cSld>
-    <p:spTree>
-      <p:nvGrpSpPr>
-        <p:cNvPr id="1" name=""/>
-        <p:cNvGrpSpPr/>
-        <p:nvPr/>
-      </p:nvGrpSpPr>
-      <p:grpSpPr>
-        <a:xfrm>
-          <a:off x="0" y="0"/>
-          <a:ext cx="0" cy="0"/>
-          <a:chOff x="0" y="0"/>
-          <a:chExt cx="0" cy="0"/>
-        </a:xfrm>
-      </p:grpSpPr>
-      <p:sp>
-        <p:nvSpPr>
-          <p:cNvPr id="2" name="标题 1">
-            <a:extLst>
-              <a:ext uri="{FF2B5EF4-FFF2-40B4-BE49-F238E27FC236}">
-                <a16:creationId xmlns:a16="http://schemas.microsoft.com/office/drawing/2014/main" id="{FAF98C51-F5B1-910B-370C-399ED69EECE5}"/>
-              </a:ext>
-            </a:extLst>
-          </p:cNvPr>
-          <p:cNvSpPr>
-            <a:spLocks noGrp="1"/>
-          </p:cNvSpPr>
-          <p:nvPr>
-            <p:ph type="title"/>
-          </p:nvPr>
-        </p:nvSpPr>
-        <p:spPr/>
-        <p:txBody>
-          <a:bodyPr/>
-          <a:lstStyle/>
-          <a:p>
-            <a:r>
-              <a:rPr lang="ja-JP" altLang="en-US" dirty="0"/>
-              <a:t>結論</a:t>
-            </a:r>
-            <a:endParaRPr lang="zh-CN" altLang="en-US" dirty="0"/>
-          </a:p>
-        </p:txBody>
-      </p:sp>
-      <p:sp>
-        <p:nvSpPr>
-          <p:cNvPr id="3" name="内容占位符 2">
-            <a:extLst>
-              <a:ext uri="{FF2B5EF4-FFF2-40B4-BE49-F238E27FC236}">
-                <a16:creationId xmlns:a16="http://schemas.microsoft.com/office/drawing/2014/main" id="{028F1D56-394F-91B1-A946-A8D6CBD3F46D}"/>
-              </a:ext>
-            </a:extLst>
-          </p:cNvPr>
-          <p:cNvSpPr>
-            <a:spLocks noGrp="1"/>
-          </p:cNvSpPr>
-          <p:nvPr>
-            <p:ph idx="1"/>
-          </p:nvPr>
-        </p:nvSpPr>
-        <p:spPr/>
-        <p:txBody>
-          <a:bodyPr/>
-          <a:lstStyle/>
-          <a:p>
-            <a:r>
-              <a:rPr lang="ja-JP" altLang="en-US" dirty="0"/>
-              <a:t>構造１のエネルギーが比較的に低いため構造１は安定である。</a:t>
-            </a:r>
-            <a:endParaRPr lang="zh-CN" altLang="en-US" dirty="0"/>
-          </a:p>
-        </p:txBody>
-      </p:sp>
-    </p:spTree>
-    <p:extLst>
-      <p:ext uri="{BB962C8B-B14F-4D97-AF65-F5344CB8AC3E}">
-        <p14:creationId xmlns:p14="http://schemas.microsoft.com/office/powerpoint/2010/main" val="2072604732"/>
-      </p:ext>
-    </p:extLst>
-  </p:cSld>
-  <p:clrMapOvr>
-    <a:masterClrMapping/>
-  </p:clrMapOvr>
-</p:sld>
-</file>
-
-<file path=ppt/slides/slide19.xml><?xml version="1.0" encoding="utf-8"?>
-<p:sld xmlns:a="http://schemas.openxmlformats.org/drawingml/2006/main" xmlns:r="http://schemas.openxmlformats.org/officeDocument/2006/relationships" xmlns:p="http://schemas.openxmlformats.org/presentationml/2006/main">
-  <p:cSld>
-    <p:spTree>
-      <p:nvGrpSpPr>
-        <p:cNvPr id="1" name=""/>
-        <p:cNvGrpSpPr/>
-        <p:nvPr/>
-      </p:nvGrpSpPr>
-      <p:grpSpPr>
-        <a:xfrm>
-          <a:off x="0" y="0"/>
-          <a:ext cx="0" cy="0"/>
-          <a:chOff x="0" y="0"/>
-          <a:chExt cx="0" cy="0"/>
-        </a:xfrm>
-      </p:grpSpPr>
-      <p:sp>
-        <p:nvSpPr>
-          <p:cNvPr id="2" name="标题 1">
-            <a:extLst>
-              <a:ext uri="{FF2B5EF4-FFF2-40B4-BE49-F238E27FC236}">
-                <a16:creationId xmlns:a16="http://schemas.microsoft.com/office/drawing/2014/main" id="{B7FC212C-DEE4-59D4-DD5E-FC2AC5D210AE}"/>
-              </a:ext>
-            </a:extLst>
-          </p:cNvPr>
-          <p:cNvSpPr>
-            <a:spLocks noGrp="1"/>
-          </p:cNvSpPr>
-          <p:nvPr>
-            <p:ph type="title"/>
-          </p:nvPr>
-        </p:nvSpPr>
-        <p:spPr/>
-        <p:txBody>
-          <a:bodyPr/>
-          <a:lstStyle/>
-          <a:p>
-            <a:r>
-              <a:rPr lang="ja-JP" altLang="en-US" dirty="0"/>
-              <a:t>４</a:t>
-            </a:r>
-            <a:r>
-              <a:rPr lang="en-US" altLang="ja-JP" dirty="0"/>
-              <a:t> CO </a:t>
-            </a:r>
-            <a:r>
-              <a:rPr lang="ja-JP" altLang="en-US" dirty="0"/>
-              <a:t>分子と</a:t>
-            </a:r>
-            <a:r>
-              <a:rPr lang="en-US" altLang="ja-JP" dirty="0"/>
-              <a:t> H </a:t>
-            </a:r>
-            <a:r>
-              <a:rPr lang="ja-JP" altLang="en-US" dirty="0"/>
-              <a:t>原子の反応中の遷移状態</a:t>
-            </a:r>
-            <a:endParaRPr lang="zh-CN" altLang="en-US" dirty="0"/>
-          </a:p>
-        </p:txBody>
-      </p:sp>
-      <p:pic>
-        <p:nvPicPr>
-          <p:cNvPr id="4" name="図 3">
-            <a:extLst>
-              <a:ext uri="{FF2B5EF4-FFF2-40B4-BE49-F238E27FC236}">
-                <a16:creationId xmlns:a16="http://schemas.microsoft.com/office/drawing/2014/main" id="{3BCCA86F-B6DB-12A7-31EE-8AD650394852}"/>
-              </a:ext>
-            </a:extLst>
-          </p:cNvPr>
-          <p:cNvPicPr>
-            <a:picLocks noChangeAspect="1"/>
-          </p:cNvPicPr>
-          <p:nvPr/>
-        </p:nvPicPr>
-        <p:blipFill>
-          <a:blip r:embed="rId2">
-            <a:extLst>
-              <a:ext uri="{28A0092B-C50C-407E-A947-70E740481C1C}">
-                <a14:useLocalDpi xmlns:a14="http://schemas.microsoft.com/office/drawing/2010/main" val="0"/>
-              </a:ext>
-            </a:extLst>
-          </a:blip>
-          <a:stretch>
-            <a:fillRect/>
-          </a:stretch>
-        </p:blipFill>
-        <p:spPr>
-          <a:xfrm>
-            <a:off x="838200" y="1690688"/>
-            <a:ext cx="4122100" cy="3600000"/>
-          </a:xfrm>
-          <a:prstGeom prst="rect">
-            <a:avLst/>
-          </a:prstGeom>
-        </p:spPr>
-      </p:pic>
-      <p:pic>
-        <p:nvPicPr>
-          <p:cNvPr id="5" name="図 4">
-            <a:extLst>
-              <a:ext uri="{FF2B5EF4-FFF2-40B4-BE49-F238E27FC236}">
-                <a16:creationId xmlns:a16="http://schemas.microsoft.com/office/drawing/2014/main" id="{63E94D76-82A6-41FE-5D1E-0FFBA0B3D7A9}"/>
-              </a:ext>
-            </a:extLst>
-          </p:cNvPr>
-          <p:cNvPicPr>
-            <a:picLocks noChangeAspect="1"/>
-          </p:cNvPicPr>
-          <p:nvPr/>
-        </p:nvPicPr>
-        <p:blipFill>
-          <a:blip r:embed="rId3">
-            <a:extLst>
-              <a:ext uri="{28A0092B-C50C-407E-A947-70E740481C1C}">
-                <a14:useLocalDpi xmlns:a14="http://schemas.microsoft.com/office/drawing/2010/main" val="0"/>
-              </a:ext>
-            </a:extLst>
-          </a:blip>
-          <a:stretch>
-            <a:fillRect/>
-          </a:stretch>
-        </p:blipFill>
-        <p:spPr>
-          <a:xfrm>
-            <a:off x="6960342" y="1690688"/>
-            <a:ext cx="4122100" cy="3600000"/>
-          </a:xfrm>
-          <a:prstGeom prst="rect">
-            <a:avLst/>
-          </a:prstGeom>
-        </p:spPr>
-      </p:pic>
-      <p:sp>
-        <p:nvSpPr>
-          <p:cNvPr id="6" name="テキスト ボックス 5">
-            <a:extLst>
-              <a:ext uri="{FF2B5EF4-FFF2-40B4-BE49-F238E27FC236}">
-                <a16:creationId xmlns:a16="http://schemas.microsoft.com/office/drawing/2014/main" id="{34145FB9-F1D6-F189-B991-F6CC6B3F07D7}"/>
-              </a:ext>
-            </a:extLst>
-          </p:cNvPr>
-          <p:cNvSpPr txBox="1"/>
-          <p:nvPr/>
-        </p:nvSpPr>
-        <p:spPr>
-          <a:xfrm>
-            <a:off x="2091657" y="5467839"/>
-            <a:ext cx="1615186" cy="369332"/>
-          </a:xfrm>
-          <a:prstGeom prst="rect">
-            <a:avLst/>
-          </a:prstGeom>
-          <a:noFill/>
-        </p:spPr>
-        <p:txBody>
-          <a:bodyPr wrap="square" rtlCol="0">
-            <a:spAutoFit/>
-          </a:bodyPr>
-          <a:lstStyle/>
-          <a:p>
-            <a:r>
-              <a:rPr kumimoji="1" lang="ja-JP" altLang="en-US" dirty="0"/>
-              <a:t>遷移状態１</a:t>
-            </a:r>
-          </a:p>
-        </p:txBody>
-      </p:sp>
-      <p:sp>
-        <p:nvSpPr>
-          <p:cNvPr id="8" name="テキスト ボックス 7">
-            <a:extLst>
-              <a:ext uri="{FF2B5EF4-FFF2-40B4-BE49-F238E27FC236}">
-                <a16:creationId xmlns:a16="http://schemas.microsoft.com/office/drawing/2014/main" id="{B09FCC98-7641-7DB3-3F1D-D60FCD077062}"/>
-              </a:ext>
-            </a:extLst>
-          </p:cNvPr>
-          <p:cNvSpPr txBox="1"/>
-          <p:nvPr/>
-        </p:nvSpPr>
-        <p:spPr>
-          <a:xfrm>
-            <a:off x="8213799" y="5467839"/>
-            <a:ext cx="1615186" cy="369332"/>
-          </a:xfrm>
-          <a:prstGeom prst="rect">
-            <a:avLst/>
-          </a:prstGeom>
-          <a:noFill/>
-        </p:spPr>
-        <p:txBody>
-          <a:bodyPr wrap="square" rtlCol="0">
-            <a:spAutoFit/>
-          </a:bodyPr>
-          <a:lstStyle/>
-          <a:p>
-            <a:r>
-              <a:rPr kumimoji="1" lang="ja-JP" altLang="en-US" dirty="0"/>
-              <a:t>遷移状態３</a:t>
-            </a:r>
-          </a:p>
-        </p:txBody>
-      </p:sp>
-    </p:spTree>
-    <p:extLst>
-      <p:ext uri="{BB962C8B-B14F-4D97-AF65-F5344CB8AC3E}">
-        <p14:creationId xmlns:p14="http://schemas.microsoft.com/office/powerpoint/2010/main" val="2102756352"/>
+        <p14:creationId xmlns:p14="http://schemas.microsoft.com/office/powerpoint/2010/main" val="3146293711"/>
       </p:ext>
     </p:extLst>
   </p:cSld>
@@ -7066,8 +7596,8 @@
           </a:p>
         </p:txBody>
       </p:sp>
-      <mc:AlternateContent xmlns:mc="http://schemas.openxmlformats.org/markup-compatibility/2006">
-        <mc:Choice xmlns:a14="http://schemas.microsoft.com/office/drawing/2010/main" Requires="a14">
+      <mc:AlternateContent xmlns:mc="http://schemas.openxmlformats.org/markup-compatibility/2006" xmlns:a14="http://schemas.microsoft.com/office/drawing/2010/main">
+        <mc:Choice Requires="a14">
           <p:sp>
             <p:nvSpPr>
               <p:cNvPr id="3" name="内容占位符 2">
@@ -7177,7 +7707,7 @@
             </p:txBody>
           </p:sp>
         </mc:Choice>
-        <mc:Fallback>
+        <mc:Fallback xmlns="">
           <p:sp>
             <p:nvSpPr>
               <p:cNvPr id="3" name="内容占位符 2">
@@ -7217,8 +7747,8 @@
           </p:sp>
         </mc:Fallback>
       </mc:AlternateContent>
-      <mc:AlternateContent xmlns:mc="http://schemas.openxmlformats.org/markup-compatibility/2006">
-        <mc:Choice xmlns:a14="http://schemas.microsoft.com/office/drawing/2010/main" Requires="a14">
+      <mc:AlternateContent xmlns:mc="http://schemas.openxmlformats.org/markup-compatibility/2006" xmlns:a14="http://schemas.microsoft.com/office/drawing/2010/main">
+        <mc:Choice Requires="a14">
           <p:graphicFrame>
             <p:nvGraphicFramePr>
               <p:cNvPr id="5" name="表 5">
@@ -7538,7 +8068,7 @@
             </a:graphic>
           </p:graphicFrame>
         </mc:Choice>
-        <mc:Fallback>
+        <mc:Fallback xmlns="">
           <p:graphicFrame>
             <p:nvGraphicFramePr>
               <p:cNvPr id="5" name="表 5">
@@ -7795,548 +8325,6 @@
 </p:sld>
 </file>
 
-<file path=ppt/slides/slide20.xml><?xml version="1.0" encoding="utf-8"?>
-<p:sld xmlns:a="http://schemas.openxmlformats.org/drawingml/2006/main" xmlns:r="http://schemas.openxmlformats.org/officeDocument/2006/relationships" xmlns:p="http://schemas.openxmlformats.org/presentationml/2006/main">
-  <p:cSld>
-    <p:spTree>
-      <p:nvGrpSpPr>
-        <p:cNvPr id="1" name=""/>
-        <p:cNvGrpSpPr/>
-        <p:nvPr/>
-      </p:nvGrpSpPr>
-      <p:grpSpPr>
-        <a:xfrm>
-          <a:off x="0" y="0"/>
-          <a:ext cx="0" cy="0"/>
-          <a:chOff x="0" y="0"/>
-          <a:chExt cx="0" cy="0"/>
-        </a:xfrm>
-      </p:grpSpPr>
-      <p:sp>
-        <p:nvSpPr>
-          <p:cNvPr id="2" name="标题 1">
-            <a:extLst>
-              <a:ext uri="{FF2B5EF4-FFF2-40B4-BE49-F238E27FC236}">
-                <a16:creationId xmlns:a16="http://schemas.microsoft.com/office/drawing/2014/main" id="{F14FC3CD-42D5-A01F-57DE-A4BEB271E480}"/>
-              </a:ext>
-            </a:extLst>
-          </p:cNvPr>
-          <p:cNvSpPr>
-            <a:spLocks noGrp="1"/>
-          </p:cNvSpPr>
-          <p:nvPr>
-            <p:ph type="title"/>
-          </p:nvPr>
-        </p:nvSpPr>
-        <p:spPr/>
-        <p:txBody>
-          <a:bodyPr/>
-          <a:lstStyle/>
-          <a:p>
-            <a:r>
-              <a:rPr lang="ja-JP" altLang="en-US" dirty="0"/>
-              <a:t>遷移状態１</a:t>
-            </a:r>
-            <a:endParaRPr lang="zh-CN" altLang="en-US" dirty="0"/>
-          </a:p>
-        </p:txBody>
-      </p:sp>
-      <mc:AlternateContent xmlns:mc="http://schemas.openxmlformats.org/markup-compatibility/2006">
-        <mc:Choice xmlns:a14="http://schemas.microsoft.com/office/drawing/2010/main" Requires="a14">
-          <p:sp>
-            <p:nvSpPr>
-              <p:cNvPr id="3" name="内容占位符 2">
-                <a:extLst>
-                  <a:ext uri="{FF2B5EF4-FFF2-40B4-BE49-F238E27FC236}">
-                    <a16:creationId xmlns:a16="http://schemas.microsoft.com/office/drawing/2014/main" id="{05A29F26-0D43-8893-FD5E-119025A816E3}"/>
-                  </a:ext>
-                </a:extLst>
-              </p:cNvPr>
-              <p:cNvSpPr>
-                <a:spLocks noGrp="1"/>
-              </p:cNvSpPr>
-              <p:nvPr>
-                <p:ph idx="1"/>
-              </p:nvPr>
-            </p:nvSpPr>
-            <p:spPr/>
-            <p:txBody>
-              <a:bodyPr/>
-              <a:lstStyle/>
-              <a:p>
-                <a14:m>
-                  <m:oMath xmlns:m="http://schemas.openxmlformats.org/officeDocument/2006/math">
-                    <m:sSub>
-                      <m:sSubPr>
-                        <m:ctrlPr>
-                          <a:rPr lang="en-US" altLang="ja-JP" i="0" dirty="0" smtClean="0">
-                            <a:latin typeface="Cambria Math" panose="02040503050406030204" pitchFamily="18" charset="0"/>
-                          </a:rPr>
-                        </m:ctrlPr>
-                      </m:sSubPr>
-                      <m:e>
-                        <m:r>
-                          <m:rPr>
-                            <m:sty m:val="p"/>
-                          </m:rPr>
-                          <a:rPr lang="en-US" altLang="ja-JP" i="0" dirty="0" smtClean="0">
-                            <a:latin typeface="Cambria Math" panose="02040503050406030204" pitchFamily="18" charset="0"/>
-                          </a:rPr>
-                          <m:t>E</m:t>
-                        </m:r>
-                      </m:e>
-                      <m:sub>
-                        <m:r>
-                          <a:rPr lang="en-US" altLang="ja-JP" i="0" dirty="0" smtClean="0">
-                            <a:latin typeface="Cambria Math" panose="02040503050406030204" pitchFamily="18" charset="0"/>
-                          </a:rPr>
-                          <m:t>1</m:t>
-                        </m:r>
-                      </m:sub>
-                    </m:sSub>
-                  </m:oMath>
-                </a14:m>
-                <a:r>
-                  <a:rPr lang="en-US" altLang="ja-JP" dirty="0"/>
-                  <a:t>=13.29389 kcal/mol</a:t>
-                </a:r>
-                <a:endParaRPr lang="zh-CN" altLang="en-US" dirty="0"/>
-              </a:p>
-            </p:txBody>
-          </p:sp>
-        </mc:Choice>
-        <mc:Fallback>
-          <p:sp>
-            <p:nvSpPr>
-              <p:cNvPr id="3" name="内容占位符 2">
-                <a:extLst>
-                  <a:ext uri="{FF2B5EF4-FFF2-40B4-BE49-F238E27FC236}">
-                    <a16:creationId xmlns:a16="http://schemas.microsoft.com/office/drawing/2014/main" id="{05A29F26-0D43-8893-FD5E-119025A816E3}"/>
-                  </a:ext>
-                </a:extLst>
-              </p:cNvPr>
-              <p:cNvSpPr>
-                <a:spLocks noGrp="1" noRot="1" noChangeAspect="1" noMove="1" noResize="1" noEditPoints="1" noAdjustHandles="1" noChangeArrowheads="1" noChangeShapeType="1" noTextEdit="1"/>
-              </p:cNvSpPr>
-              <p:nvPr>
-                <p:ph idx="1"/>
-              </p:nvPr>
-            </p:nvSpPr>
-            <p:spPr>
-              <a:blipFill>
-                <a:blip r:embed="rId2"/>
-                <a:stretch>
-                  <a:fillRect t="-2381"/>
-                </a:stretch>
-              </a:blipFill>
-            </p:spPr>
-            <p:txBody>
-              <a:bodyPr/>
-              <a:lstStyle/>
-              <a:p>
-                <a:r>
-                  <a:rPr lang="ja-JP" altLang="en-US">
-                    <a:noFill/>
-                  </a:rPr>
-                  <a:t> </a:t>
-                </a:r>
-              </a:p>
-            </p:txBody>
-          </p:sp>
-        </mc:Fallback>
-      </mc:AlternateContent>
-      <p:pic>
-        <p:nvPicPr>
-          <p:cNvPr id="5" name="図 4">
-            <a:extLst>
-              <a:ext uri="{FF2B5EF4-FFF2-40B4-BE49-F238E27FC236}">
-                <a16:creationId xmlns:a16="http://schemas.microsoft.com/office/drawing/2014/main" id="{B946D10C-A0CB-840E-7421-C7D5121EE775}"/>
-              </a:ext>
-            </a:extLst>
-          </p:cNvPr>
-          <p:cNvPicPr>
-            <a:picLocks noChangeAspect="1"/>
-          </p:cNvPicPr>
-          <p:nvPr/>
-        </p:nvPicPr>
-        <p:blipFill>
-          <a:blip r:embed="rId3">
-            <a:extLst>
-              <a:ext uri="{28A0092B-C50C-407E-A947-70E740481C1C}">
-                <a14:useLocalDpi xmlns:a14="http://schemas.microsoft.com/office/drawing/2010/main" val="0"/>
-              </a:ext>
-            </a:extLst>
-          </a:blip>
-          <a:stretch>
-            <a:fillRect/>
-          </a:stretch>
-        </p:blipFill>
-        <p:spPr>
-          <a:xfrm>
-            <a:off x="6096000" y="1690688"/>
-            <a:ext cx="4122100" cy="3600000"/>
-          </a:xfrm>
-          <a:prstGeom prst="rect">
-            <a:avLst/>
-          </a:prstGeom>
-        </p:spPr>
-      </p:pic>
-    </p:spTree>
-    <p:extLst>
-      <p:ext uri="{BB962C8B-B14F-4D97-AF65-F5344CB8AC3E}">
-        <p14:creationId xmlns:p14="http://schemas.microsoft.com/office/powerpoint/2010/main" val="4148310819"/>
-      </p:ext>
-    </p:extLst>
-  </p:cSld>
-  <p:clrMapOvr>
-    <a:masterClrMapping/>
-  </p:clrMapOvr>
-</p:sld>
-</file>
-
-<file path=ppt/slides/slide21.xml><?xml version="1.0" encoding="utf-8"?>
-<p:sld xmlns:a="http://schemas.openxmlformats.org/drawingml/2006/main" xmlns:r="http://schemas.openxmlformats.org/officeDocument/2006/relationships" xmlns:p="http://schemas.openxmlformats.org/presentationml/2006/main">
-  <p:cSld>
-    <p:spTree>
-      <p:nvGrpSpPr>
-        <p:cNvPr id="1" name=""/>
-        <p:cNvGrpSpPr/>
-        <p:nvPr/>
-      </p:nvGrpSpPr>
-      <p:grpSpPr>
-        <a:xfrm>
-          <a:off x="0" y="0"/>
-          <a:ext cx="0" cy="0"/>
-          <a:chOff x="0" y="0"/>
-          <a:chExt cx="0" cy="0"/>
-        </a:xfrm>
-      </p:grpSpPr>
-      <p:sp>
-        <p:nvSpPr>
-          <p:cNvPr id="2" name="标题 1">
-            <a:extLst>
-              <a:ext uri="{FF2B5EF4-FFF2-40B4-BE49-F238E27FC236}">
-                <a16:creationId xmlns:a16="http://schemas.microsoft.com/office/drawing/2014/main" id="{1405C94F-80EB-2825-1BD0-68F413B3D261}"/>
-              </a:ext>
-            </a:extLst>
-          </p:cNvPr>
-          <p:cNvSpPr>
-            <a:spLocks noGrp="1"/>
-          </p:cNvSpPr>
-          <p:nvPr>
-            <p:ph type="title"/>
-          </p:nvPr>
-        </p:nvSpPr>
-        <p:spPr/>
-        <p:txBody>
-          <a:bodyPr/>
-          <a:lstStyle/>
-          <a:p>
-            <a:r>
-              <a:rPr lang="ja-JP" altLang="en-US" dirty="0"/>
-              <a:t>遷移状態</a:t>
-            </a:r>
-            <a:r>
-              <a:rPr lang="en-US" altLang="ja-JP" dirty="0"/>
-              <a:t>3</a:t>
-            </a:r>
-            <a:endParaRPr lang="zh-CN" altLang="en-US" dirty="0"/>
-          </a:p>
-        </p:txBody>
-      </p:sp>
-      <mc:AlternateContent xmlns:mc="http://schemas.openxmlformats.org/markup-compatibility/2006">
-        <mc:Choice xmlns:a14="http://schemas.microsoft.com/office/drawing/2010/main" Requires="a14">
-          <p:sp>
-            <p:nvSpPr>
-              <p:cNvPr id="3" name="内容占位符 2">
-                <a:extLst>
-                  <a:ext uri="{FF2B5EF4-FFF2-40B4-BE49-F238E27FC236}">
-                    <a16:creationId xmlns:a16="http://schemas.microsoft.com/office/drawing/2014/main" id="{A8456748-3C05-CEE7-6652-1F04BFA9F6A1}"/>
-                  </a:ext>
-                </a:extLst>
-              </p:cNvPr>
-              <p:cNvSpPr>
-                <a:spLocks noGrp="1"/>
-              </p:cNvSpPr>
-              <p:nvPr>
-                <p:ph idx="1"/>
-              </p:nvPr>
-            </p:nvSpPr>
-            <p:spPr/>
-            <p:txBody>
-              <a:bodyPr/>
-              <a:lstStyle/>
-              <a:p>
-                <a14:m>
-                  <m:oMath xmlns:m="http://schemas.openxmlformats.org/officeDocument/2006/math">
-                    <m:sSub>
-                      <m:sSubPr>
-                        <m:ctrlPr>
-                          <a:rPr lang="en-US" altLang="zh-CN" i="0" dirty="0" smtClean="0">
-                            <a:latin typeface="Cambria Math" panose="02040503050406030204" pitchFamily="18" charset="0"/>
-                          </a:rPr>
-                        </m:ctrlPr>
-                      </m:sSubPr>
-                      <m:e>
-                        <m:r>
-                          <m:rPr>
-                            <m:sty m:val="p"/>
-                          </m:rPr>
-                          <a:rPr lang="en-US" altLang="zh-CN" i="0" dirty="0" smtClean="0">
-                            <a:latin typeface="Cambria Math" panose="02040503050406030204" pitchFamily="18" charset="0"/>
-                          </a:rPr>
-                          <m:t>E</m:t>
-                        </m:r>
-                      </m:e>
-                      <m:sub>
-                        <m:r>
-                          <a:rPr lang="en-US" altLang="zh-CN" i="0" dirty="0" smtClean="0">
-                            <a:latin typeface="Cambria Math" panose="02040503050406030204" pitchFamily="18" charset="0"/>
-                          </a:rPr>
-                          <m:t>2</m:t>
-                        </m:r>
-                      </m:sub>
-                    </m:sSub>
-                  </m:oMath>
-                </a14:m>
-                <a:r>
-                  <a:rPr lang="en-US" altLang="zh-CN" dirty="0"/>
-                  <a:t>=23.14387 kcal/mol</a:t>
-                </a:r>
-                <a:endParaRPr lang="zh-CN" altLang="en-US" dirty="0"/>
-              </a:p>
-            </p:txBody>
-          </p:sp>
-        </mc:Choice>
-        <mc:Fallback>
-          <p:sp>
-            <p:nvSpPr>
-              <p:cNvPr id="3" name="内容占位符 2">
-                <a:extLst>
-                  <a:ext uri="{FF2B5EF4-FFF2-40B4-BE49-F238E27FC236}">
-                    <a16:creationId xmlns:a16="http://schemas.microsoft.com/office/drawing/2014/main" id="{A8456748-3C05-CEE7-6652-1F04BFA9F6A1}"/>
-                  </a:ext>
-                </a:extLst>
-              </p:cNvPr>
-              <p:cNvSpPr>
-                <a:spLocks noGrp="1" noRot="1" noChangeAspect="1" noMove="1" noResize="1" noEditPoints="1" noAdjustHandles="1" noChangeArrowheads="1" noChangeShapeType="1" noTextEdit="1"/>
-              </p:cNvSpPr>
-              <p:nvPr>
-                <p:ph idx="1"/>
-              </p:nvPr>
-            </p:nvSpPr>
-            <p:spPr>
-              <a:blipFill>
-                <a:blip r:embed="rId2"/>
-                <a:stretch>
-                  <a:fillRect t="-2381"/>
-                </a:stretch>
-              </a:blipFill>
-            </p:spPr>
-            <p:txBody>
-              <a:bodyPr/>
-              <a:lstStyle/>
-              <a:p>
-                <a:r>
-                  <a:rPr lang="ja-JP" altLang="en-US">
-                    <a:noFill/>
-                  </a:rPr>
-                  <a:t> </a:t>
-                </a:r>
-              </a:p>
-            </p:txBody>
-          </p:sp>
-        </mc:Fallback>
-      </mc:AlternateContent>
-      <p:pic>
-        <p:nvPicPr>
-          <p:cNvPr id="6" name="図 5">
-            <a:extLst>
-              <a:ext uri="{FF2B5EF4-FFF2-40B4-BE49-F238E27FC236}">
-                <a16:creationId xmlns:a16="http://schemas.microsoft.com/office/drawing/2014/main" id="{6126D288-3AE5-133B-81A7-D4526EB55A5E}"/>
-              </a:ext>
-            </a:extLst>
-          </p:cNvPr>
-          <p:cNvPicPr>
-            <a:picLocks noChangeAspect="1"/>
-          </p:cNvPicPr>
-          <p:nvPr/>
-        </p:nvPicPr>
-        <p:blipFill>
-          <a:blip r:embed="rId3">
-            <a:extLst>
-              <a:ext uri="{28A0092B-C50C-407E-A947-70E740481C1C}">
-                <a14:useLocalDpi xmlns:a14="http://schemas.microsoft.com/office/drawing/2010/main" val="0"/>
-              </a:ext>
-            </a:extLst>
-          </a:blip>
-          <a:stretch>
-            <a:fillRect/>
-          </a:stretch>
-        </p:blipFill>
-        <p:spPr>
-          <a:xfrm>
-            <a:off x="6096000" y="1825625"/>
-            <a:ext cx="4122100" cy="3600000"/>
-          </a:xfrm>
-          <a:prstGeom prst="rect">
-            <a:avLst/>
-          </a:prstGeom>
-        </p:spPr>
-      </p:pic>
-    </p:spTree>
-    <p:extLst>
-      <p:ext uri="{BB962C8B-B14F-4D97-AF65-F5344CB8AC3E}">
-        <p14:creationId xmlns:p14="http://schemas.microsoft.com/office/powerpoint/2010/main" val="3049180686"/>
-      </p:ext>
-    </p:extLst>
-  </p:cSld>
-  <p:clrMapOvr>
-    <a:masterClrMapping/>
-  </p:clrMapOvr>
-</p:sld>
-</file>
-
-<file path=ppt/slides/slide22.xml><?xml version="1.0" encoding="utf-8"?>
-<p:sld xmlns:a="http://schemas.openxmlformats.org/drawingml/2006/main" xmlns:r="http://schemas.openxmlformats.org/officeDocument/2006/relationships" xmlns:p="http://schemas.openxmlformats.org/presentationml/2006/main">
-  <p:cSld>
-    <p:spTree>
-      <p:nvGrpSpPr>
-        <p:cNvPr id="1" name=""/>
-        <p:cNvGrpSpPr/>
-        <p:nvPr/>
-      </p:nvGrpSpPr>
-      <p:grpSpPr>
-        <a:xfrm>
-          <a:off x="0" y="0"/>
-          <a:ext cx="0" cy="0"/>
-          <a:chOff x="0" y="0"/>
-          <a:chExt cx="0" cy="0"/>
-        </a:xfrm>
-      </p:grpSpPr>
-      <p:sp>
-        <p:nvSpPr>
-          <p:cNvPr id="2" name="标题 1">
-            <a:extLst>
-              <a:ext uri="{FF2B5EF4-FFF2-40B4-BE49-F238E27FC236}">
-                <a16:creationId xmlns:a16="http://schemas.microsoft.com/office/drawing/2014/main" id="{02D01CB1-8432-3CA4-59C5-462217F5740B}"/>
-              </a:ext>
-            </a:extLst>
-          </p:cNvPr>
-          <p:cNvSpPr>
-            <a:spLocks noGrp="1"/>
-          </p:cNvSpPr>
-          <p:nvPr>
-            <p:ph type="title"/>
-          </p:nvPr>
-        </p:nvSpPr>
-        <p:spPr/>
-        <p:txBody>
-          <a:bodyPr/>
-          <a:lstStyle/>
-          <a:p>
-            <a:r>
-              <a:rPr lang="ja-JP" altLang="en-US" dirty="0"/>
-              <a:t>結論</a:t>
-            </a:r>
-            <a:endParaRPr lang="zh-CN" altLang="en-US" dirty="0"/>
-          </a:p>
-        </p:txBody>
-      </p:sp>
-      <p:sp>
-        <p:nvSpPr>
-          <p:cNvPr id="3" name="内容占位符 2">
-            <a:extLst>
-              <a:ext uri="{FF2B5EF4-FFF2-40B4-BE49-F238E27FC236}">
-                <a16:creationId xmlns:a16="http://schemas.microsoft.com/office/drawing/2014/main" id="{CB26F3B4-8879-917E-EB6B-C431D79BCD0C}"/>
-              </a:ext>
-            </a:extLst>
-          </p:cNvPr>
-          <p:cNvSpPr>
-            <a:spLocks noGrp="1"/>
-          </p:cNvSpPr>
-          <p:nvPr>
-            <p:ph idx="1"/>
-          </p:nvPr>
-        </p:nvSpPr>
-        <p:spPr/>
-        <p:txBody>
-          <a:bodyPr/>
-          <a:lstStyle/>
-          <a:p>
-            <a:r>
-              <a:rPr lang="ja-JP" altLang="en-US" dirty="0"/>
-              <a:t>遷移状態</a:t>
-            </a:r>
-            <a:r>
-              <a:rPr lang="en-US" altLang="ja-JP" dirty="0"/>
-              <a:t>1</a:t>
-            </a:r>
-            <a:r>
-              <a:rPr lang="ja-JP" altLang="en-US" dirty="0"/>
-              <a:t>のエネルギーが比較的に低いから、遷移状態</a:t>
-            </a:r>
-            <a:r>
-              <a:rPr lang="en-US" altLang="ja-JP" dirty="0"/>
-              <a:t>1</a:t>
-            </a:r>
-            <a:r>
-              <a:rPr lang="ja-JP" altLang="en-US" dirty="0"/>
-              <a:t>になりやすい</a:t>
-            </a:r>
-            <a:endParaRPr lang="zh-CN" altLang="en-US" dirty="0"/>
-          </a:p>
-        </p:txBody>
-      </p:sp>
-      <p:pic>
-        <p:nvPicPr>
-          <p:cNvPr id="5" name="図 4">
-            <a:extLst>
-              <a:ext uri="{FF2B5EF4-FFF2-40B4-BE49-F238E27FC236}">
-                <a16:creationId xmlns:a16="http://schemas.microsoft.com/office/drawing/2014/main" id="{167E85CE-D65E-61A4-5BB0-46FF3D6A89A6}"/>
-              </a:ext>
-            </a:extLst>
-          </p:cNvPr>
-          <p:cNvPicPr>
-            <a:picLocks noChangeAspect="1"/>
-          </p:cNvPicPr>
-          <p:nvPr/>
-        </p:nvPicPr>
-        <p:blipFill>
-          <a:blip r:embed="rId2">
-            <a:extLst>
-              <a:ext uri="{28A0092B-C50C-407E-A947-70E740481C1C}">
-                <a14:useLocalDpi xmlns:a14="http://schemas.microsoft.com/office/drawing/2010/main" val="0"/>
-              </a:ext>
-            </a:extLst>
-          </a:blip>
-          <a:stretch>
-            <a:fillRect/>
-          </a:stretch>
-        </p:blipFill>
-        <p:spPr>
-          <a:xfrm>
-            <a:off x="4034950" y="2576963"/>
-            <a:ext cx="4122100" cy="3600000"/>
-          </a:xfrm>
-          <a:prstGeom prst="rect">
-            <a:avLst/>
-          </a:prstGeom>
-        </p:spPr>
-      </p:pic>
-    </p:spTree>
-    <p:extLst>
-      <p:ext uri="{BB962C8B-B14F-4D97-AF65-F5344CB8AC3E}">
-        <p14:creationId xmlns:p14="http://schemas.microsoft.com/office/powerpoint/2010/main" val="3146293711"/>
-      </p:ext>
-    </p:extLst>
-  </p:cSld>
-  <p:clrMapOvr>
-    <a:masterClrMapping/>
-  </p:clrMapOvr>
-</p:sld>
-</file>
-
 <file path=ppt/slides/slide3.xml><?xml version="1.0" encoding="utf-8"?>
 <p:sld xmlns:a="http://schemas.openxmlformats.org/drawingml/2006/main" xmlns:r="http://schemas.openxmlformats.org/officeDocument/2006/relationships" xmlns:p="http://schemas.openxmlformats.org/presentationml/2006/main">
   <p:cSld>
@@ -8383,8 +8371,8 @@
           </a:p>
         </p:txBody>
       </p:sp>
-      <mc:AlternateContent xmlns:mc="http://schemas.openxmlformats.org/markup-compatibility/2006">
-        <mc:Choice xmlns:a14="http://schemas.microsoft.com/office/drawing/2010/main" Requires="a14">
+      <mc:AlternateContent xmlns:mc="http://schemas.openxmlformats.org/markup-compatibility/2006" xmlns:a14="http://schemas.microsoft.com/office/drawing/2010/main">
+        <mc:Choice Requires="a14">
           <p:sp>
             <p:nvSpPr>
               <p:cNvPr id="3" name="内容占位符 2">
@@ -8420,7 +8408,7 @@
                     <m:sSub>
                       <m:sSubPr>
                         <m:ctrlPr>
-                          <a:rPr lang="en-US" altLang="ja-JP" i="0" dirty="0" smtClean="0">
+                          <a:rPr lang="en-US" altLang="ja-JP" i="1" dirty="0" smtClean="0">
                             <a:latin typeface="Cambria Math" panose="02040503050406030204" pitchFamily="18" charset="0"/>
                           </a:rPr>
                         </m:ctrlPr>
@@ -8475,7 +8463,7 @@
                     <m:sSub>
                       <m:sSubPr>
                         <m:ctrlPr>
-                          <a:rPr lang="en-US" altLang="ja-JP" i="0" dirty="0" smtClean="0">
+                          <a:rPr lang="en-US" altLang="ja-JP" i="1" dirty="0" smtClean="0">
                             <a:latin typeface="Cambria Math" panose="02040503050406030204" pitchFamily="18" charset="0"/>
                           </a:rPr>
                         </m:ctrlPr>
@@ -8542,7 +8530,7 @@
             </p:txBody>
           </p:sp>
         </mc:Choice>
-        <mc:Fallback>
+        <mc:Fallback xmlns="">
           <p:sp>
             <p:nvSpPr>
               <p:cNvPr id="3" name="内容占位符 2">
@@ -8586,8 +8574,8 @@
           </p:sp>
         </mc:Fallback>
       </mc:AlternateContent>
-      <mc:AlternateContent xmlns:mc="http://schemas.openxmlformats.org/markup-compatibility/2006">
-        <mc:Choice xmlns:a14="http://schemas.microsoft.com/office/drawing/2010/main" Requires="a14">
+      <mc:AlternateContent xmlns:mc="http://schemas.openxmlformats.org/markup-compatibility/2006" xmlns:a14="http://schemas.microsoft.com/office/drawing/2010/main">
+        <mc:Choice Requires="a14">
           <p:sp>
             <p:nvSpPr>
               <p:cNvPr id="4" name="テキスト ボックス 3">
@@ -8685,7 +8673,7 @@
             </p:txBody>
           </p:sp>
         </mc:Choice>
-        <mc:Fallback>
+        <mc:Fallback xmlns="">
           <p:sp>
             <p:nvSpPr>
               <p:cNvPr id="4" name="テキスト ボックス 3">
@@ -8730,8 +8718,8 @@
           </p:sp>
         </mc:Fallback>
       </mc:AlternateContent>
-      <mc:AlternateContent xmlns:mc="http://schemas.openxmlformats.org/markup-compatibility/2006">
-        <mc:Choice xmlns:a14="http://schemas.microsoft.com/office/drawing/2010/main" Requires="a14">
+      <mc:AlternateContent xmlns:mc="http://schemas.openxmlformats.org/markup-compatibility/2006" xmlns:a14="http://schemas.microsoft.com/office/drawing/2010/main">
+        <mc:Choice Requires="a14">
           <p:sp>
             <p:nvSpPr>
               <p:cNvPr id="5" name="テキスト ボックス 4">
@@ -8854,7 +8842,7 @@
             </p:txBody>
           </p:sp>
         </mc:Choice>
-        <mc:Fallback>
+        <mc:Fallback xmlns="">
           <p:sp>
             <p:nvSpPr>
               <p:cNvPr id="5" name="テキスト ボックス 4">
@@ -8899,8 +8887,8 @@
           </p:sp>
         </mc:Fallback>
       </mc:AlternateContent>
-      <mc:AlternateContent xmlns:mc="http://schemas.openxmlformats.org/markup-compatibility/2006">
-        <mc:Choice xmlns:a14="http://schemas.microsoft.com/office/drawing/2010/main" Requires="a14">
+      <mc:AlternateContent xmlns:mc="http://schemas.openxmlformats.org/markup-compatibility/2006" xmlns:a14="http://schemas.microsoft.com/office/drawing/2010/main">
+        <mc:Choice Requires="a14">
           <p:sp>
             <p:nvSpPr>
               <p:cNvPr id="6" name="テキスト ボックス 5">
@@ -9060,7 +9048,7 @@
             </p:txBody>
           </p:sp>
         </mc:Choice>
-        <mc:Fallback>
+        <mc:Fallback xmlns="">
           <p:sp>
             <p:nvSpPr>
               <p:cNvPr id="6" name="テキスト ボックス 5">
@@ -9105,8 +9093,8 @@
           </p:sp>
         </mc:Fallback>
       </mc:AlternateContent>
-      <mc:AlternateContent xmlns:mc="http://schemas.openxmlformats.org/markup-compatibility/2006">
-        <mc:Choice xmlns:a14="http://schemas.microsoft.com/office/drawing/2010/main" Requires="a14">
+      <mc:AlternateContent xmlns:mc="http://schemas.openxmlformats.org/markup-compatibility/2006" xmlns:a14="http://schemas.microsoft.com/office/drawing/2010/main">
+        <mc:Choice Requires="a14">
           <p:sp>
             <p:nvSpPr>
               <p:cNvPr id="7" name="テキスト ボックス 6">
@@ -9266,7 +9254,7 @@
             </p:txBody>
           </p:sp>
         </mc:Choice>
-        <mc:Fallback>
+        <mc:Fallback xmlns="">
           <p:sp>
             <p:nvSpPr>
               <p:cNvPr id="7" name="テキスト ボックス 6">
@@ -9417,8 +9405,8 @@
           </a:p>
         </p:txBody>
       </p:sp>
-      <mc:AlternateContent xmlns:mc="http://schemas.openxmlformats.org/markup-compatibility/2006">
-        <mc:Choice xmlns:a14="http://schemas.microsoft.com/office/drawing/2010/main" Requires="a14">
+      <mc:AlternateContent xmlns:mc="http://schemas.openxmlformats.org/markup-compatibility/2006" xmlns:a14="http://schemas.microsoft.com/office/drawing/2010/main">
+        <mc:Choice Requires="a14">
           <p:sp>
             <p:nvSpPr>
               <p:cNvPr id="11" name="テキスト ボックス 10">
@@ -9464,7 +9452,7 @@
                     <m:sSub>
                       <m:sSubPr>
                         <m:ctrlPr>
-                          <a:rPr lang="en-US" altLang="ja-JP" sz="2400" i="0" dirty="0" smtClean="0">
+                          <a:rPr lang="en-US" altLang="ja-JP" sz="2400" i="1" dirty="0" smtClean="0">
                             <a:latin typeface="Cambria Math" panose="02040503050406030204" pitchFamily="18" charset="0"/>
                           </a:rPr>
                         </m:ctrlPr>
@@ -9534,7 +9522,7 @@
             </p:txBody>
           </p:sp>
         </mc:Choice>
-        <mc:Fallback>
+        <mc:Fallback xmlns="">
           <p:sp>
             <p:nvSpPr>
               <p:cNvPr id="11" name="テキスト ボックス 10">
@@ -9638,8 +9626,8 @@
           </a:p>
         </p:txBody>
       </p:sp>
-      <mc:AlternateContent xmlns:mc="http://schemas.openxmlformats.org/markup-compatibility/2006">
-        <mc:Choice xmlns:a14="http://schemas.microsoft.com/office/drawing/2010/main" Requires="a14">
+      <mc:AlternateContent xmlns:mc="http://schemas.openxmlformats.org/markup-compatibility/2006" xmlns:a14="http://schemas.microsoft.com/office/drawing/2010/main">
+        <mc:Choice Requires="a14">
           <p:sp>
             <p:nvSpPr>
               <p:cNvPr id="3" name="内容占位符 2">
@@ -9689,7 +9677,7 @@
                     <m:sSub>
                       <m:sSubPr>
                         <m:ctrlPr>
-                          <a:rPr lang="en-US" altLang="ja-JP" i="0" dirty="0" smtClean="0">
+                          <a:rPr lang="en-US" altLang="ja-JP" i="1" dirty="0" smtClean="0">
                             <a:latin typeface="Cambria Math" panose="02040503050406030204" pitchFamily="18" charset="0"/>
                           </a:rPr>
                         </m:ctrlPr>
@@ -9759,7 +9747,7 @@
             </p:txBody>
           </p:sp>
         </mc:Choice>
-        <mc:Fallback>
+        <mc:Fallback xmlns="">
           <p:sp>
             <p:nvSpPr>
               <p:cNvPr id="3" name="内容占位符 2">
@@ -10234,7 +10222,15 @@
           <a:p>
             <a:r>
               <a:rPr kumimoji="1" lang="en-US" altLang="ja-JP" dirty="0"/>
-              <a:t>CO DFT6-31G</a:t>
+              <a:t>CO</a:t>
+            </a:r>
+            <a:r>
+              <a:rPr kumimoji="1" lang="ja-JP" altLang="en-US" dirty="0"/>
+              <a:t>分子</a:t>
+            </a:r>
+            <a:r>
+              <a:rPr kumimoji="1" lang="en-US" altLang="ja-JP" dirty="0"/>
+              <a:t> 6-31G</a:t>
             </a:r>
           </a:p>
         </p:txBody>
@@ -10269,7 +10265,15 @@
           <a:p>
             <a:r>
               <a:rPr kumimoji="1" lang="en-US" altLang="ja-JP" dirty="0"/>
-              <a:t>HF DFT6-31G(d , p)</a:t>
+              <a:t>HF</a:t>
+            </a:r>
+            <a:r>
+              <a:rPr kumimoji="1" lang="ja-JP" altLang="en-US" dirty="0"/>
+              <a:t>分子</a:t>
+            </a:r>
+            <a:r>
+              <a:rPr kumimoji="1" lang="en-US" altLang="ja-JP" dirty="0"/>
+              <a:t> 6-31G(d , p)</a:t>
             </a:r>
           </a:p>
         </p:txBody>
@@ -10304,7 +10308,7 @@
           <a:p>
             <a:r>
               <a:rPr kumimoji="1" lang="en-US" altLang="ja-JP" dirty="0"/>
-              <a:t>CO DFT6-31G(d , p)</a:t>
+              <a:t>CO 6-31G(d , p)</a:t>
             </a:r>
           </a:p>
         </p:txBody>
@@ -10477,8 +10481,8 @@
           </a:p>
         </p:txBody>
       </p:sp>
-      <mc:AlternateContent xmlns:mc="http://schemas.openxmlformats.org/markup-compatibility/2006">
-        <mc:Choice xmlns:a14="http://schemas.microsoft.com/office/drawing/2010/main" Requires="a14">
+      <mc:AlternateContent xmlns:mc="http://schemas.openxmlformats.org/markup-compatibility/2006" xmlns:a14="http://schemas.microsoft.com/office/drawing/2010/main">
+        <mc:Choice Requires="a14">
           <p:sp>
             <p:nvSpPr>
               <p:cNvPr id="34" name="テキスト ボックス 33">
@@ -10551,7 +10555,7 @@
             </p:txBody>
           </p:sp>
         </mc:Choice>
-        <mc:Fallback>
+        <mc:Fallback xmlns="">
           <p:sp>
             <p:nvSpPr>
               <p:cNvPr id="34" name="テキスト ボックス 33">
@@ -10986,6 +10990,15 @@
                   <a:rPr lang="en-US" altLang="zh-CN" dirty="0"/>
                   <a:t>=-113.30945</a:t>
                 </a:r>
+                <a:r>
+                  <a:rPr lang="ja-JP" altLang="en-US" dirty="0"/>
+                  <a:t> </a:t>
+                </a:r>
+                <a:r>
+                  <a:rPr lang="en-US" altLang="ja-JP" dirty="0"/>
+                  <a:t>Hartree</a:t>
+                </a:r>
+                <a:endParaRPr lang="en-US" altLang="zh-CN" dirty="0"/>
               </a:p>
               <a:p>
                 <a:r>
@@ -11065,6 +11078,15 @@
                   <a:rPr lang="en-US" altLang="zh-CN" dirty="0"/>
                   <a:t>=-76.41974</a:t>
                 </a:r>
+                <a:r>
+                  <a:rPr lang="ja-JP" altLang="en-US" dirty="0"/>
+                  <a:t> </a:t>
+                </a:r>
+                <a:r>
+                  <a:rPr lang="en-US" altLang="ja-JP" dirty="0"/>
+                  <a:t>Hartree</a:t>
+                </a:r>
+                <a:endParaRPr lang="en-US" altLang="zh-CN" dirty="0"/>
               </a:p>
               <a:p>
                 <a:endParaRPr lang="en-US" altLang="zh-CN" dirty="0"/>
@@ -11271,7 +11293,7 @@
         </p:blipFill>
         <p:spPr>
           <a:xfrm>
-            <a:off x="390047" y="1825625"/>
+            <a:off x="390047" y="3723177"/>
             <a:ext cx="2061050" cy="1800000"/>
           </a:xfrm>
           <a:prstGeom prst="rect">
@@ -11347,7 +11369,7 @@
         </p:blipFill>
         <p:spPr>
           <a:xfrm>
-            <a:off x="3420843" y="1825625"/>
+            <a:off x="3420843" y="3723177"/>
             <a:ext cx="2061050" cy="1800000"/>
           </a:xfrm>
           <a:prstGeom prst="rect">
@@ -11423,7 +11445,7 @@
         </p:blipFill>
         <p:spPr>
           <a:xfrm>
-            <a:off x="6451639" y="1825625"/>
+            <a:off x="6451639" y="3723177"/>
             <a:ext cx="2061050" cy="1800000"/>
           </a:xfrm>
           <a:prstGeom prst="rect">
@@ -11499,7 +11521,7 @@
         </p:blipFill>
         <p:spPr>
           <a:xfrm>
-            <a:off x="9482435" y="1825625"/>
+            <a:off x="9482435" y="3723177"/>
             <a:ext cx="2061050" cy="1800000"/>
           </a:xfrm>
           <a:prstGeom prst="rect">
@@ -11545,10 +11567,10 @@
       </p:sp>
       <p:sp>
         <p:nvSpPr>
-          <p:cNvPr id="11" name="テキスト ボックス 10">
-            <a:extLst>
-              <a:ext uri="{FF2B5EF4-FFF2-40B4-BE49-F238E27FC236}">
-                <a16:creationId xmlns:a16="http://schemas.microsoft.com/office/drawing/2014/main" id="{4608E99D-3664-3469-8333-B6C49D5B938A}"/>
+          <p:cNvPr id="18" name="テキスト ボックス 17">
+            <a:extLst>
+              <a:ext uri="{FF2B5EF4-FFF2-40B4-BE49-F238E27FC236}">
+                <a16:creationId xmlns:a16="http://schemas.microsoft.com/office/drawing/2014/main" id="{DAAE0944-A7C7-6F0D-3F90-3BA48F952FD6}"/>
               </a:ext>
             </a:extLst>
           </p:cNvPr>
@@ -11557,147 +11579,7 @@
         </p:nvSpPr>
         <p:spPr>
           <a:xfrm>
-            <a:off x="558796" y="3979943"/>
-            <a:ext cx="1723549" cy="461665"/>
-          </a:xfrm>
-          <a:prstGeom prst="rect">
-            <a:avLst/>
-          </a:prstGeom>
-          <a:noFill/>
-        </p:spPr>
-        <p:txBody>
-          <a:bodyPr wrap="none" rtlCol="0">
-            <a:spAutoFit/>
-          </a:bodyPr>
-          <a:lstStyle/>
-          <a:p>
-            <a:r>
-              <a:rPr kumimoji="1" lang="ja-JP" altLang="en-US" sz="2400" dirty="0"/>
-              <a:t>エネルギー</a:t>
-            </a:r>
-          </a:p>
-        </p:txBody>
-      </p:sp>
-      <p:sp>
-        <p:nvSpPr>
-          <p:cNvPr id="12" name="テキスト ボックス 11">
-            <a:extLst>
-              <a:ext uri="{FF2B5EF4-FFF2-40B4-BE49-F238E27FC236}">
-                <a16:creationId xmlns:a16="http://schemas.microsoft.com/office/drawing/2014/main" id="{749E918D-AD1F-EE73-EED4-B1657AE0893A}"/>
-              </a:ext>
-            </a:extLst>
-          </p:cNvPr>
-          <p:cNvSpPr txBox="1"/>
-          <p:nvPr/>
-        </p:nvSpPr>
-        <p:spPr>
-          <a:xfrm>
-            <a:off x="3589593" y="3979942"/>
-            <a:ext cx="1723549" cy="461665"/>
-          </a:xfrm>
-          <a:prstGeom prst="rect">
-            <a:avLst/>
-          </a:prstGeom>
-          <a:noFill/>
-        </p:spPr>
-        <p:txBody>
-          <a:bodyPr wrap="none" rtlCol="0">
-            <a:spAutoFit/>
-          </a:bodyPr>
-          <a:lstStyle/>
-          <a:p>
-            <a:r>
-              <a:rPr kumimoji="1" lang="ja-JP" altLang="en-US" sz="2400" dirty="0"/>
-              <a:t>エネルギー</a:t>
-            </a:r>
-          </a:p>
-        </p:txBody>
-      </p:sp>
-      <p:sp>
-        <p:nvSpPr>
-          <p:cNvPr id="13" name="テキスト ボックス 12">
-            <a:extLst>
-              <a:ext uri="{FF2B5EF4-FFF2-40B4-BE49-F238E27FC236}">
-                <a16:creationId xmlns:a16="http://schemas.microsoft.com/office/drawing/2014/main" id="{2C0E6088-E2A8-FE89-D360-2D84F9945BD6}"/>
-              </a:ext>
-            </a:extLst>
-          </p:cNvPr>
-          <p:cNvSpPr txBox="1"/>
-          <p:nvPr/>
-        </p:nvSpPr>
-        <p:spPr>
-          <a:xfrm>
-            <a:off x="6762849" y="3979942"/>
-            <a:ext cx="1723549" cy="461665"/>
-          </a:xfrm>
-          <a:prstGeom prst="rect">
-            <a:avLst/>
-          </a:prstGeom>
-          <a:noFill/>
-        </p:spPr>
-        <p:txBody>
-          <a:bodyPr wrap="none" rtlCol="0">
-            <a:spAutoFit/>
-          </a:bodyPr>
-          <a:lstStyle/>
-          <a:p>
-            <a:r>
-              <a:rPr kumimoji="1" lang="ja-JP" altLang="en-US" sz="2400" dirty="0"/>
-              <a:t>エネルギー</a:t>
-            </a:r>
-          </a:p>
-        </p:txBody>
-      </p:sp>
-      <p:sp>
-        <p:nvSpPr>
-          <p:cNvPr id="14" name="テキスト ボックス 13">
-            <a:extLst>
-              <a:ext uri="{FF2B5EF4-FFF2-40B4-BE49-F238E27FC236}">
-                <a16:creationId xmlns:a16="http://schemas.microsoft.com/office/drawing/2014/main" id="{2F551651-B256-1C71-DC82-92F6D3E9819C}"/>
-              </a:ext>
-            </a:extLst>
-          </p:cNvPr>
-          <p:cNvSpPr txBox="1"/>
-          <p:nvPr/>
-        </p:nvSpPr>
-        <p:spPr>
-          <a:xfrm>
-            <a:off x="9651185" y="3979943"/>
-            <a:ext cx="1723549" cy="461665"/>
-          </a:xfrm>
-          <a:prstGeom prst="rect">
-            <a:avLst/>
-          </a:prstGeom>
-          <a:noFill/>
-        </p:spPr>
-        <p:txBody>
-          <a:bodyPr wrap="none" rtlCol="0">
-            <a:spAutoFit/>
-          </a:bodyPr>
-          <a:lstStyle/>
-          <a:p>
-            <a:r>
-              <a:rPr kumimoji="1" lang="ja-JP" altLang="en-US" sz="2400" dirty="0"/>
-              <a:t>エネルギー</a:t>
-            </a:r>
-          </a:p>
-        </p:txBody>
-      </p:sp>
-      <p:sp>
-        <p:nvSpPr>
-          <p:cNvPr id="18" name="テキスト ボックス 17">
-            <a:extLst>
-              <a:ext uri="{FF2B5EF4-FFF2-40B4-BE49-F238E27FC236}">
-                <a16:creationId xmlns:a16="http://schemas.microsoft.com/office/drawing/2014/main" id="{DAAE0944-A7C7-6F0D-3F90-3BA48F952FD6}"/>
-              </a:ext>
-            </a:extLst>
-          </p:cNvPr>
-          <p:cNvSpPr txBox="1"/>
-          <p:nvPr/>
-        </p:nvSpPr>
-        <p:spPr>
-          <a:xfrm>
-            <a:off x="3584622" y="4433851"/>
+            <a:off x="3530642" y="5657256"/>
             <a:ext cx="1816523" cy="400110"/>
           </a:xfrm>
           <a:prstGeom prst="rect">
@@ -11732,7 +11614,7 @@
         </p:nvSpPr>
         <p:spPr>
           <a:xfrm>
-            <a:off x="6762848" y="4433852"/>
+            <a:off x="6708868" y="5657257"/>
             <a:ext cx="1816523" cy="400110"/>
           </a:xfrm>
           <a:prstGeom prst="rect">
@@ -11755,10 +11637,10 @@
       </p:sp>
       <p:sp>
         <p:nvSpPr>
-          <p:cNvPr id="20" name="テキスト ボックス 19">
-            <a:extLst>
-              <a:ext uri="{FF2B5EF4-FFF2-40B4-BE49-F238E27FC236}">
-                <a16:creationId xmlns:a16="http://schemas.microsoft.com/office/drawing/2014/main" id="{D51074C3-176B-DBD7-55C0-5A3CDAC1A497}"/>
+          <p:cNvPr id="21" name="テキスト ボックス 20">
+            <a:extLst>
+              <a:ext uri="{FF2B5EF4-FFF2-40B4-BE49-F238E27FC236}">
+                <a16:creationId xmlns:a16="http://schemas.microsoft.com/office/drawing/2014/main" id="{C18ED27C-C207-E602-D62A-D94ECC2C0C78}"/>
               </a:ext>
             </a:extLst>
           </p:cNvPr>
@@ -11767,43 +11649,7 @@
         </p:nvSpPr>
         <p:spPr>
           <a:xfrm>
-            <a:off x="9651185" y="4437142"/>
-            <a:ext cx="340158" cy="461665"/>
-          </a:xfrm>
-          <a:prstGeom prst="rect">
-            <a:avLst/>
-          </a:prstGeom>
-          <a:noFill/>
-        </p:spPr>
-        <p:txBody>
-          <a:bodyPr wrap="none" rtlCol="0">
-            <a:spAutoFit/>
-          </a:bodyPr>
-          <a:lstStyle/>
-          <a:p>
-            <a:r>
-              <a:rPr kumimoji="1" lang="en-US" altLang="ja-JP" sz="2400" dirty="0"/>
-              <a:t>E</a:t>
-            </a:r>
-            <a:endParaRPr kumimoji="1" lang="ja-JP" altLang="en-US" sz="2400" dirty="0"/>
-          </a:p>
-        </p:txBody>
-      </p:sp>
-      <p:sp>
-        <p:nvSpPr>
-          <p:cNvPr id="21" name="テキスト ボックス 20">
-            <a:extLst>
-              <a:ext uri="{FF2B5EF4-FFF2-40B4-BE49-F238E27FC236}">
-                <a16:creationId xmlns:a16="http://schemas.microsoft.com/office/drawing/2014/main" id="{C18ED27C-C207-E602-D62A-D94ECC2C0C78}"/>
-              </a:ext>
-            </a:extLst>
-          </p:cNvPr>
-          <p:cNvSpPr txBox="1"/>
-          <p:nvPr/>
-        </p:nvSpPr>
-        <p:spPr>
-          <a:xfrm>
-            <a:off x="558796" y="4433850"/>
+            <a:off x="504816" y="5657255"/>
             <a:ext cx="1816523" cy="400110"/>
           </a:xfrm>
           <a:prstGeom prst="rect">
@@ -11825,6 +11671,545 @@
           </a:p>
         </p:txBody>
       </p:sp>
+      <mc:AlternateContent xmlns:mc="http://schemas.openxmlformats.org/markup-compatibility/2006">
+        <mc:Choice xmlns:a14="http://schemas.microsoft.com/office/drawing/2010/main" Requires="a14">
+          <p:sp>
+            <p:nvSpPr>
+              <p:cNvPr id="8" name="テキスト ボックス 7">
+                <a:extLst>
+                  <a:ext uri="{FF2B5EF4-FFF2-40B4-BE49-F238E27FC236}">
+                    <a16:creationId xmlns:a16="http://schemas.microsoft.com/office/drawing/2014/main" id="{101E53AF-C190-C218-A3B8-EAE48EE9E38B}"/>
+                  </a:ext>
+                </a:extLst>
+              </p:cNvPr>
+              <p:cNvSpPr txBox="1"/>
+              <p:nvPr/>
+            </p:nvSpPr>
+            <p:spPr>
+              <a:xfrm>
+                <a:off x="0" y="6078903"/>
+                <a:ext cx="3188117" cy="644535"/>
+              </a:xfrm>
+              <a:prstGeom prst="rect">
+                <a:avLst/>
+              </a:prstGeom>
+              <a:noFill/>
+            </p:spPr>
+            <p:txBody>
+              <a:bodyPr wrap="none" rtlCol="0">
+                <a:spAutoFit/>
+              </a:bodyPr>
+              <a:lstStyle/>
+              <a:p>
+                <a14:m>
+                  <m:oMath xmlns:m="http://schemas.openxmlformats.org/officeDocument/2006/math">
+                    <m:sSub>
+                      <m:sSubPr>
+                        <m:ctrlPr>
+                          <a:rPr lang="en-US" altLang="zh-CN" sz="2000" i="1" dirty="0" smtClean="0">
+                            <a:latin typeface="Cambria Math" panose="02040503050406030204" pitchFamily="18" charset="0"/>
+                          </a:rPr>
+                        </m:ctrlPr>
+                      </m:sSubPr>
+                      <m:e>
+                        <m:r>
+                          <m:rPr>
+                            <m:sty m:val="p"/>
+                          </m:rPr>
+                          <a:rPr lang="en-US" altLang="zh-CN" sz="2000" dirty="0">
+                            <a:latin typeface="Cambria Math" panose="02040503050406030204" pitchFamily="18" charset="0"/>
+                          </a:rPr>
+                          <m:t>E</m:t>
+                        </m:r>
+                      </m:e>
+                      <m:sub>
+                        <m:r>
+                          <m:rPr>
+                            <m:sty m:val="p"/>
+                          </m:rPr>
+                          <a:rPr lang="en-US" altLang="zh-CN" sz="2000" dirty="0">
+                            <a:latin typeface="Cambria Math" panose="02040503050406030204" pitchFamily="18" charset="0"/>
+                          </a:rPr>
+                          <m:t>bonding</m:t>
+                        </m:r>
+                      </m:sub>
+                    </m:sSub>
+                    <m:r>
+                      <a:rPr lang="en-US" altLang="zh-CN" sz="2000" i="1" dirty="0">
+                        <a:latin typeface="Cambria Math" panose="02040503050406030204" pitchFamily="18" charset="0"/>
+                      </a:rPr>
+                      <m:t> </m:t>
+                    </m:r>
+                  </m:oMath>
+                </a14:m>
+                <a:r>
+                  <a:rPr lang="en-US" altLang="zh-CN" sz="2000" dirty="0"/>
+                  <a:t>=2.56061kcal/mol </a:t>
+                </a:r>
+              </a:p>
+              <a:p>
+                <a:endParaRPr kumimoji="1" lang="ja-JP" altLang="en-US" sz="1400" dirty="0"/>
+              </a:p>
+            </p:txBody>
+          </p:sp>
+        </mc:Choice>
+        <mc:Fallback>
+          <p:sp>
+            <p:nvSpPr>
+              <p:cNvPr id="8" name="テキスト ボックス 7">
+                <a:extLst>
+                  <a:ext uri="{FF2B5EF4-FFF2-40B4-BE49-F238E27FC236}">
+                    <a16:creationId xmlns:a16="http://schemas.microsoft.com/office/drawing/2014/main" id="{101E53AF-C190-C218-A3B8-EAE48EE9E38B}"/>
+                  </a:ext>
+                </a:extLst>
+              </p:cNvPr>
+              <p:cNvSpPr txBox="1">
+                <a:spLocks noRot="1" noChangeAspect="1" noMove="1" noResize="1" noEditPoints="1" noAdjustHandles="1" noChangeArrowheads="1" noChangeShapeType="1" noTextEdit="1"/>
+              </p:cNvSpPr>
+              <p:nvPr/>
+            </p:nvSpPr>
+            <p:spPr>
+              <a:xfrm>
+                <a:off x="0" y="6078903"/>
+                <a:ext cx="3188117" cy="644535"/>
+              </a:xfrm>
+              <a:prstGeom prst="rect">
+                <a:avLst/>
+              </a:prstGeom>
+              <a:blipFill>
+                <a:blip r:embed="rId6"/>
+                <a:stretch>
+                  <a:fillRect t="-3774" r="-956"/>
+                </a:stretch>
+              </a:blipFill>
+            </p:spPr>
+            <p:txBody>
+              <a:bodyPr/>
+              <a:lstStyle/>
+              <a:p>
+                <a:r>
+                  <a:rPr lang="ja-JP" altLang="en-US">
+                    <a:noFill/>
+                  </a:rPr>
+                  <a:t> </a:t>
+                </a:r>
+              </a:p>
+            </p:txBody>
+          </p:sp>
+        </mc:Fallback>
+      </mc:AlternateContent>
+      <mc:AlternateContent xmlns:mc="http://schemas.openxmlformats.org/markup-compatibility/2006">
+        <mc:Choice xmlns:a14="http://schemas.microsoft.com/office/drawing/2010/main" Requires="a14">
+          <p:sp>
+            <p:nvSpPr>
+              <p:cNvPr id="15" name="テキスト ボックス 14">
+                <a:extLst>
+                  <a:ext uri="{FF2B5EF4-FFF2-40B4-BE49-F238E27FC236}">
+                    <a16:creationId xmlns:a16="http://schemas.microsoft.com/office/drawing/2014/main" id="{A7270AD8-6522-0ABD-8155-855B72C70DD4}"/>
+                  </a:ext>
+                </a:extLst>
+              </p:cNvPr>
+              <p:cNvSpPr txBox="1"/>
+              <p:nvPr/>
+            </p:nvSpPr>
+            <p:spPr>
+              <a:xfrm>
+                <a:off x="3188117" y="6057365"/>
+                <a:ext cx="3188117" cy="952312"/>
+              </a:xfrm>
+              <a:prstGeom prst="rect">
+                <a:avLst/>
+              </a:prstGeom>
+              <a:noFill/>
+            </p:spPr>
+            <p:txBody>
+              <a:bodyPr wrap="none" rtlCol="0">
+                <a:spAutoFit/>
+              </a:bodyPr>
+              <a:lstStyle/>
+              <a:p>
+                <a14:m>
+                  <m:oMath xmlns:m="http://schemas.openxmlformats.org/officeDocument/2006/math">
+                    <m:sSub>
+                      <m:sSubPr>
+                        <m:ctrlPr>
+                          <a:rPr lang="en-US" altLang="zh-CN" sz="2000" i="1" dirty="0" smtClean="0">
+                            <a:latin typeface="Cambria Math" panose="02040503050406030204" pitchFamily="18" charset="0"/>
+                          </a:rPr>
+                        </m:ctrlPr>
+                      </m:sSubPr>
+                      <m:e>
+                        <m:r>
+                          <m:rPr>
+                            <m:sty m:val="p"/>
+                          </m:rPr>
+                          <a:rPr lang="en-US" altLang="zh-CN" sz="2000" dirty="0">
+                            <a:latin typeface="Cambria Math" panose="02040503050406030204" pitchFamily="18" charset="0"/>
+                          </a:rPr>
+                          <m:t>E</m:t>
+                        </m:r>
+                      </m:e>
+                      <m:sub>
+                        <m:r>
+                          <m:rPr>
+                            <m:sty m:val="p"/>
+                          </m:rPr>
+                          <a:rPr lang="en-US" altLang="zh-CN" sz="2000" dirty="0">
+                            <a:latin typeface="Cambria Math" panose="02040503050406030204" pitchFamily="18" charset="0"/>
+                          </a:rPr>
+                          <m:t>bonding</m:t>
+                        </m:r>
+                      </m:sub>
+                    </m:sSub>
+                    <m:r>
+                      <a:rPr lang="en-US" altLang="zh-CN" sz="2000" i="1" dirty="0">
+                        <a:latin typeface="Cambria Math" panose="02040503050406030204" pitchFamily="18" charset="0"/>
+                      </a:rPr>
+                      <m:t> </m:t>
+                    </m:r>
+                  </m:oMath>
+                </a14:m>
+                <a:r>
+                  <a:rPr lang="en-US" altLang="zh-CN" sz="2000" dirty="0"/>
+                  <a:t>=1.38166kcal/mol </a:t>
+                </a:r>
+              </a:p>
+              <a:p>
+                <a:endParaRPr lang="en-US" altLang="zh-CN" sz="2000" dirty="0"/>
+              </a:p>
+              <a:p>
+                <a:endParaRPr kumimoji="1" lang="ja-JP" altLang="en-US" sz="1400" dirty="0"/>
+              </a:p>
+            </p:txBody>
+          </p:sp>
+        </mc:Choice>
+        <mc:Fallback>
+          <p:sp>
+            <p:nvSpPr>
+              <p:cNvPr id="15" name="テキスト ボックス 14">
+                <a:extLst>
+                  <a:ext uri="{FF2B5EF4-FFF2-40B4-BE49-F238E27FC236}">
+                    <a16:creationId xmlns:a16="http://schemas.microsoft.com/office/drawing/2014/main" id="{A7270AD8-6522-0ABD-8155-855B72C70DD4}"/>
+                  </a:ext>
+                </a:extLst>
+              </p:cNvPr>
+              <p:cNvSpPr txBox="1">
+                <a:spLocks noRot="1" noChangeAspect="1" noMove="1" noResize="1" noEditPoints="1" noAdjustHandles="1" noChangeArrowheads="1" noChangeShapeType="1" noTextEdit="1"/>
+              </p:cNvSpPr>
+              <p:nvPr/>
+            </p:nvSpPr>
+            <p:spPr>
+              <a:xfrm>
+                <a:off x="3188117" y="6057365"/>
+                <a:ext cx="3188117" cy="952312"/>
+              </a:xfrm>
+              <a:prstGeom prst="rect">
+                <a:avLst/>
+              </a:prstGeom>
+              <a:blipFill>
+                <a:blip r:embed="rId7"/>
+                <a:stretch>
+                  <a:fillRect t="-3205" r="-956"/>
+                </a:stretch>
+              </a:blipFill>
+            </p:spPr>
+            <p:txBody>
+              <a:bodyPr/>
+              <a:lstStyle/>
+              <a:p>
+                <a:r>
+                  <a:rPr lang="ja-JP" altLang="en-US">
+                    <a:noFill/>
+                  </a:rPr>
+                  <a:t> </a:t>
+                </a:r>
+              </a:p>
+            </p:txBody>
+          </p:sp>
+        </mc:Fallback>
+      </mc:AlternateContent>
+      <mc:AlternateContent xmlns:mc="http://schemas.openxmlformats.org/markup-compatibility/2006">
+        <mc:Choice xmlns:a14="http://schemas.microsoft.com/office/drawing/2010/main" Requires="a14">
+          <p:sp>
+            <p:nvSpPr>
+              <p:cNvPr id="16" name="テキスト ボックス 15">
+                <a:extLst>
+                  <a:ext uri="{FF2B5EF4-FFF2-40B4-BE49-F238E27FC236}">
+                    <a16:creationId xmlns:a16="http://schemas.microsoft.com/office/drawing/2014/main" id="{0A3BADC3-2ABA-F79A-27EF-8EF8969A1B33}"/>
+                  </a:ext>
+                </a:extLst>
+              </p:cNvPr>
+              <p:cNvSpPr txBox="1"/>
+              <p:nvPr/>
+            </p:nvSpPr>
+            <p:spPr>
+              <a:xfrm>
+                <a:off x="6182108" y="5848963"/>
+                <a:ext cx="3300327" cy="1107996"/>
+              </a:xfrm>
+              <a:prstGeom prst="rect">
+                <a:avLst/>
+              </a:prstGeom>
+              <a:noFill/>
+            </p:spPr>
+            <p:txBody>
+              <a:bodyPr wrap="none" rtlCol="0">
+                <a:spAutoFit/>
+              </a:bodyPr>
+              <a:lstStyle/>
+              <a:p>
+                <a14:m>
+                  <m:oMath xmlns:m="http://schemas.openxmlformats.org/officeDocument/2006/math">
+                    <m:sSub>
+                      <m:sSubPr>
+                        <m:ctrlPr>
+                          <a:rPr lang="en-US" altLang="zh-CN" sz="2000" i="1" dirty="0" smtClean="0">
+                            <a:latin typeface="Cambria Math" panose="02040503050406030204" pitchFamily="18" charset="0"/>
+                          </a:rPr>
+                        </m:ctrlPr>
+                      </m:sSubPr>
+                      <m:e>
+                        <m:r>
+                          <m:rPr>
+                            <m:sty m:val="p"/>
+                          </m:rPr>
+                          <a:rPr lang="en-US" altLang="zh-CN" sz="2000" dirty="0">
+                            <a:latin typeface="Cambria Math" panose="02040503050406030204" pitchFamily="18" charset="0"/>
+                          </a:rPr>
+                          <m:t>E</m:t>
+                        </m:r>
+                      </m:e>
+                      <m:sub>
+                        <m:r>
+                          <m:rPr>
+                            <m:sty m:val="p"/>
+                          </m:rPr>
+                          <a:rPr lang="en-US" altLang="zh-CN" sz="2000" dirty="0">
+                            <a:latin typeface="Cambria Math" panose="02040503050406030204" pitchFamily="18" charset="0"/>
+                          </a:rPr>
+                          <m:t>bonding</m:t>
+                        </m:r>
+                      </m:sub>
+                    </m:sSub>
+                    <m:r>
+                      <a:rPr lang="en-US" altLang="zh-CN" sz="2000" i="1" dirty="0">
+                        <a:latin typeface="Cambria Math" panose="02040503050406030204" pitchFamily="18" charset="0"/>
+                      </a:rPr>
+                      <m:t> </m:t>
+                    </m:r>
+                  </m:oMath>
+                </a14:m>
+                <a:r>
+                  <a:rPr lang="en-US" altLang="zh-CN" sz="2000" dirty="0"/>
+                  <a:t>=</a:t>
+                </a:r>
+                <a:r>
+                  <a:rPr lang="en-US" altLang="zh-CN" sz="3200" dirty="0"/>
+                  <a:t> </a:t>
+                </a:r>
+                <a:r>
+                  <a:rPr lang="en-US" altLang="zh-CN" sz="2000" dirty="0"/>
+                  <a:t>2.62645kcal/mol </a:t>
+                </a:r>
+              </a:p>
+              <a:p>
+                <a:endParaRPr lang="en-US" altLang="zh-CN" sz="2000" dirty="0"/>
+              </a:p>
+              <a:p>
+                <a:endParaRPr kumimoji="1" lang="ja-JP" altLang="en-US" sz="1400" dirty="0"/>
+              </a:p>
+            </p:txBody>
+          </p:sp>
+        </mc:Choice>
+        <mc:Fallback>
+          <p:sp>
+            <p:nvSpPr>
+              <p:cNvPr id="16" name="テキスト ボックス 15">
+                <a:extLst>
+                  <a:ext uri="{FF2B5EF4-FFF2-40B4-BE49-F238E27FC236}">
+                    <a16:creationId xmlns:a16="http://schemas.microsoft.com/office/drawing/2014/main" id="{0A3BADC3-2ABA-F79A-27EF-8EF8969A1B33}"/>
+                  </a:ext>
+                </a:extLst>
+              </p:cNvPr>
+              <p:cNvSpPr txBox="1">
+                <a:spLocks noRot="1" noChangeAspect="1" noMove="1" noResize="1" noEditPoints="1" noAdjustHandles="1" noChangeArrowheads="1" noChangeShapeType="1" noTextEdit="1"/>
+              </p:cNvSpPr>
+              <p:nvPr/>
+            </p:nvSpPr>
+            <p:spPr>
+              <a:xfrm>
+                <a:off x="6182108" y="5848963"/>
+                <a:ext cx="3300327" cy="1107996"/>
+              </a:xfrm>
+              <a:prstGeom prst="rect">
+                <a:avLst/>
+              </a:prstGeom>
+              <a:blipFill>
+                <a:blip r:embed="rId8"/>
+                <a:stretch>
+                  <a:fillRect r="-1107"/>
+                </a:stretch>
+              </a:blipFill>
+            </p:spPr>
+            <p:txBody>
+              <a:bodyPr/>
+              <a:lstStyle/>
+              <a:p>
+                <a:r>
+                  <a:rPr lang="ja-JP" altLang="en-US">
+                    <a:noFill/>
+                  </a:rPr>
+                  <a:t> </a:t>
+                </a:r>
+              </a:p>
+            </p:txBody>
+          </p:sp>
+        </mc:Fallback>
+      </mc:AlternateContent>
+      <p:pic>
+        <p:nvPicPr>
+          <p:cNvPr id="22" name="図 21">
+            <a:extLst>
+              <a:ext uri="{FF2B5EF4-FFF2-40B4-BE49-F238E27FC236}">
+                <a16:creationId xmlns:a16="http://schemas.microsoft.com/office/drawing/2014/main" id="{94627CC7-4C64-743B-4F05-A2717B070829}"/>
+              </a:ext>
+            </a:extLst>
+          </p:cNvPr>
+          <p:cNvPicPr>
+            <a:picLocks noChangeAspect="1"/>
+          </p:cNvPicPr>
+          <p:nvPr/>
+        </p:nvPicPr>
+        <p:blipFill>
+          <a:blip r:embed="rId9">
+            <a:extLst>
+              <a:ext uri="{28A0092B-C50C-407E-A947-70E740481C1C}">
+                <a14:useLocalDpi xmlns:a14="http://schemas.microsoft.com/office/drawing/2010/main" val="0"/>
+              </a:ext>
+            </a:extLst>
+          </a:blip>
+          <a:stretch>
+            <a:fillRect/>
+          </a:stretch>
+        </p:blipFill>
+        <p:spPr>
+          <a:xfrm>
+            <a:off x="444000" y="1645314"/>
+            <a:ext cx="1953141" cy="1800000"/>
+          </a:xfrm>
+          <a:prstGeom prst="rect">
+            <a:avLst/>
+          </a:prstGeom>
+        </p:spPr>
+      </p:pic>
+      <p:pic>
+        <p:nvPicPr>
+          <p:cNvPr id="24" name="図 23">
+            <a:extLst>
+              <a:ext uri="{FF2B5EF4-FFF2-40B4-BE49-F238E27FC236}">
+                <a16:creationId xmlns:a16="http://schemas.microsoft.com/office/drawing/2014/main" id="{ABD9F744-7258-2FB4-9AD6-3310E9726A29}"/>
+              </a:ext>
+            </a:extLst>
+          </p:cNvPr>
+          <p:cNvPicPr>
+            <a:picLocks noChangeAspect="1"/>
+          </p:cNvPicPr>
+          <p:nvPr/>
+        </p:nvPicPr>
+        <p:blipFill>
+          <a:blip r:embed="rId10">
+            <a:extLst>
+              <a:ext uri="{28A0092B-C50C-407E-A947-70E740481C1C}">
+                <a14:useLocalDpi xmlns:a14="http://schemas.microsoft.com/office/drawing/2010/main" val="0"/>
+              </a:ext>
+            </a:extLst>
+          </a:blip>
+          <a:stretch>
+            <a:fillRect/>
+          </a:stretch>
+        </p:blipFill>
+        <p:spPr>
+          <a:xfrm>
+            <a:off x="3474797" y="1645314"/>
+            <a:ext cx="1953141" cy="1800000"/>
+          </a:xfrm>
+          <a:prstGeom prst="rect">
+            <a:avLst/>
+          </a:prstGeom>
+        </p:spPr>
+      </p:pic>
+      <p:pic>
+        <p:nvPicPr>
+          <p:cNvPr id="26" name="図 25">
+            <a:extLst>
+              <a:ext uri="{FF2B5EF4-FFF2-40B4-BE49-F238E27FC236}">
+                <a16:creationId xmlns:a16="http://schemas.microsoft.com/office/drawing/2014/main" id="{5689E69A-0A21-BA7B-18B0-C0EB117ECCD3}"/>
+              </a:ext>
+            </a:extLst>
+          </p:cNvPr>
+          <p:cNvPicPr>
+            <a:picLocks noChangeAspect="1"/>
+          </p:cNvPicPr>
+          <p:nvPr/>
+        </p:nvPicPr>
+        <p:blipFill>
+          <a:blip r:embed="rId11">
+            <a:extLst>
+              <a:ext uri="{28A0092B-C50C-407E-A947-70E740481C1C}">
+                <a14:useLocalDpi xmlns:a14="http://schemas.microsoft.com/office/drawing/2010/main" val="0"/>
+              </a:ext>
+            </a:extLst>
+          </a:blip>
+          <a:stretch>
+            <a:fillRect/>
+          </a:stretch>
+        </p:blipFill>
+        <p:spPr>
+          <a:xfrm>
+            <a:off x="6505594" y="1629000"/>
+            <a:ext cx="1953141" cy="1800000"/>
+          </a:xfrm>
+          <a:prstGeom prst="rect">
+            <a:avLst/>
+          </a:prstGeom>
+        </p:spPr>
+      </p:pic>
+      <p:pic>
+        <p:nvPicPr>
+          <p:cNvPr id="28" name="図 27">
+            <a:extLst>
+              <a:ext uri="{FF2B5EF4-FFF2-40B4-BE49-F238E27FC236}">
+                <a16:creationId xmlns:a16="http://schemas.microsoft.com/office/drawing/2014/main" id="{F280043B-0AE7-2EAB-2010-56DC48730D7D}"/>
+              </a:ext>
+            </a:extLst>
+          </p:cNvPr>
+          <p:cNvPicPr>
+            <a:picLocks noChangeAspect="1"/>
+          </p:cNvPicPr>
+          <p:nvPr/>
+        </p:nvPicPr>
+        <p:blipFill>
+          <a:blip r:embed="rId12">
+            <a:extLst>
+              <a:ext uri="{28A0092B-C50C-407E-A947-70E740481C1C}">
+                <a14:useLocalDpi xmlns:a14="http://schemas.microsoft.com/office/drawing/2010/main" val="0"/>
+              </a:ext>
+            </a:extLst>
+          </a:blip>
+          <a:stretch>
+            <a:fillRect/>
+          </a:stretch>
+        </p:blipFill>
+        <p:spPr>
+          <a:xfrm>
+            <a:off x="9482435" y="1645314"/>
+            <a:ext cx="1953141" cy="1800000"/>
+          </a:xfrm>
+          <a:prstGeom prst="rect">
+            <a:avLst/>
+          </a:prstGeom>
+        </p:spPr>
+      </p:pic>
     </p:spTree>
     <p:extLst>
       <p:ext uri="{BB962C8B-B14F-4D97-AF65-F5344CB8AC3E}">
@@ -11860,7 +12245,7 @@
           <p:cNvPr id="2" name="标题 1">
             <a:extLst>
               <a:ext uri="{FF2B5EF4-FFF2-40B4-BE49-F238E27FC236}">
-                <a16:creationId xmlns:a16="http://schemas.microsoft.com/office/drawing/2014/main" id="{4DEB3A35-9740-5EBF-073F-6681F2480BB4}"/>
+                <a16:creationId xmlns:a16="http://schemas.microsoft.com/office/drawing/2014/main" id="{0E990F7A-4E75-2871-E6A8-060AF8BB70B8}"/>
               </a:ext>
             </a:extLst>
           </p:cNvPr>
@@ -11878,255 +12263,63 @@
           <a:p>
             <a:r>
               <a:rPr lang="ja-JP" altLang="en-US" dirty="0"/>
-              <a:t>構造１</a:t>
+              <a:t>結論</a:t>
             </a:r>
             <a:endParaRPr lang="zh-CN" altLang="en-US" dirty="0"/>
           </a:p>
         </p:txBody>
       </p:sp>
-      <mc:AlternateContent xmlns:mc="http://schemas.openxmlformats.org/markup-compatibility/2006">
-        <mc:Choice xmlns:a14="http://schemas.microsoft.com/office/drawing/2010/main" Requires="a14">
-          <p:sp>
-            <p:nvSpPr>
-              <p:cNvPr id="3" name="内容占位符 2">
-                <a:extLst>
-                  <a:ext uri="{FF2B5EF4-FFF2-40B4-BE49-F238E27FC236}">
-                    <a16:creationId xmlns:a16="http://schemas.microsoft.com/office/drawing/2014/main" id="{EE12A1E4-E327-8FB7-19BD-9AED920AF450}"/>
-                  </a:ext>
-                </a:extLst>
-              </p:cNvPr>
-              <p:cNvSpPr>
-                <a:spLocks noGrp="1"/>
-              </p:cNvSpPr>
-              <p:nvPr>
-                <p:ph idx="1"/>
-              </p:nvPr>
-            </p:nvSpPr>
-            <p:spPr/>
-            <p:txBody>
-              <a:bodyPr/>
-              <a:lstStyle/>
-              <a:p>
-                <a:r>
-                  <a:rPr lang="en-US" altLang="zh-CN" dirty="0"/>
-                  <a:t> E =-189.73327 </a:t>
-                </a:r>
-              </a:p>
-              <a:p>
-                <a:endParaRPr lang="en-US" altLang="zh-CN" dirty="0"/>
-              </a:p>
-              <a:p>
-                <a:r>
-                  <a:rPr lang="zh-CN" altLang="en-US" dirty="0"/>
-                  <a:t>吸着</a:t>
-                </a:r>
-                <a:r>
-                  <a:rPr lang="ja-JP" altLang="en-US" dirty="0"/>
-                  <a:t>エネルギー：</a:t>
-                </a:r>
-              </a:p>
-              <a:p>
-                <a:endParaRPr lang="ja-JP" altLang="en-US" dirty="0"/>
-              </a:p>
-              <a:p>
-                <a14:m>
-                  <m:oMath xmlns:m="http://schemas.openxmlformats.org/officeDocument/2006/math">
-                    <m:sSub>
-                      <m:sSubPr>
-                        <m:ctrlPr>
-                          <a:rPr lang="en-US" altLang="zh-CN" i="1" dirty="0">
-                            <a:latin typeface="Cambria Math" panose="02040503050406030204" pitchFamily="18" charset="0"/>
-                          </a:rPr>
-                        </m:ctrlPr>
-                      </m:sSubPr>
-                      <m:e>
-                        <m:r>
-                          <m:rPr>
-                            <m:sty m:val="p"/>
-                          </m:rPr>
-                          <a:rPr lang="en-US" altLang="zh-CN" dirty="0">
-                            <a:latin typeface="Cambria Math" panose="02040503050406030204" pitchFamily="18" charset="0"/>
-                          </a:rPr>
-                          <m:t>E</m:t>
-                        </m:r>
-                      </m:e>
-                      <m:sub>
-                        <m:r>
-                          <m:rPr>
-                            <m:sty m:val="p"/>
-                          </m:rPr>
-                          <a:rPr lang="en-US" altLang="zh-CN" dirty="0">
-                            <a:latin typeface="Cambria Math" panose="02040503050406030204" pitchFamily="18" charset="0"/>
-                          </a:rPr>
-                          <m:t>bonding</m:t>
-                        </m:r>
-                      </m:sub>
-                    </m:sSub>
-                  </m:oMath>
-                </a14:m>
-                <a:r>
-                  <a:rPr lang="en-US" altLang="zh-CN" dirty="0"/>
-                  <a:t>=E-</a:t>
-                </a:r>
-                <a14:m>
-                  <m:oMath xmlns:m="http://schemas.openxmlformats.org/officeDocument/2006/math">
-                    <m:sSub>
-                      <m:sSubPr>
-                        <m:ctrlPr>
-                          <a:rPr lang="en-US" altLang="zh-CN" i="1" dirty="0" smtClean="0">
-                            <a:latin typeface="Cambria Math" panose="02040503050406030204" pitchFamily="18" charset="0"/>
-                          </a:rPr>
-                        </m:ctrlPr>
-                      </m:sSubPr>
-                      <m:e>
-                        <m:r>
-                          <m:rPr>
-                            <m:sty m:val="p"/>
-                          </m:rPr>
-                          <a:rPr lang="en-US" altLang="zh-CN" dirty="0">
-                            <a:latin typeface="Cambria Math" panose="02040503050406030204" pitchFamily="18" charset="0"/>
-                          </a:rPr>
-                          <m:t>E</m:t>
-                        </m:r>
-                      </m:e>
-                      <m:sub>
-                        <m:r>
-                          <m:rPr>
-                            <m:sty m:val="p"/>
-                          </m:rPr>
-                          <a:rPr lang="en-US" altLang="zh-CN" dirty="0">
-                            <a:latin typeface="Cambria Math" panose="02040503050406030204" pitchFamily="18" charset="0"/>
-                          </a:rPr>
-                          <m:t>CO</m:t>
-                        </m:r>
-                      </m:sub>
-                    </m:sSub>
-                  </m:oMath>
-                </a14:m>
-                <a:r>
-                  <a:rPr lang="en-US" altLang="zh-CN" dirty="0"/>
-                  <a:t>-</a:t>
-                </a:r>
-                <a14:m>
-                  <m:oMath xmlns:m="http://schemas.openxmlformats.org/officeDocument/2006/math">
-                    <m:sSub>
-                      <m:sSubPr>
-                        <m:ctrlPr>
-                          <a:rPr lang="en-US" altLang="zh-CN" i="1" dirty="0">
-                            <a:latin typeface="Cambria Math" panose="02040503050406030204" pitchFamily="18" charset="0"/>
-                          </a:rPr>
-                        </m:ctrlPr>
-                      </m:sSubPr>
-                      <m:e>
-                        <m:r>
-                          <m:rPr>
-                            <m:sty m:val="p"/>
-                          </m:rPr>
-                          <a:rPr lang="en-US" altLang="zh-CN" dirty="0">
-                            <a:latin typeface="Cambria Math" panose="02040503050406030204" pitchFamily="18" charset="0"/>
-                          </a:rPr>
-                          <m:t>E</m:t>
-                        </m:r>
-                      </m:e>
-                      <m:sub>
-                        <m:sSub>
-                          <m:sSubPr>
-                            <m:ctrlPr>
-                              <a:rPr lang="en-US" altLang="ja-JP" i="1" dirty="0">
-                                <a:latin typeface="Cambria Math" panose="02040503050406030204" pitchFamily="18" charset="0"/>
-                              </a:rPr>
-                            </m:ctrlPr>
-                          </m:sSubPr>
-                          <m:e>
-                            <m:r>
-                              <m:rPr>
-                                <m:sty m:val="p"/>
-                              </m:rPr>
-                              <a:rPr lang="en-US" altLang="ja-JP" dirty="0">
-                                <a:latin typeface="Cambria Math" panose="02040503050406030204" pitchFamily="18" charset="0"/>
-                              </a:rPr>
-                              <m:t>H</m:t>
-                            </m:r>
-                          </m:e>
-                          <m:sub>
-                            <m:r>
-                              <a:rPr lang="en-US" altLang="ja-JP" dirty="0">
-                                <a:latin typeface="Cambria Math" panose="02040503050406030204" pitchFamily="18" charset="0"/>
-                              </a:rPr>
-                              <m:t>2</m:t>
-                            </m:r>
-                          </m:sub>
-                        </m:sSub>
-                        <m:r>
-                          <m:rPr>
-                            <m:sty m:val="p"/>
-                          </m:rPr>
-                          <a:rPr lang="en-US" altLang="ja-JP" dirty="0">
-                            <a:latin typeface="Cambria Math" panose="02040503050406030204" pitchFamily="18" charset="0"/>
-                          </a:rPr>
-                          <m:t>O</m:t>
-                        </m:r>
-                      </m:sub>
-                    </m:sSub>
-                  </m:oMath>
-                </a14:m>
-                <a:r>
-                  <a:rPr lang="en-US" altLang="zh-CN" dirty="0"/>
-                  <a:t>=2.56061kcal/mol </a:t>
-                </a:r>
-              </a:p>
-              <a:p>
-                <a:endParaRPr lang="zh-CN" altLang="en-US" dirty="0"/>
-              </a:p>
-            </p:txBody>
-          </p:sp>
-        </mc:Choice>
-        <mc:Fallback>
-          <p:sp>
-            <p:nvSpPr>
-              <p:cNvPr id="3" name="内容占位符 2">
-                <a:extLst>
-                  <a:ext uri="{FF2B5EF4-FFF2-40B4-BE49-F238E27FC236}">
-                    <a16:creationId xmlns:a16="http://schemas.microsoft.com/office/drawing/2014/main" id="{EE12A1E4-E327-8FB7-19BD-9AED920AF450}"/>
-                  </a:ext>
-                </a:extLst>
-              </p:cNvPr>
-              <p:cNvSpPr>
-                <a:spLocks noGrp="1" noRot="1" noChangeAspect="1" noMove="1" noResize="1" noEditPoints="1" noAdjustHandles="1" noChangeArrowheads="1" noChangeShapeType="1" noTextEdit="1"/>
-              </p:cNvSpPr>
-              <p:nvPr>
-                <p:ph idx="1"/>
-              </p:nvPr>
-            </p:nvSpPr>
-            <p:spPr>
-              <a:blipFill>
-                <a:blip r:embed="rId2"/>
-                <a:stretch>
-                  <a:fillRect l="-1043" t="-2521"/>
-                </a:stretch>
-              </a:blipFill>
-            </p:spPr>
-            <p:txBody>
-              <a:bodyPr/>
-              <a:lstStyle/>
-              <a:p>
-                <a:r>
-                  <a:rPr lang="ja-JP" altLang="en-US">
-                    <a:noFill/>
-                  </a:rPr>
-                  <a:t> </a:t>
-                </a:r>
-              </a:p>
-            </p:txBody>
-          </p:sp>
-        </mc:Fallback>
-      </mc:AlternateContent>
+      <p:sp>
+        <p:nvSpPr>
+          <p:cNvPr id="3" name="内容占位符 2">
+            <a:extLst>
+              <a:ext uri="{FF2B5EF4-FFF2-40B4-BE49-F238E27FC236}">
+                <a16:creationId xmlns:a16="http://schemas.microsoft.com/office/drawing/2014/main" id="{95135E69-88FA-673F-2011-D0D663A90039}"/>
+              </a:ext>
+            </a:extLst>
+          </p:cNvPr>
+          <p:cNvSpPr>
+            <a:spLocks noGrp="1"/>
+          </p:cNvSpPr>
+          <p:nvPr>
+            <p:ph idx="1"/>
+          </p:nvPr>
+        </p:nvSpPr>
+        <p:spPr/>
+        <p:txBody>
+          <a:bodyPr/>
+          <a:lstStyle/>
+          <a:p>
+            <a:r>
+              <a:rPr lang="ja-JP" altLang="en-US" dirty="0"/>
+              <a:t>構造</a:t>
+            </a:r>
+            <a:r>
+              <a:rPr lang="en-US" altLang="ja-JP" dirty="0"/>
+              <a:t>2</a:t>
+            </a:r>
+            <a:r>
+              <a:rPr lang="ja-JP" altLang="en-US" dirty="0"/>
+              <a:t>のボンディングエネルギーが一番低いため、構造</a:t>
+            </a:r>
+            <a:r>
+              <a:rPr lang="en-US" altLang="ja-JP" dirty="0"/>
+              <a:t>2</a:t>
+            </a:r>
+            <a:r>
+              <a:rPr lang="ja-JP" altLang="en-US" dirty="0"/>
+              <a:t>の構造が安定である。</a:t>
+            </a:r>
+            <a:endParaRPr lang="zh-CN" altLang="en-US" dirty="0"/>
+          </a:p>
+        </p:txBody>
+      </p:sp>
       <p:pic>
         <p:nvPicPr>
           <p:cNvPr id="5" name="図 4">
             <a:extLst>
               <a:ext uri="{FF2B5EF4-FFF2-40B4-BE49-F238E27FC236}">
-                <a16:creationId xmlns:a16="http://schemas.microsoft.com/office/drawing/2014/main" id="{1F8C46FA-55A7-AE46-BA2C-0D02F00DFC1F}"/>
+                <a16:creationId xmlns:a16="http://schemas.microsoft.com/office/drawing/2014/main" id="{A78A5A0E-DF31-3815-D41A-31FD6C4C42E3}"/>
               </a:ext>
             </a:extLst>
           </p:cNvPr>
@@ -12136,7 +12329,7 @@
           <p:nvPr/>
         </p:nvPicPr>
         <p:blipFill>
-          <a:blip r:embed="rId3">
+          <a:blip r:embed="rId2">
             <a:extLst>
               <a:ext uri="{28A0092B-C50C-407E-A947-70E740481C1C}">
                 <a14:useLocalDpi xmlns:a14="http://schemas.microsoft.com/office/drawing/2010/main" val="0"/>
@@ -12149,8 +12342,8 @@
         </p:blipFill>
         <p:spPr>
           <a:xfrm>
-            <a:off x="6096000" y="1629000"/>
-            <a:ext cx="2061050" cy="1800000"/>
+            <a:off x="4034950" y="2576963"/>
+            <a:ext cx="4122100" cy="3600000"/>
           </a:xfrm>
           <a:prstGeom prst="rect">
             <a:avLst/>
@@ -12160,7 +12353,7 @@
     </p:spTree>
     <p:extLst>
       <p:ext uri="{BB962C8B-B14F-4D97-AF65-F5344CB8AC3E}">
-        <p14:creationId xmlns:p14="http://schemas.microsoft.com/office/powerpoint/2010/main" val="2790205121"/>
+        <p14:creationId xmlns:p14="http://schemas.microsoft.com/office/powerpoint/2010/main" val="2808903295"/>
       </p:ext>
     </p:extLst>
   </p:cSld>
@@ -12463,4 +12656,299 @@
     </a:ext>
   </a:extLst>
 </a:theme>
+</file>
+
+<file path=ppt/theme/theme2.xml><?xml version="1.0" encoding="utf-8"?>
+<a:theme xmlns:a="http://schemas.openxmlformats.org/drawingml/2006/main" name="Office テーマ">
+  <a:themeElements>
+    <a:clrScheme name="Office">
+      <a:dk1>
+        <a:sysClr val="windowText" lastClr="000000"/>
+      </a:dk1>
+      <a:lt1>
+        <a:sysClr val="window" lastClr="FFFFFF"/>
+      </a:lt1>
+      <a:dk2>
+        <a:srgbClr val="44546A"/>
+      </a:dk2>
+      <a:lt2>
+        <a:srgbClr val="E7E6E6"/>
+      </a:lt2>
+      <a:accent1>
+        <a:srgbClr val="4472C4"/>
+      </a:accent1>
+      <a:accent2>
+        <a:srgbClr val="ED7D31"/>
+      </a:accent2>
+      <a:accent3>
+        <a:srgbClr val="A5A5A5"/>
+      </a:accent3>
+      <a:accent4>
+        <a:srgbClr val="FFC000"/>
+      </a:accent4>
+      <a:accent5>
+        <a:srgbClr val="5B9BD5"/>
+      </a:accent5>
+      <a:accent6>
+        <a:srgbClr val="70AD47"/>
+      </a:accent6>
+      <a:hlink>
+        <a:srgbClr val="0563C1"/>
+      </a:hlink>
+      <a:folHlink>
+        <a:srgbClr val="954F72"/>
+      </a:folHlink>
+    </a:clrScheme>
+    <a:fontScheme name="Office">
+      <a:majorFont>
+        <a:latin typeface="游ゴシック Light" panose="020F0302020204030204"/>
+        <a:ea typeface=""/>
+        <a:cs typeface=""/>
+        <a:font script="Jpan" typeface="游ゴシック Light"/>
+        <a:font script="Hang" typeface="맑은 고딕"/>
+        <a:font script="Hans" typeface="等线 Light"/>
+        <a:font script="Hant" typeface="新細明體"/>
+        <a:font script="Arab" typeface="Times New Roman"/>
+        <a:font script="Hebr" typeface="Times New Roman"/>
+        <a:font script="Thai" typeface="Angsana New"/>
+        <a:font script="Ethi" typeface="Nyala"/>
+        <a:font script="Beng" typeface="Vrinda"/>
+        <a:font script="Gujr" typeface="Shruti"/>
+        <a:font script="Khmr" typeface="MoolBoran"/>
+        <a:font script="Knda" typeface="Tunga"/>
+        <a:font script="Guru" typeface="Raavi"/>
+        <a:font script="Cans" typeface="Euphemia"/>
+        <a:font script="Cher" typeface="Plantagenet Cherokee"/>
+        <a:font script="Yiii" typeface="Microsoft Yi Baiti"/>
+        <a:font script="Tibt" typeface="Microsoft Himalaya"/>
+        <a:font script="Thaa" typeface="MV Boli"/>
+        <a:font script="Deva" typeface="Mangal"/>
+        <a:font script="Telu" typeface="Gautami"/>
+        <a:font script="Taml" typeface="Latha"/>
+        <a:font script="Syrc" typeface="Estrangelo Edessa"/>
+        <a:font script="Orya" typeface="Kalinga"/>
+        <a:font script="Mlym" typeface="Kartika"/>
+        <a:font script="Laoo" typeface="DokChampa"/>
+        <a:font script="Sinh" typeface="Iskoola Pota"/>
+        <a:font script="Mong" typeface="Mongolian Baiti"/>
+        <a:font script="Viet" typeface="Times New Roman"/>
+        <a:font script="Uigh" typeface="Microsoft Uighur"/>
+        <a:font script="Geor" typeface="Sylfaen"/>
+        <a:font script="Armn" typeface="Arial"/>
+        <a:font script="Bugi" typeface="Leelawadee UI"/>
+        <a:font script="Bopo" typeface="Microsoft JhengHei"/>
+        <a:font script="Java" typeface="Javanese Text"/>
+        <a:font script="Lisu" typeface="Segoe UI"/>
+        <a:font script="Mymr" typeface="Myanmar Text"/>
+        <a:font script="Nkoo" typeface="Ebrima"/>
+        <a:font script="Olck" typeface="Nirmala UI"/>
+        <a:font script="Osma" typeface="Ebrima"/>
+        <a:font script="Phag" typeface="Phagspa"/>
+        <a:font script="Syrn" typeface="Estrangelo Edessa"/>
+        <a:font script="Syrj" typeface="Estrangelo Edessa"/>
+        <a:font script="Syre" typeface="Estrangelo Edessa"/>
+        <a:font script="Sora" typeface="Nirmala UI"/>
+        <a:font script="Tale" typeface="Microsoft Tai Le"/>
+        <a:font script="Talu" typeface="Microsoft New Tai Lue"/>
+        <a:font script="Tfng" typeface="Ebrima"/>
+      </a:majorFont>
+      <a:minorFont>
+        <a:latin typeface="游ゴシック" panose="020F0502020204030204"/>
+        <a:ea typeface=""/>
+        <a:cs typeface=""/>
+        <a:font script="Jpan" typeface="游ゴシック"/>
+        <a:font script="Hang" typeface="맑은 고딕"/>
+        <a:font script="Hans" typeface="等线"/>
+        <a:font script="Hant" typeface="新細明體"/>
+        <a:font script="Arab" typeface="Arial"/>
+        <a:font script="Hebr" typeface="Arial"/>
+        <a:font script="Thai" typeface="Cordia New"/>
+        <a:font script="Ethi" typeface="Nyala"/>
+        <a:font script="Beng" typeface="Vrinda"/>
+        <a:font script="Gujr" typeface="Shruti"/>
+        <a:font script="Khmr" typeface="DaunPenh"/>
+        <a:font script="Knda" typeface="Tunga"/>
+        <a:font script="Guru" typeface="Raavi"/>
+        <a:font script="Cans" typeface="Euphemia"/>
+        <a:font script="Cher" typeface="Plantagenet Cherokee"/>
+        <a:font script="Yiii" typeface="Microsoft Yi Baiti"/>
+        <a:font script="Tibt" typeface="Microsoft Himalaya"/>
+        <a:font script="Thaa" typeface="MV Boli"/>
+        <a:font script="Deva" typeface="Mangal"/>
+        <a:font script="Telu" typeface="Gautami"/>
+        <a:font script="Taml" typeface="Latha"/>
+        <a:font script="Syrc" typeface="Estrangelo Edessa"/>
+        <a:font script="Orya" typeface="Kalinga"/>
+        <a:font script="Mlym" typeface="Kartika"/>
+        <a:font script="Laoo" typeface="DokChampa"/>
+        <a:font script="Sinh" typeface="Iskoola Pota"/>
+        <a:font script="Mong" typeface="Mongolian Baiti"/>
+        <a:font script="Viet" typeface="Arial"/>
+        <a:font script="Uigh" typeface="Microsoft Uighur"/>
+        <a:font script="Geor" typeface="Sylfaen"/>
+        <a:font script="Armn" typeface="Arial"/>
+        <a:font script="Bugi" typeface="Leelawadee UI"/>
+        <a:font script="Bopo" typeface="Microsoft JhengHei"/>
+        <a:font script="Java" typeface="Javanese Text"/>
+        <a:font script="Lisu" typeface="Segoe UI"/>
+        <a:font script="Mymr" typeface="Myanmar Text"/>
+        <a:font script="Nkoo" typeface="Ebrima"/>
+        <a:font script="Olck" typeface="Nirmala UI"/>
+        <a:font script="Osma" typeface="Ebrima"/>
+        <a:font script="Phag" typeface="Phagspa"/>
+        <a:font script="Syrn" typeface="Estrangelo Edessa"/>
+        <a:font script="Syrj" typeface="Estrangelo Edessa"/>
+        <a:font script="Syre" typeface="Estrangelo Edessa"/>
+        <a:font script="Sora" typeface="Nirmala UI"/>
+        <a:font script="Tale" typeface="Microsoft Tai Le"/>
+        <a:font script="Talu" typeface="Microsoft New Tai Lue"/>
+        <a:font script="Tfng" typeface="Ebrima"/>
+      </a:minorFont>
+    </a:fontScheme>
+    <a:fmtScheme name="Office">
+      <a:fillStyleLst>
+        <a:solidFill>
+          <a:schemeClr val="phClr"/>
+        </a:solidFill>
+        <a:gradFill rotWithShape="1">
+          <a:gsLst>
+            <a:gs pos="0">
+              <a:schemeClr val="phClr">
+                <a:lumMod val="110000"/>
+                <a:satMod val="105000"/>
+                <a:tint val="67000"/>
+              </a:schemeClr>
+            </a:gs>
+            <a:gs pos="50000">
+              <a:schemeClr val="phClr">
+                <a:lumMod val="105000"/>
+                <a:satMod val="103000"/>
+                <a:tint val="73000"/>
+              </a:schemeClr>
+            </a:gs>
+            <a:gs pos="100000">
+              <a:schemeClr val="phClr">
+                <a:lumMod val="105000"/>
+                <a:satMod val="109000"/>
+                <a:tint val="81000"/>
+              </a:schemeClr>
+            </a:gs>
+          </a:gsLst>
+          <a:lin ang="5400000" scaled="0"/>
+        </a:gradFill>
+        <a:gradFill rotWithShape="1">
+          <a:gsLst>
+            <a:gs pos="0">
+              <a:schemeClr val="phClr">
+                <a:satMod val="103000"/>
+                <a:lumMod val="102000"/>
+                <a:tint val="94000"/>
+              </a:schemeClr>
+            </a:gs>
+            <a:gs pos="50000">
+              <a:schemeClr val="phClr">
+                <a:satMod val="110000"/>
+                <a:lumMod val="100000"/>
+                <a:shade val="100000"/>
+              </a:schemeClr>
+            </a:gs>
+            <a:gs pos="100000">
+              <a:schemeClr val="phClr">
+                <a:lumMod val="99000"/>
+                <a:satMod val="120000"/>
+                <a:shade val="78000"/>
+              </a:schemeClr>
+            </a:gs>
+          </a:gsLst>
+          <a:lin ang="5400000" scaled="0"/>
+        </a:gradFill>
+      </a:fillStyleLst>
+      <a:lnStyleLst>
+        <a:ln w="6350" cap="flat" cmpd="sng" algn="ctr">
+          <a:solidFill>
+            <a:schemeClr val="phClr"/>
+          </a:solidFill>
+          <a:prstDash val="solid"/>
+          <a:miter lim="800000"/>
+        </a:ln>
+        <a:ln w="12700" cap="flat" cmpd="sng" algn="ctr">
+          <a:solidFill>
+            <a:schemeClr val="phClr"/>
+          </a:solidFill>
+          <a:prstDash val="solid"/>
+          <a:miter lim="800000"/>
+        </a:ln>
+        <a:ln w="19050" cap="flat" cmpd="sng" algn="ctr">
+          <a:solidFill>
+            <a:schemeClr val="phClr"/>
+          </a:solidFill>
+          <a:prstDash val="solid"/>
+          <a:miter lim="800000"/>
+        </a:ln>
+      </a:lnStyleLst>
+      <a:effectStyleLst>
+        <a:effectStyle>
+          <a:effectLst/>
+        </a:effectStyle>
+        <a:effectStyle>
+          <a:effectLst/>
+        </a:effectStyle>
+        <a:effectStyle>
+          <a:effectLst>
+            <a:outerShdw blurRad="57150" dist="19050" dir="5400000" algn="ctr" rotWithShape="0">
+              <a:srgbClr val="000000">
+                <a:alpha val="63000"/>
+              </a:srgbClr>
+            </a:outerShdw>
+          </a:effectLst>
+        </a:effectStyle>
+      </a:effectStyleLst>
+      <a:bgFillStyleLst>
+        <a:solidFill>
+          <a:schemeClr val="phClr"/>
+        </a:solidFill>
+        <a:solidFill>
+          <a:schemeClr val="phClr">
+            <a:tint val="95000"/>
+            <a:satMod val="170000"/>
+          </a:schemeClr>
+        </a:solidFill>
+        <a:gradFill rotWithShape="1">
+          <a:gsLst>
+            <a:gs pos="0">
+              <a:schemeClr val="phClr">
+                <a:tint val="93000"/>
+                <a:satMod val="150000"/>
+                <a:shade val="98000"/>
+                <a:lumMod val="102000"/>
+              </a:schemeClr>
+            </a:gs>
+            <a:gs pos="50000">
+              <a:schemeClr val="phClr">
+                <a:tint val="98000"/>
+                <a:satMod val="130000"/>
+                <a:shade val="90000"/>
+                <a:lumMod val="103000"/>
+              </a:schemeClr>
+            </a:gs>
+            <a:gs pos="100000">
+              <a:schemeClr val="phClr">
+                <a:shade val="63000"/>
+                <a:satMod val="120000"/>
+              </a:schemeClr>
+            </a:gs>
+          </a:gsLst>
+          <a:lin ang="5400000" scaled="0"/>
+        </a:gradFill>
+      </a:bgFillStyleLst>
+    </a:fmtScheme>
+  </a:themeElements>
+  <a:objectDefaults/>
+  <a:extraClrSchemeLst/>
+  <a:extLst>
+    <a:ext uri="{05A4C25C-085E-4340-85A3-A5531E510DB2}">
+      <thm15:themeFamily xmlns:thm15="http://schemas.microsoft.com/office/thememl/2012/main" name="Office Theme" id="{62F939B6-93AF-4DB8-9C6B-D6C7DFDC589F}" vid="{4A3C46E8-61CC-4603-A589-7422A47A8E4A}"/>
+    </a:ext>
+  </a:extLst>
+</a:theme>
 </file>
--- a/20230623pre.pptx
+++ b/20230623pre.pptx
@@ -5,7 +5,7 @@
     <p:sldMasterId id="2147483959" r:id="rId1"/>
   </p:sldMasterIdLst>
   <p:notesMasterIdLst>
-    <p:notesMasterId r:id="rId18"/>
+    <p:notesMasterId r:id="rId19"/>
   </p:notesMasterIdLst>
   <p:sldIdLst>
     <p:sldId id="256" r:id="rId2"/>
@@ -21,9 +21,10 @@
     <p:sldId id="286" r:id="rId12"/>
     <p:sldId id="284" r:id="rId13"/>
     <p:sldId id="285" r:id="rId14"/>
-    <p:sldId id="287" r:id="rId15"/>
-    <p:sldId id="263" r:id="rId16"/>
-    <p:sldId id="289" r:id="rId17"/>
+    <p:sldId id="290" r:id="rId15"/>
+    <p:sldId id="287" r:id="rId16"/>
+    <p:sldId id="263" r:id="rId17"/>
+    <p:sldId id="289" r:id="rId18"/>
   </p:sldIdLst>
   <p:sldSz cx="12192000" cy="6858000"/>
   <p:notesSz cx="6858000" cy="9144000"/>
@@ -2120,7 +2121,7 @@
           <a:p>
             <a:fld id="{D92BB75E-7D0E-406D-829B-CAF34726F3EB}" type="datetimeFigureOut">
               <a:rPr kumimoji="1" lang="ja-JP" altLang="en-US" smtClean="0"/>
-              <a:t>2023/7/10</a:t>
+              <a:t>2023/7/11</a:t>
             </a:fld>
             <a:endParaRPr kumimoji="1" lang="ja-JP" altLang="en-US"/>
           </a:p>
@@ -2550,7 +2551,7 @@
           <a:p>
             <a:fld id="{691B7FCD-955D-4274-86E7-9D7AEF0202E2}" type="datetime1">
               <a:rPr lang="zh-CN" altLang="en-US" smtClean="0"/>
-              <a:t>2023/7/10</a:t>
+              <a:t>2023/7/11</a:t>
             </a:fld>
             <a:endParaRPr lang="zh-CN" altLang="en-US"/>
           </a:p>
@@ -2753,7 +2754,7 @@
           <a:p>
             <a:fld id="{691B7FCD-955D-4274-86E7-9D7AEF0202E2}" type="datetime1">
               <a:rPr lang="zh-CN" altLang="en-US" smtClean="0"/>
-              <a:t>2023/7/10</a:t>
+              <a:t>2023/7/11</a:t>
             </a:fld>
             <a:endParaRPr lang="zh-CN" altLang="en-US"/>
           </a:p>
@@ -2966,7 +2967,7 @@
           <a:p>
             <a:fld id="{691B7FCD-955D-4274-86E7-9D7AEF0202E2}" type="datetime1">
               <a:rPr lang="zh-CN" altLang="en-US" smtClean="0"/>
-              <a:t>2023/7/10</a:t>
+              <a:t>2023/7/11</a:t>
             </a:fld>
             <a:endParaRPr lang="zh-CN" altLang="en-US"/>
           </a:p>
@@ -3169,7 +3170,7 @@
           <a:p>
             <a:fld id="{691B7FCD-955D-4274-86E7-9D7AEF0202E2}" type="datetime1">
               <a:rPr lang="zh-CN" altLang="en-US" smtClean="0"/>
-              <a:t>2023/7/10</a:t>
+              <a:t>2023/7/11</a:t>
             </a:fld>
             <a:endParaRPr lang="zh-CN" altLang="en-US"/>
           </a:p>
@@ -3416,7 +3417,7 @@
           <a:p>
             <a:fld id="{691B7FCD-955D-4274-86E7-9D7AEF0202E2}" type="datetime1">
               <a:rPr lang="zh-CN" altLang="en-US" smtClean="0"/>
-              <a:t>2023/7/10</a:t>
+              <a:t>2023/7/11</a:t>
             </a:fld>
             <a:endParaRPr lang="zh-CN" altLang="en-US"/>
           </a:p>
@@ -3713,7 +3714,7 @@
           <a:p>
             <a:fld id="{691B7FCD-955D-4274-86E7-9D7AEF0202E2}" type="datetime1">
               <a:rPr lang="zh-CN" altLang="en-US" smtClean="0"/>
-              <a:t>2023/7/10</a:t>
+              <a:t>2023/7/11</a:t>
             </a:fld>
             <a:endParaRPr lang="zh-CN" altLang="en-US"/>
           </a:p>
@@ -4145,7 +4146,7 @@
           <a:p>
             <a:fld id="{691B7FCD-955D-4274-86E7-9D7AEF0202E2}" type="datetime1">
               <a:rPr lang="zh-CN" altLang="en-US" smtClean="0"/>
-              <a:t>2023/7/10</a:t>
+              <a:t>2023/7/11</a:t>
             </a:fld>
             <a:endParaRPr lang="zh-CN" altLang="en-US"/>
           </a:p>
@@ -4264,7 +4265,7 @@
           <a:p>
             <a:fld id="{691B7FCD-955D-4274-86E7-9D7AEF0202E2}" type="datetime1">
               <a:rPr lang="zh-CN" altLang="en-US" smtClean="0"/>
-              <a:t>2023/7/10</a:t>
+              <a:t>2023/7/11</a:t>
             </a:fld>
             <a:endParaRPr lang="zh-CN" altLang="en-US"/>
           </a:p>
@@ -4360,7 +4361,7 @@
           <a:p>
             <a:fld id="{691B7FCD-955D-4274-86E7-9D7AEF0202E2}" type="datetime1">
               <a:rPr lang="zh-CN" altLang="en-US" smtClean="0"/>
-              <a:t>2023/7/10</a:t>
+              <a:t>2023/7/11</a:t>
             </a:fld>
             <a:endParaRPr lang="zh-CN" altLang="en-US"/>
           </a:p>
@@ -4670,7 +4671,7 @@
           <a:p>
             <a:fld id="{691B7FCD-955D-4274-86E7-9D7AEF0202E2}" type="datetime1">
               <a:rPr lang="zh-CN" altLang="en-US" smtClean="0"/>
-              <a:t>2023/7/10</a:t>
+              <a:t>2023/7/11</a:t>
             </a:fld>
             <a:endParaRPr lang="zh-CN" altLang="en-US"/>
           </a:p>
@@ -4928,7 +4929,7 @@
           <a:p>
             <a:fld id="{691B7FCD-955D-4274-86E7-9D7AEF0202E2}" type="datetime1">
               <a:rPr lang="zh-CN" altLang="en-US" smtClean="0"/>
-              <a:t>2023/7/10</a:t>
+              <a:t>2023/7/11</a:t>
             </a:fld>
             <a:endParaRPr lang="zh-CN" altLang="en-US"/>
           </a:p>
@@ -5174,7 +5175,7 @@
           <a:p>
             <a:fld id="{691B7FCD-955D-4274-86E7-9D7AEF0202E2}" type="datetime1">
               <a:rPr lang="zh-CN" altLang="en-US" smtClean="0"/>
-              <a:t>2023/7/10</a:t>
+              <a:t>2023/7/11</a:t>
             </a:fld>
             <a:endParaRPr lang="zh-CN" altLang="en-US"/>
           </a:p>
@@ -6456,6 +6457,42 @@
           </a:p>
         </p:txBody>
       </p:sp>
+      <p:sp>
+        <p:nvSpPr>
+          <p:cNvPr id="2" name="テキスト ボックス 1">
+            <a:extLst>
+              <a:ext uri="{FF2B5EF4-FFF2-40B4-BE49-F238E27FC236}">
+                <a16:creationId xmlns:a16="http://schemas.microsoft.com/office/drawing/2014/main" id="{29829785-C71B-3A63-9BF0-8082E6CA2BB6}"/>
+              </a:ext>
+            </a:extLst>
+          </p:cNvPr>
+          <p:cNvSpPr txBox="1"/>
+          <p:nvPr/>
+        </p:nvSpPr>
+        <p:spPr>
+          <a:xfrm>
+            <a:off x="1246120" y="5643399"/>
+            <a:ext cx="6955750" cy="461665"/>
+          </a:xfrm>
+          <a:prstGeom prst="rect">
+            <a:avLst/>
+          </a:prstGeom>
+          <a:noFill/>
+        </p:spPr>
+        <p:txBody>
+          <a:bodyPr wrap="none" rtlCol="0">
+            <a:spAutoFit/>
+          </a:bodyPr>
+          <a:lstStyle/>
+          <a:p>
+            <a:r>
+              <a:rPr kumimoji="1" lang="ja-JP" altLang="en-US" sz="2400" dirty="0"/>
+              <a:t>虚振動が一つあるので、遷移状態を表している。</a:t>
+            </a:r>
+            <a:endParaRPr kumimoji="1" lang="en-US" altLang="ja-JP" sz="2400" dirty="0"/>
+          </a:p>
+        </p:txBody>
+      </p:sp>
     </p:spTree>
     <p:extLst>
       <p:ext uri="{BB962C8B-B14F-4D97-AF65-F5344CB8AC3E}">
@@ -7118,6 +7155,42 @@
           </a:p>
         </p:txBody>
       </p:sp>
+      <p:sp>
+        <p:nvSpPr>
+          <p:cNvPr id="3" name="テキスト ボックス 2">
+            <a:extLst>
+              <a:ext uri="{FF2B5EF4-FFF2-40B4-BE49-F238E27FC236}">
+                <a16:creationId xmlns:a16="http://schemas.microsoft.com/office/drawing/2014/main" id="{7F40A972-6EB0-1361-FBE7-1C82631675A7}"/>
+              </a:ext>
+            </a:extLst>
+          </p:cNvPr>
+          <p:cNvSpPr txBox="1"/>
+          <p:nvPr/>
+        </p:nvSpPr>
+        <p:spPr>
+          <a:xfrm>
+            <a:off x="1246120" y="5643399"/>
+            <a:ext cx="6955750" cy="461665"/>
+          </a:xfrm>
+          <a:prstGeom prst="rect">
+            <a:avLst/>
+          </a:prstGeom>
+          <a:noFill/>
+        </p:spPr>
+        <p:txBody>
+          <a:bodyPr wrap="none" rtlCol="0">
+            <a:spAutoFit/>
+          </a:bodyPr>
+          <a:lstStyle/>
+          <a:p>
+            <a:r>
+              <a:rPr kumimoji="1" lang="ja-JP" altLang="en-US" sz="2400" dirty="0"/>
+              <a:t>虚振動が一つあるので、遷移状態を表している。</a:t>
+            </a:r>
+            <a:endParaRPr kumimoji="1" lang="en-US" altLang="ja-JP" sz="2400" dirty="0"/>
+          </a:p>
+        </p:txBody>
+      </p:sp>
     </p:spTree>
     <p:extLst>
       <p:ext uri="{BB962C8B-B14F-4D97-AF65-F5344CB8AC3E}">
@@ -8651,7 +8724,7 @@
           <p:cNvPr id="2" name="スライド番号プレースホルダー 1">
             <a:extLst>
               <a:ext uri="{FF2B5EF4-FFF2-40B4-BE49-F238E27FC236}">
-                <a16:creationId xmlns:a16="http://schemas.microsoft.com/office/drawing/2014/main" id="{01B77B33-6DCC-E840-2994-A9F9471A036F}"/>
+                <a16:creationId xmlns:a16="http://schemas.microsoft.com/office/drawing/2014/main" id="{A11DA222-D9D8-0137-180F-B50A4199ACCC}"/>
               </a:ext>
             </a:extLst>
           </p:cNvPr>
@@ -8670,6 +8743,184 @@
             <a:fld id="{ECBD650F-6923-4A4C-ADE2-BB0B86E7CCFF}" type="slidenum">
               <a:rPr lang="zh-CN" altLang="en-US" smtClean="0"/>
               <a:t>14</a:t>
+            </a:fld>
+            <a:endParaRPr lang="zh-CN" altLang="en-US"/>
+          </a:p>
+        </p:txBody>
+      </p:sp>
+      <p:sp>
+        <p:nvSpPr>
+          <p:cNvPr id="3" name="标题 1">
+            <a:extLst>
+              <a:ext uri="{FF2B5EF4-FFF2-40B4-BE49-F238E27FC236}">
+                <a16:creationId xmlns:a16="http://schemas.microsoft.com/office/drawing/2014/main" id="{4339679F-0791-F2BA-3341-E7022F3C215E}"/>
+              </a:ext>
+            </a:extLst>
+          </p:cNvPr>
+          <p:cNvSpPr txBox="1">
+            <a:spLocks/>
+          </p:cNvSpPr>
+          <p:nvPr/>
+        </p:nvSpPr>
+        <p:spPr>
+          <a:xfrm>
+            <a:off x="838200" y="365125"/>
+            <a:ext cx="10515600" cy="1325563"/>
+          </a:xfrm>
+          <a:prstGeom prst="rect">
+            <a:avLst/>
+          </a:prstGeom>
+        </p:spPr>
+        <p:txBody>
+          <a:bodyPr>
+            <a:normAutofit/>
+          </a:bodyPr>
+          <a:lstStyle>
+            <a:lvl1pPr algn="l" defTabSz="914400" rtl="0" eaLnBrk="1" latinLnBrk="0" hangingPunct="1">
+              <a:lnSpc>
+                <a:spcPct val="90000"/>
+              </a:lnSpc>
+              <a:spcBef>
+                <a:spcPct val="0"/>
+              </a:spcBef>
+              <a:buNone/>
+              <a:defRPr kumimoji="1" sz="4400" kern="1200">
+                <a:solidFill>
+                  <a:schemeClr val="tx1"/>
+                </a:solidFill>
+                <a:latin typeface="+mj-lt"/>
+                <a:ea typeface="+mj-ea"/>
+                <a:cs typeface="+mj-cs"/>
+              </a:defRPr>
+            </a:lvl1pPr>
+          </a:lstStyle>
+          <a:p>
+            <a:r>
+              <a:rPr lang="ja-JP" altLang="en-US" sz="3600" dirty="0">
+                <a:latin typeface="BIZ UDPゴシック" panose="020B0400000000000000" pitchFamily="50" charset="-128"/>
+                <a:ea typeface="BIZ UDPゴシック" panose="020B0400000000000000" pitchFamily="50" charset="-128"/>
+              </a:rPr>
+              <a:t>今後の予定</a:t>
+            </a:r>
+          </a:p>
+        </p:txBody>
+      </p:sp>
+      <p:sp>
+        <p:nvSpPr>
+          <p:cNvPr id="4" name="テキスト ボックス 3">
+            <a:extLst>
+              <a:ext uri="{FF2B5EF4-FFF2-40B4-BE49-F238E27FC236}">
+                <a16:creationId xmlns:a16="http://schemas.microsoft.com/office/drawing/2014/main" id="{6CB457EA-AD55-0412-A462-81D349535255}"/>
+              </a:ext>
+            </a:extLst>
+          </p:cNvPr>
+          <p:cNvSpPr txBox="1"/>
+          <p:nvPr/>
+        </p:nvSpPr>
+        <p:spPr>
+          <a:xfrm>
+            <a:off x="1120403" y="2054246"/>
+            <a:ext cx="9951194" cy="1815882"/>
+          </a:xfrm>
+          <a:prstGeom prst="rect">
+            <a:avLst/>
+          </a:prstGeom>
+          <a:noFill/>
+        </p:spPr>
+        <p:txBody>
+          <a:bodyPr wrap="square" rtlCol="0">
+            <a:spAutoFit/>
+          </a:bodyPr>
+          <a:lstStyle/>
+          <a:p>
+            <a:r>
+              <a:rPr kumimoji="1" lang="ja-JP" altLang="en-US" sz="2800" dirty="0"/>
+              <a:t>基底関数を変わって、実験値と比較し、制度が高い基底関数を探す。</a:t>
+            </a:r>
+            <a:endParaRPr kumimoji="1" lang="en-US" altLang="ja-JP" sz="2800" dirty="0"/>
+          </a:p>
+          <a:p>
+            <a:r>
+              <a:rPr kumimoji="1" lang="en-US" altLang="ja-JP" sz="2800" dirty="0"/>
+              <a:t>CHO</a:t>
+            </a:r>
+            <a:r>
+              <a:rPr kumimoji="1" lang="ja-JP" altLang="en-US" sz="2800" dirty="0"/>
+              <a:t>分子に逐次に</a:t>
+            </a:r>
+            <a:r>
+              <a:rPr kumimoji="1" lang="en-US" altLang="ja-JP" sz="2800" dirty="0"/>
+              <a:t>H</a:t>
+            </a:r>
+            <a:r>
+              <a:rPr kumimoji="1" lang="ja-JP" altLang="en-US" sz="2800" dirty="0"/>
+              <a:t>原子</a:t>
+            </a:r>
+            <a:r>
+              <a:rPr kumimoji="1" lang="en-US" altLang="ja-JP" sz="2800" dirty="0"/>
+              <a:t>/D</a:t>
+            </a:r>
+            <a:r>
+              <a:rPr kumimoji="1" lang="ja-JP" altLang="en-US" sz="2800" dirty="0"/>
+              <a:t>原子を付加していき、最適化構造と遷移状態を通じて、生成物を見出す予定である。</a:t>
+            </a:r>
+          </a:p>
+        </p:txBody>
+      </p:sp>
+    </p:spTree>
+    <p:extLst>
+      <p:ext uri="{BB962C8B-B14F-4D97-AF65-F5344CB8AC3E}">
+        <p14:creationId xmlns:p14="http://schemas.microsoft.com/office/powerpoint/2010/main" val="1175153311"/>
+      </p:ext>
+    </p:extLst>
+  </p:cSld>
+  <p:clrMapOvr>
+    <a:masterClrMapping/>
+  </p:clrMapOvr>
+</p:sld>
+</file>
+
+<file path=ppt/slides/slide15.xml><?xml version="1.0" encoding="utf-8"?>
+<p:sld xmlns:a="http://schemas.openxmlformats.org/drawingml/2006/main" xmlns:r="http://schemas.openxmlformats.org/officeDocument/2006/relationships" xmlns:p="http://schemas.openxmlformats.org/presentationml/2006/main">
+  <p:cSld>
+    <p:spTree>
+      <p:nvGrpSpPr>
+        <p:cNvPr id="1" name=""/>
+        <p:cNvGrpSpPr/>
+        <p:nvPr/>
+      </p:nvGrpSpPr>
+      <p:grpSpPr>
+        <a:xfrm>
+          <a:off x="0" y="0"/>
+          <a:ext cx="0" cy="0"/>
+          <a:chOff x="0" y="0"/>
+          <a:chExt cx="0" cy="0"/>
+        </a:xfrm>
+      </p:grpSpPr>
+      <p:sp>
+        <p:nvSpPr>
+          <p:cNvPr id="2" name="スライド番号プレースホルダー 1">
+            <a:extLst>
+              <a:ext uri="{FF2B5EF4-FFF2-40B4-BE49-F238E27FC236}">
+                <a16:creationId xmlns:a16="http://schemas.microsoft.com/office/drawing/2014/main" id="{01B77B33-6DCC-E840-2994-A9F9471A036F}"/>
+              </a:ext>
+            </a:extLst>
+          </p:cNvPr>
+          <p:cNvSpPr>
+            <a:spLocks noGrp="1"/>
+          </p:cNvSpPr>
+          <p:nvPr>
+            <p:ph type="sldNum" sz="quarter" idx="12"/>
+          </p:nvPr>
+        </p:nvSpPr>
+        <p:spPr/>
+        <p:txBody>
+          <a:bodyPr/>
+          <a:lstStyle/>
+          <a:p>
+            <a:fld id="{ECBD650F-6923-4A4C-ADE2-BB0B86E7CCFF}" type="slidenum">
+              <a:rPr lang="zh-CN" altLang="en-US" smtClean="0"/>
+              <a:t>15</a:t>
             </a:fld>
             <a:endParaRPr lang="zh-CN" altLang="en-US"/>
           </a:p>
@@ -8727,7 +8978,7 @@
 </p:sld>
 </file>
 
-<file path=ppt/slides/slide15.xml><?xml version="1.0" encoding="utf-8"?>
+<file path=ppt/slides/slide16.xml><?xml version="1.0" encoding="utf-8"?>
 <p:sld xmlns:a="http://schemas.openxmlformats.org/drawingml/2006/main" xmlns:r="http://schemas.openxmlformats.org/officeDocument/2006/relationships" xmlns:p="http://schemas.openxmlformats.org/presentationml/2006/main">
   <p:cSld>
     <p:spTree>
@@ -9079,7 +9330,7 @@
           <a:p>
             <a:fld id="{ECBD650F-6923-4A4C-ADE2-BB0B86E7CCFF}" type="slidenum">
               <a:rPr lang="zh-CN" altLang="en-US" smtClean="0"/>
-              <a:t>15</a:t>
+              <a:t>16</a:t>
             </a:fld>
             <a:endParaRPr lang="zh-CN" altLang="en-US"/>
           </a:p>
@@ -9170,7 +9421,7 @@
 </p:sld>
 </file>
 
-<file path=ppt/slides/slide16.xml><?xml version="1.0" encoding="utf-8"?>
+<file path=ppt/slides/slide17.xml><?xml version="1.0" encoding="utf-8"?>
 <p:sld xmlns:a="http://schemas.openxmlformats.org/drawingml/2006/main" xmlns:r="http://schemas.openxmlformats.org/officeDocument/2006/relationships" xmlns:p="http://schemas.openxmlformats.org/presentationml/2006/main">
   <p:cSld>
     <p:spTree>
@@ -9724,7 +9975,7 @@
           <a:p>
             <a:fld id="{ECBD650F-6923-4A4C-ADE2-BB0B86E7CCFF}" type="slidenum">
               <a:rPr lang="zh-CN" altLang="en-US" smtClean="0"/>
-              <a:t>16</a:t>
+              <a:t>17</a:t>
             </a:fld>
             <a:endParaRPr lang="zh-CN" altLang="en-US" dirty="0"/>
           </a:p>
@@ -12204,8 +12455,8 @@
           </p:sp>
         </mc:Fallback>
       </mc:AlternateContent>
-      <mc:AlternateContent xmlns:mc="http://schemas.openxmlformats.org/markup-compatibility/2006" xmlns:a14="http://schemas.microsoft.com/office/drawing/2010/main">
-        <mc:Choice Requires="a14">
+      <mc:AlternateContent xmlns:mc="http://schemas.openxmlformats.org/markup-compatibility/2006">
+        <mc:Choice xmlns:a14="http://schemas.microsoft.com/office/drawing/2010/main" Requires="a14">
           <p:sp>
             <p:nvSpPr>
               <p:cNvPr id="7" name="テキスト ボックス 6">
@@ -12221,7 +12472,7 @@
             <p:spPr>
               <a:xfrm>
                 <a:off x="3885199" y="3452210"/>
-                <a:ext cx="3471720" cy="523220"/>
+                <a:ext cx="3466911" cy="523220"/>
               </a:xfrm>
               <a:prstGeom prst="rect">
                 <a:avLst/>
@@ -12246,32 +12497,50 @@
                           <m:sty m:val="p"/>
                         </m:rPr>
                         <a:rPr kumimoji="1" lang="en-US" altLang="ja-JP" sz="2800" i="0" dirty="0" smtClean="0">
+                          <a:solidFill>
+                            <a:schemeClr val="tx1"/>
+                          </a:solidFill>
                           <a:latin typeface="Cambria Math" panose="02040503050406030204" pitchFamily="18" charset="0"/>
                         </a:rPr>
                         <m:t>H</m:t>
                       </m:r>
                       <m:r>
                         <a:rPr kumimoji="1" lang="en-US" altLang="ja-JP" sz="2800" i="0" dirty="0">
+                          <a:solidFill>
+                            <a:schemeClr val="tx1"/>
+                          </a:solidFill>
                           <a:latin typeface="Cambria Math" panose="02040503050406030204" pitchFamily="18" charset="0"/>
                         </a:rPr>
                         <m:t> </m:t>
                       </m:r>
                       <m:r>
                         <a:rPr kumimoji="1" lang="en-US" altLang="ja-JP" sz="2800" i="0" dirty="0" smtClean="0">
+                          <a:solidFill>
+                            <a:schemeClr val="tx1"/>
+                          </a:solidFill>
                           <a:latin typeface="Cambria Math" panose="02040503050406030204" pitchFamily="18" charset="0"/>
                         </a:rPr>
                         <m:t>+</m:t>
                       </m:r>
                       <m:r>
-                        <a:rPr kumimoji="1" lang="en-US" altLang="ja-JP" sz="2800" i="0" dirty="0">
+                        <m:rPr>
+                          <m:sty m:val="p"/>
+                        </m:rPr>
+                        <a:rPr kumimoji="1" lang="en-US" altLang="ja-JP" sz="2800" dirty="0">
+                          <a:solidFill>
+                            <a:schemeClr val="tx1"/>
+                          </a:solidFill>
                           <a:latin typeface="Cambria Math" panose="02040503050406030204" pitchFamily="18" charset="0"/>
                         </a:rPr>
-                        <m:t> </m:t>
+                        <m:t>C</m:t>
                       </m:r>
                       <m:sSub>
                         <m:sSubPr>
                           <m:ctrlPr>
-                            <a:rPr kumimoji="1" lang="en-US" altLang="ja-JP" sz="2800" b="0" i="1" dirty="0" smtClean="0">
+                            <a:rPr kumimoji="1" lang="en-US" altLang="ja-JP" sz="2800" i="1" dirty="0">
+                              <a:solidFill>
+                                <a:schemeClr val="tx1"/>
+                              </a:solidFill>
                               <a:latin typeface="Cambria Math" panose="02040503050406030204" pitchFamily="18" charset="0"/>
                             </a:rPr>
                           </m:ctrlPr>
@@ -12281,7 +12550,10 @@
                             <m:rPr>
                               <m:sty m:val="p"/>
                             </m:rPr>
-                            <a:rPr kumimoji="1" lang="en-US" altLang="ja-JP" sz="2800" i="0" dirty="0" smtClean="0">
+                            <a:rPr kumimoji="1" lang="en-US" altLang="ja-JP" sz="2800" dirty="0">
+                              <a:solidFill>
+                                <a:schemeClr val="tx1"/>
+                              </a:solidFill>
                               <a:latin typeface="Cambria Math" panose="02040503050406030204" pitchFamily="18" charset="0"/>
                             </a:rPr>
                             <m:t>H</m:t>
@@ -12289,7 +12561,10 @@
                         </m:e>
                         <m:sub>
                           <m:r>
-                            <a:rPr kumimoji="1" lang="en-US" altLang="ja-JP" sz="2800" b="0" i="0" dirty="0" smtClean="0">
+                            <a:rPr kumimoji="1" lang="en-US" altLang="ja-JP" sz="2800" dirty="0">
+                              <a:solidFill>
+                                <a:schemeClr val="tx1"/>
+                              </a:solidFill>
                               <a:latin typeface="Cambria Math" panose="02040503050406030204" pitchFamily="18" charset="0"/>
                             </a:rPr>
                             <m:t>3</m:t>
@@ -12300,22 +12575,31 @@
                         <m:rPr>
                           <m:sty m:val="p"/>
                         </m:rPr>
-                        <a:rPr kumimoji="1" lang="en-US" altLang="ja-JP" sz="2800" i="0" dirty="0" smtClean="0">
+                        <a:rPr kumimoji="1" lang="en-US" altLang="ja-JP" sz="2800" dirty="0">
+                          <a:solidFill>
+                            <a:schemeClr val="tx1"/>
+                          </a:solidFill>
                           <a:latin typeface="Cambria Math" panose="02040503050406030204" pitchFamily="18" charset="0"/>
                         </a:rPr>
-                        <m:t>CO</m:t>
+                        <m:t>O</m:t>
                       </m:r>
                       <m:r>
                         <a:rPr kumimoji="1" lang="en-US" altLang="ja-JP" sz="2800" i="0" dirty="0" smtClean="0">
+                          <a:solidFill>
+                            <a:schemeClr val="tx1"/>
+                          </a:solidFill>
                           <a:latin typeface="Cambria Math" panose="02040503050406030204" pitchFamily="18" charset="0"/>
                         </a:rPr>
-                        <m:t> → </m:t>
+                        <m:t>→</m:t>
                       </m:r>
                       <m:r>
                         <m:rPr>
                           <m:sty m:val="p"/>
                         </m:rPr>
-                        <a:rPr kumimoji="1" lang="en-US" altLang="ja-JP" sz="2800" i="0" dirty="0" smtClean="0">
+                        <a:rPr kumimoji="1" lang="en-US" altLang="ja-JP" sz="2800" dirty="0">
+                          <a:solidFill>
+                            <a:schemeClr val="tx1"/>
+                          </a:solidFill>
                           <a:latin typeface="Cambria Math" panose="02040503050406030204" pitchFamily="18" charset="0"/>
                         </a:rPr>
                         <m:t>C</m:t>
@@ -12324,6 +12608,9 @@
                         <m:sSubPr>
                           <m:ctrlPr>
                             <a:rPr kumimoji="1" lang="en-US" altLang="ja-JP" sz="2800" i="1" dirty="0">
+                              <a:solidFill>
+                                <a:schemeClr val="tx1"/>
+                              </a:solidFill>
                               <a:latin typeface="Cambria Math" panose="02040503050406030204" pitchFamily="18" charset="0"/>
                             </a:rPr>
                           </m:ctrlPr>
@@ -12334,6 +12621,9 @@
                               <m:sty m:val="p"/>
                             </m:rPr>
                             <a:rPr kumimoji="1" lang="en-US" altLang="ja-JP" sz="2800" dirty="0">
+                              <a:solidFill>
+                                <a:schemeClr val="tx1"/>
+                              </a:solidFill>
                               <a:latin typeface="Cambria Math" panose="02040503050406030204" pitchFamily="18" charset="0"/>
                             </a:rPr>
                             <m:t>H</m:t>
@@ -12341,10 +12631,13 @@
                         </m:e>
                         <m:sub>
                           <m:r>
-                            <a:rPr kumimoji="1" lang="en-US" altLang="ja-JP" sz="2800" b="0" i="0" dirty="0" smtClean="0">
+                            <a:rPr kumimoji="1" lang="en-US" altLang="ja-JP" sz="2800" dirty="0">
+                              <a:solidFill>
+                                <a:schemeClr val="tx1"/>
+                              </a:solidFill>
                               <a:latin typeface="Cambria Math" panose="02040503050406030204" pitchFamily="18" charset="0"/>
                             </a:rPr>
-                            <m:t>4</m:t>
+                            <m:t>3</m:t>
                           </m:r>
                         </m:sub>
                       </m:sSub>
@@ -12352,20 +12645,27 @@
                         <m:rPr>
                           <m:sty m:val="p"/>
                         </m:rPr>
-                        <a:rPr kumimoji="1" lang="en-US" altLang="ja-JP" sz="2800" i="0" dirty="0" smtClean="0">
+                        <a:rPr kumimoji="1" lang="en-US" altLang="ja-JP" sz="2800" b="0" i="0" dirty="0" smtClean="0">
+                          <a:solidFill>
+                            <a:schemeClr val="tx1"/>
+                          </a:solidFill>
                           <a:latin typeface="Cambria Math" panose="02040503050406030204" pitchFamily="18" charset="0"/>
                         </a:rPr>
-                        <m:t>O</m:t>
+                        <m:t>OH</m:t>
                       </m:r>
                     </m:oMath>
                   </m:oMathPara>
                 </a14:m>
-                <a:endParaRPr kumimoji="1" lang="ja-JP" altLang="en-US" sz="2400" dirty="0"/>
+                <a:endParaRPr kumimoji="1" lang="ja-JP" altLang="en-US" sz="2400" dirty="0">
+                  <a:solidFill>
+                    <a:schemeClr val="tx1"/>
+                  </a:solidFill>
+                </a:endParaRPr>
               </a:p>
             </p:txBody>
           </p:sp>
         </mc:Choice>
-        <mc:Fallback xmlns="">
+        <mc:Fallback>
           <p:sp>
             <p:nvSpPr>
               <p:cNvPr id="7" name="テキスト ボックス 6">
@@ -12383,7 +12683,7 @@
             <p:spPr>
               <a:xfrm>
                 <a:off x="3885199" y="3452210"/>
-                <a:ext cx="3471720" cy="523220"/>
+                <a:ext cx="3466911" cy="523220"/>
               </a:xfrm>
               <a:prstGeom prst="rect">
                 <a:avLst/>
@@ -13968,102 +14268,155 @@
           </p:sp>
         </mc:Fallback>
       </mc:AlternateContent>
-      <p:sp>
-        <p:nvSpPr>
-          <p:cNvPr id="35" name="テキスト ボックス 34">
-            <a:extLst>
-              <a:ext uri="{FF2B5EF4-FFF2-40B4-BE49-F238E27FC236}">
-                <a16:creationId xmlns:a16="http://schemas.microsoft.com/office/drawing/2014/main" id="{7954B9EC-061B-8E6F-BE81-B102E422A103}"/>
-              </a:ext>
-            </a:extLst>
-          </p:cNvPr>
-          <p:cNvSpPr txBox="1"/>
-          <p:nvPr/>
-        </p:nvSpPr>
-        <p:spPr>
-          <a:xfrm>
-            <a:off x="838200" y="5741923"/>
-            <a:ext cx="8052707" cy="369332"/>
-          </a:xfrm>
-          <a:prstGeom prst="rect">
-            <a:avLst/>
-          </a:prstGeom>
-          <a:noFill/>
-        </p:spPr>
-        <p:txBody>
-          <a:bodyPr wrap="square" rtlCol="0">
-            <a:spAutoFit/>
-          </a:bodyPr>
-          <a:lstStyle/>
-          <a:p>
-            <a:r>
-              <a:rPr kumimoji="1" lang="en-US" altLang="ja-JP" dirty="0"/>
-              <a:t>HF</a:t>
-            </a:r>
-            <a:r>
-              <a:rPr kumimoji="1" lang="ja-JP" altLang="en-US" dirty="0"/>
-              <a:t>分子より双極子モーメントの向きと分極を確認</a:t>
-            </a:r>
-            <a:endParaRPr kumimoji="1" lang="en-US" altLang="ja-JP" dirty="0"/>
-          </a:p>
-        </p:txBody>
-      </p:sp>
-      <p:sp>
-        <p:nvSpPr>
-          <p:cNvPr id="36" name="テキスト ボックス 35">
-            <a:extLst>
-              <a:ext uri="{FF2B5EF4-FFF2-40B4-BE49-F238E27FC236}">
-                <a16:creationId xmlns:a16="http://schemas.microsoft.com/office/drawing/2014/main" id="{387F4446-7C42-D0BE-A32C-ED4B6B51E2D6}"/>
-              </a:ext>
-            </a:extLst>
-          </p:cNvPr>
-          <p:cNvSpPr txBox="1"/>
-          <p:nvPr/>
-        </p:nvSpPr>
-        <p:spPr>
-          <a:xfrm>
-            <a:off x="838200" y="6195319"/>
-            <a:ext cx="8052707" cy="369332"/>
-          </a:xfrm>
-          <a:prstGeom prst="rect">
-            <a:avLst/>
-          </a:prstGeom>
-          <a:noFill/>
-        </p:spPr>
-        <p:txBody>
-          <a:bodyPr wrap="square" rtlCol="0">
-            <a:spAutoFit/>
-          </a:bodyPr>
-          <a:lstStyle/>
-          <a:p>
-            <a:r>
-              <a:rPr kumimoji="1" lang="en-US" altLang="ja-JP" dirty="0"/>
-              <a:t>6-31G</a:t>
-            </a:r>
-            <a:r>
-              <a:rPr kumimoji="1" lang="ja-JP" altLang="en-US" dirty="0"/>
-              <a:t>は実験と逆、実験値を再現するには</a:t>
-            </a:r>
-            <a:r>
-              <a:rPr kumimoji="1" lang="en-US" altLang="ja-JP" dirty="0"/>
-              <a:t>6-31G(d</a:t>
-            </a:r>
-            <a:r>
-              <a:rPr kumimoji="1" lang="ja-JP" altLang="en-US" dirty="0"/>
-              <a:t> </a:t>
-            </a:r>
-            <a:r>
-              <a:rPr kumimoji="1" lang="en-US" altLang="ja-JP" dirty="0"/>
-              <a:t>, p)</a:t>
-            </a:r>
-            <a:r>
-              <a:rPr kumimoji="1" lang="ja-JP" altLang="en-US" dirty="0"/>
-              <a:t>が必要</a:t>
-            </a:r>
-            <a:endParaRPr kumimoji="1" lang="en-US" altLang="ja-JP" dirty="0"/>
-          </a:p>
-        </p:txBody>
-      </p:sp>
+      <mc:AlternateContent xmlns:mc="http://schemas.openxmlformats.org/markup-compatibility/2006">
+        <mc:Choice xmlns:a14="http://schemas.microsoft.com/office/drawing/2010/main" Requires="a14">
+          <p:sp>
+            <p:nvSpPr>
+              <p:cNvPr id="36" name="テキスト ボックス 35">
+                <a:extLst>
+                  <a:ext uri="{FF2B5EF4-FFF2-40B4-BE49-F238E27FC236}">
+                    <a16:creationId xmlns:a16="http://schemas.microsoft.com/office/drawing/2014/main" id="{387F4446-7C42-D0BE-A32C-ED4B6B51E2D6}"/>
+                  </a:ext>
+                </a:extLst>
+              </p:cNvPr>
+              <p:cNvSpPr txBox="1"/>
+              <p:nvPr/>
+            </p:nvSpPr>
+            <p:spPr>
+              <a:xfrm>
+                <a:off x="838200" y="5908938"/>
+                <a:ext cx="8052707" cy="393313"/>
+              </a:xfrm>
+              <a:prstGeom prst="rect">
+                <a:avLst/>
+              </a:prstGeom>
+              <a:noFill/>
+            </p:spPr>
+            <p:txBody>
+              <a:bodyPr wrap="square" rtlCol="0">
+                <a:spAutoFit/>
+              </a:bodyPr>
+              <a:lstStyle/>
+              <a:p>
+                <a:r>
+                  <a:rPr kumimoji="1" lang="en-US" altLang="ja-JP" dirty="0"/>
+                  <a:t>6-31G</a:t>
+                </a:r>
+                <a:r>
+                  <a:rPr kumimoji="1" lang="ja-JP" altLang="en-US" dirty="0"/>
+                  <a:t>は実験と逆、</a:t>
+                </a:r>
+                <a14:m>
+                  <m:oMath xmlns:m="http://schemas.openxmlformats.org/officeDocument/2006/math">
+                    <m:r>
+                      <a:rPr kumimoji="1" lang="ja-JP" altLang="en-US" i="0" dirty="0" smtClean="0">
+                        <a:latin typeface="Cambria Math" panose="02040503050406030204" pitchFamily="18" charset="0"/>
+                      </a:rPr>
+                      <m:t>実験</m:t>
+                    </m:r>
+                    <m:sSup>
+                      <m:sSupPr>
+                        <m:ctrlPr>
+                          <a:rPr kumimoji="1" lang="en-US" altLang="ja-JP" b="0" i="0" dirty="0" smtClean="0">
+                            <a:latin typeface="Cambria Math" panose="02040503050406030204" pitchFamily="18" charset="0"/>
+                          </a:rPr>
+                        </m:ctrlPr>
+                      </m:sSupPr>
+                      <m:e>
+                        <m:r>
+                          <a:rPr kumimoji="1" lang="ja-JP" altLang="en-US" i="0" dirty="0" smtClean="0">
+                            <a:latin typeface="Cambria Math" panose="02040503050406030204" pitchFamily="18" charset="0"/>
+                          </a:rPr>
+                          <m:t>値</m:t>
+                        </m:r>
+                      </m:e>
+                      <m:sup>
+                        <m:r>
+                          <a:rPr kumimoji="1" lang="en-US" altLang="ja-JP" dirty="0">
+                            <a:latin typeface="Cambria Math" panose="02040503050406030204" pitchFamily="18" charset="0"/>
+                          </a:rPr>
+                          <m:t>[2</m:t>
+                        </m:r>
+                        <m:r>
+                          <a:rPr kumimoji="1" lang="en-US" altLang="ja-JP" dirty="0">
+                            <a:latin typeface="Cambria Math" panose="02040503050406030204" pitchFamily="18" charset="0"/>
+                          </a:rPr>
+                          <m:t>]</m:t>
+                        </m:r>
+                      </m:sup>
+                    </m:sSup>
+                  </m:oMath>
+                </a14:m>
+                <a:r>
+                  <a:rPr kumimoji="1" lang="ja-JP" altLang="en-US" dirty="0"/>
+                  <a:t>を再現するには</a:t>
+                </a:r>
+                <a:r>
+                  <a:rPr kumimoji="1" lang="en-US" altLang="ja-JP" dirty="0"/>
+                  <a:t>6-31G(d</a:t>
+                </a:r>
+                <a:r>
+                  <a:rPr kumimoji="1" lang="ja-JP" altLang="en-US" dirty="0"/>
+                  <a:t> </a:t>
+                </a:r>
+                <a:r>
+                  <a:rPr kumimoji="1" lang="en-US" altLang="ja-JP" dirty="0"/>
+                  <a:t>, p)</a:t>
+                </a:r>
+                <a:r>
+                  <a:rPr kumimoji="1" lang="ja-JP" altLang="en-US" dirty="0"/>
+                  <a:t>が必要</a:t>
+                </a:r>
+                <a:endParaRPr kumimoji="1" lang="en-US" altLang="ja-JP" dirty="0"/>
+              </a:p>
+            </p:txBody>
+          </p:sp>
+        </mc:Choice>
+        <mc:Fallback>
+          <p:sp>
+            <p:nvSpPr>
+              <p:cNvPr id="36" name="テキスト ボックス 35">
+                <a:extLst>
+                  <a:ext uri="{FF2B5EF4-FFF2-40B4-BE49-F238E27FC236}">
+                    <a16:creationId xmlns:a16="http://schemas.microsoft.com/office/drawing/2014/main" id="{387F4446-7C42-D0BE-A32C-ED4B6B51E2D6}"/>
+                  </a:ext>
+                </a:extLst>
+              </p:cNvPr>
+              <p:cNvSpPr txBox="1">
+                <a:spLocks noRot="1" noChangeAspect="1" noMove="1" noResize="1" noEditPoints="1" noAdjustHandles="1" noChangeArrowheads="1" noChangeShapeType="1" noTextEdit="1"/>
+              </p:cNvSpPr>
+              <p:nvPr/>
+            </p:nvSpPr>
+            <p:spPr>
+              <a:xfrm>
+                <a:off x="838200" y="5908938"/>
+                <a:ext cx="8052707" cy="393313"/>
+              </a:xfrm>
+              <a:prstGeom prst="rect">
+                <a:avLst/>
+              </a:prstGeom>
+              <a:blipFill>
+                <a:blip r:embed="rId6"/>
+                <a:stretch>
+                  <a:fillRect l="-682" t="-4615" b="-21538"/>
+                </a:stretch>
+              </a:blipFill>
+            </p:spPr>
+            <p:txBody>
+              <a:bodyPr/>
+              <a:lstStyle/>
+              <a:p>
+                <a:r>
+                  <a:rPr lang="ja-JP" altLang="en-US">
+                    <a:noFill/>
+                  </a:rPr>
+                  <a:t> </a:t>
+                </a:r>
+              </a:p>
+            </p:txBody>
+          </p:sp>
+        </mc:Fallback>
+      </mc:AlternateContent>
       <p:sp>
         <p:nvSpPr>
           <p:cNvPr id="37" name="テキスト ボックス 36">
@@ -14246,7 +14599,7 @@
                 <a:avLst/>
               </a:prstGeom>
               <a:blipFill>
-                <a:blip r:embed="rId6"/>
+                <a:blip r:embed="rId7"/>
                 <a:stretch>
                   <a:fillRect l="-27586" r="-18966" b="-6557"/>
                 </a:stretch>
@@ -14366,7 +14719,7 @@
                 <a:avLst/>
               </a:prstGeom>
               <a:blipFill>
-                <a:blip r:embed="rId7"/>
+                <a:blip r:embed="rId8"/>
                 <a:stretch>
                   <a:fillRect l="-28070" r="-19298" b="-6557"/>
                 </a:stretch>
@@ -14486,7 +14839,7 @@
                 <a:avLst/>
               </a:prstGeom>
               <a:blipFill>
-                <a:blip r:embed="rId8"/>
+                <a:blip r:embed="rId9"/>
                 <a:stretch>
                   <a:fillRect l="-38596" r="-19298" b="-4918"/>
                 </a:stretch>
@@ -14606,7 +14959,7 @@
                 <a:avLst/>
               </a:prstGeom>
               <a:blipFill>
-                <a:blip r:embed="rId9"/>
+                <a:blip r:embed="rId10"/>
                 <a:stretch>
                   <a:fillRect l="-37931" r="-18966" b="-6557"/>
                 </a:stretch>
@@ -14726,7 +15079,7 @@
                 <a:avLst/>
               </a:prstGeom>
               <a:blipFill>
-                <a:blip r:embed="rId10"/>
+                <a:blip r:embed="rId11"/>
                 <a:stretch>
                   <a:fillRect l="-37931" r="-17241" b="-6667"/>
                 </a:stretch>
@@ -14748,6 +15101,175 @@
           </p:sp>
         </mc:Fallback>
       </mc:AlternateContent>
+      <p:sp>
+        <p:nvSpPr>
+          <p:cNvPr id="10" name="テキスト ボックス 9">
+            <a:extLst>
+              <a:ext uri="{FF2B5EF4-FFF2-40B4-BE49-F238E27FC236}">
+                <a16:creationId xmlns:a16="http://schemas.microsoft.com/office/drawing/2014/main" id="{80AB40EC-0114-AA3E-4397-0D160FF74919}"/>
+              </a:ext>
+            </a:extLst>
+          </p:cNvPr>
+          <p:cNvSpPr txBox="1"/>
+          <p:nvPr/>
+        </p:nvSpPr>
+        <p:spPr>
+          <a:xfrm>
+            <a:off x="245417" y="6356350"/>
+            <a:ext cx="8293188" cy="307777"/>
+          </a:xfrm>
+          <a:prstGeom prst="rect">
+            <a:avLst/>
+          </a:prstGeom>
+          <a:noFill/>
+        </p:spPr>
+        <p:txBody>
+          <a:bodyPr wrap="square">
+            <a:spAutoFit/>
+          </a:bodyPr>
+          <a:lstStyle/>
+          <a:p>
+            <a:r>
+              <a:rPr kumimoji="1" lang="en-US" altLang="ja-JP" sz="1400" dirty="0"/>
+              <a:t>[2]INTERNATIONAL JOURNAL OF QUANTUM CHEMISTRY , VOL . l s, 153-161 (1967)</a:t>
+            </a:r>
+            <a:endParaRPr kumimoji="1" lang="ja-JP" altLang="en-US" sz="1400" dirty="0"/>
+          </a:p>
+        </p:txBody>
+      </p:sp>
+      <p:sp>
+        <p:nvSpPr>
+          <p:cNvPr id="12" name="テキスト ボックス 11">
+            <a:extLst>
+              <a:ext uri="{FF2B5EF4-FFF2-40B4-BE49-F238E27FC236}">
+                <a16:creationId xmlns:a16="http://schemas.microsoft.com/office/drawing/2014/main" id="{72399601-9AF3-881C-10D3-4C8B0279851F}"/>
+              </a:ext>
+            </a:extLst>
+          </p:cNvPr>
+          <p:cNvSpPr txBox="1"/>
+          <p:nvPr/>
+        </p:nvSpPr>
+        <p:spPr>
+          <a:xfrm>
+            <a:off x="1472644" y="5328642"/>
+            <a:ext cx="1481569" cy="523220"/>
+          </a:xfrm>
+          <a:prstGeom prst="rect">
+            <a:avLst/>
+          </a:prstGeom>
+          <a:noFill/>
+        </p:spPr>
+        <p:txBody>
+          <a:bodyPr wrap="square">
+            <a:spAutoFit/>
+          </a:bodyPr>
+          <a:lstStyle/>
+          <a:p>
+            <a:r>
+              <a:rPr lang="en-US" altLang="ja-JP" sz="1400" dirty="0"/>
+              <a:t>Dipole moment :</a:t>
+            </a:r>
+          </a:p>
+          <a:p>
+            <a:r>
+              <a:rPr lang="ja-JP" altLang="en-US" sz="1400" dirty="0"/>
+              <a:t>Tot=1.8277</a:t>
+            </a:r>
+          </a:p>
+        </p:txBody>
+      </p:sp>
+      <p:sp>
+        <p:nvSpPr>
+          <p:cNvPr id="15" name="テキスト ボックス 14">
+            <a:extLst>
+              <a:ext uri="{FF2B5EF4-FFF2-40B4-BE49-F238E27FC236}">
+                <a16:creationId xmlns:a16="http://schemas.microsoft.com/office/drawing/2014/main" id="{E0380CE6-539C-E5D4-E14B-9057266ED9B7}"/>
+              </a:ext>
+            </a:extLst>
+          </p:cNvPr>
+          <p:cNvSpPr txBox="1"/>
+          <p:nvPr/>
+        </p:nvSpPr>
+        <p:spPr>
+          <a:xfrm>
+            <a:off x="4762649" y="5331113"/>
+            <a:ext cx="1333351" cy="523220"/>
+          </a:xfrm>
+          <a:prstGeom prst="rect">
+            <a:avLst/>
+          </a:prstGeom>
+          <a:noFill/>
+        </p:spPr>
+        <p:txBody>
+          <a:bodyPr wrap="square">
+            <a:spAutoFit/>
+          </a:bodyPr>
+          <a:lstStyle/>
+          <a:p>
+            <a:r>
+              <a:rPr lang="ja-JP" altLang="en-US" sz="1400" dirty="0"/>
+              <a:t>Dipole moment </a:t>
+            </a:r>
+            <a:endParaRPr lang="en-US" altLang="ja-JP" sz="1400" dirty="0"/>
+          </a:p>
+          <a:p>
+            <a:r>
+              <a:rPr lang="ja-JP" altLang="en-US" sz="1400" dirty="0"/>
+              <a:t>Tot=0.1277</a:t>
+            </a:r>
+          </a:p>
+        </p:txBody>
+      </p:sp>
+      <p:sp>
+        <p:nvSpPr>
+          <p:cNvPr id="17" name="テキスト ボックス 16">
+            <a:extLst>
+              <a:ext uri="{FF2B5EF4-FFF2-40B4-BE49-F238E27FC236}">
+                <a16:creationId xmlns:a16="http://schemas.microsoft.com/office/drawing/2014/main" id="{372FD79A-9BDC-8525-3060-8983D8EBFC07}"/>
+              </a:ext>
+            </a:extLst>
+          </p:cNvPr>
+          <p:cNvSpPr txBox="1"/>
+          <p:nvPr/>
+        </p:nvSpPr>
+        <p:spPr>
+          <a:xfrm>
+            <a:off x="8753288" y="5334609"/>
+            <a:ext cx="1711726" cy="523220"/>
+          </a:xfrm>
+          <a:prstGeom prst="rect">
+            <a:avLst/>
+          </a:prstGeom>
+          <a:noFill/>
+        </p:spPr>
+        <p:txBody>
+          <a:bodyPr wrap="square">
+            <a:spAutoFit/>
+          </a:bodyPr>
+          <a:lstStyle/>
+          <a:p>
+            <a:r>
+              <a:rPr lang="ja-JP" altLang="en-US" sz="1400" dirty="0"/>
+              <a:t>Dipole moment</a:t>
+            </a:r>
+            <a:r>
+              <a:rPr lang="en-US" altLang="ja-JP" sz="1400" dirty="0"/>
+              <a:t>:</a:t>
+            </a:r>
+            <a:r>
+              <a:rPr lang="ja-JP" altLang="en-US" sz="1400" dirty="0"/>
+              <a:t> </a:t>
+            </a:r>
+            <a:endParaRPr lang="en-US" altLang="ja-JP" sz="1400" dirty="0"/>
+          </a:p>
+          <a:p>
+            <a:r>
+              <a:rPr lang="ja-JP" altLang="en-US" sz="1400" dirty="0"/>
+              <a:t>Tot=0.0599</a:t>
+            </a:r>
+          </a:p>
+        </p:txBody>
+      </p:sp>
     </p:spTree>
     <p:extLst>
       <p:ext uri="{BB962C8B-B14F-4D97-AF65-F5344CB8AC3E}">
@@ -15544,8 +16066,8 @@
           </a:fontRef>
         </p:style>
       </p:cxnSp>
-      <mc:AlternateContent xmlns:mc="http://schemas.openxmlformats.org/markup-compatibility/2006">
-        <mc:Choice xmlns:a14="http://schemas.microsoft.com/office/drawing/2010/main" Requires="a14">
+      <mc:AlternateContent xmlns:mc="http://schemas.openxmlformats.org/markup-compatibility/2006" xmlns:a14="http://schemas.microsoft.com/office/drawing/2010/main">
+        <mc:Choice Requires="a14">
           <p:sp>
             <p:nvSpPr>
               <p:cNvPr id="14" name="テキスト ボックス 13">
@@ -15701,7 +16223,7 @@
                     <m:sSub>
                       <m:sSubPr>
                         <m:ctrlPr>
-                          <a:rPr lang="en-US" altLang="ja-JP" b="0" i="0" dirty="0" smtClean="0">
+                          <a:rPr lang="en-US" altLang="ja-JP" b="0" i="1" dirty="0" smtClean="0">
                             <a:latin typeface="Cambria Math" panose="02040503050406030204" pitchFamily="18" charset="0"/>
                           </a:rPr>
                         </m:ctrlPr>
@@ -15743,7 +16265,7 @@
             </p:txBody>
           </p:sp>
         </mc:Choice>
-        <mc:Fallback>
+        <mc:Fallback xmlns="">
           <p:sp>
             <p:nvSpPr>
               <p:cNvPr id="14" name="テキスト ボックス 13">
@@ -16604,41 +17126,6 @@
       </p:pic>
       <p:sp>
         <p:nvSpPr>
-          <p:cNvPr id="11" name="テキスト ボックス 10">
-            <a:extLst>
-              <a:ext uri="{FF2B5EF4-FFF2-40B4-BE49-F238E27FC236}">
-                <a16:creationId xmlns:a16="http://schemas.microsoft.com/office/drawing/2014/main" id="{8966CE06-D803-159A-041E-2B82C3198EAA}"/>
-              </a:ext>
-            </a:extLst>
-          </p:cNvPr>
-          <p:cNvSpPr txBox="1"/>
-          <p:nvPr/>
-        </p:nvSpPr>
-        <p:spPr>
-          <a:xfrm>
-            <a:off x="1580154" y="5911920"/>
-            <a:ext cx="2979295" cy="400110"/>
-          </a:xfrm>
-          <a:prstGeom prst="rect">
-            <a:avLst/>
-          </a:prstGeom>
-          <a:noFill/>
-        </p:spPr>
-        <p:txBody>
-          <a:bodyPr wrap="square" rtlCol="0">
-            <a:spAutoFit/>
-          </a:bodyPr>
-          <a:lstStyle/>
-          <a:p>
-            <a:r>
-              <a:rPr lang="en-US" altLang="zh-CN" sz="2000" dirty="0"/>
-              <a:t>E=-113.809998491 Hartree</a:t>
-            </a:r>
-          </a:p>
-        </p:txBody>
-      </p:sp>
-      <p:sp>
-        <p:nvSpPr>
           <p:cNvPr id="2" name="テキスト ボックス 1">
             <a:extLst>
               <a:ext uri="{FF2B5EF4-FFF2-40B4-BE49-F238E27FC236}">
@@ -16834,80 +17321,6 @@
               <a:t>2</a:t>
             </a:r>
             <a:endParaRPr kumimoji="1" lang="ja-JP" altLang="en-US" sz="2400" dirty="0"/>
-          </a:p>
-        </p:txBody>
-      </p:sp>
-      <p:sp>
-        <p:nvSpPr>
-          <p:cNvPr id="16" name="テキスト ボックス 15">
-            <a:extLst>
-              <a:ext uri="{FF2B5EF4-FFF2-40B4-BE49-F238E27FC236}">
-                <a16:creationId xmlns:a16="http://schemas.microsoft.com/office/drawing/2014/main" id="{5E001FF7-CF23-E26D-F655-019BD9D2972A}"/>
-              </a:ext>
-            </a:extLst>
-          </p:cNvPr>
-          <p:cNvSpPr txBox="1"/>
-          <p:nvPr/>
-        </p:nvSpPr>
-        <p:spPr>
-          <a:xfrm>
-            <a:off x="838200" y="6356350"/>
-            <a:ext cx="6647974" cy="646331"/>
-          </a:xfrm>
-          <a:prstGeom prst="rect">
-            <a:avLst/>
-          </a:prstGeom>
-          <a:noFill/>
-        </p:spPr>
-        <p:txBody>
-          <a:bodyPr wrap="none" rtlCol="0">
-            <a:spAutoFit/>
-          </a:bodyPr>
-          <a:lstStyle/>
-          <a:p>
-            <a:r>
-              <a:rPr lang="ja-JP" altLang="en-US" dirty="0"/>
-              <a:t>構造１のエネルギーが比較的に低いため構造１は安定である。</a:t>
-            </a:r>
-            <a:endParaRPr lang="zh-CN" altLang="en-US" dirty="0"/>
-          </a:p>
-          <a:p>
-            <a:endParaRPr kumimoji="1" lang="ja-JP" altLang="en-US" dirty="0"/>
-          </a:p>
-        </p:txBody>
-      </p:sp>
-      <p:sp>
-        <p:nvSpPr>
-          <p:cNvPr id="3" name="テキスト ボックス 2">
-            <a:extLst>
-              <a:ext uri="{FF2B5EF4-FFF2-40B4-BE49-F238E27FC236}">
-                <a16:creationId xmlns:a16="http://schemas.microsoft.com/office/drawing/2014/main" id="{3DAA5710-8F6E-F43F-B57F-B233270A7148}"/>
-              </a:ext>
-            </a:extLst>
-          </p:cNvPr>
-          <p:cNvSpPr txBox="1"/>
-          <p:nvPr/>
-        </p:nvSpPr>
-        <p:spPr>
-          <a:xfrm>
-            <a:off x="6930079" y="5911920"/>
-            <a:ext cx="2979295" cy="400110"/>
-          </a:xfrm>
-          <a:prstGeom prst="rect">
-            <a:avLst/>
-          </a:prstGeom>
-          <a:noFill/>
-        </p:spPr>
-        <p:txBody>
-          <a:bodyPr wrap="square" rtlCol="0">
-            <a:spAutoFit/>
-          </a:bodyPr>
-          <a:lstStyle/>
-          <a:p>
-            <a:r>
-              <a:rPr lang="en-US" altLang="zh-CN" sz="2000" dirty="0"/>
-              <a:t>E=-113.809808913 Hartree</a:t>
-            </a:r>
           </a:p>
         </p:txBody>
       </p:sp>
